--- a/Network Shapes.pptx
+++ b/Network Shapes.pptx
@@ -4168,7 +4168,7 @@
           <a:p>
             <a:fld id="{E83FFE37-C1F0-467D-A491-4333803291AA}" type="datetimeFigureOut">
               <a:rPr lang="en-US" smtClean="0"/>
-              <a:t>1/18/2022</a:t>
+              <a:t>2/21/2022</a:t>
             </a:fld>
             <a:endParaRPr lang="en-US"/>
           </a:p>
@@ -4366,7 +4366,7 @@
           <a:p>
             <a:fld id="{E83FFE37-C1F0-467D-A491-4333803291AA}" type="datetimeFigureOut">
               <a:rPr lang="en-US" smtClean="0"/>
-              <a:t>1/18/2022</a:t>
+              <a:t>2/21/2022</a:t>
             </a:fld>
             <a:endParaRPr lang="en-US"/>
           </a:p>
@@ -4574,7 +4574,7 @@
           <a:p>
             <a:fld id="{E83FFE37-C1F0-467D-A491-4333803291AA}" type="datetimeFigureOut">
               <a:rPr lang="en-US" smtClean="0"/>
-              <a:t>1/18/2022</a:t>
+              <a:t>2/21/2022</a:t>
             </a:fld>
             <a:endParaRPr lang="en-US"/>
           </a:p>
@@ -4772,7 +4772,7 @@
           <a:p>
             <a:fld id="{E83FFE37-C1F0-467D-A491-4333803291AA}" type="datetimeFigureOut">
               <a:rPr lang="en-US" smtClean="0"/>
-              <a:t>1/18/2022</a:t>
+              <a:t>2/21/2022</a:t>
             </a:fld>
             <a:endParaRPr lang="en-US"/>
           </a:p>
@@ -5047,7 +5047,7 @@
           <a:p>
             <a:fld id="{E83FFE37-C1F0-467D-A491-4333803291AA}" type="datetimeFigureOut">
               <a:rPr lang="en-US" smtClean="0"/>
-              <a:t>1/18/2022</a:t>
+              <a:t>2/21/2022</a:t>
             </a:fld>
             <a:endParaRPr lang="en-US"/>
           </a:p>
@@ -5312,7 +5312,7 @@
           <a:p>
             <a:fld id="{E83FFE37-C1F0-467D-A491-4333803291AA}" type="datetimeFigureOut">
               <a:rPr lang="en-US" smtClean="0"/>
-              <a:t>1/18/2022</a:t>
+              <a:t>2/21/2022</a:t>
             </a:fld>
             <a:endParaRPr lang="en-US"/>
           </a:p>
@@ -5724,7 +5724,7 @@
           <a:p>
             <a:fld id="{E83FFE37-C1F0-467D-A491-4333803291AA}" type="datetimeFigureOut">
               <a:rPr lang="en-US" smtClean="0"/>
-              <a:t>1/18/2022</a:t>
+              <a:t>2/21/2022</a:t>
             </a:fld>
             <a:endParaRPr lang="en-US"/>
           </a:p>
@@ -5865,7 +5865,7 @@
           <a:p>
             <a:fld id="{E83FFE37-C1F0-467D-A491-4333803291AA}" type="datetimeFigureOut">
               <a:rPr lang="en-US" smtClean="0"/>
-              <a:t>1/18/2022</a:t>
+              <a:t>2/21/2022</a:t>
             </a:fld>
             <a:endParaRPr lang="en-US"/>
           </a:p>
@@ -5978,7 +5978,7 @@
           <a:p>
             <a:fld id="{E83FFE37-C1F0-467D-A491-4333803291AA}" type="datetimeFigureOut">
               <a:rPr lang="en-US" smtClean="0"/>
-              <a:t>1/18/2022</a:t>
+              <a:t>2/21/2022</a:t>
             </a:fld>
             <a:endParaRPr lang="en-US"/>
           </a:p>
@@ -6289,7 +6289,7 @@
           <a:p>
             <a:fld id="{E83FFE37-C1F0-467D-A491-4333803291AA}" type="datetimeFigureOut">
               <a:rPr lang="en-US" smtClean="0"/>
-              <a:t>1/18/2022</a:t>
+              <a:t>2/21/2022</a:t>
             </a:fld>
             <a:endParaRPr lang="en-US"/>
           </a:p>
@@ -6577,7 +6577,7 @@
           <a:p>
             <a:fld id="{E83FFE37-C1F0-467D-A491-4333803291AA}" type="datetimeFigureOut">
               <a:rPr lang="en-US" smtClean="0"/>
-              <a:t>1/18/2022</a:t>
+              <a:t>2/21/2022</a:t>
             </a:fld>
             <a:endParaRPr lang="en-US"/>
           </a:p>
@@ -6818,7 +6818,7 @@
           <a:p>
             <a:fld id="{E83FFE37-C1F0-467D-A491-4333803291AA}" type="datetimeFigureOut">
               <a:rPr lang="en-US" smtClean="0"/>
-              <a:t>1/18/2022</a:t>
+              <a:t>2/21/2022</a:t>
             </a:fld>
             <a:endParaRPr lang="en-US"/>
           </a:p>
@@ -28206,6 +28206,739 @@
           </p:txBody>
         </p:sp>
       </p:grpSp>
+      <p:grpSp>
+        <p:nvGrpSpPr>
+          <p:cNvPr id="63" name="Group 62">
+            <a:extLst>
+              <a:ext uri="{FF2B5EF4-FFF2-40B4-BE49-F238E27FC236}">
+                <a16:creationId xmlns:a16="http://schemas.microsoft.com/office/drawing/2014/main" id="{BC7E32DB-4503-41BF-B262-4CC77F1B4237}"/>
+              </a:ext>
+            </a:extLst>
+          </p:cNvPr>
+          <p:cNvGrpSpPr/>
+          <p:nvPr/>
+        </p:nvGrpSpPr>
+        <p:grpSpPr>
+          <a:xfrm>
+            <a:off x="9320595" y="5396084"/>
+            <a:ext cx="646331" cy="922331"/>
+            <a:chOff x="9320595" y="5396084"/>
+            <a:chExt cx="646331" cy="922331"/>
+          </a:xfrm>
+        </p:grpSpPr>
+        <p:grpSp>
+          <p:nvGrpSpPr>
+            <p:cNvPr id="39" name="Group 38">
+              <a:extLst>
+                <a:ext uri="{FF2B5EF4-FFF2-40B4-BE49-F238E27FC236}">
+                  <a16:creationId xmlns:a16="http://schemas.microsoft.com/office/drawing/2014/main" id="{A0701B81-9D99-43F7-ADC9-700A5F95977A}"/>
+                </a:ext>
+              </a:extLst>
+            </p:cNvPr>
+            <p:cNvGrpSpPr/>
+            <p:nvPr/>
+          </p:nvGrpSpPr>
+          <p:grpSpPr>
+            <a:xfrm>
+              <a:off x="9332268" y="5396084"/>
+              <a:ext cx="599812" cy="663080"/>
+              <a:chOff x="9332268" y="5396084"/>
+              <a:chExt cx="718008" cy="786506"/>
+            </a:xfrm>
+          </p:grpSpPr>
+          <p:sp>
+            <p:nvSpPr>
+              <p:cNvPr id="17" name="Flowchart: Off-page Connector 16">
+                <a:extLst>
+                  <a:ext uri="{FF2B5EF4-FFF2-40B4-BE49-F238E27FC236}">
+                    <a16:creationId xmlns:a16="http://schemas.microsoft.com/office/drawing/2014/main" id="{1DF8B269-D521-4D24-9936-D06AD4374876}"/>
+                  </a:ext>
+                </a:extLst>
+              </p:cNvPr>
+              <p:cNvSpPr/>
+              <p:nvPr/>
+            </p:nvSpPr>
+            <p:spPr>
+              <a:xfrm>
+                <a:off x="9332268" y="5396084"/>
+                <a:ext cx="718008" cy="786506"/>
+              </a:xfrm>
+              <a:custGeom>
+                <a:avLst/>
+                <a:gdLst>
+                  <a:gd name="connsiteX0" fmla="*/ 0 w 10000"/>
+                  <a:gd name="connsiteY0" fmla="*/ 0 h 10000"/>
+                  <a:gd name="connsiteX1" fmla="*/ 10000 w 10000"/>
+                  <a:gd name="connsiteY1" fmla="*/ 0 h 10000"/>
+                  <a:gd name="connsiteX2" fmla="*/ 10000 w 10000"/>
+                  <a:gd name="connsiteY2" fmla="*/ 8000 h 10000"/>
+                  <a:gd name="connsiteX3" fmla="*/ 5000 w 10000"/>
+                  <a:gd name="connsiteY3" fmla="*/ 10000 h 10000"/>
+                  <a:gd name="connsiteX4" fmla="*/ 0 w 10000"/>
+                  <a:gd name="connsiteY4" fmla="*/ 8000 h 10000"/>
+                  <a:gd name="connsiteX5" fmla="*/ 0 w 10000"/>
+                  <a:gd name="connsiteY5" fmla="*/ 0 h 10000"/>
+                  <a:gd name="connsiteX0" fmla="*/ 0 w 11329"/>
+                  <a:gd name="connsiteY0" fmla="*/ 0 h 10422"/>
+                  <a:gd name="connsiteX1" fmla="*/ 11329 w 11329"/>
+                  <a:gd name="connsiteY1" fmla="*/ 422 h 10422"/>
+                  <a:gd name="connsiteX2" fmla="*/ 11329 w 11329"/>
+                  <a:gd name="connsiteY2" fmla="*/ 8422 h 10422"/>
+                  <a:gd name="connsiteX3" fmla="*/ 6329 w 11329"/>
+                  <a:gd name="connsiteY3" fmla="*/ 10422 h 10422"/>
+                  <a:gd name="connsiteX4" fmla="*/ 1329 w 11329"/>
+                  <a:gd name="connsiteY4" fmla="*/ 8422 h 10422"/>
+                  <a:gd name="connsiteX5" fmla="*/ 0 w 11329"/>
+                  <a:gd name="connsiteY5" fmla="*/ 0 h 10422"/>
+                  <a:gd name="connsiteX0" fmla="*/ 0 w 11329"/>
+                  <a:gd name="connsiteY0" fmla="*/ 153 h 10575"/>
+                  <a:gd name="connsiteX1" fmla="*/ 11329 w 11329"/>
+                  <a:gd name="connsiteY1" fmla="*/ 575 h 10575"/>
+                  <a:gd name="connsiteX2" fmla="*/ 11329 w 11329"/>
+                  <a:gd name="connsiteY2" fmla="*/ 8575 h 10575"/>
+                  <a:gd name="connsiteX3" fmla="*/ 6329 w 11329"/>
+                  <a:gd name="connsiteY3" fmla="*/ 10575 h 10575"/>
+                  <a:gd name="connsiteX4" fmla="*/ 1329 w 11329"/>
+                  <a:gd name="connsiteY4" fmla="*/ 8575 h 10575"/>
+                  <a:gd name="connsiteX5" fmla="*/ 0 w 11329"/>
+                  <a:gd name="connsiteY5" fmla="*/ 153 h 10575"/>
+                  <a:gd name="connsiteX0" fmla="*/ 0 w 11329"/>
+                  <a:gd name="connsiteY0" fmla="*/ 221 h 10643"/>
+                  <a:gd name="connsiteX1" fmla="*/ 11181 w 11329"/>
+                  <a:gd name="connsiteY1" fmla="*/ 298 h 10643"/>
+                  <a:gd name="connsiteX2" fmla="*/ 11329 w 11329"/>
+                  <a:gd name="connsiteY2" fmla="*/ 8643 h 10643"/>
+                  <a:gd name="connsiteX3" fmla="*/ 6329 w 11329"/>
+                  <a:gd name="connsiteY3" fmla="*/ 10643 h 10643"/>
+                  <a:gd name="connsiteX4" fmla="*/ 1329 w 11329"/>
+                  <a:gd name="connsiteY4" fmla="*/ 8643 h 10643"/>
+                  <a:gd name="connsiteX5" fmla="*/ 0 w 11329"/>
+                  <a:gd name="connsiteY5" fmla="*/ 221 h 10643"/>
+                  <a:gd name="connsiteX0" fmla="*/ 0 w 11887"/>
+                  <a:gd name="connsiteY0" fmla="*/ 263 h 10685"/>
+                  <a:gd name="connsiteX1" fmla="*/ 11885 w 11887"/>
+                  <a:gd name="connsiteY1" fmla="*/ 211 h 10685"/>
+                  <a:gd name="connsiteX2" fmla="*/ 11329 w 11887"/>
+                  <a:gd name="connsiteY2" fmla="*/ 8685 h 10685"/>
+                  <a:gd name="connsiteX3" fmla="*/ 6329 w 11887"/>
+                  <a:gd name="connsiteY3" fmla="*/ 10685 h 10685"/>
+                  <a:gd name="connsiteX4" fmla="*/ 1329 w 11887"/>
+                  <a:gd name="connsiteY4" fmla="*/ 8685 h 10685"/>
+                  <a:gd name="connsiteX5" fmla="*/ 0 w 11887"/>
+                  <a:gd name="connsiteY5" fmla="*/ 263 h 10685"/>
+                  <a:gd name="connsiteX0" fmla="*/ 0 w 11885"/>
+                  <a:gd name="connsiteY0" fmla="*/ 263 h 10685"/>
+                  <a:gd name="connsiteX1" fmla="*/ 11885 w 11885"/>
+                  <a:gd name="connsiteY1" fmla="*/ 211 h 10685"/>
+                  <a:gd name="connsiteX2" fmla="*/ 11329 w 11885"/>
+                  <a:gd name="connsiteY2" fmla="*/ 8685 h 10685"/>
+                  <a:gd name="connsiteX3" fmla="*/ 6329 w 11885"/>
+                  <a:gd name="connsiteY3" fmla="*/ 10685 h 10685"/>
+                  <a:gd name="connsiteX4" fmla="*/ 1329 w 11885"/>
+                  <a:gd name="connsiteY4" fmla="*/ 8685 h 10685"/>
+                  <a:gd name="connsiteX5" fmla="*/ 0 w 11885"/>
+                  <a:gd name="connsiteY5" fmla="*/ 263 h 10685"/>
+                  <a:gd name="connsiteX0" fmla="*/ 0 w 11885"/>
+                  <a:gd name="connsiteY0" fmla="*/ 352 h 10774"/>
+                  <a:gd name="connsiteX1" fmla="*/ 11885 w 11885"/>
+                  <a:gd name="connsiteY1" fmla="*/ 300 h 10774"/>
+                  <a:gd name="connsiteX2" fmla="*/ 11329 w 11885"/>
+                  <a:gd name="connsiteY2" fmla="*/ 8774 h 10774"/>
+                  <a:gd name="connsiteX3" fmla="*/ 6329 w 11885"/>
+                  <a:gd name="connsiteY3" fmla="*/ 10774 h 10774"/>
+                  <a:gd name="connsiteX4" fmla="*/ 1329 w 11885"/>
+                  <a:gd name="connsiteY4" fmla="*/ 8774 h 10774"/>
+                  <a:gd name="connsiteX5" fmla="*/ 0 w 11885"/>
+                  <a:gd name="connsiteY5" fmla="*/ 352 h 10774"/>
+                  <a:gd name="connsiteX0" fmla="*/ 0 w 11885"/>
+                  <a:gd name="connsiteY0" fmla="*/ 317 h 10739"/>
+                  <a:gd name="connsiteX1" fmla="*/ 11885 w 11885"/>
+                  <a:gd name="connsiteY1" fmla="*/ 265 h 10739"/>
+                  <a:gd name="connsiteX2" fmla="*/ 11329 w 11885"/>
+                  <a:gd name="connsiteY2" fmla="*/ 8739 h 10739"/>
+                  <a:gd name="connsiteX3" fmla="*/ 6329 w 11885"/>
+                  <a:gd name="connsiteY3" fmla="*/ 10739 h 10739"/>
+                  <a:gd name="connsiteX4" fmla="*/ 1329 w 11885"/>
+                  <a:gd name="connsiteY4" fmla="*/ 8739 h 10739"/>
+                  <a:gd name="connsiteX5" fmla="*/ 0 w 11885"/>
+                  <a:gd name="connsiteY5" fmla="*/ 317 h 10739"/>
+                  <a:gd name="connsiteX0" fmla="*/ 0 w 11885"/>
+                  <a:gd name="connsiteY0" fmla="*/ 317 h 10739"/>
+                  <a:gd name="connsiteX1" fmla="*/ 11885 w 11885"/>
+                  <a:gd name="connsiteY1" fmla="*/ 265 h 10739"/>
+                  <a:gd name="connsiteX2" fmla="*/ 11329 w 11885"/>
+                  <a:gd name="connsiteY2" fmla="*/ 8739 h 10739"/>
+                  <a:gd name="connsiteX3" fmla="*/ 6329 w 11885"/>
+                  <a:gd name="connsiteY3" fmla="*/ 10739 h 10739"/>
+                  <a:gd name="connsiteX4" fmla="*/ 1329 w 11885"/>
+                  <a:gd name="connsiteY4" fmla="*/ 8739 h 10739"/>
+                  <a:gd name="connsiteX5" fmla="*/ 0 w 11885"/>
+                  <a:gd name="connsiteY5" fmla="*/ 317 h 10739"/>
+                  <a:gd name="connsiteX0" fmla="*/ 0 w 11885"/>
+                  <a:gd name="connsiteY0" fmla="*/ 317 h 10739"/>
+                  <a:gd name="connsiteX1" fmla="*/ 11885 w 11885"/>
+                  <a:gd name="connsiteY1" fmla="*/ 265 h 10739"/>
+                  <a:gd name="connsiteX2" fmla="*/ 11228 w 11885"/>
+                  <a:gd name="connsiteY2" fmla="*/ 8771 h 10739"/>
+                  <a:gd name="connsiteX3" fmla="*/ 6329 w 11885"/>
+                  <a:gd name="connsiteY3" fmla="*/ 10739 h 10739"/>
+                  <a:gd name="connsiteX4" fmla="*/ 1329 w 11885"/>
+                  <a:gd name="connsiteY4" fmla="*/ 8739 h 10739"/>
+                  <a:gd name="connsiteX5" fmla="*/ 0 w 11885"/>
+                  <a:gd name="connsiteY5" fmla="*/ 317 h 10739"/>
+                  <a:gd name="connsiteX0" fmla="*/ 0 w 11885"/>
+                  <a:gd name="connsiteY0" fmla="*/ 317 h 10739"/>
+                  <a:gd name="connsiteX1" fmla="*/ 11885 w 11885"/>
+                  <a:gd name="connsiteY1" fmla="*/ 265 h 10739"/>
+                  <a:gd name="connsiteX2" fmla="*/ 11228 w 11885"/>
+                  <a:gd name="connsiteY2" fmla="*/ 8771 h 10739"/>
+                  <a:gd name="connsiteX3" fmla="*/ 6329 w 11885"/>
+                  <a:gd name="connsiteY3" fmla="*/ 10739 h 10739"/>
+                  <a:gd name="connsiteX4" fmla="*/ 1329 w 11885"/>
+                  <a:gd name="connsiteY4" fmla="*/ 8739 h 10739"/>
+                  <a:gd name="connsiteX5" fmla="*/ 0 w 11885"/>
+                  <a:gd name="connsiteY5" fmla="*/ 317 h 10739"/>
+                  <a:gd name="connsiteX0" fmla="*/ 0 w 11416"/>
+                  <a:gd name="connsiteY0" fmla="*/ 426 h 10654"/>
+                  <a:gd name="connsiteX1" fmla="*/ 11416 w 11416"/>
+                  <a:gd name="connsiteY1" fmla="*/ 180 h 10654"/>
+                  <a:gd name="connsiteX2" fmla="*/ 10759 w 11416"/>
+                  <a:gd name="connsiteY2" fmla="*/ 8686 h 10654"/>
+                  <a:gd name="connsiteX3" fmla="*/ 5860 w 11416"/>
+                  <a:gd name="connsiteY3" fmla="*/ 10654 h 10654"/>
+                  <a:gd name="connsiteX4" fmla="*/ 860 w 11416"/>
+                  <a:gd name="connsiteY4" fmla="*/ 8654 h 10654"/>
+                  <a:gd name="connsiteX5" fmla="*/ 0 w 11416"/>
+                  <a:gd name="connsiteY5" fmla="*/ 426 h 10654"/>
+                  <a:gd name="connsiteX0" fmla="*/ 0 w 11315"/>
+                  <a:gd name="connsiteY0" fmla="*/ 288 h 10774"/>
+                  <a:gd name="connsiteX1" fmla="*/ 11315 w 11315"/>
+                  <a:gd name="connsiteY1" fmla="*/ 300 h 10774"/>
+                  <a:gd name="connsiteX2" fmla="*/ 10658 w 11315"/>
+                  <a:gd name="connsiteY2" fmla="*/ 8806 h 10774"/>
+                  <a:gd name="connsiteX3" fmla="*/ 5759 w 11315"/>
+                  <a:gd name="connsiteY3" fmla="*/ 10774 h 10774"/>
+                  <a:gd name="connsiteX4" fmla="*/ 759 w 11315"/>
+                  <a:gd name="connsiteY4" fmla="*/ 8774 h 10774"/>
+                  <a:gd name="connsiteX5" fmla="*/ 0 w 11315"/>
+                  <a:gd name="connsiteY5" fmla="*/ 288 h 10774"/>
+                  <a:gd name="connsiteX0" fmla="*/ 0 w 11281"/>
+                  <a:gd name="connsiteY0" fmla="*/ 367 h 10692"/>
+                  <a:gd name="connsiteX1" fmla="*/ 11281 w 11281"/>
+                  <a:gd name="connsiteY1" fmla="*/ 218 h 10692"/>
+                  <a:gd name="connsiteX2" fmla="*/ 10624 w 11281"/>
+                  <a:gd name="connsiteY2" fmla="*/ 8724 h 10692"/>
+                  <a:gd name="connsiteX3" fmla="*/ 5725 w 11281"/>
+                  <a:gd name="connsiteY3" fmla="*/ 10692 h 10692"/>
+                  <a:gd name="connsiteX4" fmla="*/ 725 w 11281"/>
+                  <a:gd name="connsiteY4" fmla="*/ 8692 h 10692"/>
+                  <a:gd name="connsiteX5" fmla="*/ 0 w 11281"/>
+                  <a:gd name="connsiteY5" fmla="*/ 367 h 10692"/>
+                </a:gdLst>
+                <a:ahLst/>
+                <a:cxnLst>
+                  <a:cxn ang="0">
+                    <a:pos x="connsiteX0" y="connsiteY0"/>
+                  </a:cxn>
+                  <a:cxn ang="0">
+                    <a:pos x="connsiteX1" y="connsiteY1"/>
+                  </a:cxn>
+                  <a:cxn ang="0">
+                    <a:pos x="connsiteX2" y="connsiteY2"/>
+                  </a:cxn>
+                  <a:cxn ang="0">
+                    <a:pos x="connsiteX3" y="connsiteY3"/>
+                  </a:cxn>
+                  <a:cxn ang="0">
+                    <a:pos x="connsiteX4" y="connsiteY4"/>
+                  </a:cxn>
+                  <a:cxn ang="0">
+                    <a:pos x="connsiteX5" y="connsiteY5"/>
+                  </a:cxn>
+                </a:cxnLst>
+                <a:rect l="l" t="t" r="r" b="b"/>
+                <a:pathLst>
+                  <a:path w="11281" h="10692">
+                    <a:moveTo>
+                      <a:pt x="0" y="367"/>
+                    </a:moveTo>
+                    <a:cubicBezTo>
+                      <a:pt x="5943" y="-105"/>
+                      <a:pt x="5594" y="-84"/>
+                      <a:pt x="11281" y="218"/>
+                    </a:cubicBezTo>
+                    <a:cubicBezTo>
+                      <a:pt x="11028" y="3484"/>
+                      <a:pt x="10877" y="5974"/>
+                      <a:pt x="10624" y="8724"/>
+                    </a:cubicBezTo>
+                    <a:lnTo>
+                      <a:pt x="5725" y="10692"/>
+                    </a:lnTo>
+                    <a:lnTo>
+                      <a:pt x="725" y="8692"/>
+                    </a:lnTo>
+                    <a:cubicBezTo>
+                      <a:pt x="483" y="5917"/>
+                      <a:pt x="242" y="3142"/>
+                      <a:pt x="0" y="367"/>
+                    </a:cubicBezTo>
+                    <a:close/>
+                  </a:path>
+                </a:pathLst>
+              </a:custGeom>
+              <a:solidFill>
+                <a:schemeClr val="accent1"/>
+              </a:solidFill>
+              <a:ln w="38100" cap="rnd">
+                <a:solidFill>
+                  <a:schemeClr val="accent1">
+                    <a:shade val="50000"/>
+                  </a:schemeClr>
+                </a:solidFill>
+                <a:round/>
+              </a:ln>
+            </p:spPr>
+            <p:style>
+              <a:lnRef idx="2">
+                <a:schemeClr val="accent1">
+                  <a:shade val="50000"/>
+                </a:schemeClr>
+              </a:lnRef>
+              <a:fillRef idx="1">
+                <a:schemeClr val="accent1"/>
+              </a:fillRef>
+              <a:effectRef idx="0">
+                <a:schemeClr val="accent1"/>
+              </a:effectRef>
+              <a:fontRef idx="minor">
+                <a:schemeClr val="lt1"/>
+              </a:fontRef>
+            </p:style>
+            <p:txBody>
+              <a:bodyPr rtlCol="0" anchor="ctr"/>
+              <a:lstStyle/>
+              <a:p>
+                <a:pPr algn="ctr"/>
+                <a:endParaRPr lang="en-US"/>
+              </a:p>
+            </p:txBody>
+          </p:sp>
+          <p:sp>
+            <p:nvSpPr>
+              <p:cNvPr id="506" name="Flowchart: Off-page Connector 16">
+                <a:extLst>
+                  <a:ext uri="{FF2B5EF4-FFF2-40B4-BE49-F238E27FC236}">
+                    <a16:creationId xmlns:a16="http://schemas.microsoft.com/office/drawing/2014/main" id="{21A48DFF-E5F9-4184-A7ED-A6EBB66F9171}"/>
+                  </a:ext>
+                </a:extLst>
+              </p:cNvPr>
+              <p:cNvSpPr/>
+              <p:nvPr/>
+            </p:nvSpPr>
+            <p:spPr>
+              <a:xfrm>
+                <a:off x="9373383" y="5444098"/>
+                <a:ext cx="637232" cy="680906"/>
+              </a:xfrm>
+              <a:custGeom>
+                <a:avLst/>
+                <a:gdLst>
+                  <a:gd name="connsiteX0" fmla="*/ 0 w 10000"/>
+                  <a:gd name="connsiteY0" fmla="*/ 0 h 10000"/>
+                  <a:gd name="connsiteX1" fmla="*/ 10000 w 10000"/>
+                  <a:gd name="connsiteY1" fmla="*/ 0 h 10000"/>
+                  <a:gd name="connsiteX2" fmla="*/ 10000 w 10000"/>
+                  <a:gd name="connsiteY2" fmla="*/ 8000 h 10000"/>
+                  <a:gd name="connsiteX3" fmla="*/ 5000 w 10000"/>
+                  <a:gd name="connsiteY3" fmla="*/ 10000 h 10000"/>
+                  <a:gd name="connsiteX4" fmla="*/ 0 w 10000"/>
+                  <a:gd name="connsiteY4" fmla="*/ 8000 h 10000"/>
+                  <a:gd name="connsiteX5" fmla="*/ 0 w 10000"/>
+                  <a:gd name="connsiteY5" fmla="*/ 0 h 10000"/>
+                  <a:gd name="connsiteX0" fmla="*/ 0 w 11329"/>
+                  <a:gd name="connsiteY0" fmla="*/ 0 h 10422"/>
+                  <a:gd name="connsiteX1" fmla="*/ 11329 w 11329"/>
+                  <a:gd name="connsiteY1" fmla="*/ 422 h 10422"/>
+                  <a:gd name="connsiteX2" fmla="*/ 11329 w 11329"/>
+                  <a:gd name="connsiteY2" fmla="*/ 8422 h 10422"/>
+                  <a:gd name="connsiteX3" fmla="*/ 6329 w 11329"/>
+                  <a:gd name="connsiteY3" fmla="*/ 10422 h 10422"/>
+                  <a:gd name="connsiteX4" fmla="*/ 1329 w 11329"/>
+                  <a:gd name="connsiteY4" fmla="*/ 8422 h 10422"/>
+                  <a:gd name="connsiteX5" fmla="*/ 0 w 11329"/>
+                  <a:gd name="connsiteY5" fmla="*/ 0 h 10422"/>
+                  <a:gd name="connsiteX0" fmla="*/ 0 w 11329"/>
+                  <a:gd name="connsiteY0" fmla="*/ 153 h 10575"/>
+                  <a:gd name="connsiteX1" fmla="*/ 11329 w 11329"/>
+                  <a:gd name="connsiteY1" fmla="*/ 575 h 10575"/>
+                  <a:gd name="connsiteX2" fmla="*/ 11329 w 11329"/>
+                  <a:gd name="connsiteY2" fmla="*/ 8575 h 10575"/>
+                  <a:gd name="connsiteX3" fmla="*/ 6329 w 11329"/>
+                  <a:gd name="connsiteY3" fmla="*/ 10575 h 10575"/>
+                  <a:gd name="connsiteX4" fmla="*/ 1329 w 11329"/>
+                  <a:gd name="connsiteY4" fmla="*/ 8575 h 10575"/>
+                  <a:gd name="connsiteX5" fmla="*/ 0 w 11329"/>
+                  <a:gd name="connsiteY5" fmla="*/ 153 h 10575"/>
+                  <a:gd name="connsiteX0" fmla="*/ 0 w 11329"/>
+                  <a:gd name="connsiteY0" fmla="*/ 221 h 10643"/>
+                  <a:gd name="connsiteX1" fmla="*/ 11181 w 11329"/>
+                  <a:gd name="connsiteY1" fmla="*/ 298 h 10643"/>
+                  <a:gd name="connsiteX2" fmla="*/ 11329 w 11329"/>
+                  <a:gd name="connsiteY2" fmla="*/ 8643 h 10643"/>
+                  <a:gd name="connsiteX3" fmla="*/ 6329 w 11329"/>
+                  <a:gd name="connsiteY3" fmla="*/ 10643 h 10643"/>
+                  <a:gd name="connsiteX4" fmla="*/ 1329 w 11329"/>
+                  <a:gd name="connsiteY4" fmla="*/ 8643 h 10643"/>
+                  <a:gd name="connsiteX5" fmla="*/ 0 w 11329"/>
+                  <a:gd name="connsiteY5" fmla="*/ 221 h 10643"/>
+                  <a:gd name="connsiteX0" fmla="*/ 0 w 11887"/>
+                  <a:gd name="connsiteY0" fmla="*/ 263 h 10685"/>
+                  <a:gd name="connsiteX1" fmla="*/ 11885 w 11887"/>
+                  <a:gd name="connsiteY1" fmla="*/ 211 h 10685"/>
+                  <a:gd name="connsiteX2" fmla="*/ 11329 w 11887"/>
+                  <a:gd name="connsiteY2" fmla="*/ 8685 h 10685"/>
+                  <a:gd name="connsiteX3" fmla="*/ 6329 w 11887"/>
+                  <a:gd name="connsiteY3" fmla="*/ 10685 h 10685"/>
+                  <a:gd name="connsiteX4" fmla="*/ 1329 w 11887"/>
+                  <a:gd name="connsiteY4" fmla="*/ 8685 h 10685"/>
+                  <a:gd name="connsiteX5" fmla="*/ 0 w 11887"/>
+                  <a:gd name="connsiteY5" fmla="*/ 263 h 10685"/>
+                  <a:gd name="connsiteX0" fmla="*/ 0 w 11885"/>
+                  <a:gd name="connsiteY0" fmla="*/ 263 h 10685"/>
+                  <a:gd name="connsiteX1" fmla="*/ 11885 w 11885"/>
+                  <a:gd name="connsiteY1" fmla="*/ 211 h 10685"/>
+                  <a:gd name="connsiteX2" fmla="*/ 11329 w 11885"/>
+                  <a:gd name="connsiteY2" fmla="*/ 8685 h 10685"/>
+                  <a:gd name="connsiteX3" fmla="*/ 6329 w 11885"/>
+                  <a:gd name="connsiteY3" fmla="*/ 10685 h 10685"/>
+                  <a:gd name="connsiteX4" fmla="*/ 1329 w 11885"/>
+                  <a:gd name="connsiteY4" fmla="*/ 8685 h 10685"/>
+                  <a:gd name="connsiteX5" fmla="*/ 0 w 11885"/>
+                  <a:gd name="connsiteY5" fmla="*/ 263 h 10685"/>
+                  <a:gd name="connsiteX0" fmla="*/ 0 w 11885"/>
+                  <a:gd name="connsiteY0" fmla="*/ 352 h 10774"/>
+                  <a:gd name="connsiteX1" fmla="*/ 11885 w 11885"/>
+                  <a:gd name="connsiteY1" fmla="*/ 300 h 10774"/>
+                  <a:gd name="connsiteX2" fmla="*/ 11329 w 11885"/>
+                  <a:gd name="connsiteY2" fmla="*/ 8774 h 10774"/>
+                  <a:gd name="connsiteX3" fmla="*/ 6329 w 11885"/>
+                  <a:gd name="connsiteY3" fmla="*/ 10774 h 10774"/>
+                  <a:gd name="connsiteX4" fmla="*/ 1329 w 11885"/>
+                  <a:gd name="connsiteY4" fmla="*/ 8774 h 10774"/>
+                  <a:gd name="connsiteX5" fmla="*/ 0 w 11885"/>
+                  <a:gd name="connsiteY5" fmla="*/ 352 h 10774"/>
+                  <a:gd name="connsiteX0" fmla="*/ 0 w 11885"/>
+                  <a:gd name="connsiteY0" fmla="*/ 317 h 10739"/>
+                  <a:gd name="connsiteX1" fmla="*/ 11885 w 11885"/>
+                  <a:gd name="connsiteY1" fmla="*/ 265 h 10739"/>
+                  <a:gd name="connsiteX2" fmla="*/ 11329 w 11885"/>
+                  <a:gd name="connsiteY2" fmla="*/ 8739 h 10739"/>
+                  <a:gd name="connsiteX3" fmla="*/ 6329 w 11885"/>
+                  <a:gd name="connsiteY3" fmla="*/ 10739 h 10739"/>
+                  <a:gd name="connsiteX4" fmla="*/ 1329 w 11885"/>
+                  <a:gd name="connsiteY4" fmla="*/ 8739 h 10739"/>
+                  <a:gd name="connsiteX5" fmla="*/ 0 w 11885"/>
+                  <a:gd name="connsiteY5" fmla="*/ 317 h 10739"/>
+                  <a:gd name="connsiteX0" fmla="*/ 0 w 11885"/>
+                  <a:gd name="connsiteY0" fmla="*/ 317 h 10739"/>
+                  <a:gd name="connsiteX1" fmla="*/ 11885 w 11885"/>
+                  <a:gd name="connsiteY1" fmla="*/ 265 h 10739"/>
+                  <a:gd name="connsiteX2" fmla="*/ 11329 w 11885"/>
+                  <a:gd name="connsiteY2" fmla="*/ 8739 h 10739"/>
+                  <a:gd name="connsiteX3" fmla="*/ 6329 w 11885"/>
+                  <a:gd name="connsiteY3" fmla="*/ 10739 h 10739"/>
+                  <a:gd name="connsiteX4" fmla="*/ 1329 w 11885"/>
+                  <a:gd name="connsiteY4" fmla="*/ 8739 h 10739"/>
+                  <a:gd name="connsiteX5" fmla="*/ 0 w 11885"/>
+                  <a:gd name="connsiteY5" fmla="*/ 317 h 10739"/>
+                  <a:gd name="connsiteX0" fmla="*/ 0 w 11885"/>
+                  <a:gd name="connsiteY0" fmla="*/ 317 h 10739"/>
+                  <a:gd name="connsiteX1" fmla="*/ 11885 w 11885"/>
+                  <a:gd name="connsiteY1" fmla="*/ 265 h 10739"/>
+                  <a:gd name="connsiteX2" fmla="*/ 11228 w 11885"/>
+                  <a:gd name="connsiteY2" fmla="*/ 8771 h 10739"/>
+                  <a:gd name="connsiteX3" fmla="*/ 6329 w 11885"/>
+                  <a:gd name="connsiteY3" fmla="*/ 10739 h 10739"/>
+                  <a:gd name="connsiteX4" fmla="*/ 1329 w 11885"/>
+                  <a:gd name="connsiteY4" fmla="*/ 8739 h 10739"/>
+                  <a:gd name="connsiteX5" fmla="*/ 0 w 11885"/>
+                  <a:gd name="connsiteY5" fmla="*/ 317 h 10739"/>
+                  <a:gd name="connsiteX0" fmla="*/ 0 w 11885"/>
+                  <a:gd name="connsiteY0" fmla="*/ 317 h 10739"/>
+                  <a:gd name="connsiteX1" fmla="*/ 11885 w 11885"/>
+                  <a:gd name="connsiteY1" fmla="*/ 265 h 10739"/>
+                  <a:gd name="connsiteX2" fmla="*/ 11228 w 11885"/>
+                  <a:gd name="connsiteY2" fmla="*/ 8771 h 10739"/>
+                  <a:gd name="connsiteX3" fmla="*/ 6329 w 11885"/>
+                  <a:gd name="connsiteY3" fmla="*/ 10739 h 10739"/>
+                  <a:gd name="connsiteX4" fmla="*/ 1329 w 11885"/>
+                  <a:gd name="connsiteY4" fmla="*/ 8739 h 10739"/>
+                  <a:gd name="connsiteX5" fmla="*/ 0 w 11885"/>
+                  <a:gd name="connsiteY5" fmla="*/ 317 h 10739"/>
+                  <a:gd name="connsiteX0" fmla="*/ 0 w 11416"/>
+                  <a:gd name="connsiteY0" fmla="*/ 426 h 10654"/>
+                  <a:gd name="connsiteX1" fmla="*/ 11416 w 11416"/>
+                  <a:gd name="connsiteY1" fmla="*/ 180 h 10654"/>
+                  <a:gd name="connsiteX2" fmla="*/ 10759 w 11416"/>
+                  <a:gd name="connsiteY2" fmla="*/ 8686 h 10654"/>
+                  <a:gd name="connsiteX3" fmla="*/ 5860 w 11416"/>
+                  <a:gd name="connsiteY3" fmla="*/ 10654 h 10654"/>
+                  <a:gd name="connsiteX4" fmla="*/ 860 w 11416"/>
+                  <a:gd name="connsiteY4" fmla="*/ 8654 h 10654"/>
+                  <a:gd name="connsiteX5" fmla="*/ 0 w 11416"/>
+                  <a:gd name="connsiteY5" fmla="*/ 426 h 10654"/>
+                  <a:gd name="connsiteX0" fmla="*/ 0 w 11315"/>
+                  <a:gd name="connsiteY0" fmla="*/ 288 h 10774"/>
+                  <a:gd name="connsiteX1" fmla="*/ 11315 w 11315"/>
+                  <a:gd name="connsiteY1" fmla="*/ 300 h 10774"/>
+                  <a:gd name="connsiteX2" fmla="*/ 10658 w 11315"/>
+                  <a:gd name="connsiteY2" fmla="*/ 8806 h 10774"/>
+                  <a:gd name="connsiteX3" fmla="*/ 5759 w 11315"/>
+                  <a:gd name="connsiteY3" fmla="*/ 10774 h 10774"/>
+                  <a:gd name="connsiteX4" fmla="*/ 759 w 11315"/>
+                  <a:gd name="connsiteY4" fmla="*/ 8774 h 10774"/>
+                  <a:gd name="connsiteX5" fmla="*/ 0 w 11315"/>
+                  <a:gd name="connsiteY5" fmla="*/ 288 h 10774"/>
+                  <a:gd name="connsiteX0" fmla="*/ 0 w 11281"/>
+                  <a:gd name="connsiteY0" fmla="*/ 367 h 10692"/>
+                  <a:gd name="connsiteX1" fmla="*/ 11281 w 11281"/>
+                  <a:gd name="connsiteY1" fmla="*/ 218 h 10692"/>
+                  <a:gd name="connsiteX2" fmla="*/ 10624 w 11281"/>
+                  <a:gd name="connsiteY2" fmla="*/ 8724 h 10692"/>
+                  <a:gd name="connsiteX3" fmla="*/ 5725 w 11281"/>
+                  <a:gd name="connsiteY3" fmla="*/ 10692 h 10692"/>
+                  <a:gd name="connsiteX4" fmla="*/ 725 w 11281"/>
+                  <a:gd name="connsiteY4" fmla="*/ 8692 h 10692"/>
+                  <a:gd name="connsiteX5" fmla="*/ 0 w 11281"/>
+                  <a:gd name="connsiteY5" fmla="*/ 367 h 10692"/>
+                </a:gdLst>
+                <a:ahLst/>
+                <a:cxnLst>
+                  <a:cxn ang="0">
+                    <a:pos x="connsiteX0" y="connsiteY0"/>
+                  </a:cxn>
+                  <a:cxn ang="0">
+                    <a:pos x="connsiteX1" y="connsiteY1"/>
+                  </a:cxn>
+                  <a:cxn ang="0">
+                    <a:pos x="connsiteX2" y="connsiteY2"/>
+                  </a:cxn>
+                  <a:cxn ang="0">
+                    <a:pos x="connsiteX3" y="connsiteY3"/>
+                  </a:cxn>
+                  <a:cxn ang="0">
+                    <a:pos x="connsiteX4" y="connsiteY4"/>
+                  </a:cxn>
+                  <a:cxn ang="0">
+                    <a:pos x="connsiteX5" y="connsiteY5"/>
+                  </a:cxn>
+                </a:cxnLst>
+                <a:rect l="l" t="t" r="r" b="b"/>
+                <a:pathLst>
+                  <a:path w="11281" h="10692">
+                    <a:moveTo>
+                      <a:pt x="0" y="367"/>
+                    </a:moveTo>
+                    <a:cubicBezTo>
+                      <a:pt x="5943" y="-105"/>
+                      <a:pt x="5594" y="-84"/>
+                      <a:pt x="11281" y="218"/>
+                    </a:cubicBezTo>
+                    <a:cubicBezTo>
+                      <a:pt x="11028" y="3484"/>
+                      <a:pt x="10877" y="5974"/>
+                      <a:pt x="10624" y="8724"/>
+                    </a:cubicBezTo>
+                    <a:lnTo>
+                      <a:pt x="5725" y="10692"/>
+                    </a:lnTo>
+                    <a:lnTo>
+                      <a:pt x="725" y="8692"/>
+                    </a:lnTo>
+                    <a:cubicBezTo>
+                      <a:pt x="483" y="5917"/>
+                      <a:pt x="242" y="3142"/>
+                      <a:pt x="0" y="367"/>
+                    </a:cubicBezTo>
+                    <a:close/>
+                  </a:path>
+                </a:pathLst>
+              </a:custGeom>
+              <a:solidFill>
+                <a:srgbClr val="FF0000"/>
+              </a:solidFill>
+              <a:ln cap="rnd">
+                <a:noFill/>
+                <a:round/>
+              </a:ln>
+            </p:spPr>
+            <p:style>
+              <a:lnRef idx="2">
+                <a:schemeClr val="accent1">
+                  <a:shade val="50000"/>
+                </a:schemeClr>
+              </a:lnRef>
+              <a:fillRef idx="1">
+                <a:schemeClr val="accent1"/>
+              </a:fillRef>
+              <a:effectRef idx="0">
+                <a:schemeClr val="accent1"/>
+              </a:effectRef>
+              <a:fontRef idx="minor">
+                <a:schemeClr val="lt1"/>
+              </a:fontRef>
+            </p:style>
+            <p:txBody>
+              <a:bodyPr rtlCol="0" anchor="ctr"/>
+              <a:lstStyle/>
+              <a:p>
+                <a:pPr algn="ctr"/>
+                <a:endParaRPr lang="en-US"/>
+              </a:p>
+            </p:txBody>
+          </p:sp>
+          <p:sp>
+            <p:nvSpPr>
+              <p:cNvPr id="38" name="Rectangle 37">
+                <a:extLst>
+                  <a:ext uri="{FF2B5EF4-FFF2-40B4-BE49-F238E27FC236}">
+                    <a16:creationId xmlns:a16="http://schemas.microsoft.com/office/drawing/2014/main" id="{DBD100C7-4567-4E46-8D2A-106B90B41A98}"/>
+                  </a:ext>
+                </a:extLst>
+              </p:cNvPr>
+              <p:cNvSpPr/>
+              <p:nvPr/>
+            </p:nvSpPr>
+            <p:spPr>
+              <a:xfrm>
+                <a:off x="9639574" y="5530384"/>
+                <a:ext cx="94673" cy="279158"/>
+              </a:xfrm>
+              <a:prstGeom prst="rect">
+                <a:avLst/>
+              </a:prstGeom>
+              <a:solidFill>
+                <a:srgbClr val="1F4E79"/>
+              </a:solidFill>
+              <a:ln>
+                <a:noFill/>
+              </a:ln>
+            </p:spPr>
+            <p:style>
+              <a:lnRef idx="2">
+                <a:schemeClr val="accent1">
+                  <a:shade val="50000"/>
+                </a:schemeClr>
+              </a:lnRef>
+              <a:fillRef idx="1">
+                <a:schemeClr val="accent1"/>
+              </a:fillRef>
+              <a:effectRef idx="0">
+                <a:schemeClr val="accent1"/>
+              </a:effectRef>
+              <a:fontRef idx="minor">
+                <a:schemeClr val="lt1"/>
+              </a:fontRef>
+            </p:style>
+            <p:txBody>
+              <a:bodyPr rtlCol="0" anchor="ctr"/>
+              <a:lstStyle/>
+              <a:p>
+                <a:pPr algn="ctr"/>
+                <a:endParaRPr lang="en-US"/>
+              </a:p>
+            </p:txBody>
+          </p:sp>
+          <p:sp>
+            <p:nvSpPr>
+              <p:cNvPr id="505" name="Rectangle 504">
+                <a:extLst>
+                  <a:ext uri="{FF2B5EF4-FFF2-40B4-BE49-F238E27FC236}">
+                    <a16:creationId xmlns:a16="http://schemas.microsoft.com/office/drawing/2014/main" id="{2B6A9D6C-F34D-445D-B57B-EA87AA5B1FF3}"/>
+                  </a:ext>
+                </a:extLst>
+              </p:cNvPr>
+              <p:cNvSpPr/>
+              <p:nvPr/>
+            </p:nvSpPr>
+            <p:spPr>
+              <a:xfrm>
+                <a:off x="9639574" y="5882168"/>
+                <a:ext cx="94673" cy="84955"/>
+              </a:xfrm>
+              <a:prstGeom prst="rect">
+                <a:avLst/>
+              </a:prstGeom>
+              <a:solidFill>
+                <a:srgbClr val="1F4E79"/>
+              </a:solidFill>
+              <a:ln>
+                <a:noFill/>
+              </a:ln>
+            </p:spPr>
+            <p:style>
+              <a:lnRef idx="2">
+                <a:schemeClr val="accent1">
+                  <a:shade val="50000"/>
+                </a:schemeClr>
+              </a:lnRef>
+              <a:fillRef idx="1">
+                <a:schemeClr val="accent1"/>
+              </a:fillRef>
+              <a:effectRef idx="0">
+                <a:schemeClr val="accent1"/>
+              </a:effectRef>
+              <a:fontRef idx="minor">
+                <a:schemeClr val="lt1"/>
+              </a:fontRef>
+            </p:style>
+            <p:txBody>
+              <a:bodyPr rtlCol="0" anchor="ctr"/>
+              <a:lstStyle/>
+              <a:p>
+                <a:pPr algn="ctr"/>
+                <a:endParaRPr lang="en-US"/>
+              </a:p>
+            </p:txBody>
+          </p:sp>
+        </p:grpSp>
+        <p:sp>
+          <p:nvSpPr>
+            <p:cNvPr id="62" name="TextBox 61">
+              <a:extLst>
+                <a:ext uri="{FF2B5EF4-FFF2-40B4-BE49-F238E27FC236}">
+                  <a16:creationId xmlns:a16="http://schemas.microsoft.com/office/drawing/2014/main" id="{37153FE6-6BA6-4C86-BF7B-6A70F6A96B8D}"/>
+                </a:ext>
+              </a:extLst>
+            </p:cNvPr>
+            <p:cNvSpPr txBox="1"/>
+            <p:nvPr/>
+          </p:nvSpPr>
+          <p:spPr>
+            <a:xfrm>
+              <a:off x="9320595" y="6072194"/>
+              <a:ext cx="646331" cy="246221"/>
+            </a:xfrm>
+            <a:prstGeom prst="rect">
+              <a:avLst/>
+            </a:prstGeom>
+            <a:noFill/>
+          </p:spPr>
+          <p:txBody>
+            <a:bodyPr wrap="none" rtlCol="0">
+              <a:spAutoFit/>
+            </a:bodyPr>
+            <a:lstStyle/>
+            <a:p>
+              <a:r>
+                <a:rPr lang="en-US" sz="1000" dirty="0"/>
+                <a:t>Antivirus</a:t>
+              </a:r>
+            </a:p>
+          </p:txBody>
+        </p:sp>
+      </p:grpSp>
     </p:spTree>
     <p:extLst>
       <p:ext uri="{BB962C8B-B14F-4D97-AF65-F5344CB8AC3E}">

--- a/Network Shapes.pptx
+++ b/Network Shapes.pptx
@@ -28939,6 +28939,324 @@
           </p:txBody>
         </p:sp>
       </p:grpSp>
+      <p:grpSp>
+        <p:nvGrpSpPr>
+          <p:cNvPr id="172" name="Group 171">
+            <a:extLst>
+              <a:ext uri="{FF2B5EF4-FFF2-40B4-BE49-F238E27FC236}">
+                <a16:creationId xmlns:a16="http://schemas.microsoft.com/office/drawing/2014/main" id="{14424EAF-079E-42A1-B380-5D86AFC658BF}"/>
+              </a:ext>
+            </a:extLst>
+          </p:cNvPr>
+          <p:cNvGrpSpPr/>
+          <p:nvPr/>
+        </p:nvGrpSpPr>
+        <p:grpSpPr>
+          <a:xfrm>
+            <a:off x="9830255" y="2542544"/>
+            <a:ext cx="935990" cy="969467"/>
+            <a:chOff x="10387113" y="3494439"/>
+            <a:chExt cx="935990" cy="969467"/>
+          </a:xfrm>
+        </p:grpSpPr>
+        <p:grpSp>
+          <p:nvGrpSpPr>
+            <p:cNvPr id="162" name="Group 161">
+              <a:extLst>
+                <a:ext uri="{FF2B5EF4-FFF2-40B4-BE49-F238E27FC236}">
+                  <a16:creationId xmlns:a16="http://schemas.microsoft.com/office/drawing/2014/main" id="{712C06A8-CDE7-431A-8609-A5C5ACB1DBAD}"/>
+                </a:ext>
+              </a:extLst>
+            </p:cNvPr>
+            <p:cNvGrpSpPr/>
+            <p:nvPr/>
+          </p:nvGrpSpPr>
+          <p:grpSpPr>
+            <a:xfrm>
+              <a:off x="10387113" y="3494439"/>
+              <a:ext cx="935990" cy="717386"/>
+              <a:chOff x="10387113" y="3494439"/>
+              <a:chExt cx="935990" cy="717386"/>
+            </a:xfrm>
+          </p:grpSpPr>
+          <p:grpSp>
+            <p:nvGrpSpPr>
+              <p:cNvPr id="152" name="Group 151">
+                <a:extLst>
+                  <a:ext uri="{FF2B5EF4-FFF2-40B4-BE49-F238E27FC236}">
+                    <a16:creationId xmlns:a16="http://schemas.microsoft.com/office/drawing/2014/main" id="{6B6AFAA3-4FF1-43DE-B518-07FE107E3016}"/>
+                  </a:ext>
+                </a:extLst>
+              </p:cNvPr>
+              <p:cNvGrpSpPr/>
+              <p:nvPr/>
+            </p:nvGrpSpPr>
+            <p:grpSpPr>
+              <a:xfrm>
+                <a:off x="10471580" y="3494439"/>
+                <a:ext cx="771665" cy="629561"/>
+                <a:chOff x="10404042" y="4698339"/>
+                <a:chExt cx="983093" cy="696030"/>
+              </a:xfrm>
+            </p:grpSpPr>
+            <p:sp>
+              <p:nvSpPr>
+                <p:cNvPr id="151" name="Rectangle: Top Corners Rounded 150">
+                  <a:extLst>
+                    <a:ext uri="{FF2B5EF4-FFF2-40B4-BE49-F238E27FC236}">
+                      <a16:creationId xmlns:a16="http://schemas.microsoft.com/office/drawing/2014/main" id="{E8B69349-7850-4A7E-BDE9-1B4905EFC617}"/>
+                    </a:ext>
+                  </a:extLst>
+                </p:cNvPr>
+                <p:cNvSpPr/>
+                <p:nvPr/>
+              </p:nvSpPr>
+              <p:spPr>
+                <a:xfrm>
+                  <a:off x="10404042" y="4698339"/>
+                  <a:ext cx="983093" cy="696030"/>
+                </a:xfrm>
+                <a:prstGeom prst="round2SameRect">
+                  <a:avLst/>
+                </a:prstGeom>
+                <a:ln w="9525">
+                  <a:solidFill>
+                    <a:schemeClr val="accent1">
+                      <a:shade val="50000"/>
+                    </a:schemeClr>
+                  </a:solidFill>
+                </a:ln>
+              </p:spPr>
+              <p:style>
+                <a:lnRef idx="2">
+                  <a:schemeClr val="accent1">
+                    <a:shade val="50000"/>
+                  </a:schemeClr>
+                </a:lnRef>
+                <a:fillRef idx="1">
+                  <a:schemeClr val="accent1"/>
+                </a:fillRef>
+                <a:effectRef idx="0">
+                  <a:schemeClr val="accent1"/>
+                </a:effectRef>
+                <a:fontRef idx="minor">
+                  <a:schemeClr val="lt1"/>
+                </a:fontRef>
+              </p:style>
+              <p:txBody>
+                <a:bodyPr rtlCol="0" anchor="ctr"/>
+                <a:lstStyle/>
+                <a:p>
+                  <a:pPr algn="ctr"/>
+                  <a:endParaRPr lang="en-US"/>
+                </a:p>
+              </p:txBody>
+            </p:sp>
+            <p:sp>
+              <p:nvSpPr>
+                <p:cNvPr id="514" name="Rectangle: Rounded Corners 513">
+                  <a:extLst>
+                    <a:ext uri="{FF2B5EF4-FFF2-40B4-BE49-F238E27FC236}">
+                      <a16:creationId xmlns:a16="http://schemas.microsoft.com/office/drawing/2014/main" id="{6A167EF4-5B11-4212-94A4-97FAD0811ECD}"/>
+                    </a:ext>
+                  </a:extLst>
+                </p:cNvPr>
+                <p:cNvSpPr/>
+                <p:nvPr/>
+              </p:nvSpPr>
+              <p:spPr>
+                <a:xfrm>
+                  <a:off x="10461111" y="4760190"/>
+                  <a:ext cx="861733" cy="548638"/>
+                </a:xfrm>
+                <a:prstGeom prst="roundRect">
+                  <a:avLst/>
+                </a:prstGeom>
+                <a:solidFill>
+                  <a:schemeClr val="tx2"/>
+                </a:solidFill>
+                <a:ln w="9525">
+                  <a:solidFill>
+                    <a:schemeClr val="accent1">
+                      <a:shade val="50000"/>
+                    </a:schemeClr>
+                  </a:solidFill>
+                </a:ln>
+              </p:spPr>
+              <p:style>
+                <a:lnRef idx="2">
+                  <a:schemeClr val="accent1">
+                    <a:shade val="50000"/>
+                  </a:schemeClr>
+                </a:lnRef>
+                <a:fillRef idx="1">
+                  <a:schemeClr val="accent1"/>
+                </a:fillRef>
+                <a:effectRef idx="0">
+                  <a:schemeClr val="accent1"/>
+                </a:effectRef>
+                <a:fontRef idx="minor">
+                  <a:schemeClr val="lt1"/>
+                </a:fontRef>
+              </p:style>
+              <p:txBody>
+                <a:bodyPr rtlCol="0" anchor="ctr"/>
+                <a:lstStyle/>
+                <a:p>
+                  <a:pPr algn="ctr"/>
+                  <a:endParaRPr lang="en-US"/>
+                </a:p>
+              </p:txBody>
+            </p:sp>
+          </p:grpSp>
+          <p:grpSp>
+            <p:nvGrpSpPr>
+              <p:cNvPr id="160" name="Group 159">
+                <a:extLst>
+                  <a:ext uri="{FF2B5EF4-FFF2-40B4-BE49-F238E27FC236}">
+                    <a16:creationId xmlns:a16="http://schemas.microsoft.com/office/drawing/2014/main" id="{077918E0-60CF-48B9-BD61-FD2F7D5B3327}"/>
+                  </a:ext>
+                </a:extLst>
+              </p:cNvPr>
+              <p:cNvGrpSpPr/>
+              <p:nvPr/>
+            </p:nvGrpSpPr>
+            <p:grpSpPr>
+              <a:xfrm>
+                <a:off x="10387113" y="4126084"/>
+                <a:ext cx="935990" cy="85741"/>
+                <a:chOff x="10387113" y="4126084"/>
+                <a:chExt cx="935990" cy="85741"/>
+              </a:xfrm>
+            </p:grpSpPr>
+            <p:cxnSp>
+              <p:nvCxnSpPr>
+                <p:cNvPr id="117" name="Straight Connector 116">
+                  <a:extLst>
+                    <a:ext uri="{FF2B5EF4-FFF2-40B4-BE49-F238E27FC236}">
+                      <a16:creationId xmlns:a16="http://schemas.microsoft.com/office/drawing/2014/main" id="{4CB76527-99C8-4BA8-8C49-617DCB6CE130}"/>
+                    </a:ext>
+                  </a:extLst>
+                </p:cNvPr>
+                <p:cNvCxnSpPr>
+                  <a:cxnSpLocks/>
+                </p:cNvCxnSpPr>
+                <p:nvPr/>
+              </p:nvCxnSpPr>
+              <p:spPr>
+                <a:xfrm>
+                  <a:off x="10418331" y="4126084"/>
+                  <a:ext cx="892607" cy="0"/>
+                </a:xfrm>
+                <a:prstGeom prst="line">
+                  <a:avLst/>
+                </a:prstGeom>
+                <a:ln w="34925">
+                  <a:solidFill>
+                    <a:schemeClr val="tx2"/>
+                  </a:solidFill>
+                  <a:prstDash val="sysDot"/>
+                </a:ln>
+              </p:spPr>
+              <p:style>
+                <a:lnRef idx="1">
+                  <a:schemeClr val="accent1"/>
+                </a:lnRef>
+                <a:fillRef idx="0">
+                  <a:schemeClr val="accent1"/>
+                </a:fillRef>
+                <a:effectRef idx="0">
+                  <a:schemeClr val="accent1"/>
+                </a:effectRef>
+                <a:fontRef idx="minor">
+                  <a:schemeClr val="tx1"/>
+                </a:fontRef>
+              </p:style>
+            </p:cxnSp>
+            <p:sp>
+              <p:nvSpPr>
+                <p:cNvPr id="92" name="Rectangle: Top Corners Rounded 91">
+                  <a:extLst>
+                    <a:ext uri="{FF2B5EF4-FFF2-40B4-BE49-F238E27FC236}">
+                      <a16:creationId xmlns:a16="http://schemas.microsoft.com/office/drawing/2014/main" id="{ED9EED46-5AD0-492F-B4BC-BB2D7E661824}"/>
+                    </a:ext>
+                  </a:extLst>
+                </p:cNvPr>
+                <p:cNvSpPr/>
+                <p:nvPr/>
+              </p:nvSpPr>
+              <p:spPr>
+                <a:xfrm rot="10800000">
+                  <a:off x="10387113" y="4131380"/>
+                  <a:ext cx="935990" cy="80445"/>
+                </a:xfrm>
+                <a:prstGeom prst="round2SameRect">
+                  <a:avLst/>
+                </a:prstGeom>
+              </p:spPr>
+              <p:style>
+                <a:lnRef idx="2">
+                  <a:schemeClr val="accent1">
+                    <a:shade val="50000"/>
+                  </a:schemeClr>
+                </a:lnRef>
+                <a:fillRef idx="1">
+                  <a:schemeClr val="accent1"/>
+                </a:fillRef>
+                <a:effectRef idx="0">
+                  <a:schemeClr val="accent1"/>
+                </a:effectRef>
+                <a:fontRef idx="minor">
+                  <a:schemeClr val="lt1"/>
+                </a:fontRef>
+              </p:style>
+              <p:txBody>
+                <a:bodyPr rtlCol="0" anchor="ctr"/>
+                <a:lstStyle/>
+                <a:p>
+                  <a:pPr algn="ctr"/>
+                  <a:endParaRPr lang="en-US"/>
+                </a:p>
+              </p:txBody>
+            </p:sp>
+          </p:grpSp>
+        </p:grpSp>
+        <p:sp>
+          <p:nvSpPr>
+            <p:cNvPr id="136" name="TextBox 135">
+              <a:extLst>
+                <a:ext uri="{FF2B5EF4-FFF2-40B4-BE49-F238E27FC236}">
+                  <a16:creationId xmlns:a16="http://schemas.microsoft.com/office/drawing/2014/main" id="{B9EC40CF-7927-40E9-8720-275A79A1EBFC}"/>
+                </a:ext>
+              </a:extLst>
+            </p:cNvPr>
+            <p:cNvSpPr txBox="1"/>
+            <p:nvPr/>
+          </p:nvSpPr>
+          <p:spPr>
+            <a:xfrm>
+              <a:off x="10599102" y="4217685"/>
+              <a:ext cx="545342" cy="246221"/>
+            </a:xfrm>
+            <a:prstGeom prst="rect">
+              <a:avLst/>
+            </a:prstGeom>
+            <a:noFill/>
+          </p:spPr>
+          <p:txBody>
+            <a:bodyPr wrap="none" rtlCol="0">
+              <a:spAutoFit/>
+            </a:bodyPr>
+            <a:lstStyle/>
+            <a:p>
+              <a:r>
+                <a:rPr lang="en-US" sz="1000" dirty="0"/>
+                <a:t>Laptop</a:t>
+              </a:r>
+            </a:p>
+          </p:txBody>
+        </p:sp>
+      </p:grpSp>
     </p:spTree>
     <p:extLst>
       <p:ext uri="{BB962C8B-B14F-4D97-AF65-F5344CB8AC3E}">

--- a/Network Shapes.pptx
+++ b/Network Shapes.pptx
@@ -6,6 +6,7 @@
   </p:sldMasterIdLst>
   <p:sldIdLst>
     <p:sldId id="260" r:id="rId2"/>
+    <p:sldId id="261" r:id="rId3"/>
   </p:sldIdLst>
   <p:sldSz cx="12192000" cy="6858000"/>
   <p:notesSz cx="6858000" cy="9144000"/>
@@ -118,3907 +119,6 @@
     <p1510:client id="{D4077E38-555F-4EA0-B20A-B00ED7D09D7E}" v="151" dt="2022-01-18T23:36:15.291"/>
   </p1510:revLst>
 </p1510:revInfo>
-</file>
-
-<file path=ppt/changesInfos/changesInfo1.xml><?xml version="1.0" encoding="utf-8"?>
-<pc:chgInfo xmlns:a="http://schemas.openxmlformats.org/drawingml/2006/main" xmlns:r="http://schemas.openxmlformats.org/officeDocument/2006/relationships" xmlns:ac="http://schemas.microsoft.com/office/drawing/2013/main/command" xmlns:pc="http://schemas.microsoft.com/office/powerpoint/2013/main/command">
-  <pc:docChgLst>
-    <pc:chgData name="Frank Refol" userId="a6401068-e7c9-408d-89d4-c1454776cbbb" providerId="ADAL" clId="{D4077E38-555F-4EA0-B20A-B00ED7D09D7E}"/>
-    <pc:docChg chg="undo custSel modSld">
-      <pc:chgData name="Frank Refol" userId="a6401068-e7c9-408d-89d4-c1454776cbbb" providerId="ADAL" clId="{D4077E38-555F-4EA0-B20A-B00ED7D09D7E}" dt="2022-01-18T23:36:15.290" v="1267" actId="164"/>
-      <pc:docMkLst>
-        <pc:docMk/>
-      </pc:docMkLst>
-      <pc:sldChg chg="addSp delSp modSp mod">
-        <pc:chgData name="Frank Refol" userId="a6401068-e7c9-408d-89d4-c1454776cbbb" providerId="ADAL" clId="{D4077E38-555F-4EA0-B20A-B00ED7D09D7E}" dt="2022-01-18T23:36:15.290" v="1267" actId="164"/>
-        <pc:sldMkLst>
-          <pc:docMk/>
-          <pc:sldMk cId="1961932492" sldId="260"/>
-        </pc:sldMkLst>
-        <pc:spChg chg="add mod topLvl">
-          <ac:chgData name="Frank Refol" userId="a6401068-e7c9-408d-89d4-c1454776cbbb" providerId="ADAL" clId="{D4077E38-555F-4EA0-B20A-B00ED7D09D7E}" dt="2022-01-18T20:03:42.329" v="707" actId="165"/>
-          <ac:spMkLst>
-            <pc:docMk/>
-            <pc:sldMk cId="1961932492" sldId="260"/>
-            <ac:spMk id="36" creationId="{DAE8916B-3B02-43EE-995A-E53B2B08CFA7}"/>
-          </ac:spMkLst>
-        </pc:spChg>
-        <pc:spChg chg="add del">
-          <ac:chgData name="Frank Refol" userId="a6401068-e7c9-408d-89d4-c1454776cbbb" providerId="ADAL" clId="{D4077E38-555F-4EA0-B20A-B00ED7D09D7E}" dt="2022-01-18T17:24:58.924" v="19" actId="478"/>
-          <ac:spMkLst>
-            <pc:docMk/>
-            <pc:sldMk cId="1961932492" sldId="260"/>
-            <ac:spMk id="62" creationId="{5EA91025-4DF4-4666-B270-0218D56A4C48}"/>
-          </ac:spMkLst>
-        </pc:spChg>
-        <pc:spChg chg="add del">
-          <ac:chgData name="Frank Refol" userId="a6401068-e7c9-408d-89d4-c1454776cbbb" providerId="ADAL" clId="{D4077E38-555F-4EA0-B20A-B00ED7D09D7E}" dt="2022-01-18T17:25:14.833" v="21" actId="478"/>
-          <ac:spMkLst>
-            <pc:docMk/>
-            <pc:sldMk cId="1961932492" sldId="260"/>
-            <ac:spMk id="63" creationId="{0F9BD670-4D7E-430F-A1F2-29CD0F8EB157}"/>
-          </ac:spMkLst>
-        </pc:spChg>
-        <pc:spChg chg="add del">
-          <ac:chgData name="Frank Refol" userId="a6401068-e7c9-408d-89d4-c1454776cbbb" providerId="ADAL" clId="{D4077E38-555F-4EA0-B20A-B00ED7D09D7E}" dt="2022-01-18T17:30:04.439" v="57" actId="478"/>
-          <ac:spMkLst>
-            <pc:docMk/>
-            <pc:sldMk cId="1961932492" sldId="260"/>
-            <ac:spMk id="64" creationId="{4D19D8F5-4E56-4C48-A8D7-7736A152B41D}"/>
-          </ac:spMkLst>
-        </pc:spChg>
-        <pc:spChg chg="add del mod">
-          <ac:chgData name="Frank Refol" userId="a6401068-e7c9-408d-89d4-c1454776cbbb" providerId="ADAL" clId="{D4077E38-555F-4EA0-B20A-B00ED7D09D7E}" dt="2022-01-18T18:00:42.663" v="377" actId="478"/>
-          <ac:spMkLst>
-            <pc:docMk/>
-            <pc:sldMk cId="1961932492" sldId="260"/>
-            <ac:spMk id="126" creationId="{47B4B14B-8016-4E4D-A25C-B7A7DD336648}"/>
-          </ac:spMkLst>
-        </pc:spChg>
-        <pc:spChg chg="add mod topLvl">
-          <ac:chgData name="Frank Refol" userId="a6401068-e7c9-408d-89d4-c1454776cbbb" providerId="ADAL" clId="{D4077E38-555F-4EA0-B20A-B00ED7D09D7E}" dt="2022-01-18T20:04:33.169" v="722" actId="165"/>
-          <ac:spMkLst>
-            <pc:docMk/>
-            <pc:sldMk cId="1961932492" sldId="260"/>
-            <ac:spMk id="129" creationId="{BB3C4833-02D3-43AD-9B79-7C5FC035952C}"/>
-          </ac:spMkLst>
-        </pc:spChg>
-        <pc:spChg chg="add del">
-          <ac:chgData name="Frank Refol" userId="a6401068-e7c9-408d-89d4-c1454776cbbb" providerId="ADAL" clId="{D4077E38-555F-4EA0-B20A-B00ED7D09D7E}" dt="2022-01-18T17:45:25.295" v="250" actId="478"/>
-          <ac:spMkLst>
-            <pc:docMk/>
-            <pc:sldMk cId="1961932492" sldId="260"/>
-            <ac:spMk id="135" creationId="{CA01E21E-1507-493E-A0A0-52372767E273}"/>
-          </ac:spMkLst>
-        </pc:spChg>
-        <pc:spChg chg="add del mod topLvl">
-          <ac:chgData name="Frank Refol" userId="a6401068-e7c9-408d-89d4-c1454776cbbb" providerId="ADAL" clId="{D4077E38-555F-4EA0-B20A-B00ED7D09D7E}" dt="2022-01-18T18:04:00.419" v="443" actId="478"/>
-          <ac:spMkLst>
-            <pc:docMk/>
-            <pc:sldMk cId="1961932492" sldId="260"/>
-            <ac:spMk id="136" creationId="{06A07931-2C6B-4E6D-8E01-9EC67D7AF2C4}"/>
-          </ac:spMkLst>
-        </pc:spChg>
-        <pc:spChg chg="add mod topLvl">
-          <ac:chgData name="Frank Refol" userId="a6401068-e7c9-408d-89d4-c1454776cbbb" providerId="ADAL" clId="{D4077E38-555F-4EA0-B20A-B00ED7D09D7E}" dt="2022-01-18T20:04:33.169" v="722" actId="165"/>
-          <ac:spMkLst>
-            <pc:docMk/>
-            <pc:sldMk cId="1961932492" sldId="260"/>
-            <ac:spMk id="137" creationId="{FA3C309B-465F-46DB-8843-A4D0D8934ACB}"/>
-          </ac:spMkLst>
-        </pc:spChg>
-        <pc:spChg chg="add del mod topLvl">
-          <ac:chgData name="Frank Refol" userId="a6401068-e7c9-408d-89d4-c1454776cbbb" providerId="ADAL" clId="{D4077E38-555F-4EA0-B20A-B00ED7D09D7E}" dt="2022-01-18T18:06:56.514" v="496" actId="478"/>
-          <ac:spMkLst>
-            <pc:docMk/>
-            <pc:sldMk cId="1961932492" sldId="260"/>
-            <ac:spMk id="149" creationId="{0D0449AC-4DC1-48BE-9AAE-D9C0260839DE}"/>
-          </ac:spMkLst>
-        </pc:spChg>
-        <pc:spChg chg="add del mod">
-          <ac:chgData name="Frank Refol" userId="a6401068-e7c9-408d-89d4-c1454776cbbb" providerId="ADAL" clId="{D4077E38-555F-4EA0-B20A-B00ED7D09D7E}" dt="2022-01-18T18:05:11.156" v="457" actId="478"/>
-          <ac:spMkLst>
-            <pc:docMk/>
-            <pc:sldMk cId="1961932492" sldId="260"/>
-            <ac:spMk id="151" creationId="{1AF38189-521E-4166-BB3F-A7C4A579B53C}"/>
-          </ac:spMkLst>
-        </pc:spChg>
-        <pc:spChg chg="add del">
-          <ac:chgData name="Frank Refol" userId="a6401068-e7c9-408d-89d4-c1454776cbbb" providerId="ADAL" clId="{D4077E38-555F-4EA0-B20A-B00ED7D09D7E}" dt="2022-01-18T18:09:33.989" v="509" actId="478"/>
-          <ac:spMkLst>
-            <pc:docMk/>
-            <pc:sldMk cId="1961932492" sldId="260"/>
-            <ac:spMk id="152" creationId="{F127638A-C35A-4E1D-9BDA-D5978E8A423C}"/>
-          </ac:spMkLst>
-        </pc:spChg>
-        <pc:spChg chg="add mod topLvl">
-          <ac:chgData name="Frank Refol" userId="a6401068-e7c9-408d-89d4-c1454776cbbb" providerId="ADAL" clId="{D4077E38-555F-4EA0-B20A-B00ED7D09D7E}" dt="2022-01-18T20:04:33.169" v="722" actId="165"/>
-          <ac:spMkLst>
-            <pc:docMk/>
-            <pc:sldMk cId="1961932492" sldId="260"/>
-            <ac:spMk id="161" creationId="{03899D6B-7C95-4E11-A8AF-874C3635EECA}"/>
-          </ac:spMkLst>
-        </pc:spChg>
-        <pc:spChg chg="add del">
-          <ac:chgData name="Frank Refol" userId="a6401068-e7c9-408d-89d4-c1454776cbbb" providerId="ADAL" clId="{D4077E38-555F-4EA0-B20A-B00ED7D09D7E}" dt="2022-01-18T18:07:30.653" v="498" actId="478"/>
-          <ac:spMkLst>
-            <pc:docMk/>
-            <pc:sldMk cId="1961932492" sldId="260"/>
-            <ac:spMk id="162" creationId="{E5AEDF6D-A092-4E09-A3B1-A942B6C45A3C}"/>
-          </ac:spMkLst>
-        </pc:spChg>
-        <pc:spChg chg="add mod topLvl">
-          <ac:chgData name="Frank Refol" userId="a6401068-e7c9-408d-89d4-c1454776cbbb" providerId="ADAL" clId="{D4077E38-555F-4EA0-B20A-B00ED7D09D7E}" dt="2022-01-18T20:04:33.169" v="722" actId="165"/>
-          <ac:spMkLst>
-            <pc:docMk/>
-            <pc:sldMk cId="1961932492" sldId="260"/>
-            <ac:spMk id="170" creationId="{830C911F-EBD0-4E3D-BA72-A6CEBA314136}"/>
-          </ac:spMkLst>
-        </pc:spChg>
-        <pc:spChg chg="add mod topLvl">
-          <ac:chgData name="Frank Refol" userId="a6401068-e7c9-408d-89d4-c1454776cbbb" providerId="ADAL" clId="{D4077E38-555F-4EA0-B20A-B00ED7D09D7E}" dt="2022-01-18T20:04:33.169" v="722" actId="165"/>
-          <ac:spMkLst>
-            <pc:docMk/>
-            <pc:sldMk cId="1961932492" sldId="260"/>
-            <ac:spMk id="179" creationId="{041FCCF2-3349-4684-B1C0-B1CDBC0D4EDE}"/>
-          </ac:spMkLst>
-        </pc:spChg>
-        <pc:spChg chg="mod">
-          <ac:chgData name="Frank Refol" userId="a6401068-e7c9-408d-89d4-c1454776cbbb" providerId="ADAL" clId="{D4077E38-555F-4EA0-B20A-B00ED7D09D7E}" dt="2022-01-18T17:12:19.485" v="1" actId="165"/>
-          <ac:spMkLst>
-            <pc:docMk/>
-            <pc:sldMk cId="1961932492" sldId="260"/>
-            <ac:spMk id="223" creationId="{7795F00D-494F-4B8A-BD1B-94E793D5BB82}"/>
-          </ac:spMkLst>
-        </pc:spChg>
-        <pc:spChg chg="mod">
-          <ac:chgData name="Frank Refol" userId="a6401068-e7c9-408d-89d4-c1454776cbbb" providerId="ADAL" clId="{D4077E38-555F-4EA0-B20A-B00ED7D09D7E}" dt="2022-01-18T17:12:19.485" v="1" actId="165"/>
-          <ac:spMkLst>
-            <pc:docMk/>
-            <pc:sldMk cId="1961932492" sldId="260"/>
-            <ac:spMk id="224" creationId="{862D597B-445E-4588-83C0-861506E380F2}"/>
-          </ac:spMkLst>
-        </pc:spChg>
-        <pc:spChg chg="mod">
-          <ac:chgData name="Frank Refol" userId="a6401068-e7c9-408d-89d4-c1454776cbbb" providerId="ADAL" clId="{D4077E38-555F-4EA0-B20A-B00ED7D09D7E}" dt="2022-01-18T17:12:19.485" v="1" actId="165"/>
-          <ac:spMkLst>
-            <pc:docMk/>
-            <pc:sldMk cId="1961932492" sldId="260"/>
-            <ac:spMk id="225" creationId="{7E3AC321-EBEE-4B8D-9DC5-E36F8666BDB5}"/>
-          </ac:spMkLst>
-        </pc:spChg>
-        <pc:spChg chg="mod">
-          <ac:chgData name="Frank Refol" userId="a6401068-e7c9-408d-89d4-c1454776cbbb" providerId="ADAL" clId="{D4077E38-555F-4EA0-B20A-B00ED7D09D7E}" dt="2022-01-18T17:12:19.485" v="1" actId="165"/>
-          <ac:spMkLst>
-            <pc:docMk/>
-            <pc:sldMk cId="1961932492" sldId="260"/>
-            <ac:spMk id="227" creationId="{49195395-98AD-4D50-AE11-6855BCFC4145}"/>
-          </ac:spMkLst>
-        </pc:spChg>
-        <pc:spChg chg="mod">
-          <ac:chgData name="Frank Refol" userId="a6401068-e7c9-408d-89d4-c1454776cbbb" providerId="ADAL" clId="{D4077E38-555F-4EA0-B20A-B00ED7D09D7E}" dt="2022-01-18T17:12:19.485" v="1" actId="165"/>
-          <ac:spMkLst>
-            <pc:docMk/>
-            <pc:sldMk cId="1961932492" sldId="260"/>
-            <ac:spMk id="230" creationId="{6A8B8C2D-E5C5-4392-8EA0-342B96B244D1}"/>
-          </ac:spMkLst>
-        </pc:spChg>
-        <pc:spChg chg="mod">
-          <ac:chgData name="Frank Refol" userId="a6401068-e7c9-408d-89d4-c1454776cbbb" providerId="ADAL" clId="{D4077E38-555F-4EA0-B20A-B00ED7D09D7E}" dt="2022-01-18T17:12:19.485" v="1" actId="165"/>
-          <ac:spMkLst>
-            <pc:docMk/>
-            <pc:sldMk cId="1961932492" sldId="260"/>
-            <ac:spMk id="231" creationId="{CDEEC781-4A7B-43FC-8508-AA1CE38467B6}"/>
-          </ac:spMkLst>
-        </pc:spChg>
-        <pc:spChg chg="mod">
-          <ac:chgData name="Frank Refol" userId="a6401068-e7c9-408d-89d4-c1454776cbbb" providerId="ADAL" clId="{D4077E38-555F-4EA0-B20A-B00ED7D09D7E}" dt="2022-01-18T17:12:19.485" v="1" actId="165"/>
-          <ac:spMkLst>
-            <pc:docMk/>
-            <pc:sldMk cId="1961932492" sldId="260"/>
-            <ac:spMk id="232" creationId="{E0DD1910-8D33-453F-BE20-E39F873E9792}"/>
-          </ac:spMkLst>
-        </pc:spChg>
-        <pc:spChg chg="mod">
-          <ac:chgData name="Frank Refol" userId="a6401068-e7c9-408d-89d4-c1454776cbbb" providerId="ADAL" clId="{D4077E38-555F-4EA0-B20A-B00ED7D09D7E}" dt="2022-01-18T17:12:19.485" v="1" actId="165"/>
-          <ac:spMkLst>
-            <pc:docMk/>
-            <pc:sldMk cId="1961932492" sldId="260"/>
-            <ac:spMk id="233" creationId="{F915F514-40A0-4014-9BBA-80068F5FEEE0}"/>
-          </ac:spMkLst>
-        </pc:spChg>
-        <pc:spChg chg="mod">
-          <ac:chgData name="Frank Refol" userId="a6401068-e7c9-408d-89d4-c1454776cbbb" providerId="ADAL" clId="{D4077E38-555F-4EA0-B20A-B00ED7D09D7E}" dt="2022-01-18T17:12:19.485" v="1" actId="165"/>
-          <ac:spMkLst>
-            <pc:docMk/>
-            <pc:sldMk cId="1961932492" sldId="260"/>
-            <ac:spMk id="234" creationId="{72FE3365-D34A-4447-836A-60257785974D}"/>
-          </ac:spMkLst>
-        </pc:spChg>
-        <pc:spChg chg="mod">
-          <ac:chgData name="Frank Refol" userId="a6401068-e7c9-408d-89d4-c1454776cbbb" providerId="ADAL" clId="{D4077E38-555F-4EA0-B20A-B00ED7D09D7E}" dt="2022-01-18T17:12:19.485" v="1" actId="165"/>
-          <ac:spMkLst>
-            <pc:docMk/>
-            <pc:sldMk cId="1961932492" sldId="260"/>
-            <ac:spMk id="235" creationId="{F9821C70-86B8-4907-BD75-B7F53BA1CAD7}"/>
-          </ac:spMkLst>
-        </pc:spChg>
-        <pc:spChg chg="mod">
-          <ac:chgData name="Frank Refol" userId="a6401068-e7c9-408d-89d4-c1454776cbbb" providerId="ADAL" clId="{D4077E38-555F-4EA0-B20A-B00ED7D09D7E}" dt="2022-01-18T17:12:19.485" v="1" actId="165"/>
-          <ac:spMkLst>
-            <pc:docMk/>
-            <pc:sldMk cId="1961932492" sldId="260"/>
-            <ac:spMk id="236" creationId="{B8D3B61D-BDBC-4B20-B808-DFA198CA786A}"/>
-          </ac:spMkLst>
-        </pc:spChg>
-        <pc:spChg chg="mod">
-          <ac:chgData name="Frank Refol" userId="a6401068-e7c9-408d-89d4-c1454776cbbb" providerId="ADAL" clId="{D4077E38-555F-4EA0-B20A-B00ED7D09D7E}" dt="2022-01-18T17:12:19.485" v="1" actId="165"/>
-          <ac:spMkLst>
-            <pc:docMk/>
-            <pc:sldMk cId="1961932492" sldId="260"/>
-            <ac:spMk id="237" creationId="{19FD890B-6F9A-43E3-B5D7-C7A5232EA4AD}"/>
-          </ac:spMkLst>
-        </pc:spChg>
-        <pc:spChg chg="mod">
-          <ac:chgData name="Frank Refol" userId="a6401068-e7c9-408d-89d4-c1454776cbbb" providerId="ADAL" clId="{D4077E38-555F-4EA0-B20A-B00ED7D09D7E}" dt="2022-01-18T17:12:19.485" v="1" actId="165"/>
-          <ac:spMkLst>
-            <pc:docMk/>
-            <pc:sldMk cId="1961932492" sldId="260"/>
-            <ac:spMk id="238" creationId="{D681D067-8EE6-4634-A5C2-2E23C6157FD2}"/>
-          </ac:spMkLst>
-        </pc:spChg>
-        <pc:spChg chg="mod">
-          <ac:chgData name="Frank Refol" userId="a6401068-e7c9-408d-89d4-c1454776cbbb" providerId="ADAL" clId="{D4077E38-555F-4EA0-B20A-B00ED7D09D7E}" dt="2022-01-18T17:12:19.485" v="1" actId="165"/>
-          <ac:spMkLst>
-            <pc:docMk/>
-            <pc:sldMk cId="1961932492" sldId="260"/>
-            <ac:spMk id="239" creationId="{30638137-99E2-4D9A-8889-3E9187D1100D}"/>
-          </ac:spMkLst>
-        </pc:spChg>
-        <pc:spChg chg="add del">
-          <ac:chgData name="Frank Refol" userId="a6401068-e7c9-408d-89d4-c1454776cbbb" providerId="ADAL" clId="{D4077E38-555F-4EA0-B20A-B00ED7D09D7E}" dt="2022-01-18T22:51:09.675" v="834" actId="478"/>
-          <ac:spMkLst>
-            <pc:docMk/>
-            <pc:sldMk cId="1961932492" sldId="260"/>
-            <ac:spMk id="243" creationId="{758AF24A-F7B0-41D8-949E-F800E0DA7E5A}"/>
-          </ac:spMkLst>
-        </pc:spChg>
-        <pc:spChg chg="mod">
-          <ac:chgData name="Frank Refol" userId="a6401068-e7c9-408d-89d4-c1454776cbbb" providerId="ADAL" clId="{D4077E38-555F-4EA0-B20A-B00ED7D09D7E}" dt="2022-01-18T20:00:18.232" v="666" actId="165"/>
-          <ac:spMkLst>
-            <pc:docMk/>
-            <pc:sldMk cId="1961932492" sldId="260"/>
-            <ac:spMk id="244" creationId="{BC37BCA1-154D-420E-BE74-E4FF5EE38B83}"/>
-          </ac:spMkLst>
-        </pc:spChg>
-        <pc:spChg chg="mod">
-          <ac:chgData name="Frank Refol" userId="a6401068-e7c9-408d-89d4-c1454776cbbb" providerId="ADAL" clId="{D4077E38-555F-4EA0-B20A-B00ED7D09D7E}" dt="2022-01-18T20:00:18.232" v="666" actId="165"/>
-          <ac:spMkLst>
-            <pc:docMk/>
-            <pc:sldMk cId="1961932492" sldId="260"/>
-            <ac:spMk id="256" creationId="{FA1A1AB6-07B2-4349-80A2-428B703A189F}"/>
-          </ac:spMkLst>
-        </pc:spChg>
-        <pc:spChg chg="mod">
-          <ac:chgData name="Frank Refol" userId="a6401068-e7c9-408d-89d4-c1454776cbbb" providerId="ADAL" clId="{D4077E38-555F-4EA0-B20A-B00ED7D09D7E}" dt="2022-01-18T20:00:18.232" v="666" actId="165"/>
-          <ac:spMkLst>
-            <pc:docMk/>
-            <pc:sldMk cId="1961932492" sldId="260"/>
-            <ac:spMk id="257" creationId="{14B4C467-DF20-46D7-A6C7-C78E0A3B8C8A}"/>
-          </ac:spMkLst>
-        </pc:spChg>
-        <pc:spChg chg="mod">
-          <ac:chgData name="Frank Refol" userId="a6401068-e7c9-408d-89d4-c1454776cbbb" providerId="ADAL" clId="{D4077E38-555F-4EA0-B20A-B00ED7D09D7E}" dt="2022-01-18T20:00:18.232" v="666" actId="165"/>
-          <ac:spMkLst>
-            <pc:docMk/>
-            <pc:sldMk cId="1961932492" sldId="260"/>
-            <ac:spMk id="277" creationId="{17A617A7-74FC-4CCD-89AA-BB86AA353D0D}"/>
-          </ac:spMkLst>
-        </pc:spChg>
-        <pc:spChg chg="mod">
-          <ac:chgData name="Frank Refol" userId="a6401068-e7c9-408d-89d4-c1454776cbbb" providerId="ADAL" clId="{D4077E38-555F-4EA0-B20A-B00ED7D09D7E}" dt="2022-01-18T20:00:18.232" v="666" actId="165"/>
-          <ac:spMkLst>
-            <pc:docMk/>
-            <pc:sldMk cId="1961932492" sldId="260"/>
-            <ac:spMk id="279" creationId="{EE359F97-E8B4-4699-93D6-94D1FA64C1A0}"/>
-          </ac:spMkLst>
-        </pc:spChg>
-        <pc:spChg chg="mod">
-          <ac:chgData name="Frank Refol" userId="a6401068-e7c9-408d-89d4-c1454776cbbb" providerId="ADAL" clId="{D4077E38-555F-4EA0-B20A-B00ED7D09D7E}" dt="2022-01-18T20:00:18.232" v="666" actId="165"/>
-          <ac:spMkLst>
-            <pc:docMk/>
-            <pc:sldMk cId="1961932492" sldId="260"/>
-            <ac:spMk id="280" creationId="{4D613A2A-97E5-4CF4-A5E5-7403333F5E53}"/>
-          </ac:spMkLst>
-        </pc:spChg>
-        <pc:spChg chg="mod">
-          <ac:chgData name="Frank Refol" userId="a6401068-e7c9-408d-89d4-c1454776cbbb" providerId="ADAL" clId="{D4077E38-555F-4EA0-B20A-B00ED7D09D7E}" dt="2022-01-18T20:00:18.232" v="666" actId="165"/>
-          <ac:spMkLst>
-            <pc:docMk/>
-            <pc:sldMk cId="1961932492" sldId="260"/>
-            <ac:spMk id="282" creationId="{B9A2FE5A-2589-4BD4-9B94-EA689DABFEEB}"/>
-          </ac:spMkLst>
-        </pc:spChg>
-        <pc:spChg chg="mod">
-          <ac:chgData name="Frank Refol" userId="a6401068-e7c9-408d-89d4-c1454776cbbb" providerId="ADAL" clId="{D4077E38-555F-4EA0-B20A-B00ED7D09D7E}" dt="2022-01-18T20:00:18.232" v="666" actId="165"/>
-          <ac:spMkLst>
-            <pc:docMk/>
-            <pc:sldMk cId="1961932492" sldId="260"/>
-            <ac:spMk id="284" creationId="{8D09533E-408E-477E-B0D1-C27024707F74}"/>
-          </ac:spMkLst>
-        </pc:spChg>
-        <pc:spChg chg="mod">
-          <ac:chgData name="Frank Refol" userId="a6401068-e7c9-408d-89d4-c1454776cbbb" providerId="ADAL" clId="{D4077E38-555F-4EA0-B20A-B00ED7D09D7E}" dt="2022-01-18T20:00:18.232" v="666" actId="165"/>
-          <ac:spMkLst>
-            <pc:docMk/>
-            <pc:sldMk cId="1961932492" sldId="260"/>
-            <ac:spMk id="285" creationId="{B62800C1-F39E-4DF9-885A-3CEC34AE8FB9}"/>
-          </ac:spMkLst>
-        </pc:spChg>
-        <pc:spChg chg="add mod">
-          <ac:chgData name="Frank Refol" userId="a6401068-e7c9-408d-89d4-c1454776cbbb" providerId="ADAL" clId="{D4077E38-555F-4EA0-B20A-B00ED7D09D7E}" dt="2022-01-18T22:58:10.490" v="931" actId="164"/>
-          <ac:spMkLst>
-            <pc:docMk/>
-            <pc:sldMk cId="1961932492" sldId="260"/>
-            <ac:spMk id="288" creationId="{1AEC30DC-FE1B-4F24-A126-30EA4FED66CF}"/>
-          </ac:spMkLst>
-        </pc:spChg>
-        <pc:spChg chg="mod">
-          <ac:chgData name="Frank Refol" userId="a6401068-e7c9-408d-89d4-c1454776cbbb" providerId="ADAL" clId="{D4077E38-555F-4EA0-B20A-B00ED7D09D7E}" dt="2022-01-18T17:12:39.571" v="4" actId="164"/>
-          <ac:spMkLst>
-            <pc:docMk/>
-            <pc:sldMk cId="1961932492" sldId="260"/>
-            <ac:spMk id="300" creationId="{89B12F05-FC54-49B3-8430-88B260B52CE9}"/>
-          </ac:spMkLst>
-        </pc:spChg>
-        <pc:spChg chg="mod topLvl">
-          <ac:chgData name="Frank Refol" userId="a6401068-e7c9-408d-89d4-c1454776cbbb" providerId="ADAL" clId="{D4077E38-555F-4EA0-B20A-B00ED7D09D7E}" dt="2022-01-18T20:00:18.232" v="666" actId="165"/>
-          <ac:spMkLst>
-            <pc:docMk/>
-            <pc:sldMk cId="1961932492" sldId="260"/>
-            <ac:spMk id="307" creationId="{582166FC-7D04-4957-B196-025E45FB4CCA}"/>
-          </ac:spMkLst>
-        </pc:spChg>
-        <pc:spChg chg="mod">
-          <ac:chgData name="Frank Refol" userId="a6401068-e7c9-408d-89d4-c1454776cbbb" providerId="ADAL" clId="{D4077E38-555F-4EA0-B20A-B00ED7D09D7E}" dt="2022-01-18T20:00:18.232" v="666" actId="165"/>
-          <ac:spMkLst>
-            <pc:docMk/>
-            <pc:sldMk cId="1961932492" sldId="260"/>
-            <ac:spMk id="308" creationId="{9D14F1BB-ABA5-491B-B54A-1FF4FB41FBF8}"/>
-          </ac:spMkLst>
-        </pc:spChg>
-        <pc:spChg chg="mod">
-          <ac:chgData name="Frank Refol" userId="a6401068-e7c9-408d-89d4-c1454776cbbb" providerId="ADAL" clId="{D4077E38-555F-4EA0-B20A-B00ED7D09D7E}" dt="2022-01-18T20:00:18.232" v="666" actId="165"/>
-          <ac:spMkLst>
-            <pc:docMk/>
-            <pc:sldMk cId="1961932492" sldId="260"/>
-            <ac:spMk id="312" creationId="{1E4CCD59-16E7-49BC-AC09-11BD5495D29C}"/>
-          </ac:spMkLst>
-        </pc:spChg>
-        <pc:spChg chg="del mod topLvl">
-          <ac:chgData name="Frank Refol" userId="a6401068-e7c9-408d-89d4-c1454776cbbb" providerId="ADAL" clId="{D4077E38-555F-4EA0-B20A-B00ED7D09D7E}" dt="2022-01-18T17:38:02.787" v="203" actId="478"/>
-          <ac:spMkLst>
-            <pc:docMk/>
-            <pc:sldMk cId="1961932492" sldId="260"/>
-            <ac:spMk id="321" creationId="{42760CEF-0CD1-4B82-B8FE-EDDAC2FE14E8}"/>
-          </ac:spMkLst>
-        </pc:spChg>
-        <pc:spChg chg="del mod topLvl">
-          <ac:chgData name="Frank Refol" userId="a6401068-e7c9-408d-89d4-c1454776cbbb" providerId="ADAL" clId="{D4077E38-555F-4EA0-B20A-B00ED7D09D7E}" dt="2022-01-18T17:38:02.787" v="203" actId="478"/>
-          <ac:spMkLst>
-            <pc:docMk/>
-            <pc:sldMk cId="1961932492" sldId="260"/>
-            <ac:spMk id="322" creationId="{FB87015D-0146-4203-8F76-E54FF18DAF08}"/>
-          </ac:spMkLst>
-        </pc:spChg>
-        <pc:spChg chg="del mod topLvl">
-          <ac:chgData name="Frank Refol" userId="a6401068-e7c9-408d-89d4-c1454776cbbb" providerId="ADAL" clId="{D4077E38-555F-4EA0-B20A-B00ED7D09D7E}" dt="2022-01-18T17:38:02.787" v="203" actId="478"/>
-          <ac:spMkLst>
-            <pc:docMk/>
-            <pc:sldMk cId="1961932492" sldId="260"/>
-            <ac:spMk id="323" creationId="{6FC30D23-8FFF-4F49-857A-BD3BC47C467B}"/>
-          </ac:spMkLst>
-        </pc:spChg>
-        <pc:spChg chg="del mod topLvl">
-          <ac:chgData name="Frank Refol" userId="a6401068-e7c9-408d-89d4-c1454776cbbb" providerId="ADAL" clId="{D4077E38-555F-4EA0-B20A-B00ED7D09D7E}" dt="2022-01-18T17:38:02.787" v="203" actId="478"/>
-          <ac:spMkLst>
-            <pc:docMk/>
-            <pc:sldMk cId="1961932492" sldId="260"/>
-            <ac:spMk id="324" creationId="{2640840D-15AD-4EAE-8C1A-9971C47D1AD7}"/>
-          </ac:spMkLst>
-        </pc:spChg>
-        <pc:spChg chg="mod">
-          <ac:chgData name="Frank Refol" userId="a6401068-e7c9-408d-89d4-c1454776cbbb" providerId="ADAL" clId="{D4077E38-555F-4EA0-B20A-B00ED7D09D7E}" dt="2022-01-18T20:03:42.329" v="707" actId="165"/>
-          <ac:spMkLst>
-            <pc:docMk/>
-            <pc:sldMk cId="1961932492" sldId="260"/>
-            <ac:spMk id="328" creationId="{0E6FA474-3345-4F16-94F0-87CA93836DBD}"/>
-          </ac:spMkLst>
-        </pc:spChg>
-        <pc:spChg chg="mod">
-          <ac:chgData name="Frank Refol" userId="a6401068-e7c9-408d-89d4-c1454776cbbb" providerId="ADAL" clId="{D4077E38-555F-4EA0-B20A-B00ED7D09D7E}" dt="2022-01-18T20:03:42.329" v="707" actId="165"/>
-          <ac:spMkLst>
-            <pc:docMk/>
-            <pc:sldMk cId="1961932492" sldId="260"/>
-            <ac:spMk id="388" creationId="{D5DA1DFC-8E99-4668-85F1-DBB80D584DA1}"/>
-          </ac:spMkLst>
-        </pc:spChg>
-        <pc:spChg chg="mod">
-          <ac:chgData name="Frank Refol" userId="a6401068-e7c9-408d-89d4-c1454776cbbb" providerId="ADAL" clId="{D4077E38-555F-4EA0-B20A-B00ED7D09D7E}" dt="2022-01-18T20:03:42.329" v="707" actId="165"/>
-          <ac:spMkLst>
-            <pc:docMk/>
-            <pc:sldMk cId="1961932492" sldId="260"/>
-            <ac:spMk id="394" creationId="{E0AF2295-A62B-4677-ACFC-42E086CBB115}"/>
-          </ac:spMkLst>
-        </pc:spChg>
-        <pc:spChg chg="mod">
-          <ac:chgData name="Frank Refol" userId="a6401068-e7c9-408d-89d4-c1454776cbbb" providerId="ADAL" clId="{D4077E38-555F-4EA0-B20A-B00ED7D09D7E}" dt="2022-01-18T20:03:42.329" v="707" actId="165"/>
-          <ac:spMkLst>
-            <pc:docMk/>
-            <pc:sldMk cId="1961932492" sldId="260"/>
-            <ac:spMk id="408" creationId="{DD8A383D-0DC8-4528-9D28-C9B74FB3D9E5}"/>
-          </ac:spMkLst>
-        </pc:spChg>
-        <pc:spChg chg="add mod topLvl">
-          <ac:chgData name="Frank Refol" userId="a6401068-e7c9-408d-89d4-c1454776cbbb" providerId="ADAL" clId="{D4077E38-555F-4EA0-B20A-B00ED7D09D7E}" dt="2022-01-18T20:03:42.329" v="707" actId="165"/>
-          <ac:spMkLst>
-            <pc:docMk/>
-            <pc:sldMk cId="1961932492" sldId="260"/>
-            <ac:spMk id="409" creationId="{ACB8CA7E-A2FE-4C84-876C-D4F2B088FA7F}"/>
-          </ac:spMkLst>
-        </pc:spChg>
-        <pc:spChg chg="mod topLvl">
-          <ac:chgData name="Frank Refol" userId="a6401068-e7c9-408d-89d4-c1454776cbbb" providerId="ADAL" clId="{D4077E38-555F-4EA0-B20A-B00ED7D09D7E}" dt="2022-01-18T17:30:55.536" v="67" actId="164"/>
-          <ac:spMkLst>
-            <pc:docMk/>
-            <pc:sldMk cId="1961932492" sldId="260"/>
-            <ac:spMk id="416" creationId="{C16111D5-3D76-4EF1-A891-604FB3C1CF52}"/>
-          </ac:spMkLst>
-        </pc:spChg>
-        <pc:spChg chg="mod">
-          <ac:chgData name="Frank Refol" userId="a6401068-e7c9-408d-89d4-c1454776cbbb" providerId="ADAL" clId="{D4077E38-555F-4EA0-B20A-B00ED7D09D7E}" dt="2022-01-18T17:29:36.954" v="48"/>
-          <ac:spMkLst>
-            <pc:docMk/>
-            <pc:sldMk cId="1961932492" sldId="260"/>
-            <ac:spMk id="424" creationId="{0D68A41D-3C09-4E1C-8B5E-42F0599A96ED}"/>
-          </ac:spMkLst>
-        </pc:spChg>
-        <pc:spChg chg="add mod">
-          <ac:chgData name="Frank Refol" userId="a6401068-e7c9-408d-89d4-c1454776cbbb" providerId="ADAL" clId="{D4077E38-555F-4EA0-B20A-B00ED7D09D7E}" dt="2022-01-18T17:32:09.038" v="71" actId="164"/>
-          <ac:spMkLst>
-            <pc:docMk/>
-            <pc:sldMk cId="1961932492" sldId="260"/>
-            <ac:spMk id="431" creationId="{FBF8B2F2-12E6-4CF1-8426-0FAB407207A3}"/>
-          </ac:spMkLst>
-        </pc:spChg>
-        <pc:spChg chg="mod">
-          <ac:chgData name="Frank Refol" userId="a6401068-e7c9-408d-89d4-c1454776cbbb" providerId="ADAL" clId="{D4077E38-555F-4EA0-B20A-B00ED7D09D7E}" dt="2022-01-18T17:30:02.033" v="55"/>
-          <ac:spMkLst>
-            <pc:docMk/>
-            <pc:sldMk cId="1961932492" sldId="260"/>
-            <ac:spMk id="433" creationId="{3434DD82-3D99-4352-ADD0-AE11BC12C363}"/>
-          </ac:spMkLst>
-        </pc:spChg>
-        <pc:spChg chg="mod topLvl">
-          <ac:chgData name="Frank Refol" userId="a6401068-e7c9-408d-89d4-c1454776cbbb" providerId="ADAL" clId="{D4077E38-555F-4EA0-B20A-B00ED7D09D7E}" dt="2022-01-18T20:04:33.169" v="722" actId="165"/>
-          <ac:spMkLst>
-            <pc:docMk/>
-            <pc:sldMk cId="1961932492" sldId="260"/>
-            <ac:spMk id="441" creationId="{F5F57598-2A20-4ECA-8159-AC1DB5327053}"/>
-          </ac:spMkLst>
-        </pc:spChg>
-        <pc:spChg chg="del mod topLvl">
-          <ac:chgData name="Frank Refol" userId="a6401068-e7c9-408d-89d4-c1454776cbbb" providerId="ADAL" clId="{D4077E38-555F-4EA0-B20A-B00ED7D09D7E}" dt="2022-01-18T17:36:16.856" v="174" actId="478"/>
-          <ac:spMkLst>
-            <pc:docMk/>
-            <pc:sldMk cId="1961932492" sldId="260"/>
-            <ac:spMk id="449" creationId="{18DC1E4C-5D35-4150-81CF-DFD3BED1213C}"/>
-          </ac:spMkLst>
-        </pc:spChg>
-        <pc:spChg chg="del mod topLvl">
-          <ac:chgData name="Frank Refol" userId="a6401068-e7c9-408d-89d4-c1454776cbbb" providerId="ADAL" clId="{D4077E38-555F-4EA0-B20A-B00ED7D09D7E}" dt="2022-01-18T17:36:16.856" v="174" actId="478"/>
-          <ac:spMkLst>
-            <pc:docMk/>
-            <pc:sldMk cId="1961932492" sldId="260"/>
-            <ac:spMk id="450" creationId="{4114DA9C-A895-491A-BB60-CA6BCDE47456}"/>
-          </ac:spMkLst>
-        </pc:spChg>
-        <pc:spChg chg="del mod topLvl">
-          <ac:chgData name="Frank Refol" userId="a6401068-e7c9-408d-89d4-c1454776cbbb" providerId="ADAL" clId="{D4077E38-555F-4EA0-B20A-B00ED7D09D7E}" dt="2022-01-18T17:36:16.856" v="174" actId="478"/>
-          <ac:spMkLst>
-            <pc:docMk/>
-            <pc:sldMk cId="1961932492" sldId="260"/>
-            <ac:spMk id="451" creationId="{3099EFFE-BEEE-44FE-9AF2-5CC94638A0FA}"/>
-          </ac:spMkLst>
-        </pc:spChg>
-        <pc:spChg chg="del mod topLvl">
-          <ac:chgData name="Frank Refol" userId="a6401068-e7c9-408d-89d4-c1454776cbbb" providerId="ADAL" clId="{D4077E38-555F-4EA0-B20A-B00ED7D09D7E}" dt="2022-01-18T17:36:16.856" v="174" actId="478"/>
-          <ac:spMkLst>
-            <pc:docMk/>
-            <pc:sldMk cId="1961932492" sldId="260"/>
-            <ac:spMk id="452" creationId="{74E34892-E1FE-4FE2-B1B2-61007F8C9858}"/>
-          </ac:spMkLst>
-        </pc:spChg>
-        <pc:spChg chg="add del mod">
-          <ac:chgData name="Frank Refol" userId="a6401068-e7c9-408d-89d4-c1454776cbbb" providerId="ADAL" clId="{D4077E38-555F-4EA0-B20A-B00ED7D09D7E}" dt="2022-01-18T17:36:32.169" v="177" actId="478"/>
-          <ac:spMkLst>
-            <pc:docMk/>
-            <pc:sldMk cId="1961932492" sldId="260"/>
-            <ac:spMk id="453" creationId="{D2592E83-02FB-4B9C-ABEB-AABF60FFA6EC}"/>
-          </ac:spMkLst>
-        </pc:spChg>
-        <pc:spChg chg="add del mod topLvl">
-          <ac:chgData name="Frank Refol" userId="a6401068-e7c9-408d-89d4-c1454776cbbb" providerId="ADAL" clId="{D4077E38-555F-4EA0-B20A-B00ED7D09D7E}" dt="2022-01-18T17:36:50.013" v="184" actId="478"/>
-          <ac:spMkLst>
-            <pc:docMk/>
-            <pc:sldMk cId="1961932492" sldId="260"/>
-            <ac:spMk id="456" creationId="{F243B0A2-6AAC-4F08-9AFD-14740E07D038}"/>
-          </ac:spMkLst>
-        </pc:spChg>
-        <pc:spChg chg="del mod topLvl">
-          <ac:chgData name="Frank Refol" userId="a6401068-e7c9-408d-89d4-c1454776cbbb" providerId="ADAL" clId="{D4077E38-555F-4EA0-B20A-B00ED7D09D7E}" dt="2022-01-18T20:01:35.978" v="680" actId="478"/>
-          <ac:spMkLst>
-            <pc:docMk/>
-            <pc:sldMk cId="1961932492" sldId="260"/>
-            <ac:spMk id="457" creationId="{E01F214A-A54B-48ED-8CD0-31E5447380DF}"/>
-          </ac:spMkLst>
-        </pc:spChg>
-        <pc:spChg chg="add del mod">
-          <ac:chgData name="Frank Refol" userId="a6401068-e7c9-408d-89d4-c1454776cbbb" providerId="ADAL" clId="{D4077E38-555F-4EA0-B20A-B00ED7D09D7E}" dt="2022-01-18T18:00:42.663" v="377" actId="478"/>
-          <ac:spMkLst>
-            <pc:docMk/>
-            <pc:sldMk cId="1961932492" sldId="260"/>
-            <ac:spMk id="464" creationId="{8F26A254-5EEF-4869-BE3E-D38E2A03B3C4}"/>
-          </ac:spMkLst>
-        </pc:spChg>
-        <pc:spChg chg="add del mod">
-          <ac:chgData name="Frank Refol" userId="a6401068-e7c9-408d-89d4-c1454776cbbb" providerId="ADAL" clId="{D4077E38-555F-4EA0-B20A-B00ED7D09D7E}" dt="2022-01-18T18:00:42.663" v="377" actId="478"/>
-          <ac:spMkLst>
-            <pc:docMk/>
-            <pc:sldMk cId="1961932492" sldId="260"/>
-            <ac:spMk id="465" creationId="{31BB1D16-0579-4C20-8443-7063CC4DC783}"/>
-          </ac:spMkLst>
-        </pc:spChg>
-        <pc:spChg chg="add del mod">
-          <ac:chgData name="Frank Refol" userId="a6401068-e7c9-408d-89d4-c1454776cbbb" providerId="ADAL" clId="{D4077E38-555F-4EA0-B20A-B00ED7D09D7E}" dt="2022-01-18T18:00:42.663" v="377" actId="478"/>
-          <ac:spMkLst>
-            <pc:docMk/>
-            <pc:sldMk cId="1961932492" sldId="260"/>
-            <ac:spMk id="466" creationId="{866A953F-E4BB-4BEA-B425-F389289B0439}"/>
-          </ac:spMkLst>
-        </pc:spChg>
-        <pc:spChg chg="add del mod">
-          <ac:chgData name="Frank Refol" userId="a6401068-e7c9-408d-89d4-c1454776cbbb" providerId="ADAL" clId="{D4077E38-555F-4EA0-B20A-B00ED7D09D7E}" dt="2022-01-18T17:41:18.521" v="218" actId="478"/>
-          <ac:spMkLst>
-            <pc:docMk/>
-            <pc:sldMk cId="1961932492" sldId="260"/>
-            <ac:spMk id="467" creationId="{432C7D19-0D25-4E18-9DAB-EC962C3DE7DF}"/>
-          </ac:spMkLst>
-        </pc:spChg>
-        <pc:spChg chg="add del mod">
-          <ac:chgData name="Frank Refol" userId="a6401068-e7c9-408d-89d4-c1454776cbbb" providerId="ADAL" clId="{D4077E38-555F-4EA0-B20A-B00ED7D09D7E}" dt="2022-01-18T17:41:18.521" v="218" actId="478"/>
-          <ac:spMkLst>
-            <pc:docMk/>
-            <pc:sldMk cId="1961932492" sldId="260"/>
-            <ac:spMk id="468" creationId="{23F016BD-B984-4BD1-B13D-EFD1D95271B1}"/>
-          </ac:spMkLst>
-        </pc:spChg>
-        <pc:spChg chg="add del mod">
-          <ac:chgData name="Frank Refol" userId="a6401068-e7c9-408d-89d4-c1454776cbbb" providerId="ADAL" clId="{D4077E38-555F-4EA0-B20A-B00ED7D09D7E}" dt="2022-01-18T18:00:42.663" v="377" actId="478"/>
-          <ac:spMkLst>
-            <pc:docMk/>
-            <pc:sldMk cId="1961932492" sldId="260"/>
-            <ac:spMk id="469" creationId="{BBD267CB-7ADA-42E7-A70B-46E123590632}"/>
-          </ac:spMkLst>
-        </pc:spChg>
-        <pc:spChg chg="add del mod">
-          <ac:chgData name="Frank Refol" userId="a6401068-e7c9-408d-89d4-c1454776cbbb" providerId="ADAL" clId="{D4077E38-555F-4EA0-B20A-B00ED7D09D7E}" dt="2022-01-18T18:00:42.663" v="377" actId="478"/>
-          <ac:spMkLst>
-            <pc:docMk/>
-            <pc:sldMk cId="1961932492" sldId="260"/>
-            <ac:spMk id="470" creationId="{33D044DB-9D21-416F-843C-C39FF22C4FDF}"/>
-          </ac:spMkLst>
-        </pc:spChg>
-        <pc:spChg chg="add del mod">
-          <ac:chgData name="Frank Refol" userId="a6401068-e7c9-408d-89d4-c1454776cbbb" providerId="ADAL" clId="{D4077E38-555F-4EA0-B20A-B00ED7D09D7E}" dt="2022-01-18T18:00:42.663" v="377" actId="478"/>
-          <ac:spMkLst>
-            <pc:docMk/>
-            <pc:sldMk cId="1961932492" sldId="260"/>
-            <ac:spMk id="471" creationId="{1F19EB45-AB3B-4D38-9694-57964A08AACB}"/>
-          </ac:spMkLst>
-        </pc:spChg>
-        <pc:spChg chg="add del mod">
-          <ac:chgData name="Frank Refol" userId="a6401068-e7c9-408d-89d4-c1454776cbbb" providerId="ADAL" clId="{D4077E38-555F-4EA0-B20A-B00ED7D09D7E}" dt="2022-01-18T18:00:42.663" v="377" actId="478"/>
-          <ac:spMkLst>
-            <pc:docMk/>
-            <pc:sldMk cId="1961932492" sldId="260"/>
-            <ac:spMk id="472" creationId="{0F26218B-9E93-421F-94FA-7EBFD842CB76}"/>
-          </ac:spMkLst>
-        </pc:spChg>
-        <pc:spChg chg="add del mod">
-          <ac:chgData name="Frank Refol" userId="a6401068-e7c9-408d-89d4-c1454776cbbb" providerId="ADAL" clId="{D4077E38-555F-4EA0-B20A-B00ED7D09D7E}" dt="2022-01-18T18:00:42.663" v="377" actId="478"/>
-          <ac:spMkLst>
-            <pc:docMk/>
-            <pc:sldMk cId="1961932492" sldId="260"/>
-            <ac:spMk id="473" creationId="{D7834E27-2A56-40F1-A7D0-A197E549B818}"/>
-          </ac:spMkLst>
-        </pc:spChg>
-        <pc:spChg chg="add del mod">
-          <ac:chgData name="Frank Refol" userId="a6401068-e7c9-408d-89d4-c1454776cbbb" providerId="ADAL" clId="{D4077E38-555F-4EA0-B20A-B00ED7D09D7E}" dt="2022-01-18T18:00:42.663" v="377" actId="478"/>
-          <ac:spMkLst>
-            <pc:docMk/>
-            <pc:sldMk cId="1961932492" sldId="260"/>
-            <ac:spMk id="474" creationId="{79E060AD-7343-4253-93EE-33B283E241B7}"/>
-          </ac:spMkLst>
-        </pc:spChg>
-        <pc:spChg chg="add del mod">
-          <ac:chgData name="Frank Refol" userId="a6401068-e7c9-408d-89d4-c1454776cbbb" providerId="ADAL" clId="{D4077E38-555F-4EA0-B20A-B00ED7D09D7E}" dt="2022-01-18T18:00:42.663" v="377" actId="478"/>
-          <ac:spMkLst>
-            <pc:docMk/>
-            <pc:sldMk cId="1961932492" sldId="260"/>
-            <ac:spMk id="475" creationId="{F1EDD836-5D20-4E8F-9EF5-AEB7E87400DE}"/>
-          </ac:spMkLst>
-        </pc:spChg>
-        <pc:spChg chg="add del mod">
-          <ac:chgData name="Frank Refol" userId="a6401068-e7c9-408d-89d4-c1454776cbbb" providerId="ADAL" clId="{D4077E38-555F-4EA0-B20A-B00ED7D09D7E}" dt="2022-01-18T18:00:42.663" v="377" actId="478"/>
-          <ac:spMkLst>
-            <pc:docMk/>
-            <pc:sldMk cId="1961932492" sldId="260"/>
-            <ac:spMk id="476" creationId="{832325D3-8704-466C-ABA5-03114D5B6393}"/>
-          </ac:spMkLst>
-        </pc:spChg>
-        <pc:spChg chg="add del mod topLvl">
-          <ac:chgData name="Frank Refol" userId="a6401068-e7c9-408d-89d4-c1454776cbbb" providerId="ADAL" clId="{D4077E38-555F-4EA0-B20A-B00ED7D09D7E}" dt="2022-01-18T18:03:20.760" v="430" actId="478"/>
-          <ac:spMkLst>
-            <pc:docMk/>
-            <pc:sldMk cId="1961932492" sldId="260"/>
-            <ac:spMk id="477" creationId="{4D63F1B0-6EBC-409D-BF20-55928A4F6D0B}"/>
-          </ac:spMkLst>
-        </pc:spChg>
-        <pc:spChg chg="add del mod topLvl">
-          <ac:chgData name="Frank Refol" userId="a6401068-e7c9-408d-89d4-c1454776cbbb" providerId="ADAL" clId="{D4077E38-555F-4EA0-B20A-B00ED7D09D7E}" dt="2022-01-18T17:53:50.939" v="299" actId="478"/>
-          <ac:spMkLst>
-            <pc:docMk/>
-            <pc:sldMk cId="1961932492" sldId="260"/>
-            <ac:spMk id="478" creationId="{85050D4D-E17F-4EA7-A0CB-4F3988D5A972}"/>
-          </ac:spMkLst>
-        </pc:spChg>
-        <pc:spChg chg="add del mod topLvl">
-          <ac:chgData name="Frank Refol" userId="a6401068-e7c9-408d-89d4-c1454776cbbb" providerId="ADAL" clId="{D4077E38-555F-4EA0-B20A-B00ED7D09D7E}" dt="2022-01-18T17:54:13.741" v="303" actId="478"/>
-          <ac:spMkLst>
-            <pc:docMk/>
-            <pc:sldMk cId="1961932492" sldId="260"/>
-            <ac:spMk id="479" creationId="{A854D115-D335-48DA-BFD5-DBC53B0DD9D4}"/>
-          </ac:spMkLst>
-        </pc:spChg>
-        <pc:spChg chg="add del mod topLvl">
-          <ac:chgData name="Frank Refol" userId="a6401068-e7c9-408d-89d4-c1454776cbbb" providerId="ADAL" clId="{D4077E38-555F-4EA0-B20A-B00ED7D09D7E}" dt="2022-01-18T17:54:23.316" v="306" actId="478"/>
-          <ac:spMkLst>
-            <pc:docMk/>
-            <pc:sldMk cId="1961932492" sldId="260"/>
-            <ac:spMk id="480" creationId="{1EF7429C-4B1A-4F6F-A9C4-E05DA8971074}"/>
-          </ac:spMkLst>
-        </pc:spChg>
-        <pc:spChg chg="add del mod">
-          <ac:chgData name="Frank Refol" userId="a6401068-e7c9-408d-89d4-c1454776cbbb" providerId="ADAL" clId="{D4077E38-555F-4EA0-B20A-B00ED7D09D7E}" dt="2022-01-18T18:03:20.760" v="430" actId="478"/>
-          <ac:spMkLst>
-            <pc:docMk/>
-            <pc:sldMk cId="1961932492" sldId="260"/>
-            <ac:spMk id="481" creationId="{3A9D308C-B96B-498A-A15D-F3EF685925CB}"/>
-          </ac:spMkLst>
-        </pc:spChg>
-        <pc:spChg chg="add del mod">
-          <ac:chgData name="Frank Refol" userId="a6401068-e7c9-408d-89d4-c1454776cbbb" providerId="ADAL" clId="{D4077E38-555F-4EA0-B20A-B00ED7D09D7E}" dt="2022-01-18T18:03:20.760" v="430" actId="478"/>
-          <ac:spMkLst>
-            <pc:docMk/>
-            <pc:sldMk cId="1961932492" sldId="260"/>
-            <ac:spMk id="482" creationId="{C774B1D7-9EC6-41E8-BCE9-C41054A2004A}"/>
-          </ac:spMkLst>
-        </pc:spChg>
-        <pc:spChg chg="add del mod">
-          <ac:chgData name="Frank Refol" userId="a6401068-e7c9-408d-89d4-c1454776cbbb" providerId="ADAL" clId="{D4077E38-555F-4EA0-B20A-B00ED7D09D7E}" dt="2022-01-18T17:55:16.817" v="319" actId="478"/>
-          <ac:spMkLst>
-            <pc:docMk/>
-            <pc:sldMk cId="1961932492" sldId="260"/>
-            <ac:spMk id="483" creationId="{CD4C3BDF-E3E0-4A46-A504-E503F2B797A6}"/>
-          </ac:spMkLst>
-        </pc:spChg>
-        <pc:spChg chg="add del mod">
-          <ac:chgData name="Frank Refol" userId="a6401068-e7c9-408d-89d4-c1454776cbbb" providerId="ADAL" clId="{D4077E38-555F-4EA0-B20A-B00ED7D09D7E}" dt="2022-01-18T18:03:20.760" v="430" actId="478"/>
-          <ac:spMkLst>
-            <pc:docMk/>
-            <pc:sldMk cId="1961932492" sldId="260"/>
-            <ac:spMk id="484" creationId="{B6F10FE3-6CB9-4F69-A7A9-459A32D09879}"/>
-          </ac:spMkLst>
-        </pc:spChg>
-        <pc:spChg chg="add del mod">
-          <ac:chgData name="Frank Refol" userId="a6401068-e7c9-408d-89d4-c1454776cbbb" providerId="ADAL" clId="{D4077E38-555F-4EA0-B20A-B00ED7D09D7E}" dt="2022-01-18T18:03:20.760" v="430" actId="478"/>
-          <ac:spMkLst>
-            <pc:docMk/>
-            <pc:sldMk cId="1961932492" sldId="260"/>
-            <ac:spMk id="485" creationId="{48AB4FE5-3561-4D3C-9023-A25EC260F600}"/>
-          </ac:spMkLst>
-        </pc:spChg>
-        <pc:spChg chg="add del mod">
-          <ac:chgData name="Frank Refol" userId="a6401068-e7c9-408d-89d4-c1454776cbbb" providerId="ADAL" clId="{D4077E38-555F-4EA0-B20A-B00ED7D09D7E}" dt="2022-01-18T18:04:48.189" v="454" actId="478"/>
-          <ac:spMkLst>
-            <pc:docMk/>
-            <pc:sldMk cId="1961932492" sldId="260"/>
-            <ac:spMk id="486" creationId="{0EA7D12A-0E4F-40A7-8456-490E76AB1DCF}"/>
-          </ac:spMkLst>
-        </pc:spChg>
-        <pc:spChg chg="add mod topLvl">
-          <ac:chgData name="Frank Refol" userId="a6401068-e7c9-408d-89d4-c1454776cbbb" providerId="ADAL" clId="{D4077E38-555F-4EA0-B20A-B00ED7D09D7E}" dt="2022-01-18T20:04:33.169" v="722" actId="165"/>
-          <ac:spMkLst>
-            <pc:docMk/>
-            <pc:sldMk cId="1961932492" sldId="260"/>
-            <ac:spMk id="503" creationId="{A02CF306-0684-4874-A06C-7000322EF4C7}"/>
-          </ac:spMkLst>
-        </pc:spChg>
-        <pc:spChg chg="del mod topLvl">
-          <ac:chgData name="Frank Refol" userId="a6401068-e7c9-408d-89d4-c1454776cbbb" providerId="ADAL" clId="{D4077E38-555F-4EA0-B20A-B00ED7D09D7E}" dt="2022-01-18T18:16:13.445" v="593" actId="478"/>
-          <ac:spMkLst>
-            <pc:docMk/>
-            <pc:sldMk cId="1961932492" sldId="260"/>
-            <ac:spMk id="505" creationId="{A8CF2AEE-07BC-4D2E-BD46-C5F91BFB849A}"/>
-          </ac:spMkLst>
-        </pc:spChg>
-        <pc:spChg chg="mod">
-          <ac:chgData name="Frank Refol" userId="a6401068-e7c9-408d-89d4-c1454776cbbb" providerId="ADAL" clId="{D4077E38-555F-4EA0-B20A-B00ED7D09D7E}" dt="2022-01-18T18:16:09.676" v="592" actId="165"/>
-          <ac:spMkLst>
-            <pc:docMk/>
-            <pc:sldMk cId="1961932492" sldId="260"/>
-            <ac:spMk id="508" creationId="{C20EEE39-E6B9-4CC0-AEDE-A5FE80D65FD9}"/>
-          </ac:spMkLst>
-        </pc:spChg>
-        <pc:spChg chg="mod">
-          <ac:chgData name="Frank Refol" userId="a6401068-e7c9-408d-89d4-c1454776cbbb" providerId="ADAL" clId="{D4077E38-555F-4EA0-B20A-B00ED7D09D7E}" dt="2022-01-18T18:16:09.676" v="592" actId="165"/>
-          <ac:spMkLst>
-            <pc:docMk/>
-            <pc:sldMk cId="1961932492" sldId="260"/>
-            <ac:spMk id="509" creationId="{5C4B125A-289A-436F-8F14-2A60B37D6FBB}"/>
-          </ac:spMkLst>
-        </pc:spChg>
-        <pc:spChg chg="mod">
-          <ac:chgData name="Frank Refol" userId="a6401068-e7c9-408d-89d4-c1454776cbbb" providerId="ADAL" clId="{D4077E38-555F-4EA0-B20A-B00ED7D09D7E}" dt="2022-01-18T18:16:09.676" v="592" actId="165"/>
-          <ac:spMkLst>
-            <pc:docMk/>
-            <pc:sldMk cId="1961932492" sldId="260"/>
-            <ac:spMk id="511" creationId="{28F67A06-1811-47A0-8313-6FA35D861F9A}"/>
-          </ac:spMkLst>
-        </pc:spChg>
-        <pc:spChg chg="mod">
-          <ac:chgData name="Frank Refol" userId="a6401068-e7c9-408d-89d4-c1454776cbbb" providerId="ADAL" clId="{D4077E38-555F-4EA0-B20A-B00ED7D09D7E}" dt="2022-01-18T18:16:09.676" v="592" actId="165"/>
-          <ac:spMkLst>
-            <pc:docMk/>
-            <pc:sldMk cId="1961932492" sldId="260"/>
-            <ac:spMk id="512" creationId="{CC7DBF07-CDA6-4D5E-ACC6-3A47797F45F9}"/>
-          </ac:spMkLst>
-        </pc:spChg>
-        <pc:spChg chg="mod">
-          <ac:chgData name="Frank Refol" userId="a6401068-e7c9-408d-89d4-c1454776cbbb" providerId="ADAL" clId="{D4077E38-555F-4EA0-B20A-B00ED7D09D7E}" dt="2022-01-18T18:16:09.676" v="592" actId="165"/>
-          <ac:spMkLst>
-            <pc:docMk/>
-            <pc:sldMk cId="1961932492" sldId="260"/>
-            <ac:spMk id="513" creationId="{F254373B-FC8B-404F-A9EF-D00E898E088E}"/>
-          </ac:spMkLst>
-        </pc:spChg>
-        <pc:spChg chg="mod topLvl">
-          <ac:chgData name="Frank Refol" userId="a6401068-e7c9-408d-89d4-c1454776cbbb" providerId="ADAL" clId="{D4077E38-555F-4EA0-B20A-B00ED7D09D7E}" dt="2022-01-18T18:18:11.078" v="647" actId="164"/>
-          <ac:spMkLst>
-            <pc:docMk/>
-            <pc:sldMk cId="1961932492" sldId="260"/>
-            <ac:spMk id="522" creationId="{B7567C42-FE71-4D18-9891-1652C8FF7EB2}"/>
-          </ac:spMkLst>
-        </pc:spChg>
-        <pc:spChg chg="mod topLvl">
-          <ac:chgData name="Frank Refol" userId="a6401068-e7c9-408d-89d4-c1454776cbbb" providerId="ADAL" clId="{D4077E38-555F-4EA0-B20A-B00ED7D09D7E}" dt="2022-01-18T18:18:11.078" v="647" actId="164"/>
-          <ac:spMkLst>
-            <pc:docMk/>
-            <pc:sldMk cId="1961932492" sldId="260"/>
-            <ac:spMk id="523" creationId="{BC2B55E0-5C52-45DE-A76A-B6A27515A361}"/>
-          </ac:spMkLst>
-        </pc:spChg>
-        <pc:spChg chg="mod topLvl">
-          <ac:chgData name="Frank Refol" userId="a6401068-e7c9-408d-89d4-c1454776cbbb" providerId="ADAL" clId="{D4077E38-555F-4EA0-B20A-B00ED7D09D7E}" dt="2022-01-18T18:18:11.078" v="647" actId="164"/>
-          <ac:spMkLst>
-            <pc:docMk/>
-            <pc:sldMk cId="1961932492" sldId="260"/>
-            <ac:spMk id="525" creationId="{484ED2E3-81D7-4949-B695-BC73ED73FFFE}"/>
-          </ac:spMkLst>
-        </pc:spChg>
-        <pc:spChg chg="mod">
-          <ac:chgData name="Frank Refol" userId="a6401068-e7c9-408d-89d4-c1454776cbbb" providerId="ADAL" clId="{D4077E38-555F-4EA0-B20A-B00ED7D09D7E}" dt="2022-01-18T18:16:39.444" v="599" actId="165"/>
-          <ac:spMkLst>
-            <pc:docMk/>
-            <pc:sldMk cId="1961932492" sldId="260"/>
-            <ac:spMk id="526" creationId="{FC3D79F4-CCD0-41CE-8EC5-F6082767821A}"/>
-          </ac:spMkLst>
-        </pc:spChg>
-        <pc:spChg chg="mod">
-          <ac:chgData name="Frank Refol" userId="a6401068-e7c9-408d-89d4-c1454776cbbb" providerId="ADAL" clId="{D4077E38-555F-4EA0-B20A-B00ED7D09D7E}" dt="2022-01-18T18:16:39.444" v="599" actId="165"/>
-          <ac:spMkLst>
-            <pc:docMk/>
-            <pc:sldMk cId="1961932492" sldId="260"/>
-            <ac:spMk id="527" creationId="{71F2133C-1E3A-4A99-9242-37CC82A80400}"/>
-          </ac:spMkLst>
-        </pc:spChg>
-        <pc:spChg chg="mod">
-          <ac:chgData name="Frank Refol" userId="a6401068-e7c9-408d-89d4-c1454776cbbb" providerId="ADAL" clId="{D4077E38-555F-4EA0-B20A-B00ED7D09D7E}" dt="2022-01-18T18:16:39.444" v="599" actId="165"/>
-          <ac:spMkLst>
-            <pc:docMk/>
-            <pc:sldMk cId="1961932492" sldId="260"/>
-            <ac:spMk id="537" creationId="{7B6F36AC-745B-42E6-868A-CAD07045EF43}"/>
-          </ac:spMkLst>
-        </pc:spChg>
-        <pc:spChg chg="mod">
-          <ac:chgData name="Frank Refol" userId="a6401068-e7c9-408d-89d4-c1454776cbbb" providerId="ADAL" clId="{D4077E38-555F-4EA0-B20A-B00ED7D09D7E}" dt="2022-01-18T18:16:39.444" v="599" actId="165"/>
-          <ac:spMkLst>
-            <pc:docMk/>
-            <pc:sldMk cId="1961932492" sldId="260"/>
-            <ac:spMk id="538" creationId="{4867747E-6532-447A-BE1F-42A52C16FFCF}"/>
-          </ac:spMkLst>
-        </pc:spChg>
-        <pc:spChg chg="add del mod">
-          <ac:chgData name="Frank Refol" userId="a6401068-e7c9-408d-89d4-c1454776cbbb" providerId="ADAL" clId="{D4077E38-555F-4EA0-B20A-B00ED7D09D7E}" dt="2022-01-18T18:16:05.600" v="591"/>
-          <ac:spMkLst>
-            <pc:docMk/>
-            <pc:sldMk cId="1961932492" sldId="260"/>
-            <ac:spMk id="539" creationId="{8793E3BB-FF78-4681-A112-313BB56C6398}"/>
-          </ac:spMkLst>
-        </pc:spChg>
-        <pc:spChg chg="add del mod">
-          <ac:chgData name="Frank Refol" userId="a6401068-e7c9-408d-89d4-c1454776cbbb" providerId="ADAL" clId="{D4077E38-555F-4EA0-B20A-B00ED7D09D7E}" dt="2022-01-18T23:01:11.756" v="964" actId="478"/>
-          <ac:spMkLst>
-            <pc:docMk/>
-            <pc:sldMk cId="1961932492" sldId="260"/>
-            <ac:spMk id="540" creationId="{F0F23888-118A-4EB1-9BD1-3A5D3AA9D095}"/>
-          </ac:spMkLst>
-        </pc:spChg>
-        <pc:spChg chg="add mod">
-          <ac:chgData name="Frank Refol" userId="a6401068-e7c9-408d-89d4-c1454776cbbb" providerId="ADAL" clId="{D4077E38-555F-4EA0-B20A-B00ED7D09D7E}" dt="2022-01-18T23:01:09.876" v="963" actId="1076"/>
-          <ac:spMkLst>
-            <pc:docMk/>
-            <pc:sldMk cId="1961932492" sldId="260"/>
-            <ac:spMk id="541" creationId="{C4691F7F-6A13-4E52-885F-A77795B62163}"/>
-          </ac:spMkLst>
-        </pc:spChg>
-        <pc:spChg chg="add mod topLvl">
-          <ac:chgData name="Frank Refol" userId="a6401068-e7c9-408d-89d4-c1454776cbbb" providerId="ADAL" clId="{D4077E38-555F-4EA0-B20A-B00ED7D09D7E}" dt="2022-01-18T20:03:16.316" v="703" actId="164"/>
-          <ac:spMkLst>
-            <pc:docMk/>
-            <pc:sldMk cId="1961932492" sldId="260"/>
-            <ac:spMk id="542" creationId="{E4873D7C-0BC5-4D46-8B9F-A5E7E9C7E5CF}"/>
-          </ac:spMkLst>
-        </pc:spChg>
-        <pc:spChg chg="add mod">
-          <ac:chgData name="Frank Refol" userId="a6401068-e7c9-408d-89d4-c1454776cbbb" providerId="ADAL" clId="{D4077E38-555F-4EA0-B20A-B00ED7D09D7E}" dt="2022-01-18T20:03:16.316" v="703" actId="164"/>
-          <ac:spMkLst>
-            <pc:docMk/>
-            <pc:sldMk cId="1961932492" sldId="260"/>
-            <ac:spMk id="555" creationId="{B0C09E60-6EBE-48DA-9BD1-D83866742759}"/>
-          </ac:spMkLst>
-        </pc:spChg>
-        <pc:spChg chg="mod topLvl">
-          <ac:chgData name="Frank Refol" userId="a6401068-e7c9-408d-89d4-c1454776cbbb" providerId="ADAL" clId="{D4077E38-555F-4EA0-B20A-B00ED7D09D7E}" dt="2022-01-18T20:04:04.505" v="717" actId="164"/>
-          <ac:spMkLst>
-            <pc:docMk/>
-            <pc:sldMk cId="1961932492" sldId="260"/>
-            <ac:spMk id="557" creationId="{BB058C26-06E4-4743-9EAC-1B623230D4B7}"/>
-          </ac:spMkLst>
-        </pc:spChg>
-        <pc:spChg chg="mod topLvl">
-          <ac:chgData name="Frank Refol" userId="a6401068-e7c9-408d-89d4-c1454776cbbb" providerId="ADAL" clId="{D4077E38-555F-4EA0-B20A-B00ED7D09D7E}" dt="2022-01-18T20:04:04.505" v="717" actId="164"/>
-          <ac:spMkLst>
-            <pc:docMk/>
-            <pc:sldMk cId="1961932492" sldId="260"/>
-            <ac:spMk id="570" creationId="{C6AA02F8-040B-4CE3-9BF7-3F5ED631A54A}"/>
-          </ac:spMkLst>
-        </pc:spChg>
-        <pc:spChg chg="mod">
-          <ac:chgData name="Frank Refol" userId="a6401068-e7c9-408d-89d4-c1454776cbbb" providerId="ADAL" clId="{D4077E38-555F-4EA0-B20A-B00ED7D09D7E}" dt="2022-01-18T20:03:44.894" v="708"/>
-          <ac:spMkLst>
-            <pc:docMk/>
-            <pc:sldMk cId="1961932492" sldId="260"/>
-            <ac:spMk id="572" creationId="{BB7D1F0A-B578-42AA-B4AF-4E388BE1A972}"/>
-          </ac:spMkLst>
-        </pc:spChg>
-        <pc:spChg chg="mod">
-          <ac:chgData name="Frank Refol" userId="a6401068-e7c9-408d-89d4-c1454776cbbb" providerId="ADAL" clId="{D4077E38-555F-4EA0-B20A-B00ED7D09D7E}" dt="2022-01-18T20:03:44.894" v="708"/>
-          <ac:spMkLst>
-            <pc:docMk/>
-            <pc:sldMk cId="1961932492" sldId="260"/>
-            <ac:spMk id="573" creationId="{4D4B1FE7-95E5-4040-A24F-009E0DE70990}"/>
-          </ac:spMkLst>
-        </pc:spChg>
-        <pc:spChg chg="mod">
-          <ac:chgData name="Frank Refol" userId="a6401068-e7c9-408d-89d4-c1454776cbbb" providerId="ADAL" clId="{D4077E38-555F-4EA0-B20A-B00ED7D09D7E}" dt="2022-01-18T20:03:44.894" v="708"/>
-          <ac:spMkLst>
-            <pc:docMk/>
-            <pc:sldMk cId="1961932492" sldId="260"/>
-            <ac:spMk id="575" creationId="{744A6381-079C-4BEE-9FF3-E1EB81762569}"/>
-          </ac:spMkLst>
-        </pc:spChg>
-        <pc:spChg chg="mod">
-          <ac:chgData name="Frank Refol" userId="a6401068-e7c9-408d-89d4-c1454776cbbb" providerId="ADAL" clId="{D4077E38-555F-4EA0-B20A-B00ED7D09D7E}" dt="2022-01-18T20:03:44.894" v="708"/>
-          <ac:spMkLst>
-            <pc:docMk/>
-            <pc:sldMk cId="1961932492" sldId="260"/>
-            <ac:spMk id="576" creationId="{3131B32F-E635-4A6B-B912-3611A8E7E1CD}"/>
-          </ac:spMkLst>
-        </pc:spChg>
-        <pc:spChg chg="add del mod topLvl">
-          <ac:chgData name="Frank Refol" userId="a6401068-e7c9-408d-89d4-c1454776cbbb" providerId="ADAL" clId="{D4077E38-555F-4EA0-B20A-B00ED7D09D7E}" dt="2022-01-18T20:08:03.733" v="799" actId="164"/>
-          <ac:spMkLst>
-            <pc:docMk/>
-            <pc:sldMk cId="1961932492" sldId="260"/>
-            <ac:spMk id="578" creationId="{4AF8178F-5255-4938-99B2-386A8184971D}"/>
-          </ac:spMkLst>
-        </pc:spChg>
-        <pc:spChg chg="mod topLvl">
-          <ac:chgData name="Frank Refol" userId="a6401068-e7c9-408d-89d4-c1454776cbbb" providerId="ADAL" clId="{D4077E38-555F-4EA0-B20A-B00ED7D09D7E}" dt="2022-01-18T20:08:03.733" v="799" actId="164"/>
-          <ac:spMkLst>
-            <pc:docMk/>
-            <pc:sldMk cId="1961932492" sldId="260"/>
-            <ac:spMk id="591" creationId="{490C7AEB-39EF-44DD-90A9-DBB62B222DF7}"/>
-          </ac:spMkLst>
-        </pc:spChg>
-        <pc:spChg chg="mod">
-          <ac:chgData name="Frank Refol" userId="a6401068-e7c9-408d-89d4-c1454776cbbb" providerId="ADAL" clId="{D4077E38-555F-4EA0-B20A-B00ED7D09D7E}" dt="2022-01-18T20:04:27.854" v="721" actId="165"/>
-          <ac:spMkLst>
-            <pc:docMk/>
-            <pc:sldMk cId="1961932492" sldId="260"/>
-            <ac:spMk id="593" creationId="{664E99F7-5D8F-4D38-BBA3-6607ABC3EFC1}"/>
-          </ac:spMkLst>
-        </pc:spChg>
-        <pc:spChg chg="mod">
-          <ac:chgData name="Frank Refol" userId="a6401068-e7c9-408d-89d4-c1454776cbbb" providerId="ADAL" clId="{D4077E38-555F-4EA0-B20A-B00ED7D09D7E}" dt="2022-01-18T20:04:27.854" v="721" actId="165"/>
-          <ac:spMkLst>
-            <pc:docMk/>
-            <pc:sldMk cId="1961932492" sldId="260"/>
-            <ac:spMk id="594" creationId="{36BB6AC1-528C-4E6D-92DB-DB3931BE6D68}"/>
-          </ac:spMkLst>
-        </pc:spChg>
-        <pc:spChg chg="mod">
-          <ac:chgData name="Frank Refol" userId="a6401068-e7c9-408d-89d4-c1454776cbbb" providerId="ADAL" clId="{D4077E38-555F-4EA0-B20A-B00ED7D09D7E}" dt="2022-01-18T20:04:27.854" v="721" actId="165"/>
-          <ac:spMkLst>
-            <pc:docMk/>
-            <pc:sldMk cId="1961932492" sldId="260"/>
-            <ac:spMk id="596" creationId="{F83BCFBE-1029-4421-802A-7BB4316FF0FE}"/>
-          </ac:spMkLst>
-        </pc:spChg>
-        <pc:spChg chg="mod">
-          <ac:chgData name="Frank Refol" userId="a6401068-e7c9-408d-89d4-c1454776cbbb" providerId="ADAL" clId="{D4077E38-555F-4EA0-B20A-B00ED7D09D7E}" dt="2022-01-18T20:04:27.854" v="721" actId="165"/>
-          <ac:spMkLst>
-            <pc:docMk/>
-            <pc:sldMk cId="1961932492" sldId="260"/>
-            <ac:spMk id="597" creationId="{989D4EA6-21D2-4C18-A075-A7E2B84BEDCF}"/>
-          </ac:spMkLst>
-        </pc:spChg>
-        <pc:spChg chg="mod">
-          <ac:chgData name="Frank Refol" userId="a6401068-e7c9-408d-89d4-c1454776cbbb" providerId="ADAL" clId="{D4077E38-555F-4EA0-B20A-B00ED7D09D7E}" dt="2022-01-18T20:04:35.866" v="723"/>
-          <ac:spMkLst>
-            <pc:docMk/>
-            <pc:sldMk cId="1961932492" sldId="260"/>
-            <ac:spMk id="599" creationId="{5D0F8B09-EAD9-4EFE-853E-9253D5755D6B}"/>
-          </ac:spMkLst>
-        </pc:spChg>
-        <pc:spChg chg="mod">
-          <ac:chgData name="Frank Refol" userId="a6401068-e7c9-408d-89d4-c1454776cbbb" providerId="ADAL" clId="{D4077E38-555F-4EA0-B20A-B00ED7D09D7E}" dt="2022-01-18T20:04:35.866" v="723"/>
-          <ac:spMkLst>
-            <pc:docMk/>
-            <pc:sldMk cId="1961932492" sldId="260"/>
-            <ac:spMk id="600" creationId="{E0FECAAE-1F7B-4B91-B4CE-7A4FEEF8EA7A}"/>
-          </ac:spMkLst>
-        </pc:spChg>
-        <pc:spChg chg="mod">
-          <ac:chgData name="Frank Refol" userId="a6401068-e7c9-408d-89d4-c1454776cbbb" providerId="ADAL" clId="{D4077E38-555F-4EA0-B20A-B00ED7D09D7E}" dt="2022-01-18T20:04:35.866" v="723"/>
-          <ac:spMkLst>
-            <pc:docMk/>
-            <pc:sldMk cId="1961932492" sldId="260"/>
-            <ac:spMk id="610" creationId="{58F1F0F3-C26A-4097-ADC1-D37FEB3B5B0C}"/>
-          </ac:spMkLst>
-        </pc:spChg>
-        <pc:spChg chg="mod">
-          <ac:chgData name="Frank Refol" userId="a6401068-e7c9-408d-89d4-c1454776cbbb" providerId="ADAL" clId="{D4077E38-555F-4EA0-B20A-B00ED7D09D7E}" dt="2022-01-18T20:04:35.866" v="723"/>
-          <ac:spMkLst>
-            <pc:docMk/>
-            <pc:sldMk cId="1961932492" sldId="260"/>
-            <ac:spMk id="611" creationId="{E5397FEA-9808-4761-B17C-41684450B266}"/>
-          </ac:spMkLst>
-        </pc:spChg>
-        <pc:spChg chg="add del mod">
-          <ac:chgData name="Frank Refol" userId="a6401068-e7c9-408d-89d4-c1454776cbbb" providerId="ADAL" clId="{D4077E38-555F-4EA0-B20A-B00ED7D09D7E}" dt="2022-01-18T20:08:03.733" v="799" actId="164"/>
-          <ac:spMkLst>
-            <pc:docMk/>
-            <pc:sldMk cId="1961932492" sldId="260"/>
-            <ac:spMk id="612" creationId="{657BD7BE-BFE1-49DF-84C5-877A61D5258C}"/>
-          </ac:spMkLst>
-        </pc:spChg>
-        <pc:spChg chg="del mod topLvl">
-          <ac:chgData name="Frank Refol" userId="a6401068-e7c9-408d-89d4-c1454776cbbb" providerId="ADAL" clId="{D4077E38-555F-4EA0-B20A-B00ED7D09D7E}" dt="2022-01-18T22:40:47.176" v="808" actId="478"/>
-          <ac:spMkLst>
-            <pc:docMk/>
-            <pc:sldMk cId="1961932492" sldId="260"/>
-            <ac:spMk id="615" creationId="{1EA5BA8F-8CD2-4715-BCCF-A6C911A5BF31}"/>
-          </ac:spMkLst>
-        </pc:spChg>
-        <pc:spChg chg="mod">
-          <ac:chgData name="Frank Refol" userId="a6401068-e7c9-408d-89d4-c1454776cbbb" providerId="ADAL" clId="{D4077E38-555F-4EA0-B20A-B00ED7D09D7E}" dt="2022-01-18T22:40:44.124" v="807" actId="165"/>
-          <ac:spMkLst>
-            <pc:docMk/>
-            <pc:sldMk cId="1961932492" sldId="260"/>
-            <ac:spMk id="616" creationId="{E2E4F285-B108-4E34-961A-8BF75A891E49}"/>
-          </ac:spMkLst>
-        </pc:spChg>
-        <pc:spChg chg="mod">
-          <ac:chgData name="Frank Refol" userId="a6401068-e7c9-408d-89d4-c1454776cbbb" providerId="ADAL" clId="{D4077E38-555F-4EA0-B20A-B00ED7D09D7E}" dt="2022-01-18T22:40:44.124" v="807" actId="165"/>
-          <ac:spMkLst>
-            <pc:docMk/>
-            <pc:sldMk cId="1961932492" sldId="260"/>
-            <ac:spMk id="618" creationId="{218CC366-083E-475C-8592-E46590EE591C}"/>
-          </ac:spMkLst>
-        </pc:spChg>
-        <pc:spChg chg="mod">
-          <ac:chgData name="Frank Refol" userId="a6401068-e7c9-408d-89d4-c1454776cbbb" providerId="ADAL" clId="{D4077E38-555F-4EA0-B20A-B00ED7D09D7E}" dt="2022-01-18T22:40:44.124" v="807" actId="165"/>
-          <ac:spMkLst>
-            <pc:docMk/>
-            <pc:sldMk cId="1961932492" sldId="260"/>
-            <ac:spMk id="621" creationId="{BED8C41E-3943-4E0A-8FA6-4187E2877848}"/>
-          </ac:spMkLst>
-        </pc:spChg>
-        <pc:spChg chg="mod">
-          <ac:chgData name="Frank Refol" userId="a6401068-e7c9-408d-89d4-c1454776cbbb" providerId="ADAL" clId="{D4077E38-555F-4EA0-B20A-B00ED7D09D7E}" dt="2022-01-18T22:40:44.124" v="807" actId="165"/>
-          <ac:spMkLst>
-            <pc:docMk/>
-            <pc:sldMk cId="1961932492" sldId="260"/>
-            <ac:spMk id="622" creationId="{33E02340-12F1-46A5-9CD1-F3D415D28F99}"/>
-          </ac:spMkLst>
-        </pc:spChg>
-        <pc:spChg chg="mod">
-          <ac:chgData name="Frank Refol" userId="a6401068-e7c9-408d-89d4-c1454776cbbb" providerId="ADAL" clId="{D4077E38-555F-4EA0-B20A-B00ED7D09D7E}" dt="2022-01-18T22:40:44.124" v="807" actId="165"/>
-          <ac:spMkLst>
-            <pc:docMk/>
-            <pc:sldMk cId="1961932492" sldId="260"/>
-            <ac:spMk id="623" creationId="{0DEC7352-79AD-4313-B25C-7F1F089A1E24}"/>
-          </ac:spMkLst>
-        </pc:spChg>
-        <pc:spChg chg="mod">
-          <ac:chgData name="Frank Refol" userId="a6401068-e7c9-408d-89d4-c1454776cbbb" providerId="ADAL" clId="{D4077E38-555F-4EA0-B20A-B00ED7D09D7E}" dt="2022-01-18T22:40:44.124" v="807" actId="165"/>
-          <ac:spMkLst>
-            <pc:docMk/>
-            <pc:sldMk cId="1961932492" sldId="260"/>
-            <ac:spMk id="624" creationId="{82932841-CA94-4BC8-9DF4-43E008260FEA}"/>
-          </ac:spMkLst>
-        </pc:spChg>
-        <pc:spChg chg="mod">
-          <ac:chgData name="Frank Refol" userId="a6401068-e7c9-408d-89d4-c1454776cbbb" providerId="ADAL" clId="{D4077E38-555F-4EA0-B20A-B00ED7D09D7E}" dt="2022-01-18T22:40:44.124" v="807" actId="165"/>
-          <ac:spMkLst>
-            <pc:docMk/>
-            <pc:sldMk cId="1961932492" sldId="260"/>
-            <ac:spMk id="625" creationId="{E78A5B28-F228-4032-AF22-0A715D6A7468}"/>
-          </ac:spMkLst>
-        </pc:spChg>
-        <pc:spChg chg="mod">
-          <ac:chgData name="Frank Refol" userId="a6401068-e7c9-408d-89d4-c1454776cbbb" providerId="ADAL" clId="{D4077E38-555F-4EA0-B20A-B00ED7D09D7E}" dt="2022-01-18T22:40:44.124" v="807" actId="165"/>
-          <ac:spMkLst>
-            <pc:docMk/>
-            <pc:sldMk cId="1961932492" sldId="260"/>
-            <ac:spMk id="626" creationId="{18BF759E-EA43-457C-8152-4F2CD885C423}"/>
-          </ac:spMkLst>
-        </pc:spChg>
-        <pc:spChg chg="del mod topLvl">
-          <ac:chgData name="Frank Refol" userId="a6401068-e7c9-408d-89d4-c1454776cbbb" providerId="ADAL" clId="{D4077E38-555F-4EA0-B20A-B00ED7D09D7E}" dt="2022-01-18T22:40:56.292" v="811" actId="478"/>
-          <ac:spMkLst>
-            <pc:docMk/>
-            <pc:sldMk cId="1961932492" sldId="260"/>
-            <ac:spMk id="629" creationId="{E7AB4FD6-D2C1-47AB-B8A0-6AEBD7414363}"/>
-          </ac:spMkLst>
-        </pc:spChg>
-        <pc:spChg chg="add del mod topLvl">
-          <ac:chgData name="Frank Refol" userId="a6401068-e7c9-408d-89d4-c1454776cbbb" providerId="ADAL" clId="{D4077E38-555F-4EA0-B20A-B00ED7D09D7E}" dt="2022-01-18T22:53:12.784" v="866" actId="165"/>
-          <ac:spMkLst>
-            <pc:docMk/>
-            <pc:sldMk cId="1961932492" sldId="260"/>
-            <ac:spMk id="630" creationId="{163906FB-D019-4EBD-A5A8-2110642DA7EE}"/>
-          </ac:spMkLst>
-        </pc:spChg>
-        <pc:spChg chg="add del mod topLvl">
-          <ac:chgData name="Frank Refol" userId="a6401068-e7c9-408d-89d4-c1454776cbbb" providerId="ADAL" clId="{D4077E38-555F-4EA0-B20A-B00ED7D09D7E}" dt="2022-01-18T22:53:12.784" v="866" actId="165"/>
-          <ac:spMkLst>
-            <pc:docMk/>
-            <pc:sldMk cId="1961932492" sldId="260"/>
-            <ac:spMk id="631" creationId="{D9537BC7-BBE3-4D2B-97CC-575C56AFA8BD}"/>
-          </ac:spMkLst>
-        </pc:spChg>
-        <pc:spChg chg="add del mod topLvl">
-          <ac:chgData name="Frank Refol" userId="a6401068-e7c9-408d-89d4-c1454776cbbb" providerId="ADAL" clId="{D4077E38-555F-4EA0-B20A-B00ED7D09D7E}" dt="2022-01-18T22:53:12.784" v="866" actId="165"/>
-          <ac:spMkLst>
-            <pc:docMk/>
-            <pc:sldMk cId="1961932492" sldId="260"/>
-            <ac:spMk id="632" creationId="{97D91C26-C80B-4F15-A4B2-6F2658DC69E1}"/>
-          </ac:spMkLst>
-        </pc:spChg>
-        <pc:spChg chg="add del mod topLvl">
-          <ac:chgData name="Frank Refol" userId="a6401068-e7c9-408d-89d4-c1454776cbbb" providerId="ADAL" clId="{D4077E38-555F-4EA0-B20A-B00ED7D09D7E}" dt="2022-01-18T22:53:12.784" v="866" actId="165"/>
-          <ac:spMkLst>
-            <pc:docMk/>
-            <pc:sldMk cId="1961932492" sldId="260"/>
-            <ac:spMk id="633" creationId="{F61C51C8-8FEA-4FE3-A315-65411F4F1A6D}"/>
-          </ac:spMkLst>
-        </pc:spChg>
-        <pc:spChg chg="mod">
-          <ac:chgData name="Frank Refol" userId="a6401068-e7c9-408d-89d4-c1454776cbbb" providerId="ADAL" clId="{D4077E38-555F-4EA0-B20A-B00ED7D09D7E}" dt="2022-01-18T22:40:30.615" v="805"/>
-          <ac:spMkLst>
-            <pc:docMk/>
-            <pc:sldMk cId="1961932492" sldId="260"/>
-            <ac:spMk id="636" creationId="{946BA239-2A02-49CD-9BCF-C77E13A92B04}"/>
-          </ac:spMkLst>
-        </pc:spChg>
-        <pc:spChg chg="mod">
-          <ac:chgData name="Frank Refol" userId="a6401068-e7c9-408d-89d4-c1454776cbbb" providerId="ADAL" clId="{D4077E38-555F-4EA0-B20A-B00ED7D09D7E}" dt="2022-01-18T22:40:30.615" v="805"/>
-          <ac:spMkLst>
-            <pc:docMk/>
-            <pc:sldMk cId="1961932492" sldId="260"/>
-            <ac:spMk id="637" creationId="{AB8F2469-47CE-438E-AD21-E25F7FAA8F28}"/>
-          </ac:spMkLst>
-        </pc:spChg>
-        <pc:spChg chg="mod">
-          <ac:chgData name="Frank Refol" userId="a6401068-e7c9-408d-89d4-c1454776cbbb" providerId="ADAL" clId="{D4077E38-555F-4EA0-B20A-B00ED7D09D7E}" dt="2022-01-18T22:40:30.615" v="805"/>
-          <ac:spMkLst>
-            <pc:docMk/>
-            <pc:sldMk cId="1961932492" sldId="260"/>
-            <ac:spMk id="638" creationId="{3AA702E0-202F-4B7E-ACBE-5B5E0324A391}"/>
-          </ac:spMkLst>
-        </pc:spChg>
-        <pc:spChg chg="mod">
-          <ac:chgData name="Frank Refol" userId="a6401068-e7c9-408d-89d4-c1454776cbbb" providerId="ADAL" clId="{D4077E38-555F-4EA0-B20A-B00ED7D09D7E}" dt="2022-01-18T22:40:30.615" v="805"/>
-          <ac:spMkLst>
-            <pc:docMk/>
-            <pc:sldMk cId="1961932492" sldId="260"/>
-            <ac:spMk id="639" creationId="{FA2A3160-12BA-4FB9-8DA7-B71246B67269}"/>
-          </ac:spMkLst>
-        </pc:spChg>
-        <pc:spChg chg="mod">
-          <ac:chgData name="Frank Refol" userId="a6401068-e7c9-408d-89d4-c1454776cbbb" providerId="ADAL" clId="{D4077E38-555F-4EA0-B20A-B00ED7D09D7E}" dt="2022-01-18T22:40:30.615" v="805"/>
-          <ac:spMkLst>
-            <pc:docMk/>
-            <pc:sldMk cId="1961932492" sldId="260"/>
-            <ac:spMk id="640" creationId="{3735A19C-3D3F-4B43-A963-2D5DB98B3853}"/>
-          </ac:spMkLst>
-        </pc:spChg>
-        <pc:spChg chg="mod">
-          <ac:chgData name="Frank Refol" userId="a6401068-e7c9-408d-89d4-c1454776cbbb" providerId="ADAL" clId="{D4077E38-555F-4EA0-B20A-B00ED7D09D7E}" dt="2022-01-18T22:41:04.257" v="813"/>
-          <ac:spMkLst>
-            <pc:docMk/>
-            <pc:sldMk cId="1961932492" sldId="260"/>
-            <ac:spMk id="642" creationId="{2787C26B-0FEE-4611-8BE6-E893FCA1D0A3}"/>
-          </ac:spMkLst>
-        </pc:spChg>
-        <pc:spChg chg="mod">
-          <ac:chgData name="Frank Refol" userId="a6401068-e7c9-408d-89d4-c1454776cbbb" providerId="ADAL" clId="{D4077E38-555F-4EA0-B20A-B00ED7D09D7E}" dt="2022-01-18T22:41:04.257" v="813"/>
-          <ac:spMkLst>
-            <pc:docMk/>
-            <pc:sldMk cId="1961932492" sldId="260"/>
-            <ac:spMk id="643" creationId="{D8921352-6C84-4031-ACF9-E7DE729A41C5}"/>
-          </ac:spMkLst>
-        </pc:spChg>
-        <pc:spChg chg="mod">
-          <ac:chgData name="Frank Refol" userId="a6401068-e7c9-408d-89d4-c1454776cbbb" providerId="ADAL" clId="{D4077E38-555F-4EA0-B20A-B00ED7D09D7E}" dt="2022-01-18T22:41:04.257" v="813"/>
-          <ac:spMkLst>
-            <pc:docMk/>
-            <pc:sldMk cId="1961932492" sldId="260"/>
-            <ac:spMk id="644" creationId="{B19403F5-FF56-4E27-B563-F8BFA93B7595}"/>
-          </ac:spMkLst>
-        </pc:spChg>
-        <pc:spChg chg="mod">
-          <ac:chgData name="Frank Refol" userId="a6401068-e7c9-408d-89d4-c1454776cbbb" providerId="ADAL" clId="{D4077E38-555F-4EA0-B20A-B00ED7D09D7E}" dt="2022-01-18T22:41:04.257" v="813"/>
-          <ac:spMkLst>
-            <pc:docMk/>
-            <pc:sldMk cId="1961932492" sldId="260"/>
-            <ac:spMk id="645" creationId="{EDBA28EC-C6BF-44C7-AFA2-A3B891884027}"/>
-          </ac:spMkLst>
-        </pc:spChg>
-        <pc:spChg chg="mod">
-          <ac:chgData name="Frank Refol" userId="a6401068-e7c9-408d-89d4-c1454776cbbb" providerId="ADAL" clId="{D4077E38-555F-4EA0-B20A-B00ED7D09D7E}" dt="2022-01-18T22:41:08.274" v="815"/>
-          <ac:spMkLst>
-            <pc:docMk/>
-            <pc:sldMk cId="1961932492" sldId="260"/>
-            <ac:spMk id="647" creationId="{38F0F43E-331F-4E8F-86F9-FBE188B060D0}"/>
-          </ac:spMkLst>
-        </pc:spChg>
-        <pc:spChg chg="mod">
-          <ac:chgData name="Frank Refol" userId="a6401068-e7c9-408d-89d4-c1454776cbbb" providerId="ADAL" clId="{D4077E38-555F-4EA0-B20A-B00ED7D09D7E}" dt="2022-01-18T22:41:08.274" v="815"/>
-          <ac:spMkLst>
-            <pc:docMk/>
-            <pc:sldMk cId="1961932492" sldId="260"/>
-            <ac:spMk id="648" creationId="{62BF9E99-4B4F-411C-9BED-34BFE6D900DC}"/>
-          </ac:spMkLst>
-        </pc:spChg>
-        <pc:spChg chg="mod">
-          <ac:chgData name="Frank Refol" userId="a6401068-e7c9-408d-89d4-c1454776cbbb" providerId="ADAL" clId="{D4077E38-555F-4EA0-B20A-B00ED7D09D7E}" dt="2022-01-18T22:41:08.274" v="815"/>
-          <ac:spMkLst>
-            <pc:docMk/>
-            <pc:sldMk cId="1961932492" sldId="260"/>
-            <ac:spMk id="649" creationId="{5DD51DCF-3CCB-4DAF-83C4-7F1FBB65840C}"/>
-          </ac:spMkLst>
-        </pc:spChg>
-        <pc:spChg chg="mod">
-          <ac:chgData name="Frank Refol" userId="a6401068-e7c9-408d-89d4-c1454776cbbb" providerId="ADAL" clId="{D4077E38-555F-4EA0-B20A-B00ED7D09D7E}" dt="2022-01-18T22:41:08.274" v="815"/>
-          <ac:spMkLst>
-            <pc:docMk/>
-            <pc:sldMk cId="1961932492" sldId="260"/>
-            <ac:spMk id="650" creationId="{82A1A468-64E8-46CE-85E8-64BDCB86AE7C}"/>
-          </ac:spMkLst>
-        </pc:spChg>
-        <pc:spChg chg="add del mod topLvl">
-          <ac:chgData name="Frank Refol" userId="a6401068-e7c9-408d-89d4-c1454776cbbb" providerId="ADAL" clId="{D4077E38-555F-4EA0-B20A-B00ED7D09D7E}" dt="2022-01-18T22:53:53.919" v="886" actId="478"/>
-          <ac:spMkLst>
-            <pc:docMk/>
-            <pc:sldMk cId="1961932492" sldId="260"/>
-            <ac:spMk id="653" creationId="{89B71FDF-AD54-4215-86A9-A58DFA0BD12C}"/>
-          </ac:spMkLst>
-        </pc:spChg>
-        <pc:spChg chg="mod">
-          <ac:chgData name="Frank Refol" userId="a6401068-e7c9-408d-89d4-c1454776cbbb" providerId="ADAL" clId="{D4077E38-555F-4EA0-B20A-B00ED7D09D7E}" dt="2022-01-18T22:49:56.517" v="830" actId="165"/>
-          <ac:spMkLst>
-            <pc:docMk/>
-            <pc:sldMk cId="1961932492" sldId="260"/>
-            <ac:spMk id="654" creationId="{332FB3BB-9713-4718-817B-C4E6A1642064}"/>
-          </ac:spMkLst>
-        </pc:spChg>
-        <pc:spChg chg="mod">
-          <ac:chgData name="Frank Refol" userId="a6401068-e7c9-408d-89d4-c1454776cbbb" providerId="ADAL" clId="{D4077E38-555F-4EA0-B20A-B00ED7D09D7E}" dt="2022-01-18T22:49:56.517" v="830" actId="165"/>
-          <ac:spMkLst>
-            <pc:docMk/>
-            <pc:sldMk cId="1961932492" sldId="260"/>
-            <ac:spMk id="656" creationId="{794A592C-4798-48C1-8CA0-F32D3206F185}"/>
-          </ac:spMkLst>
-        </pc:spChg>
-        <pc:spChg chg="mod">
-          <ac:chgData name="Frank Refol" userId="a6401068-e7c9-408d-89d4-c1454776cbbb" providerId="ADAL" clId="{D4077E38-555F-4EA0-B20A-B00ED7D09D7E}" dt="2022-01-18T22:49:56.517" v="830" actId="165"/>
-          <ac:spMkLst>
-            <pc:docMk/>
-            <pc:sldMk cId="1961932492" sldId="260"/>
-            <ac:spMk id="659" creationId="{2269D9C8-D674-4575-A23D-64B5BB384BC9}"/>
-          </ac:spMkLst>
-        </pc:spChg>
-        <pc:spChg chg="mod">
-          <ac:chgData name="Frank Refol" userId="a6401068-e7c9-408d-89d4-c1454776cbbb" providerId="ADAL" clId="{D4077E38-555F-4EA0-B20A-B00ED7D09D7E}" dt="2022-01-18T22:49:56.517" v="830" actId="165"/>
-          <ac:spMkLst>
-            <pc:docMk/>
-            <pc:sldMk cId="1961932492" sldId="260"/>
-            <ac:spMk id="660" creationId="{B50CD101-4B78-47A1-ACD7-5CC9BC9F2BB1}"/>
-          </ac:spMkLst>
-        </pc:spChg>
-        <pc:spChg chg="mod">
-          <ac:chgData name="Frank Refol" userId="a6401068-e7c9-408d-89d4-c1454776cbbb" providerId="ADAL" clId="{D4077E38-555F-4EA0-B20A-B00ED7D09D7E}" dt="2022-01-18T22:49:56.517" v="830" actId="165"/>
-          <ac:spMkLst>
-            <pc:docMk/>
-            <pc:sldMk cId="1961932492" sldId="260"/>
-            <ac:spMk id="661" creationId="{F968B514-3A70-4E75-A763-029382A0274E}"/>
-          </ac:spMkLst>
-        </pc:spChg>
-        <pc:spChg chg="mod">
-          <ac:chgData name="Frank Refol" userId="a6401068-e7c9-408d-89d4-c1454776cbbb" providerId="ADAL" clId="{D4077E38-555F-4EA0-B20A-B00ED7D09D7E}" dt="2022-01-18T22:49:56.517" v="830" actId="165"/>
-          <ac:spMkLst>
-            <pc:docMk/>
-            <pc:sldMk cId="1961932492" sldId="260"/>
-            <ac:spMk id="662" creationId="{46791746-501E-477F-B3E7-4BA965D118A5}"/>
-          </ac:spMkLst>
-        </pc:spChg>
-        <pc:spChg chg="mod">
-          <ac:chgData name="Frank Refol" userId="a6401068-e7c9-408d-89d4-c1454776cbbb" providerId="ADAL" clId="{D4077E38-555F-4EA0-B20A-B00ED7D09D7E}" dt="2022-01-18T22:49:56.517" v="830" actId="165"/>
-          <ac:spMkLst>
-            <pc:docMk/>
-            <pc:sldMk cId="1961932492" sldId="260"/>
-            <ac:spMk id="663" creationId="{901042F9-BB11-487E-87F3-B723C44438C0}"/>
-          </ac:spMkLst>
-        </pc:spChg>
-        <pc:spChg chg="mod">
-          <ac:chgData name="Frank Refol" userId="a6401068-e7c9-408d-89d4-c1454776cbbb" providerId="ADAL" clId="{D4077E38-555F-4EA0-B20A-B00ED7D09D7E}" dt="2022-01-18T22:49:56.517" v="830" actId="165"/>
-          <ac:spMkLst>
-            <pc:docMk/>
-            <pc:sldMk cId="1961932492" sldId="260"/>
-            <ac:spMk id="664" creationId="{DAC58F4E-AB15-45BE-9910-3582D35A008F}"/>
-          </ac:spMkLst>
-        </pc:spChg>
-        <pc:spChg chg="mod">
-          <ac:chgData name="Frank Refol" userId="a6401068-e7c9-408d-89d4-c1454776cbbb" providerId="ADAL" clId="{D4077E38-555F-4EA0-B20A-B00ED7D09D7E}" dt="2022-01-18T22:51:27.412" v="841"/>
-          <ac:spMkLst>
-            <pc:docMk/>
-            <pc:sldMk cId="1961932492" sldId="260"/>
-            <ac:spMk id="666" creationId="{A4990686-6695-4B31-B975-C7E019D1B063}"/>
-          </ac:spMkLst>
-        </pc:spChg>
-        <pc:spChg chg="mod">
-          <ac:chgData name="Frank Refol" userId="a6401068-e7c9-408d-89d4-c1454776cbbb" providerId="ADAL" clId="{D4077E38-555F-4EA0-B20A-B00ED7D09D7E}" dt="2022-01-18T22:51:27.412" v="841"/>
-          <ac:spMkLst>
-            <pc:docMk/>
-            <pc:sldMk cId="1961932492" sldId="260"/>
-            <ac:spMk id="667" creationId="{136944C2-345E-4856-88EC-E1A028057592}"/>
-          </ac:spMkLst>
-        </pc:spChg>
-        <pc:spChg chg="mod">
-          <ac:chgData name="Frank Refol" userId="a6401068-e7c9-408d-89d4-c1454776cbbb" providerId="ADAL" clId="{D4077E38-555F-4EA0-B20A-B00ED7D09D7E}" dt="2022-01-18T22:51:27.412" v="841"/>
-          <ac:spMkLst>
-            <pc:docMk/>
-            <pc:sldMk cId="1961932492" sldId="260"/>
-            <ac:spMk id="668" creationId="{8C781ACC-2F5C-4207-B4A4-541AED09686A}"/>
-          </ac:spMkLst>
-        </pc:spChg>
-        <pc:spChg chg="mod">
-          <ac:chgData name="Frank Refol" userId="a6401068-e7c9-408d-89d4-c1454776cbbb" providerId="ADAL" clId="{D4077E38-555F-4EA0-B20A-B00ED7D09D7E}" dt="2022-01-18T22:51:27.412" v="841"/>
-          <ac:spMkLst>
-            <pc:docMk/>
-            <pc:sldMk cId="1961932492" sldId="260"/>
-            <ac:spMk id="669" creationId="{1A4E4B5D-5414-49E8-8388-087456A6B7F5}"/>
-          </ac:spMkLst>
-        </pc:spChg>
-        <pc:spChg chg="mod">
-          <ac:chgData name="Frank Refol" userId="a6401068-e7c9-408d-89d4-c1454776cbbb" providerId="ADAL" clId="{D4077E38-555F-4EA0-B20A-B00ED7D09D7E}" dt="2022-01-18T22:51:30.567" v="843"/>
-          <ac:spMkLst>
-            <pc:docMk/>
-            <pc:sldMk cId="1961932492" sldId="260"/>
-            <ac:spMk id="671" creationId="{3941936A-59D9-4D6D-BF5A-8EC68C05CD14}"/>
-          </ac:spMkLst>
-        </pc:spChg>
-        <pc:spChg chg="mod">
-          <ac:chgData name="Frank Refol" userId="a6401068-e7c9-408d-89d4-c1454776cbbb" providerId="ADAL" clId="{D4077E38-555F-4EA0-B20A-B00ED7D09D7E}" dt="2022-01-18T22:51:30.567" v="843"/>
-          <ac:spMkLst>
-            <pc:docMk/>
-            <pc:sldMk cId="1961932492" sldId="260"/>
-            <ac:spMk id="672" creationId="{DF348578-A73E-4879-AA76-780EEEA2E22E}"/>
-          </ac:spMkLst>
-        </pc:spChg>
-        <pc:spChg chg="mod">
-          <ac:chgData name="Frank Refol" userId="a6401068-e7c9-408d-89d4-c1454776cbbb" providerId="ADAL" clId="{D4077E38-555F-4EA0-B20A-B00ED7D09D7E}" dt="2022-01-18T22:51:30.567" v="843"/>
-          <ac:spMkLst>
-            <pc:docMk/>
-            <pc:sldMk cId="1961932492" sldId="260"/>
-            <ac:spMk id="673" creationId="{9C20AA34-E9DB-4CE9-937C-1C9DCE3289BF}"/>
-          </ac:spMkLst>
-        </pc:spChg>
-        <pc:spChg chg="mod">
-          <ac:chgData name="Frank Refol" userId="a6401068-e7c9-408d-89d4-c1454776cbbb" providerId="ADAL" clId="{D4077E38-555F-4EA0-B20A-B00ED7D09D7E}" dt="2022-01-18T22:51:30.567" v="843"/>
-          <ac:spMkLst>
-            <pc:docMk/>
-            <pc:sldMk cId="1961932492" sldId="260"/>
-            <ac:spMk id="674" creationId="{99A1ECD3-CE72-4DFB-BC53-84543093D9AE}"/>
-          </ac:spMkLst>
-        </pc:spChg>
-        <pc:spChg chg="mod">
-          <ac:chgData name="Frank Refol" userId="a6401068-e7c9-408d-89d4-c1454776cbbb" providerId="ADAL" clId="{D4077E38-555F-4EA0-B20A-B00ED7D09D7E}" dt="2022-01-18T22:51:44.056" v="847"/>
-          <ac:spMkLst>
-            <pc:docMk/>
-            <pc:sldMk cId="1961932492" sldId="260"/>
-            <ac:spMk id="676" creationId="{C0BCFA26-2FA7-45D1-98E8-F9CD7C4491BB}"/>
-          </ac:spMkLst>
-        </pc:spChg>
-        <pc:spChg chg="mod">
-          <ac:chgData name="Frank Refol" userId="a6401068-e7c9-408d-89d4-c1454776cbbb" providerId="ADAL" clId="{D4077E38-555F-4EA0-B20A-B00ED7D09D7E}" dt="2022-01-18T22:51:44.056" v="847"/>
-          <ac:spMkLst>
-            <pc:docMk/>
-            <pc:sldMk cId="1961932492" sldId="260"/>
-            <ac:spMk id="677" creationId="{31819B48-3F29-4A2E-A996-A19F3D728980}"/>
-          </ac:spMkLst>
-        </pc:spChg>
-        <pc:spChg chg="mod">
-          <ac:chgData name="Frank Refol" userId="a6401068-e7c9-408d-89d4-c1454776cbbb" providerId="ADAL" clId="{D4077E38-555F-4EA0-B20A-B00ED7D09D7E}" dt="2022-01-18T22:51:44.056" v="847"/>
-          <ac:spMkLst>
-            <pc:docMk/>
-            <pc:sldMk cId="1961932492" sldId="260"/>
-            <ac:spMk id="678" creationId="{9ED6FA29-55D2-41B8-9C54-27D02543E831}"/>
-          </ac:spMkLst>
-        </pc:spChg>
-        <pc:spChg chg="mod">
-          <ac:chgData name="Frank Refol" userId="a6401068-e7c9-408d-89d4-c1454776cbbb" providerId="ADAL" clId="{D4077E38-555F-4EA0-B20A-B00ED7D09D7E}" dt="2022-01-18T22:51:44.056" v="847"/>
-          <ac:spMkLst>
-            <pc:docMk/>
-            <pc:sldMk cId="1961932492" sldId="260"/>
-            <ac:spMk id="679" creationId="{F3C18F47-FD88-46FC-86B0-EF552294F96A}"/>
-          </ac:spMkLst>
-        </pc:spChg>
-        <pc:spChg chg="mod topLvl">
-          <ac:chgData name="Frank Refol" userId="a6401068-e7c9-408d-89d4-c1454776cbbb" providerId="ADAL" clId="{D4077E38-555F-4EA0-B20A-B00ED7D09D7E}" dt="2022-01-18T22:59:25.962" v="962" actId="164"/>
-          <ac:spMkLst>
-            <pc:docMk/>
-            <pc:sldMk cId="1961932492" sldId="260"/>
-            <ac:spMk id="682" creationId="{29647F10-43BC-4CA5-B4FC-205784528FD1}"/>
-          </ac:spMkLst>
-        </pc:spChg>
-        <pc:spChg chg="mod topLvl">
-          <ac:chgData name="Frank Refol" userId="a6401068-e7c9-408d-89d4-c1454776cbbb" providerId="ADAL" clId="{D4077E38-555F-4EA0-B20A-B00ED7D09D7E}" dt="2022-01-18T22:58:10.490" v="931" actId="164"/>
-          <ac:spMkLst>
-            <pc:docMk/>
-            <pc:sldMk cId="1961932492" sldId="260"/>
-            <ac:spMk id="683" creationId="{10D9BFE9-EDAE-4021-8636-FC93A3CC64CC}"/>
-          </ac:spMkLst>
-        </pc:spChg>
-        <pc:spChg chg="mod topLvl">
-          <ac:chgData name="Frank Refol" userId="a6401068-e7c9-408d-89d4-c1454776cbbb" providerId="ADAL" clId="{D4077E38-555F-4EA0-B20A-B00ED7D09D7E}" dt="2022-01-18T22:58:10.490" v="931" actId="164"/>
-          <ac:spMkLst>
-            <pc:docMk/>
-            <pc:sldMk cId="1961932492" sldId="260"/>
-            <ac:spMk id="686" creationId="{1641EDCB-D0D6-4D57-ACE9-6B40BA1F1A37}"/>
-          </ac:spMkLst>
-        </pc:spChg>
-        <pc:spChg chg="mod">
-          <ac:chgData name="Frank Refol" userId="a6401068-e7c9-408d-89d4-c1454776cbbb" providerId="ADAL" clId="{D4077E38-555F-4EA0-B20A-B00ED7D09D7E}" dt="2022-01-18T22:57:25.746" v="926" actId="165"/>
-          <ac:spMkLst>
-            <pc:docMk/>
-            <pc:sldMk cId="1961932492" sldId="260"/>
-            <ac:spMk id="689" creationId="{C52EE0D8-7527-476D-BFD0-8F824039167D}"/>
-          </ac:spMkLst>
-        </pc:spChg>
-        <pc:spChg chg="mod">
-          <ac:chgData name="Frank Refol" userId="a6401068-e7c9-408d-89d4-c1454776cbbb" providerId="ADAL" clId="{D4077E38-555F-4EA0-B20A-B00ED7D09D7E}" dt="2022-01-18T22:57:25.746" v="926" actId="165"/>
-          <ac:spMkLst>
-            <pc:docMk/>
-            <pc:sldMk cId="1961932492" sldId="260"/>
-            <ac:spMk id="690" creationId="{0174782E-5696-4094-BA1D-9671A71FAB95}"/>
-          </ac:spMkLst>
-        </pc:spChg>
-        <pc:spChg chg="mod">
-          <ac:chgData name="Frank Refol" userId="a6401068-e7c9-408d-89d4-c1454776cbbb" providerId="ADAL" clId="{D4077E38-555F-4EA0-B20A-B00ED7D09D7E}" dt="2022-01-18T22:57:25.746" v="926" actId="165"/>
-          <ac:spMkLst>
-            <pc:docMk/>
-            <pc:sldMk cId="1961932492" sldId="260"/>
-            <ac:spMk id="691" creationId="{95803B61-D855-4100-AA49-8A01F47FC123}"/>
-          </ac:spMkLst>
-        </pc:spChg>
-        <pc:spChg chg="mod">
-          <ac:chgData name="Frank Refol" userId="a6401068-e7c9-408d-89d4-c1454776cbbb" providerId="ADAL" clId="{D4077E38-555F-4EA0-B20A-B00ED7D09D7E}" dt="2022-01-18T22:57:25.746" v="926" actId="165"/>
-          <ac:spMkLst>
-            <pc:docMk/>
-            <pc:sldMk cId="1961932492" sldId="260"/>
-            <ac:spMk id="692" creationId="{85812504-5ECF-4116-99BD-DECE56418CE2}"/>
-          </ac:spMkLst>
-        </pc:spChg>
-        <pc:spChg chg="mod">
-          <ac:chgData name="Frank Refol" userId="a6401068-e7c9-408d-89d4-c1454776cbbb" providerId="ADAL" clId="{D4077E38-555F-4EA0-B20A-B00ED7D09D7E}" dt="2022-01-18T22:57:25.746" v="926" actId="165"/>
-          <ac:spMkLst>
-            <pc:docMk/>
-            <pc:sldMk cId="1961932492" sldId="260"/>
-            <ac:spMk id="693" creationId="{1CAD4DE5-E418-49B5-9530-5146FA178A82}"/>
-          </ac:spMkLst>
-        </pc:spChg>
-        <pc:spChg chg="mod">
-          <ac:chgData name="Frank Refol" userId="a6401068-e7c9-408d-89d4-c1454776cbbb" providerId="ADAL" clId="{D4077E38-555F-4EA0-B20A-B00ED7D09D7E}" dt="2022-01-18T22:57:25.746" v="926" actId="165"/>
-          <ac:spMkLst>
-            <pc:docMk/>
-            <pc:sldMk cId="1961932492" sldId="260"/>
-            <ac:spMk id="694" creationId="{F4554FF6-1D18-4E5B-ADCF-7F80F5D68B60}"/>
-          </ac:spMkLst>
-        </pc:spChg>
-        <pc:spChg chg="mod">
-          <ac:chgData name="Frank Refol" userId="a6401068-e7c9-408d-89d4-c1454776cbbb" providerId="ADAL" clId="{D4077E38-555F-4EA0-B20A-B00ED7D09D7E}" dt="2022-01-18T22:57:25.746" v="926" actId="165"/>
-          <ac:spMkLst>
-            <pc:docMk/>
-            <pc:sldMk cId="1961932492" sldId="260"/>
-            <ac:spMk id="695" creationId="{ABF0509C-DD36-4BDD-B4AB-ED13905AE464}"/>
-          </ac:spMkLst>
-        </pc:spChg>
-        <pc:spChg chg="mod">
-          <ac:chgData name="Frank Refol" userId="a6401068-e7c9-408d-89d4-c1454776cbbb" providerId="ADAL" clId="{D4077E38-555F-4EA0-B20A-B00ED7D09D7E}" dt="2022-01-18T22:57:25.746" v="926" actId="165"/>
-          <ac:spMkLst>
-            <pc:docMk/>
-            <pc:sldMk cId="1961932492" sldId="260"/>
-            <ac:spMk id="696" creationId="{A63A81B5-AE96-48D2-A3E9-4B4E3E01D0C0}"/>
-          </ac:spMkLst>
-        </pc:spChg>
-        <pc:spChg chg="mod">
-          <ac:chgData name="Frank Refol" userId="a6401068-e7c9-408d-89d4-c1454776cbbb" providerId="ADAL" clId="{D4077E38-555F-4EA0-B20A-B00ED7D09D7E}" dt="2022-01-18T22:57:25.746" v="926" actId="165"/>
-          <ac:spMkLst>
-            <pc:docMk/>
-            <pc:sldMk cId="1961932492" sldId="260"/>
-            <ac:spMk id="697" creationId="{855F7336-A83A-4358-803A-FE5225AA5B25}"/>
-          </ac:spMkLst>
-        </pc:spChg>
-        <pc:spChg chg="mod">
-          <ac:chgData name="Frank Refol" userId="a6401068-e7c9-408d-89d4-c1454776cbbb" providerId="ADAL" clId="{D4077E38-555F-4EA0-B20A-B00ED7D09D7E}" dt="2022-01-18T22:57:25.746" v="926" actId="165"/>
-          <ac:spMkLst>
-            <pc:docMk/>
-            <pc:sldMk cId="1961932492" sldId="260"/>
-            <ac:spMk id="698" creationId="{9B9B00E3-DCF3-457E-933A-C8DB61DDB9EB}"/>
-          </ac:spMkLst>
-        </pc:spChg>
-        <pc:spChg chg="mod">
-          <ac:chgData name="Frank Refol" userId="a6401068-e7c9-408d-89d4-c1454776cbbb" providerId="ADAL" clId="{D4077E38-555F-4EA0-B20A-B00ED7D09D7E}" dt="2022-01-18T22:57:25.746" v="926" actId="165"/>
-          <ac:spMkLst>
-            <pc:docMk/>
-            <pc:sldMk cId="1961932492" sldId="260"/>
-            <ac:spMk id="699" creationId="{9EC21BC8-7223-4057-956D-41BD35A18113}"/>
-          </ac:spMkLst>
-        </pc:spChg>
-        <pc:spChg chg="mod">
-          <ac:chgData name="Frank Refol" userId="a6401068-e7c9-408d-89d4-c1454776cbbb" providerId="ADAL" clId="{D4077E38-555F-4EA0-B20A-B00ED7D09D7E}" dt="2022-01-18T22:57:25.746" v="926" actId="165"/>
-          <ac:spMkLst>
-            <pc:docMk/>
-            <pc:sldMk cId="1961932492" sldId="260"/>
-            <ac:spMk id="700" creationId="{F1FF778E-7607-42DD-B049-8E5157D2F9B3}"/>
-          </ac:spMkLst>
-        </pc:spChg>
-        <pc:spChg chg="mod">
-          <ac:chgData name="Frank Refol" userId="a6401068-e7c9-408d-89d4-c1454776cbbb" providerId="ADAL" clId="{D4077E38-555F-4EA0-B20A-B00ED7D09D7E}" dt="2022-01-18T22:57:25.746" v="926" actId="165"/>
-          <ac:spMkLst>
-            <pc:docMk/>
-            <pc:sldMk cId="1961932492" sldId="260"/>
-            <ac:spMk id="701" creationId="{12CA0BE2-0D4A-427F-A390-9E514AB4EDB5}"/>
-          </ac:spMkLst>
-        </pc:spChg>
-        <pc:spChg chg="mod">
-          <ac:chgData name="Frank Refol" userId="a6401068-e7c9-408d-89d4-c1454776cbbb" providerId="ADAL" clId="{D4077E38-555F-4EA0-B20A-B00ED7D09D7E}" dt="2022-01-18T22:57:25.746" v="926" actId="165"/>
-          <ac:spMkLst>
-            <pc:docMk/>
-            <pc:sldMk cId="1961932492" sldId="260"/>
-            <ac:spMk id="702" creationId="{AFB3A177-1241-48F3-8CF0-7C3EC28C91B9}"/>
-          </ac:spMkLst>
-        </pc:spChg>
-        <pc:spChg chg="mod">
-          <ac:chgData name="Frank Refol" userId="a6401068-e7c9-408d-89d4-c1454776cbbb" providerId="ADAL" clId="{D4077E38-555F-4EA0-B20A-B00ED7D09D7E}" dt="2022-01-18T22:57:25.746" v="926" actId="165"/>
-          <ac:spMkLst>
-            <pc:docMk/>
-            <pc:sldMk cId="1961932492" sldId="260"/>
-            <ac:spMk id="703" creationId="{9409823B-947B-48FC-9A77-8E5C0EBA9928}"/>
-          </ac:spMkLst>
-        </pc:spChg>
-        <pc:spChg chg="mod">
-          <ac:chgData name="Frank Refol" userId="a6401068-e7c9-408d-89d4-c1454776cbbb" providerId="ADAL" clId="{D4077E38-555F-4EA0-B20A-B00ED7D09D7E}" dt="2022-01-18T22:57:25.746" v="926" actId="165"/>
-          <ac:spMkLst>
-            <pc:docMk/>
-            <pc:sldMk cId="1961932492" sldId="260"/>
-            <ac:spMk id="704" creationId="{9EB3BCEF-38C4-4C62-80A7-A336FB4D07AA}"/>
-          </ac:spMkLst>
-        </pc:spChg>
-        <pc:spChg chg="mod">
-          <ac:chgData name="Frank Refol" userId="a6401068-e7c9-408d-89d4-c1454776cbbb" providerId="ADAL" clId="{D4077E38-555F-4EA0-B20A-B00ED7D09D7E}" dt="2022-01-18T22:54:13.246" v="889" actId="165"/>
-          <ac:spMkLst>
-            <pc:docMk/>
-            <pc:sldMk cId="1961932492" sldId="260"/>
-            <ac:spMk id="707" creationId="{84CE05F0-42CB-4830-B432-589F36EFE572}"/>
-          </ac:spMkLst>
-        </pc:spChg>
-        <pc:spChg chg="mod">
-          <ac:chgData name="Frank Refol" userId="a6401068-e7c9-408d-89d4-c1454776cbbb" providerId="ADAL" clId="{D4077E38-555F-4EA0-B20A-B00ED7D09D7E}" dt="2022-01-18T22:54:13.246" v="889" actId="165"/>
-          <ac:spMkLst>
-            <pc:docMk/>
-            <pc:sldMk cId="1961932492" sldId="260"/>
-            <ac:spMk id="708" creationId="{60137A07-2E4C-4904-B454-9A3C576CCF44}"/>
-          </ac:spMkLst>
-        </pc:spChg>
-        <pc:spChg chg="mod">
-          <ac:chgData name="Frank Refol" userId="a6401068-e7c9-408d-89d4-c1454776cbbb" providerId="ADAL" clId="{D4077E38-555F-4EA0-B20A-B00ED7D09D7E}" dt="2022-01-18T22:54:13.246" v="889" actId="165"/>
-          <ac:spMkLst>
-            <pc:docMk/>
-            <pc:sldMk cId="1961932492" sldId="260"/>
-            <ac:spMk id="709" creationId="{9E147A54-EF48-4623-B4E3-3DF8BD0C9E30}"/>
-          </ac:spMkLst>
-        </pc:spChg>
-        <pc:spChg chg="mod">
-          <ac:chgData name="Frank Refol" userId="a6401068-e7c9-408d-89d4-c1454776cbbb" providerId="ADAL" clId="{D4077E38-555F-4EA0-B20A-B00ED7D09D7E}" dt="2022-01-18T22:54:13.246" v="889" actId="165"/>
-          <ac:spMkLst>
-            <pc:docMk/>
-            <pc:sldMk cId="1961932492" sldId="260"/>
-            <ac:spMk id="710" creationId="{6045BB7B-989C-41D7-B622-1705EEEA33A5}"/>
-          </ac:spMkLst>
-        </pc:spChg>
-        <pc:spChg chg="mod">
-          <ac:chgData name="Frank Refol" userId="a6401068-e7c9-408d-89d4-c1454776cbbb" providerId="ADAL" clId="{D4077E38-555F-4EA0-B20A-B00ED7D09D7E}" dt="2022-01-18T22:54:13.246" v="889" actId="165"/>
-          <ac:spMkLst>
-            <pc:docMk/>
-            <pc:sldMk cId="1961932492" sldId="260"/>
-            <ac:spMk id="711" creationId="{3109161F-AFD5-40BF-8AF5-79C526D119B2}"/>
-          </ac:spMkLst>
-        </pc:spChg>
-        <pc:spChg chg="mod">
-          <ac:chgData name="Frank Refol" userId="a6401068-e7c9-408d-89d4-c1454776cbbb" providerId="ADAL" clId="{D4077E38-555F-4EA0-B20A-B00ED7D09D7E}" dt="2022-01-18T22:54:13.246" v="889" actId="165"/>
-          <ac:spMkLst>
-            <pc:docMk/>
-            <pc:sldMk cId="1961932492" sldId="260"/>
-            <ac:spMk id="712" creationId="{EEBB75EB-0372-4FBB-AB42-1B833B043DFA}"/>
-          </ac:spMkLst>
-        </pc:spChg>
-        <pc:spChg chg="mod">
-          <ac:chgData name="Frank Refol" userId="a6401068-e7c9-408d-89d4-c1454776cbbb" providerId="ADAL" clId="{D4077E38-555F-4EA0-B20A-B00ED7D09D7E}" dt="2022-01-18T22:54:13.246" v="889" actId="165"/>
-          <ac:spMkLst>
-            <pc:docMk/>
-            <pc:sldMk cId="1961932492" sldId="260"/>
-            <ac:spMk id="713" creationId="{EEDF15AD-55F6-41EF-86B1-EB9F180A5350}"/>
-          </ac:spMkLst>
-        </pc:spChg>
-        <pc:spChg chg="mod">
-          <ac:chgData name="Frank Refol" userId="a6401068-e7c9-408d-89d4-c1454776cbbb" providerId="ADAL" clId="{D4077E38-555F-4EA0-B20A-B00ED7D09D7E}" dt="2022-01-18T22:54:13.246" v="889" actId="165"/>
-          <ac:spMkLst>
-            <pc:docMk/>
-            <pc:sldMk cId="1961932492" sldId="260"/>
-            <ac:spMk id="714" creationId="{190C7E4D-C88F-496C-B2BA-63F0F7D39B39}"/>
-          </ac:spMkLst>
-        </pc:spChg>
-        <pc:spChg chg="mod">
-          <ac:chgData name="Frank Refol" userId="a6401068-e7c9-408d-89d4-c1454776cbbb" providerId="ADAL" clId="{D4077E38-555F-4EA0-B20A-B00ED7D09D7E}" dt="2022-01-18T22:54:13.246" v="889" actId="165"/>
-          <ac:spMkLst>
-            <pc:docMk/>
-            <pc:sldMk cId="1961932492" sldId="260"/>
-            <ac:spMk id="715" creationId="{8E4A1A2F-42B8-441A-B4F6-428377F3F0B8}"/>
-          </ac:spMkLst>
-        </pc:spChg>
-        <pc:spChg chg="mod">
-          <ac:chgData name="Frank Refol" userId="a6401068-e7c9-408d-89d4-c1454776cbbb" providerId="ADAL" clId="{D4077E38-555F-4EA0-B20A-B00ED7D09D7E}" dt="2022-01-18T22:54:13.246" v="889" actId="165"/>
-          <ac:spMkLst>
-            <pc:docMk/>
-            <pc:sldMk cId="1961932492" sldId="260"/>
-            <ac:spMk id="716" creationId="{A700B875-FF0B-4D7B-958E-2843CD56F7B7}"/>
-          </ac:spMkLst>
-        </pc:spChg>
-        <pc:spChg chg="mod">
-          <ac:chgData name="Frank Refol" userId="a6401068-e7c9-408d-89d4-c1454776cbbb" providerId="ADAL" clId="{D4077E38-555F-4EA0-B20A-B00ED7D09D7E}" dt="2022-01-18T22:54:13.246" v="889" actId="165"/>
-          <ac:spMkLst>
-            <pc:docMk/>
-            <pc:sldMk cId="1961932492" sldId="260"/>
-            <ac:spMk id="717" creationId="{085B7805-8B3C-4A80-B616-2F02A22C69A5}"/>
-          </ac:spMkLst>
-        </pc:spChg>
-        <pc:spChg chg="mod">
-          <ac:chgData name="Frank Refol" userId="a6401068-e7c9-408d-89d4-c1454776cbbb" providerId="ADAL" clId="{D4077E38-555F-4EA0-B20A-B00ED7D09D7E}" dt="2022-01-18T22:54:13.246" v="889" actId="165"/>
-          <ac:spMkLst>
-            <pc:docMk/>
-            <pc:sldMk cId="1961932492" sldId="260"/>
-            <ac:spMk id="718" creationId="{1E027B4F-CE78-4EAB-9883-4913C717F532}"/>
-          </ac:spMkLst>
-        </pc:spChg>
-        <pc:spChg chg="mod">
-          <ac:chgData name="Frank Refol" userId="a6401068-e7c9-408d-89d4-c1454776cbbb" providerId="ADAL" clId="{D4077E38-555F-4EA0-B20A-B00ED7D09D7E}" dt="2022-01-18T22:54:13.246" v="889" actId="165"/>
-          <ac:spMkLst>
-            <pc:docMk/>
-            <pc:sldMk cId="1961932492" sldId="260"/>
-            <ac:spMk id="719" creationId="{4AA70425-B19D-416B-B900-6BA42462D260}"/>
-          </ac:spMkLst>
-        </pc:spChg>
-        <pc:spChg chg="mod">
-          <ac:chgData name="Frank Refol" userId="a6401068-e7c9-408d-89d4-c1454776cbbb" providerId="ADAL" clId="{D4077E38-555F-4EA0-B20A-B00ED7D09D7E}" dt="2022-01-18T22:54:13.246" v="889" actId="165"/>
-          <ac:spMkLst>
-            <pc:docMk/>
-            <pc:sldMk cId="1961932492" sldId="260"/>
-            <ac:spMk id="720" creationId="{DF2A0DAB-2EA1-4F5C-8F11-72A7D8ED4F65}"/>
-          </ac:spMkLst>
-        </pc:spChg>
-        <pc:spChg chg="mod">
-          <ac:chgData name="Frank Refol" userId="a6401068-e7c9-408d-89d4-c1454776cbbb" providerId="ADAL" clId="{D4077E38-555F-4EA0-B20A-B00ED7D09D7E}" dt="2022-01-18T22:54:13.246" v="889" actId="165"/>
-          <ac:spMkLst>
-            <pc:docMk/>
-            <pc:sldMk cId="1961932492" sldId="260"/>
-            <ac:spMk id="721" creationId="{FD7DAE54-D5AD-46EA-9F13-27B54724D459}"/>
-          </ac:spMkLst>
-        </pc:spChg>
-        <pc:spChg chg="mod">
-          <ac:chgData name="Frank Refol" userId="a6401068-e7c9-408d-89d4-c1454776cbbb" providerId="ADAL" clId="{D4077E38-555F-4EA0-B20A-B00ED7D09D7E}" dt="2022-01-18T22:54:13.246" v="889" actId="165"/>
-          <ac:spMkLst>
-            <pc:docMk/>
-            <pc:sldMk cId="1961932492" sldId="260"/>
-            <ac:spMk id="722" creationId="{A3270171-9FD5-4BEE-BB75-9CB711258E9A}"/>
-          </ac:spMkLst>
-        </pc:spChg>
-        <pc:spChg chg="add del">
-          <ac:chgData name="Frank Refol" userId="a6401068-e7c9-408d-89d4-c1454776cbbb" providerId="ADAL" clId="{D4077E38-555F-4EA0-B20A-B00ED7D09D7E}" dt="2022-01-18T23:02:16.487" v="967" actId="478"/>
-          <ac:spMkLst>
-            <pc:docMk/>
-            <pc:sldMk cId="1961932492" sldId="260"/>
-            <ac:spMk id="724" creationId="{D7F0860B-57C0-4A3C-B2B0-C430492E02E1}"/>
-          </ac:spMkLst>
-        </pc:spChg>
-        <pc:spChg chg="add del mod">
-          <ac:chgData name="Frank Refol" userId="a6401068-e7c9-408d-89d4-c1454776cbbb" providerId="ADAL" clId="{D4077E38-555F-4EA0-B20A-B00ED7D09D7E}" dt="2022-01-18T23:04:14.396" v="986" actId="478"/>
-          <ac:spMkLst>
-            <pc:docMk/>
-            <pc:sldMk cId="1961932492" sldId="260"/>
-            <ac:spMk id="725" creationId="{9858F0A2-E1AE-42FC-8640-E629381BCB13}"/>
-          </ac:spMkLst>
-        </pc:spChg>
-        <pc:spChg chg="add del mod">
-          <ac:chgData name="Frank Refol" userId="a6401068-e7c9-408d-89d4-c1454776cbbb" providerId="ADAL" clId="{D4077E38-555F-4EA0-B20A-B00ED7D09D7E}" dt="2022-01-18T23:02:52.274" v="971" actId="478"/>
-          <ac:spMkLst>
-            <pc:docMk/>
-            <pc:sldMk cId="1961932492" sldId="260"/>
-            <ac:spMk id="726" creationId="{B381E2BE-EFAD-4FDC-9952-79CB4E8FD11E}"/>
-          </ac:spMkLst>
-        </pc:spChg>
-        <pc:spChg chg="add del mod">
-          <ac:chgData name="Frank Refol" userId="a6401068-e7c9-408d-89d4-c1454776cbbb" providerId="ADAL" clId="{D4077E38-555F-4EA0-B20A-B00ED7D09D7E}" dt="2022-01-18T23:08:20.888" v="1024" actId="478"/>
-          <ac:spMkLst>
-            <pc:docMk/>
-            <pc:sldMk cId="1961932492" sldId="260"/>
-            <ac:spMk id="727" creationId="{D2DBE19E-3E32-49F1-8A74-AAE16281386F}"/>
-          </ac:spMkLst>
-        </pc:spChg>
-        <pc:spChg chg="add del mod">
-          <ac:chgData name="Frank Refol" userId="a6401068-e7c9-408d-89d4-c1454776cbbb" providerId="ADAL" clId="{D4077E38-555F-4EA0-B20A-B00ED7D09D7E}" dt="2022-01-18T23:05:06.845" v="999" actId="478"/>
-          <ac:spMkLst>
-            <pc:docMk/>
-            <pc:sldMk cId="1961932492" sldId="260"/>
-            <ac:spMk id="728" creationId="{F134ECB1-0907-4633-8AED-20290B4C0D21}"/>
-          </ac:spMkLst>
-        </pc:spChg>
-        <pc:spChg chg="add del mod">
-          <ac:chgData name="Frank Refol" userId="a6401068-e7c9-408d-89d4-c1454776cbbb" providerId="ADAL" clId="{D4077E38-555F-4EA0-B20A-B00ED7D09D7E}" dt="2022-01-18T23:15:16.737" v="1049" actId="478"/>
-          <ac:spMkLst>
-            <pc:docMk/>
-            <pc:sldMk cId="1961932492" sldId="260"/>
-            <ac:spMk id="729" creationId="{2D15B847-EE6D-434A-9693-561FBFA8A2ED}"/>
-          </ac:spMkLst>
-        </pc:spChg>
-        <pc:spChg chg="add del mod">
-          <ac:chgData name="Frank Refol" userId="a6401068-e7c9-408d-89d4-c1454776cbbb" providerId="ADAL" clId="{D4077E38-555F-4EA0-B20A-B00ED7D09D7E}" dt="2022-01-18T23:23:49.603" v="1164" actId="478"/>
-          <ac:spMkLst>
-            <pc:docMk/>
-            <pc:sldMk cId="1961932492" sldId="260"/>
-            <ac:spMk id="730" creationId="{9B313C36-6A23-4B79-BCF1-382141A16BE9}"/>
-          </ac:spMkLst>
-        </pc:spChg>
-        <pc:spChg chg="add mod topLvl">
-          <ac:chgData name="Frank Refol" userId="a6401068-e7c9-408d-89d4-c1454776cbbb" providerId="ADAL" clId="{D4077E38-555F-4EA0-B20A-B00ED7D09D7E}" dt="2022-01-18T23:36:15.290" v="1267" actId="164"/>
-          <ac:spMkLst>
-            <pc:docMk/>
-            <pc:sldMk cId="1961932492" sldId="260"/>
-            <ac:spMk id="731" creationId="{4F662A37-1DA2-4DC4-9DAE-114E1C8CD3B4}"/>
-          </ac:spMkLst>
-        </pc:spChg>
-        <pc:spChg chg="add del mod">
-          <ac:chgData name="Frank Refol" userId="a6401068-e7c9-408d-89d4-c1454776cbbb" providerId="ADAL" clId="{D4077E38-555F-4EA0-B20A-B00ED7D09D7E}" dt="2022-01-18T23:15:14.135" v="1048" actId="478"/>
-          <ac:spMkLst>
-            <pc:docMk/>
-            <pc:sldMk cId="1961932492" sldId="260"/>
-            <ac:spMk id="732" creationId="{46977974-1D8E-4D41-A29E-11A648537DFE}"/>
-          </ac:spMkLst>
-        </pc:spChg>
-        <pc:spChg chg="add del mod">
-          <ac:chgData name="Frank Refol" userId="a6401068-e7c9-408d-89d4-c1454776cbbb" providerId="ADAL" clId="{D4077E38-555F-4EA0-B20A-B00ED7D09D7E}" dt="2022-01-18T23:15:14.135" v="1048" actId="478"/>
-          <ac:spMkLst>
-            <pc:docMk/>
-            <pc:sldMk cId="1961932492" sldId="260"/>
-            <ac:spMk id="733" creationId="{7ED649DD-6ED7-4693-877A-2AF68B109321}"/>
-          </ac:spMkLst>
-        </pc:spChg>
-        <pc:spChg chg="add del mod">
-          <ac:chgData name="Frank Refol" userId="a6401068-e7c9-408d-89d4-c1454776cbbb" providerId="ADAL" clId="{D4077E38-555F-4EA0-B20A-B00ED7D09D7E}" dt="2022-01-18T23:15:14.135" v="1048" actId="478"/>
-          <ac:spMkLst>
-            <pc:docMk/>
-            <pc:sldMk cId="1961932492" sldId="260"/>
-            <ac:spMk id="734" creationId="{5C59F3D0-1EDC-432D-BF0F-A3BE44D38A4C}"/>
-          </ac:spMkLst>
-        </pc:spChg>
-        <pc:spChg chg="add mod">
-          <ac:chgData name="Frank Refol" userId="a6401068-e7c9-408d-89d4-c1454776cbbb" providerId="ADAL" clId="{D4077E38-555F-4EA0-B20A-B00ED7D09D7E}" dt="2022-01-18T23:23:29.684" v="1159" actId="165"/>
-          <ac:spMkLst>
-            <pc:docMk/>
-            <pc:sldMk cId="1961932492" sldId="260"/>
-            <ac:spMk id="735" creationId="{C163A114-7CB1-416C-A893-FAC6D3B8FC76}"/>
-          </ac:spMkLst>
-        </pc:spChg>
-        <pc:spChg chg="add del">
-          <ac:chgData name="Frank Refol" userId="a6401068-e7c9-408d-89d4-c1454776cbbb" providerId="ADAL" clId="{D4077E38-555F-4EA0-B20A-B00ED7D09D7E}" dt="2022-01-18T23:17:17.401" v="1055" actId="478"/>
-          <ac:spMkLst>
-            <pc:docMk/>
-            <pc:sldMk cId="1961932492" sldId="260"/>
-            <ac:spMk id="740" creationId="{C02F712B-F93C-4A8F-B3A1-D099809270D3}"/>
-          </ac:spMkLst>
-        </pc:spChg>
-        <pc:spChg chg="add mod">
-          <ac:chgData name="Frank Refol" userId="a6401068-e7c9-408d-89d4-c1454776cbbb" providerId="ADAL" clId="{D4077E38-555F-4EA0-B20A-B00ED7D09D7E}" dt="2022-01-18T23:23:29.684" v="1159" actId="165"/>
-          <ac:spMkLst>
-            <pc:docMk/>
-            <pc:sldMk cId="1961932492" sldId="260"/>
-            <ac:spMk id="746" creationId="{3D64663D-A405-43E3-A867-7DBB54969B21}"/>
-          </ac:spMkLst>
-        </pc:spChg>
-        <pc:spChg chg="add mod">
-          <ac:chgData name="Frank Refol" userId="a6401068-e7c9-408d-89d4-c1454776cbbb" providerId="ADAL" clId="{D4077E38-555F-4EA0-B20A-B00ED7D09D7E}" dt="2022-01-18T23:23:29.684" v="1159" actId="165"/>
-          <ac:spMkLst>
-            <pc:docMk/>
-            <pc:sldMk cId="1961932492" sldId="260"/>
-            <ac:spMk id="756" creationId="{187A4C86-8C75-46AD-B86F-6471019B6FE1}"/>
-          </ac:spMkLst>
-        </pc:spChg>
-        <pc:spChg chg="add mod topLvl">
-          <ac:chgData name="Frank Refol" userId="a6401068-e7c9-408d-89d4-c1454776cbbb" providerId="ADAL" clId="{D4077E38-555F-4EA0-B20A-B00ED7D09D7E}" dt="2022-01-18T23:23:47.546" v="1163" actId="164"/>
-          <ac:spMkLst>
-            <pc:docMk/>
-            <pc:sldMk cId="1961932492" sldId="260"/>
-            <ac:spMk id="759" creationId="{F76887D0-BD46-4A18-AB2D-4A84C461567A}"/>
-          </ac:spMkLst>
-        </pc:spChg>
-        <pc:spChg chg="add mod topLvl">
-          <ac:chgData name="Frank Refol" userId="a6401068-e7c9-408d-89d4-c1454776cbbb" providerId="ADAL" clId="{D4077E38-555F-4EA0-B20A-B00ED7D09D7E}" dt="2022-01-18T23:36:15.290" v="1267" actId="164"/>
-          <ac:spMkLst>
-            <pc:docMk/>
-            <pc:sldMk cId="1961932492" sldId="260"/>
-            <ac:spMk id="761" creationId="{19CB9CA0-3FE6-400B-B30A-0803D443C85D}"/>
-          </ac:spMkLst>
-        </pc:spChg>
-        <pc:spChg chg="mod topLvl">
-          <ac:chgData name="Frank Refol" userId="a6401068-e7c9-408d-89d4-c1454776cbbb" providerId="ADAL" clId="{D4077E38-555F-4EA0-B20A-B00ED7D09D7E}" dt="2022-01-18T23:31:40.262" v="1190" actId="164"/>
-          <ac:spMkLst>
-            <pc:docMk/>
-            <pc:sldMk cId="1961932492" sldId="260"/>
-            <ac:spMk id="763" creationId="{147E72AE-BC23-47A8-AB5F-005B5A223025}"/>
-          </ac:spMkLst>
-        </pc:spChg>
-        <pc:spChg chg="mod topLvl">
-          <ac:chgData name="Frank Refol" userId="a6401068-e7c9-408d-89d4-c1454776cbbb" providerId="ADAL" clId="{D4077E38-555F-4EA0-B20A-B00ED7D09D7E}" dt="2022-01-18T23:31:40.262" v="1190" actId="164"/>
-          <ac:spMkLst>
-            <pc:docMk/>
-            <pc:sldMk cId="1961932492" sldId="260"/>
-            <ac:spMk id="766" creationId="{6243026B-B2A6-4881-B022-50682962E98A}"/>
-          </ac:spMkLst>
-        </pc:spChg>
-        <pc:spChg chg="mod topLvl">
-          <ac:chgData name="Frank Refol" userId="a6401068-e7c9-408d-89d4-c1454776cbbb" providerId="ADAL" clId="{D4077E38-555F-4EA0-B20A-B00ED7D09D7E}" dt="2022-01-18T23:31:40.262" v="1190" actId="164"/>
-          <ac:spMkLst>
-            <pc:docMk/>
-            <pc:sldMk cId="1961932492" sldId="260"/>
-            <ac:spMk id="769" creationId="{708EACA3-29B9-4975-97EC-D2CF2947BF66}"/>
-          </ac:spMkLst>
-        </pc:spChg>
-        <pc:spChg chg="mod">
-          <ac:chgData name="Frank Refol" userId="a6401068-e7c9-408d-89d4-c1454776cbbb" providerId="ADAL" clId="{D4077E38-555F-4EA0-B20A-B00ED7D09D7E}" dt="2022-01-18T23:35:48.916" v="1232" actId="165"/>
-          <ac:spMkLst>
-            <pc:docMk/>
-            <pc:sldMk cId="1961932492" sldId="260"/>
-            <ac:spMk id="776" creationId="{9E1022BD-749F-4DC0-B6B0-0B225DDD3B9D}"/>
-          </ac:spMkLst>
-        </pc:spChg>
-        <pc:spChg chg="mod">
-          <ac:chgData name="Frank Refol" userId="a6401068-e7c9-408d-89d4-c1454776cbbb" providerId="ADAL" clId="{D4077E38-555F-4EA0-B20A-B00ED7D09D7E}" dt="2022-01-18T23:35:48.916" v="1232" actId="165"/>
-          <ac:spMkLst>
-            <pc:docMk/>
-            <pc:sldMk cId="1961932492" sldId="260"/>
-            <ac:spMk id="780" creationId="{60E0C5DC-7CDD-4526-8639-8EA0AD3ACC36}"/>
-          </ac:spMkLst>
-        </pc:spChg>
-        <pc:spChg chg="mod">
-          <ac:chgData name="Frank Refol" userId="a6401068-e7c9-408d-89d4-c1454776cbbb" providerId="ADAL" clId="{D4077E38-555F-4EA0-B20A-B00ED7D09D7E}" dt="2022-01-18T23:35:48.916" v="1232" actId="165"/>
-          <ac:spMkLst>
-            <pc:docMk/>
-            <pc:sldMk cId="1961932492" sldId="260"/>
-            <ac:spMk id="783" creationId="{7F7E02C2-9FF7-47E2-A4EA-CD59E70EE0A9}"/>
-          </ac:spMkLst>
-        </pc:spChg>
-        <pc:spChg chg="add mod topLvl">
-          <ac:chgData name="Frank Refol" userId="a6401068-e7c9-408d-89d4-c1454776cbbb" providerId="ADAL" clId="{D4077E38-555F-4EA0-B20A-B00ED7D09D7E}" dt="2022-01-18T23:36:15.290" v="1267" actId="164"/>
-          <ac:spMkLst>
-            <pc:docMk/>
-            <pc:sldMk cId="1961932492" sldId="260"/>
-            <ac:spMk id="784" creationId="{B3DDD9FD-EEEC-4401-822D-FDCF6C027E68}"/>
-          </ac:spMkLst>
-        </pc:spChg>
-        <pc:spChg chg="add del">
-          <ac:chgData name="Frank Refol" userId="a6401068-e7c9-408d-89d4-c1454776cbbb" providerId="ADAL" clId="{D4077E38-555F-4EA0-B20A-B00ED7D09D7E}" dt="2022-01-18T23:34:19.388" v="1220" actId="478"/>
-          <ac:spMkLst>
-            <pc:docMk/>
-            <pc:sldMk cId="1961932492" sldId="260"/>
-            <ac:spMk id="787" creationId="{7CA9B585-F6C3-4F16-9A5A-05B34CC36B69}"/>
-          </ac:spMkLst>
-        </pc:spChg>
-        <pc:spChg chg="add mod topLvl">
-          <ac:chgData name="Frank Refol" userId="a6401068-e7c9-408d-89d4-c1454776cbbb" providerId="ADAL" clId="{D4077E38-555F-4EA0-B20A-B00ED7D09D7E}" dt="2022-01-18T23:36:15.290" v="1267" actId="164"/>
-          <ac:spMkLst>
-            <pc:docMk/>
-            <pc:sldMk cId="1961932492" sldId="260"/>
-            <ac:spMk id="788" creationId="{C092AEE2-306A-4DB8-A380-4D10CC6D15A9}"/>
-          </ac:spMkLst>
-        </pc:spChg>
-        <pc:spChg chg="add mod topLvl">
-          <ac:chgData name="Frank Refol" userId="a6401068-e7c9-408d-89d4-c1454776cbbb" providerId="ADAL" clId="{D4077E38-555F-4EA0-B20A-B00ED7D09D7E}" dt="2022-01-18T23:36:15.290" v="1267" actId="164"/>
-          <ac:spMkLst>
-            <pc:docMk/>
-            <pc:sldMk cId="1961932492" sldId="260"/>
-            <ac:spMk id="789" creationId="{79F773E2-9AA6-4757-AD37-1E849676113F}"/>
-          </ac:spMkLst>
-        </pc:spChg>
-        <pc:grpChg chg="del">
-          <ac:chgData name="Frank Refol" userId="a6401068-e7c9-408d-89d4-c1454776cbbb" providerId="ADAL" clId="{D4077E38-555F-4EA0-B20A-B00ED7D09D7E}" dt="2022-01-18T17:34:09.385" v="83" actId="165"/>
-          <ac:grpSpMkLst>
-            <pc:docMk/>
-            <pc:sldMk cId="1961932492" sldId="260"/>
-            <ac:grpSpMk id="17" creationId="{AC505E29-7509-4928-AD14-EBE550D46724}"/>
-          </ac:grpSpMkLst>
-        </pc:grpChg>
-        <pc:grpChg chg="mod">
-          <ac:chgData name="Frank Refol" userId="a6401068-e7c9-408d-89d4-c1454776cbbb" providerId="ADAL" clId="{D4077E38-555F-4EA0-B20A-B00ED7D09D7E}" dt="2022-01-18T17:33:51.595" v="82" actId="1076"/>
-          <ac:grpSpMkLst>
-            <pc:docMk/>
-            <pc:sldMk cId="1961932492" sldId="260"/>
-            <ac:grpSpMk id="32" creationId="{952E122E-0F45-4B56-9235-33E70DB6EDAB}"/>
-          </ac:grpSpMkLst>
-        </pc:grpChg>
-        <pc:grpChg chg="mod">
-          <ac:chgData name="Frank Refol" userId="a6401068-e7c9-408d-89d4-c1454776cbbb" providerId="ADAL" clId="{D4077E38-555F-4EA0-B20A-B00ED7D09D7E}" dt="2022-01-18T17:33:49.102" v="81" actId="1076"/>
-          <ac:grpSpMkLst>
-            <pc:docMk/>
-            <pc:sldMk cId="1961932492" sldId="260"/>
-            <ac:grpSpMk id="33" creationId="{5D9B0F42-6CF4-478D-9FF5-4AF52BC2686A}"/>
-          </ac:grpSpMkLst>
-        </pc:grpChg>
-        <pc:grpChg chg="add mod">
-          <ac:chgData name="Frank Refol" userId="a6401068-e7c9-408d-89d4-c1454776cbbb" providerId="ADAL" clId="{D4077E38-555F-4EA0-B20A-B00ED7D09D7E}" dt="2022-01-18T17:12:39.571" v="4" actId="164"/>
-          <ac:grpSpMkLst>
-            <pc:docMk/>
-            <pc:sldMk cId="1961932492" sldId="260"/>
-            <ac:grpSpMk id="37" creationId="{6C56A8CA-A1DD-4867-92C3-69C27EB92AA4}"/>
-          </ac:grpSpMkLst>
-        </pc:grpChg>
-        <pc:grpChg chg="add del mod">
-          <ac:chgData name="Frank Refol" userId="a6401068-e7c9-408d-89d4-c1454776cbbb" providerId="ADAL" clId="{D4077E38-555F-4EA0-B20A-B00ED7D09D7E}" dt="2022-01-18T17:13:21.595" v="15" actId="165"/>
-          <ac:grpSpMkLst>
-            <pc:docMk/>
-            <pc:sldMk cId="1961932492" sldId="260"/>
-            <ac:grpSpMk id="38" creationId="{825A6933-805C-4459-BDB1-EAC16A37B138}"/>
-          </ac:grpSpMkLst>
-        </pc:grpChg>
-        <pc:grpChg chg="add del mod">
-          <ac:chgData name="Frank Refol" userId="a6401068-e7c9-408d-89d4-c1454776cbbb" providerId="ADAL" clId="{D4077E38-555F-4EA0-B20A-B00ED7D09D7E}" dt="2022-01-18T17:25:58.475" v="23" actId="165"/>
-          <ac:grpSpMkLst>
-            <pc:docMk/>
-            <pc:sldMk cId="1961932492" sldId="260"/>
-            <ac:grpSpMk id="39" creationId="{F81FD546-97C7-4A7A-ADCD-28E8D40FCD3F}"/>
-          </ac:grpSpMkLst>
-        </pc:grpChg>
-        <pc:grpChg chg="add mod topLvl">
-          <ac:chgData name="Frank Refol" userId="a6401068-e7c9-408d-89d4-c1454776cbbb" providerId="ADAL" clId="{D4077E38-555F-4EA0-B20A-B00ED7D09D7E}" dt="2022-01-18T20:03:42.329" v="707" actId="165"/>
-          <ac:grpSpMkLst>
-            <pc:docMk/>
-            <pc:sldMk cId="1961932492" sldId="260"/>
-            <ac:grpSpMk id="86" creationId="{D9EB97A6-618A-470C-BEA7-32138D5D0925}"/>
-          </ac:grpSpMkLst>
-        </pc:grpChg>
-        <pc:grpChg chg="add del mod">
-          <ac:chgData name="Frank Refol" userId="a6401068-e7c9-408d-89d4-c1454776cbbb" providerId="ADAL" clId="{D4077E38-555F-4EA0-B20A-B00ED7D09D7E}" dt="2022-01-18T17:32:21.041" v="73" actId="165"/>
-          <ac:grpSpMkLst>
-            <pc:docMk/>
-            <pc:sldMk cId="1961932492" sldId="260"/>
-            <ac:grpSpMk id="87" creationId="{DA6C46F0-1125-4ED9-9B6A-1A67F386B9DB}"/>
-          </ac:grpSpMkLst>
-        </pc:grpChg>
-        <pc:grpChg chg="add mod">
-          <ac:chgData name="Frank Refol" userId="a6401068-e7c9-408d-89d4-c1454776cbbb" providerId="ADAL" clId="{D4077E38-555F-4EA0-B20A-B00ED7D09D7E}" dt="2022-01-18T17:32:09.038" v="71" actId="164"/>
-          <ac:grpSpMkLst>
-            <pc:docMk/>
-            <pc:sldMk cId="1961932492" sldId="260"/>
-            <ac:grpSpMk id="88" creationId="{EA165FAA-E851-4361-A32A-B67DAE9E8183}"/>
-          </ac:grpSpMkLst>
-        </pc:grpChg>
-        <pc:grpChg chg="add mod">
-          <ac:chgData name="Frank Refol" userId="a6401068-e7c9-408d-89d4-c1454776cbbb" providerId="ADAL" clId="{D4077E38-555F-4EA0-B20A-B00ED7D09D7E}" dt="2022-01-18T19:59:57.812" v="664" actId="1076"/>
-          <ac:grpSpMkLst>
-            <pc:docMk/>
-            <pc:sldMk cId="1961932492" sldId="260"/>
-            <ac:grpSpMk id="89" creationId="{54C07E59-2A30-4CA4-BE95-D68D183699C4}"/>
-          </ac:grpSpMkLst>
-        </pc:grpChg>
-        <pc:grpChg chg="add del mod">
-          <ac:chgData name="Frank Refol" userId="a6401068-e7c9-408d-89d4-c1454776cbbb" providerId="ADAL" clId="{D4077E38-555F-4EA0-B20A-B00ED7D09D7E}" dt="2022-01-18T20:03:42.329" v="707" actId="165"/>
-          <ac:grpSpMkLst>
-            <pc:docMk/>
-            <pc:sldMk cId="1961932492" sldId="260"/>
-            <ac:grpSpMk id="90" creationId="{12E9146C-AE38-440A-AC7B-867D7D8766EF}"/>
-          </ac:grpSpMkLst>
-        </pc:grpChg>
-        <pc:grpChg chg="add del mod">
-          <ac:chgData name="Frank Refol" userId="a6401068-e7c9-408d-89d4-c1454776cbbb" providerId="ADAL" clId="{D4077E38-555F-4EA0-B20A-B00ED7D09D7E}" dt="2022-01-18T17:37:06.537" v="187" actId="165"/>
-          <ac:grpSpMkLst>
-            <pc:docMk/>
-            <pc:sldMk cId="1961932492" sldId="260"/>
-            <ac:grpSpMk id="91" creationId="{8A446EFD-FBA2-4A70-BA05-2361A4E3D96A}"/>
-          </ac:grpSpMkLst>
-        </pc:grpChg>
-        <pc:grpChg chg="add del mod">
-          <ac:chgData name="Frank Refol" userId="a6401068-e7c9-408d-89d4-c1454776cbbb" providerId="ADAL" clId="{D4077E38-555F-4EA0-B20A-B00ED7D09D7E}" dt="2022-01-18T20:00:18.232" v="666" actId="165"/>
-          <ac:grpSpMkLst>
-            <pc:docMk/>
-            <pc:sldMk cId="1961932492" sldId="260"/>
-            <ac:grpSpMk id="117" creationId="{D126D8CF-EA9D-421C-ACE9-9E3AAE432AED}"/>
-          </ac:grpSpMkLst>
-        </pc:grpChg>
-        <pc:grpChg chg="add del mod">
-          <ac:chgData name="Frank Refol" userId="a6401068-e7c9-408d-89d4-c1454776cbbb" providerId="ADAL" clId="{D4077E38-555F-4EA0-B20A-B00ED7D09D7E}" dt="2022-01-18T17:53:02.262" v="289" actId="165"/>
-          <ac:grpSpMkLst>
-            <pc:docMk/>
-            <pc:sldMk cId="1961932492" sldId="260"/>
-            <ac:grpSpMk id="150" creationId="{87AC50CC-0497-434C-BC86-15E80693CD3E}"/>
-          </ac:grpSpMkLst>
-        </pc:grpChg>
-        <pc:grpChg chg="add del mod">
-          <ac:chgData name="Frank Refol" userId="a6401068-e7c9-408d-89d4-c1454776cbbb" providerId="ADAL" clId="{D4077E38-555F-4EA0-B20A-B00ED7D09D7E}" dt="2022-01-18T18:10:26.768" v="521" actId="165"/>
-          <ac:grpSpMkLst>
-            <pc:docMk/>
-            <pc:sldMk cId="1961932492" sldId="260"/>
-            <ac:grpSpMk id="172" creationId="{FEE85C18-8056-4B20-A644-208BC81B2B04}"/>
-          </ac:grpSpMkLst>
-        </pc:grpChg>
-        <pc:grpChg chg="add del mod">
-          <ac:chgData name="Frank Refol" userId="a6401068-e7c9-408d-89d4-c1454776cbbb" providerId="ADAL" clId="{D4077E38-555F-4EA0-B20A-B00ED7D09D7E}" dt="2022-01-18T18:11:54.336" v="540" actId="165"/>
-          <ac:grpSpMkLst>
-            <pc:docMk/>
-            <pc:sldMk cId="1961932492" sldId="260"/>
-            <ac:grpSpMk id="176" creationId="{2DD0607C-7A46-4A59-AFCF-53A6DDE3202B}"/>
-          </ac:grpSpMkLst>
-        </pc:grpChg>
-        <pc:grpChg chg="add del mod">
-          <ac:chgData name="Frank Refol" userId="a6401068-e7c9-408d-89d4-c1454776cbbb" providerId="ADAL" clId="{D4077E38-555F-4EA0-B20A-B00ED7D09D7E}" dt="2022-01-18T18:13:07.675" v="549" actId="165"/>
-          <ac:grpSpMkLst>
-            <pc:docMk/>
-            <pc:sldMk cId="1961932492" sldId="260"/>
-            <ac:grpSpMk id="177" creationId="{0C7ABE95-A55C-4BDE-BFF1-55A36A4BAE1A}"/>
-          </ac:grpSpMkLst>
-        </pc:grpChg>
-        <pc:grpChg chg="add mod topLvl">
-          <ac:chgData name="Frank Refol" userId="a6401068-e7c9-408d-89d4-c1454776cbbb" providerId="ADAL" clId="{D4077E38-555F-4EA0-B20A-B00ED7D09D7E}" dt="2022-01-18T20:04:33.169" v="722" actId="165"/>
-          <ac:grpSpMkLst>
-            <pc:docMk/>
-            <pc:sldMk cId="1961932492" sldId="260"/>
-            <ac:grpSpMk id="178" creationId="{E1502FE8-5AAB-4FC7-A3F6-D8C944149853}"/>
-          </ac:grpSpMkLst>
-        </pc:grpChg>
-        <pc:grpChg chg="add del mod topLvl">
-          <ac:chgData name="Frank Refol" userId="a6401068-e7c9-408d-89d4-c1454776cbbb" providerId="ADAL" clId="{D4077E38-555F-4EA0-B20A-B00ED7D09D7E}" dt="2022-01-18T18:17:07.873" v="634" actId="165"/>
-          <ac:grpSpMkLst>
-            <pc:docMk/>
-            <pc:sldMk cId="1961932492" sldId="260"/>
-            <ac:grpSpMk id="180" creationId="{4D86BDDA-4D9B-41D8-BEC2-C1CFE0A1A8F2}"/>
-          </ac:grpSpMkLst>
-        </pc:grpChg>
-        <pc:grpChg chg="add del mod">
-          <ac:chgData name="Frank Refol" userId="a6401068-e7c9-408d-89d4-c1454776cbbb" providerId="ADAL" clId="{D4077E38-555F-4EA0-B20A-B00ED7D09D7E}" dt="2022-01-18T18:17:03.349" v="633" actId="165"/>
-          <ac:grpSpMkLst>
-            <pc:docMk/>
-            <pc:sldMk cId="1961932492" sldId="260"/>
-            <ac:grpSpMk id="190" creationId="{F2E8FF01-7E29-4DAD-8E32-44478B40CC8F}"/>
-          </ac:grpSpMkLst>
-        </pc:grpChg>
-        <pc:grpChg chg="add del mod">
-          <ac:chgData name="Frank Refol" userId="a6401068-e7c9-408d-89d4-c1454776cbbb" providerId="ADAL" clId="{D4077E38-555F-4EA0-B20A-B00ED7D09D7E}" dt="2022-01-18T20:04:33.169" v="722" actId="165"/>
-          <ac:grpSpMkLst>
-            <pc:docMk/>
-            <pc:sldMk cId="1961932492" sldId="260"/>
-            <ac:grpSpMk id="193" creationId="{191B762B-470B-4FF6-826E-992F842BE80E}"/>
-          </ac:grpSpMkLst>
-        </pc:grpChg>
-        <pc:grpChg chg="add mod">
-          <ac:chgData name="Frank Refol" userId="a6401068-e7c9-408d-89d4-c1454776cbbb" providerId="ADAL" clId="{D4077E38-555F-4EA0-B20A-B00ED7D09D7E}" dt="2022-01-18T18:18:17.711" v="648" actId="1076"/>
-          <ac:grpSpMkLst>
-            <pc:docMk/>
-            <pc:sldMk cId="1961932492" sldId="260"/>
-            <ac:grpSpMk id="194" creationId="{595AE749-20A3-4941-948C-A8491198E151}"/>
-          </ac:grpSpMkLst>
-        </pc:grpChg>
-        <pc:grpChg chg="add del mod">
-          <ac:chgData name="Frank Refol" userId="a6401068-e7c9-408d-89d4-c1454776cbbb" providerId="ADAL" clId="{D4077E38-555F-4EA0-B20A-B00ED7D09D7E}" dt="2022-01-18T20:02:43.202" v="690" actId="165"/>
-          <ac:grpSpMkLst>
-            <pc:docMk/>
-            <pc:sldMk cId="1961932492" sldId="260"/>
-            <ac:grpSpMk id="201" creationId="{CB4042C3-5854-4940-B7D5-3C69CC1F240B}"/>
-          </ac:grpSpMkLst>
-        </pc:grpChg>
-        <pc:grpChg chg="add mod">
-          <ac:chgData name="Frank Refol" userId="a6401068-e7c9-408d-89d4-c1454776cbbb" providerId="ADAL" clId="{D4077E38-555F-4EA0-B20A-B00ED7D09D7E}" dt="2022-01-18T20:03:16.316" v="703" actId="164"/>
-          <ac:grpSpMkLst>
-            <pc:docMk/>
-            <pc:sldMk cId="1961932492" sldId="260"/>
-            <ac:grpSpMk id="215" creationId="{C483D4B7-09AA-405D-A2AF-9DB300A01EA5}"/>
-          </ac:grpSpMkLst>
-        </pc:grpChg>
-        <pc:grpChg chg="add mod">
-          <ac:chgData name="Frank Refol" userId="a6401068-e7c9-408d-89d4-c1454776cbbb" providerId="ADAL" clId="{D4077E38-555F-4EA0-B20A-B00ED7D09D7E}" dt="2022-01-18T20:04:04.505" v="717" actId="164"/>
-          <ac:grpSpMkLst>
-            <pc:docMk/>
-            <pc:sldMk cId="1961932492" sldId="260"/>
-            <ac:grpSpMk id="216" creationId="{56D34D70-C77E-478D-AD4B-3EF781EA6E99}"/>
-          </ac:grpSpMkLst>
-        </pc:grpChg>
-        <pc:grpChg chg="add mod">
-          <ac:chgData name="Frank Refol" userId="a6401068-e7c9-408d-89d4-c1454776cbbb" providerId="ADAL" clId="{D4077E38-555F-4EA0-B20A-B00ED7D09D7E}" dt="2022-01-18T20:08:10.153" v="800" actId="1076"/>
-          <ac:grpSpMkLst>
-            <pc:docMk/>
-            <pc:sldMk cId="1961932492" sldId="260"/>
-            <ac:grpSpMk id="217" creationId="{CA7C71F1-8E6B-450D-8EA7-485032055D65}"/>
-          </ac:grpSpMkLst>
-        </pc:grpChg>
-        <pc:grpChg chg="mod topLvl">
-          <ac:chgData name="Frank Refol" userId="a6401068-e7c9-408d-89d4-c1454776cbbb" providerId="ADAL" clId="{D4077E38-555F-4EA0-B20A-B00ED7D09D7E}" dt="2022-01-18T17:12:39.571" v="4" actId="164"/>
-          <ac:grpSpMkLst>
-            <pc:docMk/>
-            <pc:sldMk cId="1961932492" sldId="260"/>
-            <ac:grpSpMk id="221" creationId="{0CF2165B-448A-45E7-A393-7EA1D3D1FED7}"/>
-          </ac:grpSpMkLst>
-        </pc:grpChg>
-        <pc:grpChg chg="mod">
-          <ac:chgData name="Frank Refol" userId="a6401068-e7c9-408d-89d4-c1454776cbbb" providerId="ADAL" clId="{D4077E38-555F-4EA0-B20A-B00ED7D09D7E}" dt="2022-01-18T17:12:19.485" v="1" actId="165"/>
-          <ac:grpSpMkLst>
-            <pc:docMk/>
-            <pc:sldMk cId="1961932492" sldId="260"/>
-            <ac:grpSpMk id="222" creationId="{D3BD68CE-EF7C-46FC-A343-79E3BB2232B8}"/>
-          </ac:grpSpMkLst>
-        </pc:grpChg>
-        <pc:grpChg chg="mod">
-          <ac:chgData name="Frank Refol" userId="a6401068-e7c9-408d-89d4-c1454776cbbb" providerId="ADAL" clId="{D4077E38-555F-4EA0-B20A-B00ED7D09D7E}" dt="2022-01-18T17:12:19.485" v="1" actId="165"/>
-          <ac:grpSpMkLst>
-            <pc:docMk/>
-            <pc:sldMk cId="1961932492" sldId="260"/>
-            <ac:grpSpMk id="226" creationId="{76113410-EB24-41BA-B6A3-86F8959A4E8D}"/>
-          </ac:grpSpMkLst>
-        </pc:grpChg>
-        <pc:grpChg chg="mod">
-          <ac:chgData name="Frank Refol" userId="a6401068-e7c9-408d-89d4-c1454776cbbb" providerId="ADAL" clId="{D4077E38-555F-4EA0-B20A-B00ED7D09D7E}" dt="2022-01-18T17:12:19.485" v="1" actId="165"/>
-          <ac:grpSpMkLst>
-            <pc:docMk/>
-            <pc:sldMk cId="1961932492" sldId="260"/>
-            <ac:grpSpMk id="228" creationId="{919ECCC5-5E3C-4052-9A70-892D4707611D}"/>
-          </ac:grpSpMkLst>
-        </pc:grpChg>
-        <pc:grpChg chg="mod">
-          <ac:chgData name="Frank Refol" userId="a6401068-e7c9-408d-89d4-c1454776cbbb" providerId="ADAL" clId="{D4077E38-555F-4EA0-B20A-B00ED7D09D7E}" dt="2022-01-18T17:12:19.485" v="1" actId="165"/>
-          <ac:grpSpMkLst>
-            <pc:docMk/>
-            <pc:sldMk cId="1961932492" sldId="260"/>
-            <ac:grpSpMk id="229" creationId="{09D22123-9D09-41B6-943D-E6475349938D}"/>
-          </ac:grpSpMkLst>
-        </pc:grpChg>
-        <pc:grpChg chg="mod">
-          <ac:chgData name="Frank Refol" userId="a6401068-e7c9-408d-89d4-c1454776cbbb" providerId="ADAL" clId="{D4077E38-555F-4EA0-B20A-B00ED7D09D7E}" dt="2022-01-18T17:12:19.485" v="1" actId="165"/>
-          <ac:grpSpMkLst>
-            <pc:docMk/>
-            <pc:sldMk cId="1961932492" sldId="260"/>
-            <ac:grpSpMk id="240" creationId="{0ABF47FE-1D20-4EC2-9922-770DBD405A46}"/>
-          </ac:grpSpMkLst>
-        </pc:grpChg>
-        <pc:grpChg chg="mod topLvl">
-          <ac:chgData name="Frank Refol" userId="a6401068-e7c9-408d-89d4-c1454776cbbb" providerId="ADAL" clId="{D4077E38-555F-4EA0-B20A-B00ED7D09D7E}" dt="2022-01-18T17:12:39.571" v="4" actId="164"/>
-          <ac:grpSpMkLst>
-            <pc:docMk/>
-            <pc:sldMk cId="1961932492" sldId="260"/>
-            <ac:grpSpMk id="241" creationId="{82A932F6-94CF-4DC7-BE13-2592A4EDEE21}"/>
-          </ac:grpSpMkLst>
-        </pc:grpChg>
-        <pc:grpChg chg="del">
-          <ac:chgData name="Frank Refol" userId="a6401068-e7c9-408d-89d4-c1454776cbbb" providerId="ADAL" clId="{D4077E38-555F-4EA0-B20A-B00ED7D09D7E}" dt="2022-01-18T17:12:19.485" v="1" actId="165"/>
-          <ac:grpSpMkLst>
-            <pc:docMk/>
-            <pc:sldMk cId="1961932492" sldId="260"/>
-            <ac:grpSpMk id="242" creationId="{F926FAFD-8921-4BCC-AB07-2CAA6CDA27F2}"/>
-          </ac:grpSpMkLst>
-        </pc:grpChg>
-        <pc:grpChg chg="mod">
-          <ac:chgData name="Frank Refol" userId="a6401068-e7c9-408d-89d4-c1454776cbbb" providerId="ADAL" clId="{D4077E38-555F-4EA0-B20A-B00ED7D09D7E}" dt="2022-01-18T20:00:18.232" v="666" actId="165"/>
-          <ac:grpSpMkLst>
-            <pc:docMk/>
-            <pc:sldMk cId="1961932492" sldId="260"/>
-            <ac:grpSpMk id="258" creationId="{0CABBCF9-D0D9-46B1-BEC2-648EB3A442CC}"/>
-          </ac:grpSpMkLst>
-        </pc:grpChg>
-        <pc:grpChg chg="add del mod">
-          <ac:chgData name="Frank Refol" userId="a6401068-e7c9-408d-89d4-c1454776cbbb" providerId="ADAL" clId="{D4077E38-555F-4EA0-B20A-B00ED7D09D7E}" dt="2022-01-18T22:57:25.746" v="926" actId="165"/>
-          <ac:grpSpMkLst>
-            <pc:docMk/>
-            <pc:sldMk cId="1961932492" sldId="260"/>
-            <ac:grpSpMk id="269" creationId="{2130D07F-AACA-41E0-B554-4B8052BF57EC}"/>
-          </ac:grpSpMkLst>
-        </pc:grpChg>
-        <pc:grpChg chg="mod topLvl">
-          <ac:chgData name="Frank Refol" userId="a6401068-e7c9-408d-89d4-c1454776cbbb" providerId="ADAL" clId="{D4077E38-555F-4EA0-B20A-B00ED7D09D7E}" dt="2022-01-18T20:00:18.232" v="666" actId="165"/>
-          <ac:grpSpMkLst>
-            <pc:docMk/>
-            <pc:sldMk cId="1961932492" sldId="260"/>
-            <ac:grpSpMk id="275" creationId="{5796507A-F5A6-474E-BA44-46CC537D3D90}"/>
-          </ac:grpSpMkLst>
-        </pc:grpChg>
-        <pc:grpChg chg="mod topLvl">
-          <ac:chgData name="Frank Refol" userId="a6401068-e7c9-408d-89d4-c1454776cbbb" providerId="ADAL" clId="{D4077E38-555F-4EA0-B20A-B00ED7D09D7E}" dt="2022-01-18T20:00:18.232" v="666" actId="165"/>
-          <ac:grpSpMkLst>
-            <pc:docMk/>
-            <pc:sldMk cId="1961932492" sldId="260"/>
-            <ac:grpSpMk id="276" creationId="{22368526-E061-4532-AE8E-11B02C53153E}"/>
-          </ac:grpSpMkLst>
-        </pc:grpChg>
-        <pc:grpChg chg="mod">
-          <ac:chgData name="Frank Refol" userId="a6401068-e7c9-408d-89d4-c1454776cbbb" providerId="ADAL" clId="{D4077E38-555F-4EA0-B20A-B00ED7D09D7E}" dt="2022-01-18T20:00:18.232" v="666" actId="165"/>
-          <ac:grpSpMkLst>
-            <pc:docMk/>
-            <pc:sldMk cId="1961932492" sldId="260"/>
-            <ac:grpSpMk id="278" creationId="{DACC80CA-26BD-440B-B1B4-0ED8EF020144}"/>
-          </ac:grpSpMkLst>
-        </pc:grpChg>
-        <pc:grpChg chg="mod topLvl">
-          <ac:chgData name="Frank Refol" userId="a6401068-e7c9-408d-89d4-c1454776cbbb" providerId="ADAL" clId="{D4077E38-555F-4EA0-B20A-B00ED7D09D7E}" dt="2022-01-18T20:00:18.232" v="666" actId="165"/>
-          <ac:grpSpMkLst>
-            <pc:docMk/>
-            <pc:sldMk cId="1961932492" sldId="260"/>
-            <ac:grpSpMk id="281" creationId="{6E52F430-BBE0-4E14-B8F4-D9772A680834}"/>
-          </ac:grpSpMkLst>
-        </pc:grpChg>
-        <pc:grpChg chg="mod">
-          <ac:chgData name="Frank Refol" userId="a6401068-e7c9-408d-89d4-c1454776cbbb" providerId="ADAL" clId="{D4077E38-555F-4EA0-B20A-B00ED7D09D7E}" dt="2022-01-18T20:00:18.232" v="666" actId="165"/>
-          <ac:grpSpMkLst>
-            <pc:docMk/>
-            <pc:sldMk cId="1961932492" sldId="260"/>
-            <ac:grpSpMk id="283" creationId="{0A13AE9D-FE1A-4C59-B6D8-73F9643E681A}"/>
-          </ac:grpSpMkLst>
-        </pc:grpChg>
-        <pc:grpChg chg="add mod">
-          <ac:chgData name="Frank Refol" userId="a6401068-e7c9-408d-89d4-c1454776cbbb" providerId="ADAL" clId="{D4077E38-555F-4EA0-B20A-B00ED7D09D7E}" dt="2022-01-18T22:59:25.962" v="962" actId="164"/>
-          <ac:grpSpMkLst>
-            <pc:docMk/>
-            <pc:sldMk cId="1961932492" sldId="260"/>
-            <ac:grpSpMk id="290" creationId="{6EBDE9B9-8390-42A9-801F-49B9F42C87EF}"/>
-          </ac:grpSpMkLst>
-        </pc:grpChg>
-        <pc:grpChg chg="mod topLvl">
-          <ac:chgData name="Frank Refol" userId="a6401068-e7c9-408d-89d4-c1454776cbbb" providerId="ADAL" clId="{D4077E38-555F-4EA0-B20A-B00ED7D09D7E}" dt="2022-01-18T20:00:18.232" v="666" actId="165"/>
-          <ac:grpSpMkLst>
-            <pc:docMk/>
-            <pc:sldMk cId="1961932492" sldId="260"/>
-            <ac:grpSpMk id="313" creationId="{39DC2AC2-51EF-4BBF-AD40-067D912E59D3}"/>
-          </ac:grpSpMkLst>
-        </pc:grpChg>
-        <pc:grpChg chg="add mod">
-          <ac:chgData name="Frank Refol" userId="a6401068-e7c9-408d-89d4-c1454776cbbb" providerId="ADAL" clId="{D4077E38-555F-4EA0-B20A-B00ED7D09D7E}" dt="2022-01-18T22:59:25.962" v="962" actId="164"/>
-          <ac:grpSpMkLst>
-            <pc:docMk/>
-            <pc:sldMk cId="1961932492" sldId="260"/>
-            <ac:grpSpMk id="320" creationId="{C950FE1F-8610-46E9-8F7C-C8C3203188C5}"/>
-          </ac:grpSpMkLst>
-        </pc:grpChg>
-        <pc:grpChg chg="del mod topLvl">
-          <ac:chgData name="Frank Refol" userId="a6401068-e7c9-408d-89d4-c1454776cbbb" providerId="ADAL" clId="{D4077E38-555F-4EA0-B20A-B00ED7D09D7E}" dt="2022-01-18T17:37:24.109" v="192" actId="165"/>
-          <ac:grpSpMkLst>
-            <pc:docMk/>
-            <pc:sldMk cId="1961932492" sldId="260"/>
-            <ac:grpSpMk id="326" creationId="{E9552C3E-C55E-453B-B580-C8449421272D}"/>
-          </ac:grpSpMkLst>
-        </pc:grpChg>
-        <pc:grpChg chg="add mod ord topLvl">
-          <ac:chgData name="Frank Refol" userId="a6401068-e7c9-408d-89d4-c1454776cbbb" providerId="ADAL" clId="{D4077E38-555F-4EA0-B20A-B00ED7D09D7E}" dt="2022-01-18T20:03:42.329" v="707" actId="165"/>
-          <ac:grpSpMkLst>
-            <pc:docMk/>
-            <pc:sldMk cId="1961932492" sldId="260"/>
-            <ac:grpSpMk id="327" creationId="{F580E6FE-FBB8-43E8-85A8-AB4E4355C58C}"/>
-          </ac:grpSpMkLst>
-        </pc:grpChg>
-        <pc:grpChg chg="mod">
-          <ac:chgData name="Frank Refol" userId="a6401068-e7c9-408d-89d4-c1454776cbbb" providerId="ADAL" clId="{D4077E38-555F-4EA0-B20A-B00ED7D09D7E}" dt="2022-01-18T20:03:42.329" v="707" actId="165"/>
-          <ac:grpSpMkLst>
-            <pc:docMk/>
-            <pc:sldMk cId="1961932492" sldId="260"/>
-            <ac:grpSpMk id="389" creationId="{07E11DF0-556B-439C-BA35-08A4BADE947B}"/>
-          </ac:grpSpMkLst>
-        </pc:grpChg>
-        <pc:grpChg chg="del mod topLvl">
-          <ac:chgData name="Frank Refol" userId="a6401068-e7c9-408d-89d4-c1454776cbbb" providerId="ADAL" clId="{D4077E38-555F-4EA0-B20A-B00ED7D09D7E}" dt="2022-01-18T17:34:13.674" v="84" actId="165"/>
-          <ac:grpSpMkLst>
-            <pc:docMk/>
-            <pc:sldMk cId="1961932492" sldId="260"/>
-            <ac:grpSpMk id="407" creationId="{3D4EEFFD-7ECE-4A87-9BB4-08E07462BF0A}"/>
-          </ac:grpSpMkLst>
-        </pc:grpChg>
-        <pc:grpChg chg="add del mod">
-          <ac:chgData name="Frank Refol" userId="a6401068-e7c9-408d-89d4-c1454776cbbb" providerId="ADAL" clId="{D4077E38-555F-4EA0-B20A-B00ED7D09D7E}" dt="2022-01-18T17:30:22.020" v="58" actId="165"/>
-          <ac:grpSpMkLst>
-            <pc:docMk/>
-            <pc:sldMk cId="1961932492" sldId="260"/>
-            <ac:grpSpMk id="415" creationId="{8CE33F15-1AB3-40E1-B013-4E730F3B4705}"/>
-          </ac:grpSpMkLst>
-        </pc:grpChg>
-        <pc:grpChg chg="add del mod">
-          <ac:chgData name="Frank Refol" userId="a6401068-e7c9-408d-89d4-c1454776cbbb" providerId="ADAL" clId="{D4077E38-555F-4EA0-B20A-B00ED7D09D7E}" dt="2022-01-18T17:29:38.739" v="49"/>
-          <ac:grpSpMkLst>
-            <pc:docMk/>
-            <pc:sldMk cId="1961932492" sldId="260"/>
-            <ac:grpSpMk id="423" creationId="{CF47F950-6F2E-46FA-8A24-8846AEDD203D}"/>
-          </ac:grpSpMkLst>
-        </pc:grpChg>
-        <pc:grpChg chg="add del mod">
-          <ac:chgData name="Frank Refol" userId="a6401068-e7c9-408d-89d4-c1454776cbbb" providerId="ADAL" clId="{D4077E38-555F-4EA0-B20A-B00ED7D09D7E}" dt="2022-01-18T17:30:58.913" v="68" actId="478"/>
-          <ac:grpSpMkLst>
-            <pc:docMk/>
-            <pc:sldMk cId="1961932492" sldId="260"/>
-            <ac:grpSpMk id="432" creationId="{CC0387EA-35B5-4B07-84D3-2617DFC5D7D6}"/>
-          </ac:grpSpMkLst>
-        </pc:grpChg>
-        <pc:grpChg chg="add del mod">
-          <ac:chgData name="Frank Refol" userId="a6401068-e7c9-408d-89d4-c1454776cbbb" providerId="ADAL" clId="{D4077E38-555F-4EA0-B20A-B00ED7D09D7E}" dt="2022-01-18T18:09:50.004" v="513" actId="165"/>
-          <ac:grpSpMkLst>
-            <pc:docMk/>
-            <pc:sldMk cId="1961932492" sldId="260"/>
-            <ac:grpSpMk id="440" creationId="{40FF68D4-777B-41D3-B67D-212CF25B3BCC}"/>
-          </ac:grpSpMkLst>
-        </pc:grpChg>
-        <pc:grpChg chg="add del mod">
-          <ac:chgData name="Frank Refol" userId="a6401068-e7c9-408d-89d4-c1454776cbbb" providerId="ADAL" clId="{D4077E38-555F-4EA0-B20A-B00ED7D09D7E}" dt="2022-01-18T17:35:07.823" v="91" actId="165"/>
-          <ac:grpSpMkLst>
-            <pc:docMk/>
-            <pc:sldMk cId="1961932492" sldId="260"/>
-            <ac:grpSpMk id="448" creationId="{E7F78707-3943-469B-BF56-06A99EA6631B}"/>
-          </ac:grpSpMkLst>
-        </pc:grpChg>
-        <pc:grpChg chg="add del mod">
-          <ac:chgData name="Frank Refol" userId="a6401068-e7c9-408d-89d4-c1454776cbbb" providerId="ADAL" clId="{D4077E38-555F-4EA0-B20A-B00ED7D09D7E}" dt="2022-01-18T17:36:41.884" v="181" actId="165"/>
-          <ac:grpSpMkLst>
-            <pc:docMk/>
-            <pc:sldMk cId="1961932492" sldId="260"/>
-            <ac:grpSpMk id="454" creationId="{C8BEDA16-0802-4FBE-A43A-3B2BE1A32EC3}"/>
-          </ac:grpSpMkLst>
-        </pc:grpChg>
-        <pc:grpChg chg="add del mod topLvl">
-          <ac:chgData name="Frank Refol" userId="a6401068-e7c9-408d-89d4-c1454776cbbb" providerId="ADAL" clId="{D4077E38-555F-4EA0-B20A-B00ED7D09D7E}" dt="2022-01-18T20:00:33.499" v="670" actId="165"/>
-          <ac:grpSpMkLst>
-            <pc:docMk/>
-            <pc:sldMk cId="1961932492" sldId="260"/>
-            <ac:grpSpMk id="455" creationId="{3E28FD2F-D5DA-46E5-851B-581714E2EF1B}"/>
-          </ac:grpSpMkLst>
-        </pc:grpChg>
-        <pc:grpChg chg="add del mod">
-          <ac:chgData name="Frank Refol" userId="a6401068-e7c9-408d-89d4-c1454776cbbb" providerId="ADAL" clId="{D4077E38-555F-4EA0-B20A-B00ED7D09D7E}" dt="2022-01-18T18:16:09.676" v="592" actId="165"/>
-          <ac:grpSpMkLst>
-            <pc:docMk/>
-            <pc:sldMk cId="1961932492" sldId="260"/>
-            <ac:grpSpMk id="504" creationId="{6DC6B00F-DE1B-4595-ADA7-C7D7059FBF7B}"/>
-          </ac:grpSpMkLst>
-        </pc:grpChg>
-        <pc:grpChg chg="del mod topLvl">
-          <ac:chgData name="Frank Refol" userId="a6401068-e7c9-408d-89d4-c1454776cbbb" providerId="ADAL" clId="{D4077E38-555F-4EA0-B20A-B00ED7D09D7E}" dt="2022-01-18T18:16:14.568" v="594" actId="478"/>
-          <ac:grpSpMkLst>
-            <pc:docMk/>
-            <pc:sldMk cId="1961932492" sldId="260"/>
-            <ac:grpSpMk id="506" creationId="{DA8D19B9-A3D2-4720-86D2-883C6517A61A}"/>
-          </ac:grpSpMkLst>
-        </pc:grpChg>
-        <pc:grpChg chg="mod ord topLvl">
-          <ac:chgData name="Frank Refol" userId="a6401068-e7c9-408d-89d4-c1454776cbbb" providerId="ADAL" clId="{D4077E38-555F-4EA0-B20A-B00ED7D09D7E}" dt="2022-01-18T18:18:11.078" v="647" actId="164"/>
-          <ac:grpSpMkLst>
-            <pc:docMk/>
-            <pc:sldMk cId="1961932492" sldId="260"/>
-            <ac:grpSpMk id="507" creationId="{6EE79F95-EF79-4EBA-BF39-6E7A3F684613}"/>
-          </ac:grpSpMkLst>
-        </pc:grpChg>
-        <pc:grpChg chg="mod">
-          <ac:chgData name="Frank Refol" userId="a6401068-e7c9-408d-89d4-c1454776cbbb" providerId="ADAL" clId="{D4077E38-555F-4EA0-B20A-B00ED7D09D7E}" dt="2022-01-18T18:16:09.676" v="592" actId="165"/>
-          <ac:grpSpMkLst>
-            <pc:docMk/>
-            <pc:sldMk cId="1961932492" sldId="260"/>
-            <ac:grpSpMk id="510" creationId="{6B10BE1E-FABC-44F8-BA81-BCFAB7812040}"/>
-          </ac:grpSpMkLst>
-        </pc:grpChg>
-        <pc:grpChg chg="add del mod">
-          <ac:chgData name="Frank Refol" userId="a6401068-e7c9-408d-89d4-c1454776cbbb" providerId="ADAL" clId="{D4077E38-555F-4EA0-B20A-B00ED7D09D7E}" dt="2022-01-18T18:16:34.701" v="598" actId="165"/>
-          <ac:grpSpMkLst>
-            <pc:docMk/>
-            <pc:sldMk cId="1961932492" sldId="260"/>
-            <ac:grpSpMk id="520" creationId="{878451CB-51FF-4EC2-96A8-0CB81A8EFB99}"/>
-          </ac:grpSpMkLst>
-        </pc:grpChg>
-        <pc:grpChg chg="del mod topLvl">
-          <ac:chgData name="Frank Refol" userId="a6401068-e7c9-408d-89d4-c1454776cbbb" providerId="ADAL" clId="{D4077E38-555F-4EA0-B20A-B00ED7D09D7E}" dt="2022-01-18T18:16:39.444" v="599" actId="165"/>
-          <ac:grpSpMkLst>
-            <pc:docMk/>
-            <pc:sldMk cId="1961932492" sldId="260"/>
-            <ac:grpSpMk id="521" creationId="{01BFA793-99E5-4961-B564-5A503AE4CE75}"/>
-          </ac:grpSpMkLst>
-        </pc:grpChg>
-        <pc:grpChg chg="mod topLvl">
-          <ac:chgData name="Frank Refol" userId="a6401068-e7c9-408d-89d4-c1454776cbbb" providerId="ADAL" clId="{D4077E38-555F-4EA0-B20A-B00ED7D09D7E}" dt="2022-01-18T18:18:11.078" v="647" actId="164"/>
-          <ac:grpSpMkLst>
-            <pc:docMk/>
-            <pc:sldMk cId="1961932492" sldId="260"/>
-            <ac:grpSpMk id="524" creationId="{65919560-9EC3-4449-BBB1-8014A84CC027}"/>
-          </ac:grpSpMkLst>
-        </pc:grpChg>
-        <pc:grpChg chg="add del mod">
-          <ac:chgData name="Frank Refol" userId="a6401068-e7c9-408d-89d4-c1454776cbbb" providerId="ADAL" clId="{D4077E38-555F-4EA0-B20A-B00ED7D09D7E}" dt="2022-01-18T20:03:30.503" v="706" actId="165"/>
-          <ac:grpSpMkLst>
-            <pc:docMk/>
-            <pc:sldMk cId="1961932492" sldId="260"/>
-            <ac:grpSpMk id="556" creationId="{B88EEC2F-843F-4FAA-9A27-2B87A05B7737}"/>
-          </ac:grpSpMkLst>
-        </pc:grpChg>
-        <pc:grpChg chg="add mod">
-          <ac:chgData name="Frank Refol" userId="a6401068-e7c9-408d-89d4-c1454776cbbb" providerId="ADAL" clId="{D4077E38-555F-4EA0-B20A-B00ED7D09D7E}" dt="2022-01-18T20:04:04.505" v="717" actId="164"/>
-          <ac:grpSpMkLst>
-            <pc:docMk/>
-            <pc:sldMk cId="1961932492" sldId="260"/>
-            <ac:grpSpMk id="571" creationId="{2D2454E1-F1DB-4D14-93F7-C0A5910F8C66}"/>
-          </ac:grpSpMkLst>
-        </pc:grpChg>
-        <pc:grpChg chg="mod">
-          <ac:chgData name="Frank Refol" userId="a6401068-e7c9-408d-89d4-c1454776cbbb" providerId="ADAL" clId="{D4077E38-555F-4EA0-B20A-B00ED7D09D7E}" dt="2022-01-18T20:03:44.894" v="708"/>
-          <ac:grpSpMkLst>
-            <pc:docMk/>
-            <pc:sldMk cId="1961932492" sldId="260"/>
-            <ac:grpSpMk id="574" creationId="{66A086C6-DF5E-4696-B11A-49DFB9EAC9D9}"/>
-          </ac:grpSpMkLst>
-        </pc:grpChg>
-        <pc:grpChg chg="add del mod">
-          <ac:chgData name="Frank Refol" userId="a6401068-e7c9-408d-89d4-c1454776cbbb" providerId="ADAL" clId="{D4077E38-555F-4EA0-B20A-B00ED7D09D7E}" dt="2022-01-18T20:04:27.854" v="721" actId="165"/>
-          <ac:grpSpMkLst>
-            <pc:docMk/>
-            <pc:sldMk cId="1961932492" sldId="260"/>
-            <ac:grpSpMk id="577" creationId="{A557C662-FF67-4412-8719-9614E5F49A76}"/>
-          </ac:grpSpMkLst>
-        </pc:grpChg>
-        <pc:grpChg chg="del mod topLvl">
-          <ac:chgData name="Frank Refol" userId="a6401068-e7c9-408d-89d4-c1454776cbbb" providerId="ADAL" clId="{D4077E38-555F-4EA0-B20A-B00ED7D09D7E}" dt="2022-01-18T20:04:43.869" v="725" actId="478"/>
-          <ac:grpSpMkLst>
-            <pc:docMk/>
-            <pc:sldMk cId="1961932492" sldId="260"/>
-            <ac:grpSpMk id="592" creationId="{EE382215-69CD-487F-8219-A9E03ACC80E6}"/>
-          </ac:grpSpMkLst>
-        </pc:grpChg>
-        <pc:grpChg chg="mod">
-          <ac:chgData name="Frank Refol" userId="a6401068-e7c9-408d-89d4-c1454776cbbb" providerId="ADAL" clId="{D4077E38-555F-4EA0-B20A-B00ED7D09D7E}" dt="2022-01-18T20:04:27.854" v="721" actId="165"/>
-          <ac:grpSpMkLst>
-            <pc:docMk/>
-            <pc:sldMk cId="1961932492" sldId="260"/>
-            <ac:grpSpMk id="595" creationId="{1B61CFCE-DB42-4265-9293-CBD4D211D28A}"/>
-          </ac:grpSpMkLst>
-        </pc:grpChg>
-        <pc:grpChg chg="add mod">
-          <ac:chgData name="Frank Refol" userId="a6401068-e7c9-408d-89d4-c1454776cbbb" providerId="ADAL" clId="{D4077E38-555F-4EA0-B20A-B00ED7D09D7E}" dt="2022-01-18T20:08:03.733" v="799" actId="164"/>
-          <ac:grpSpMkLst>
-            <pc:docMk/>
-            <pc:sldMk cId="1961932492" sldId="260"/>
-            <ac:grpSpMk id="598" creationId="{2684D80A-3B87-41E8-A72B-977584529BF2}"/>
-          </ac:grpSpMkLst>
-        </pc:grpChg>
-        <pc:grpChg chg="add del mod">
-          <ac:chgData name="Frank Refol" userId="a6401068-e7c9-408d-89d4-c1454776cbbb" providerId="ADAL" clId="{D4077E38-555F-4EA0-B20A-B00ED7D09D7E}" dt="2022-01-18T22:40:44.124" v="807" actId="165"/>
-          <ac:grpSpMkLst>
-            <pc:docMk/>
-            <pc:sldMk cId="1961932492" sldId="260"/>
-            <ac:grpSpMk id="613" creationId="{F8118DBB-7CBD-401C-BCF8-9B395C3699C6}"/>
-          </ac:grpSpMkLst>
-        </pc:grpChg>
-        <pc:grpChg chg="del mod topLvl">
-          <ac:chgData name="Frank Refol" userId="a6401068-e7c9-408d-89d4-c1454776cbbb" providerId="ADAL" clId="{D4077E38-555F-4EA0-B20A-B00ED7D09D7E}" dt="2022-01-18T22:47:05.226" v="818" actId="478"/>
-          <ac:grpSpMkLst>
-            <pc:docMk/>
-            <pc:sldMk cId="1961932492" sldId="260"/>
-            <ac:grpSpMk id="614" creationId="{94C05644-4F00-4338-9056-A44C7662EC8B}"/>
-          </ac:grpSpMkLst>
-        </pc:grpChg>
-        <pc:grpChg chg="mod">
-          <ac:chgData name="Frank Refol" userId="a6401068-e7c9-408d-89d4-c1454776cbbb" providerId="ADAL" clId="{D4077E38-555F-4EA0-B20A-B00ED7D09D7E}" dt="2022-01-18T22:40:44.124" v="807" actId="165"/>
-          <ac:grpSpMkLst>
-            <pc:docMk/>
-            <pc:sldMk cId="1961932492" sldId="260"/>
-            <ac:grpSpMk id="617" creationId="{192C622B-9346-478A-A81A-020E076197BF}"/>
-          </ac:grpSpMkLst>
-        </pc:grpChg>
-        <pc:grpChg chg="mod">
-          <ac:chgData name="Frank Refol" userId="a6401068-e7c9-408d-89d4-c1454776cbbb" providerId="ADAL" clId="{D4077E38-555F-4EA0-B20A-B00ED7D09D7E}" dt="2022-01-18T22:40:44.124" v="807" actId="165"/>
-          <ac:grpSpMkLst>
-            <pc:docMk/>
-            <pc:sldMk cId="1961932492" sldId="260"/>
-            <ac:grpSpMk id="619" creationId="{D8921E1D-6530-4CFD-8EA2-784E3D590F7E}"/>
-          </ac:grpSpMkLst>
-        </pc:grpChg>
-        <pc:grpChg chg="mod">
-          <ac:chgData name="Frank Refol" userId="a6401068-e7c9-408d-89d4-c1454776cbbb" providerId="ADAL" clId="{D4077E38-555F-4EA0-B20A-B00ED7D09D7E}" dt="2022-01-18T22:40:44.124" v="807" actId="165"/>
-          <ac:grpSpMkLst>
-            <pc:docMk/>
-            <pc:sldMk cId="1961932492" sldId="260"/>
-            <ac:grpSpMk id="620" creationId="{81CE796E-BC8F-43D4-8A5D-509AEB865A89}"/>
-          </ac:grpSpMkLst>
-        </pc:grpChg>
-        <pc:grpChg chg="add del mod">
-          <ac:chgData name="Frank Refol" userId="a6401068-e7c9-408d-89d4-c1454776cbbb" providerId="ADAL" clId="{D4077E38-555F-4EA0-B20A-B00ED7D09D7E}" dt="2022-01-18T22:40:52.209" v="810" actId="165"/>
-          <ac:grpSpMkLst>
-            <pc:docMk/>
-            <pc:sldMk cId="1961932492" sldId="260"/>
-            <ac:grpSpMk id="627" creationId="{D99FD3C1-960E-46C4-984D-419D247498B0}"/>
-          </ac:grpSpMkLst>
-        </pc:grpChg>
-        <pc:grpChg chg="add del mod topLvl">
-          <ac:chgData name="Frank Refol" userId="a6401068-e7c9-408d-89d4-c1454776cbbb" providerId="ADAL" clId="{D4077E38-555F-4EA0-B20A-B00ED7D09D7E}" dt="2022-01-18T22:59:25.962" v="962" actId="164"/>
-          <ac:grpSpMkLst>
-            <pc:docMk/>
-            <pc:sldMk cId="1961932492" sldId="260"/>
-            <ac:grpSpMk id="628" creationId="{F4C45C72-3DBD-47FF-8140-CAB5B10B5F8E}"/>
-          </ac:grpSpMkLst>
-        </pc:grpChg>
-        <pc:grpChg chg="add del mod">
-          <ac:chgData name="Frank Refol" userId="a6401068-e7c9-408d-89d4-c1454776cbbb" providerId="ADAL" clId="{D4077E38-555F-4EA0-B20A-B00ED7D09D7E}" dt="2022-01-18T22:41:18.073" v="817" actId="478"/>
-          <ac:grpSpMkLst>
-            <pc:docMk/>
-            <pc:sldMk cId="1961932492" sldId="260"/>
-            <ac:grpSpMk id="634" creationId="{22E6D3D3-FD8E-4DA9-8E96-D8674F049D26}"/>
-          </ac:grpSpMkLst>
-        </pc:grpChg>
-        <pc:grpChg chg="mod">
-          <ac:chgData name="Frank Refol" userId="a6401068-e7c9-408d-89d4-c1454776cbbb" providerId="ADAL" clId="{D4077E38-555F-4EA0-B20A-B00ED7D09D7E}" dt="2022-01-18T22:40:30.615" v="805"/>
-          <ac:grpSpMkLst>
-            <pc:docMk/>
-            <pc:sldMk cId="1961932492" sldId="260"/>
-            <ac:grpSpMk id="635" creationId="{CFD2BC8B-34D3-4978-9965-98ECE99BB1C4}"/>
-          </ac:grpSpMkLst>
-        </pc:grpChg>
-        <pc:grpChg chg="add mod">
-          <ac:chgData name="Frank Refol" userId="a6401068-e7c9-408d-89d4-c1454776cbbb" providerId="ADAL" clId="{D4077E38-555F-4EA0-B20A-B00ED7D09D7E}" dt="2022-01-18T22:59:25.962" v="962" actId="164"/>
-          <ac:grpSpMkLst>
-            <pc:docMk/>
-            <pc:sldMk cId="1961932492" sldId="260"/>
-            <ac:grpSpMk id="641" creationId="{5C093560-1CC8-4506-A33A-1AD3CAD67247}"/>
-          </ac:grpSpMkLst>
-        </pc:grpChg>
-        <pc:grpChg chg="add mod">
-          <ac:chgData name="Frank Refol" userId="a6401068-e7c9-408d-89d4-c1454776cbbb" providerId="ADAL" clId="{D4077E38-555F-4EA0-B20A-B00ED7D09D7E}" dt="2022-01-18T22:59:25.962" v="962" actId="164"/>
-          <ac:grpSpMkLst>
-            <pc:docMk/>
-            <pc:sldMk cId="1961932492" sldId="260"/>
-            <ac:grpSpMk id="646" creationId="{C0CB2440-2AE3-4270-93F3-4284FBF9FCEB}"/>
-          </ac:grpSpMkLst>
-        </pc:grpChg>
-        <pc:grpChg chg="add del mod">
-          <ac:chgData name="Frank Refol" userId="a6401068-e7c9-408d-89d4-c1454776cbbb" providerId="ADAL" clId="{D4077E38-555F-4EA0-B20A-B00ED7D09D7E}" dt="2022-01-18T22:49:56.517" v="830" actId="165"/>
-          <ac:grpSpMkLst>
-            <pc:docMk/>
-            <pc:sldMk cId="1961932492" sldId="260"/>
-            <ac:grpSpMk id="651" creationId="{67217DC3-0200-4A93-B15C-A585528C7643}"/>
-          </ac:grpSpMkLst>
-        </pc:grpChg>
-        <pc:grpChg chg="add del mod topLvl">
-          <ac:chgData name="Frank Refol" userId="a6401068-e7c9-408d-89d4-c1454776cbbb" providerId="ADAL" clId="{D4077E38-555F-4EA0-B20A-B00ED7D09D7E}" dt="2022-01-18T22:51:11.806" v="835" actId="478"/>
-          <ac:grpSpMkLst>
-            <pc:docMk/>
-            <pc:sldMk cId="1961932492" sldId="260"/>
-            <ac:grpSpMk id="652" creationId="{D9DB64B4-E123-4211-8919-EDA09363A66F}"/>
-          </ac:grpSpMkLst>
-        </pc:grpChg>
-        <pc:grpChg chg="mod">
-          <ac:chgData name="Frank Refol" userId="a6401068-e7c9-408d-89d4-c1454776cbbb" providerId="ADAL" clId="{D4077E38-555F-4EA0-B20A-B00ED7D09D7E}" dt="2022-01-18T22:49:56.517" v="830" actId="165"/>
-          <ac:grpSpMkLst>
-            <pc:docMk/>
-            <pc:sldMk cId="1961932492" sldId="260"/>
-            <ac:grpSpMk id="655" creationId="{5E6BC0DF-C8D4-4377-975E-7EFC31B69A32}"/>
-          </ac:grpSpMkLst>
-        </pc:grpChg>
-        <pc:grpChg chg="mod">
-          <ac:chgData name="Frank Refol" userId="a6401068-e7c9-408d-89d4-c1454776cbbb" providerId="ADAL" clId="{D4077E38-555F-4EA0-B20A-B00ED7D09D7E}" dt="2022-01-18T22:49:56.517" v="830" actId="165"/>
-          <ac:grpSpMkLst>
-            <pc:docMk/>
-            <pc:sldMk cId="1961932492" sldId="260"/>
-            <ac:grpSpMk id="657" creationId="{2EC3F2F5-2512-4D57-ADCE-D720E67F4FA2}"/>
-          </ac:grpSpMkLst>
-        </pc:grpChg>
-        <pc:grpChg chg="mod">
-          <ac:chgData name="Frank Refol" userId="a6401068-e7c9-408d-89d4-c1454776cbbb" providerId="ADAL" clId="{D4077E38-555F-4EA0-B20A-B00ED7D09D7E}" dt="2022-01-18T22:49:56.517" v="830" actId="165"/>
-          <ac:grpSpMkLst>
-            <pc:docMk/>
-            <pc:sldMk cId="1961932492" sldId="260"/>
-            <ac:grpSpMk id="658" creationId="{45CD4447-AF19-45F2-B64F-ABD0E5C3F61E}"/>
-          </ac:grpSpMkLst>
-        </pc:grpChg>
-        <pc:grpChg chg="add del mod">
-          <ac:chgData name="Frank Refol" userId="a6401068-e7c9-408d-89d4-c1454776cbbb" providerId="ADAL" clId="{D4077E38-555F-4EA0-B20A-B00ED7D09D7E}" dt="2022-01-18T22:53:16.659" v="880"/>
-          <ac:grpSpMkLst>
-            <pc:docMk/>
-            <pc:sldMk cId="1961932492" sldId="260"/>
-            <ac:grpSpMk id="665" creationId="{16407B54-E2EE-47BF-875B-EC5C744D7D89}"/>
-          </ac:grpSpMkLst>
-        </pc:grpChg>
-        <pc:grpChg chg="add del mod">
-          <ac:chgData name="Frank Refol" userId="a6401068-e7c9-408d-89d4-c1454776cbbb" providerId="ADAL" clId="{D4077E38-555F-4EA0-B20A-B00ED7D09D7E}" dt="2022-01-18T22:53:15.832" v="878"/>
-          <ac:grpSpMkLst>
-            <pc:docMk/>
-            <pc:sldMk cId="1961932492" sldId="260"/>
-            <ac:grpSpMk id="670" creationId="{2E67B1CA-091F-416D-ACB2-573059152EE4}"/>
-          </ac:grpSpMkLst>
-        </pc:grpChg>
-        <pc:grpChg chg="add del mod">
-          <ac:chgData name="Frank Refol" userId="a6401068-e7c9-408d-89d4-c1454776cbbb" providerId="ADAL" clId="{D4077E38-555F-4EA0-B20A-B00ED7D09D7E}" dt="2022-01-18T22:53:14.994" v="874"/>
-          <ac:grpSpMkLst>
-            <pc:docMk/>
-            <pc:sldMk cId="1961932492" sldId="260"/>
-            <ac:grpSpMk id="675" creationId="{99471C02-6F11-400E-A388-B8E68A86BAFF}"/>
-          </ac:grpSpMkLst>
-        </pc:grpChg>
-        <pc:grpChg chg="add del mod">
-          <ac:chgData name="Frank Refol" userId="a6401068-e7c9-408d-89d4-c1454776cbbb" providerId="ADAL" clId="{D4077E38-555F-4EA0-B20A-B00ED7D09D7E}" dt="2022-01-18T22:53:46.066" v="883" actId="165"/>
-          <ac:grpSpMkLst>
-            <pc:docMk/>
-            <pc:sldMk cId="1961932492" sldId="260"/>
-            <ac:grpSpMk id="680" creationId="{2DD992E0-FCF8-4B0E-AC8D-50CB987E7BCF}"/>
-          </ac:grpSpMkLst>
-        </pc:grpChg>
-        <pc:grpChg chg="del mod topLvl">
-          <ac:chgData name="Frank Refol" userId="a6401068-e7c9-408d-89d4-c1454776cbbb" providerId="ADAL" clId="{D4077E38-555F-4EA0-B20A-B00ED7D09D7E}" dt="2022-01-18T22:54:13.246" v="889" actId="165"/>
-          <ac:grpSpMkLst>
-            <pc:docMk/>
-            <pc:sldMk cId="1961932492" sldId="260"/>
-            <ac:grpSpMk id="681" creationId="{51637C18-852A-4433-9787-DF1A5DCFDC68}"/>
-          </ac:grpSpMkLst>
-        </pc:grpChg>
-        <pc:grpChg chg="del mod topLvl">
-          <ac:chgData name="Frank Refol" userId="a6401068-e7c9-408d-89d4-c1454776cbbb" providerId="ADAL" clId="{D4077E38-555F-4EA0-B20A-B00ED7D09D7E}" dt="2022-01-18T22:54:16.276" v="890" actId="478"/>
-          <ac:grpSpMkLst>
-            <pc:docMk/>
-            <pc:sldMk cId="1961932492" sldId="260"/>
-            <ac:grpSpMk id="684" creationId="{B2D1EDC7-B8E2-4657-950D-D3FFD857A308}"/>
-          </ac:grpSpMkLst>
-        </pc:grpChg>
-        <pc:grpChg chg="del mod topLvl">
-          <ac:chgData name="Frank Refol" userId="a6401068-e7c9-408d-89d4-c1454776cbbb" providerId="ADAL" clId="{D4077E38-555F-4EA0-B20A-B00ED7D09D7E}" dt="2022-01-18T22:57:32.523" v="927" actId="478"/>
-          <ac:grpSpMkLst>
-            <pc:docMk/>
-            <pc:sldMk cId="1961932492" sldId="260"/>
-            <ac:grpSpMk id="685" creationId="{86DF845B-53C0-4812-B2A5-FE36F12668B2}"/>
-          </ac:grpSpMkLst>
-        </pc:grpChg>
-        <pc:grpChg chg="mod">
-          <ac:chgData name="Frank Refol" userId="a6401068-e7c9-408d-89d4-c1454776cbbb" providerId="ADAL" clId="{D4077E38-555F-4EA0-B20A-B00ED7D09D7E}" dt="2022-01-18T22:57:25.746" v="926" actId="165"/>
-          <ac:grpSpMkLst>
-            <pc:docMk/>
-            <pc:sldMk cId="1961932492" sldId="260"/>
-            <ac:grpSpMk id="687" creationId="{FD488441-F612-44DC-84D3-D54B43FA1DAF}"/>
-          </ac:grpSpMkLst>
-        </pc:grpChg>
-        <pc:grpChg chg="mod">
-          <ac:chgData name="Frank Refol" userId="a6401068-e7c9-408d-89d4-c1454776cbbb" providerId="ADAL" clId="{D4077E38-555F-4EA0-B20A-B00ED7D09D7E}" dt="2022-01-18T22:57:25.746" v="926" actId="165"/>
-          <ac:grpSpMkLst>
-            <pc:docMk/>
-            <pc:sldMk cId="1961932492" sldId="260"/>
-            <ac:grpSpMk id="688" creationId="{9B52DE0E-2A0B-4D6C-8CED-23F9D93F38B7}"/>
-          </ac:grpSpMkLst>
-        </pc:grpChg>
-        <pc:grpChg chg="mod">
-          <ac:chgData name="Frank Refol" userId="a6401068-e7c9-408d-89d4-c1454776cbbb" providerId="ADAL" clId="{D4077E38-555F-4EA0-B20A-B00ED7D09D7E}" dt="2022-01-18T22:54:13.246" v="889" actId="165"/>
-          <ac:grpSpMkLst>
-            <pc:docMk/>
-            <pc:sldMk cId="1961932492" sldId="260"/>
-            <ac:grpSpMk id="705" creationId="{81B3044F-F351-4008-9307-D9564094B4A3}"/>
-          </ac:grpSpMkLst>
-        </pc:grpChg>
-        <pc:grpChg chg="mod">
-          <ac:chgData name="Frank Refol" userId="a6401068-e7c9-408d-89d4-c1454776cbbb" providerId="ADAL" clId="{D4077E38-555F-4EA0-B20A-B00ED7D09D7E}" dt="2022-01-18T22:54:13.246" v="889" actId="165"/>
-          <ac:grpSpMkLst>
-            <pc:docMk/>
-            <pc:sldMk cId="1961932492" sldId="260"/>
-            <ac:grpSpMk id="706" creationId="{CCA0E906-C797-4E3A-A0D2-A69D4DFC5E8D}"/>
-          </ac:grpSpMkLst>
-        </pc:grpChg>
-        <pc:grpChg chg="add mod">
-          <ac:chgData name="Frank Refol" userId="a6401068-e7c9-408d-89d4-c1454776cbbb" providerId="ADAL" clId="{D4077E38-555F-4EA0-B20A-B00ED7D09D7E}" dt="2022-01-18T23:23:29.684" v="1159" actId="165"/>
-          <ac:grpSpMkLst>
-            <pc:docMk/>
-            <pc:sldMk cId="1961932492" sldId="260"/>
-            <ac:grpSpMk id="750" creationId="{4D1BD467-17B7-4566-8F7B-EAE33A617BC6}"/>
-          </ac:grpSpMkLst>
-        </pc:grpChg>
-        <pc:grpChg chg="add del mod">
-          <ac:chgData name="Frank Refol" userId="a6401068-e7c9-408d-89d4-c1454776cbbb" providerId="ADAL" clId="{D4077E38-555F-4EA0-B20A-B00ED7D09D7E}" dt="2022-01-18T23:19:40.352" v="1107" actId="165"/>
-          <ac:grpSpMkLst>
-            <pc:docMk/>
-            <pc:sldMk cId="1961932492" sldId="260"/>
-            <ac:grpSpMk id="751" creationId="{CE82ADD8-9AB7-473F-82BC-D4D24231668A}"/>
-          </ac:grpSpMkLst>
-        </pc:grpChg>
-        <pc:grpChg chg="add mod topLvl">
-          <ac:chgData name="Frank Refol" userId="a6401068-e7c9-408d-89d4-c1454776cbbb" providerId="ADAL" clId="{D4077E38-555F-4EA0-B20A-B00ED7D09D7E}" dt="2022-01-18T23:23:47.546" v="1163" actId="164"/>
-          <ac:grpSpMkLst>
-            <pc:docMk/>
-            <pc:sldMk cId="1961932492" sldId="260"/>
-            <ac:grpSpMk id="758" creationId="{56181BD9-584F-4728-81AB-2EC63A8F6472}"/>
-          </ac:grpSpMkLst>
-        </pc:grpChg>
-        <pc:grpChg chg="add del mod">
-          <ac:chgData name="Frank Refol" userId="a6401068-e7c9-408d-89d4-c1454776cbbb" providerId="ADAL" clId="{D4077E38-555F-4EA0-B20A-B00ED7D09D7E}" dt="2022-01-18T23:23:29.684" v="1159" actId="165"/>
-          <ac:grpSpMkLst>
-            <pc:docMk/>
-            <pc:sldMk cId="1961932492" sldId="260"/>
-            <ac:grpSpMk id="760" creationId="{75E1CB5C-69E1-49B5-8608-FFF1FAF2DBB1}"/>
-          </ac:grpSpMkLst>
-        </pc:grpChg>
-        <pc:grpChg chg="add del mod">
-          <ac:chgData name="Frank Refol" userId="a6401068-e7c9-408d-89d4-c1454776cbbb" providerId="ADAL" clId="{D4077E38-555F-4EA0-B20A-B00ED7D09D7E}" dt="2022-01-18T23:24:18.779" v="1167" actId="165"/>
-          <ac:grpSpMkLst>
-            <pc:docMk/>
-            <pc:sldMk cId="1961932492" sldId="260"/>
-            <ac:grpSpMk id="762" creationId="{17DA70CE-E641-4252-BA0C-871F08F62090}"/>
-          </ac:grpSpMkLst>
-        </pc:grpChg>
-        <pc:grpChg chg="del mod topLvl">
-          <ac:chgData name="Frank Refol" userId="a6401068-e7c9-408d-89d4-c1454776cbbb" providerId="ADAL" clId="{D4077E38-555F-4EA0-B20A-B00ED7D09D7E}" dt="2022-01-18T23:31:30.667" v="1188" actId="165"/>
-          <ac:grpSpMkLst>
-            <pc:docMk/>
-            <pc:sldMk cId="1961932492" sldId="260"/>
-            <ac:grpSpMk id="765" creationId="{F7D12DA1-C790-40AB-ABC1-64E215A8AAAD}"/>
-          </ac:grpSpMkLst>
-        </pc:grpChg>
-        <pc:grpChg chg="add mod">
-          <ac:chgData name="Frank Refol" userId="a6401068-e7c9-408d-89d4-c1454776cbbb" providerId="ADAL" clId="{D4077E38-555F-4EA0-B20A-B00ED7D09D7E}" dt="2022-01-18T23:23:47.546" v="1163" actId="164"/>
-          <ac:grpSpMkLst>
-            <pc:docMk/>
-            <pc:sldMk cId="1961932492" sldId="260"/>
-            <ac:grpSpMk id="772" creationId="{0FEF62F5-E8B3-40A6-A14D-3AEE8246E0C2}"/>
-          </ac:grpSpMkLst>
-        </pc:grpChg>
-        <pc:grpChg chg="add del mod">
-          <ac:chgData name="Frank Refol" userId="a6401068-e7c9-408d-89d4-c1454776cbbb" providerId="ADAL" clId="{D4077E38-555F-4EA0-B20A-B00ED7D09D7E}" dt="2022-01-18T23:30:37.307" v="1181" actId="165"/>
-          <ac:grpSpMkLst>
-            <pc:docMk/>
-            <pc:sldMk cId="1961932492" sldId="260"/>
-            <ac:grpSpMk id="773" creationId="{0B139C88-0791-4BFC-AAD5-A451989544F0}"/>
-          </ac:grpSpMkLst>
-        </pc:grpChg>
-        <pc:grpChg chg="add mod">
-          <ac:chgData name="Frank Refol" userId="a6401068-e7c9-408d-89d4-c1454776cbbb" providerId="ADAL" clId="{D4077E38-555F-4EA0-B20A-B00ED7D09D7E}" dt="2022-01-18T23:32:55.559" v="1209" actId="1076"/>
-          <ac:grpSpMkLst>
-            <pc:docMk/>
-            <pc:sldMk cId="1961932492" sldId="260"/>
-            <ac:grpSpMk id="774" creationId="{EA8EC0F2-ED2A-45A1-81AD-DD5DC11D9D47}"/>
-          </ac:grpSpMkLst>
-        </pc:grpChg>
-        <pc:grpChg chg="add mod topLvl">
-          <ac:chgData name="Frank Refol" userId="a6401068-e7c9-408d-89d4-c1454776cbbb" providerId="ADAL" clId="{D4077E38-555F-4EA0-B20A-B00ED7D09D7E}" dt="2022-01-18T23:36:15.290" v="1267" actId="164"/>
-          <ac:grpSpMkLst>
-            <pc:docMk/>
-            <pc:sldMk cId="1961932492" sldId="260"/>
-            <ac:grpSpMk id="775" creationId="{FC2D5C66-B0A5-4C0C-8467-1A92941756EF}"/>
-          </ac:grpSpMkLst>
-        </pc:grpChg>
-        <pc:grpChg chg="add del mod">
-          <ac:chgData name="Frank Refol" userId="a6401068-e7c9-408d-89d4-c1454776cbbb" providerId="ADAL" clId="{D4077E38-555F-4EA0-B20A-B00ED7D09D7E}" dt="2022-01-18T23:35:48.916" v="1232" actId="165"/>
-          <ac:grpSpMkLst>
-            <pc:docMk/>
-            <pc:sldMk cId="1961932492" sldId="260"/>
-            <ac:grpSpMk id="790" creationId="{8DD75F3B-DCD6-46B4-ABB5-56FB98497EC8}"/>
-          </ac:grpSpMkLst>
-        </pc:grpChg>
-        <pc:grpChg chg="add mod">
-          <ac:chgData name="Frank Refol" userId="a6401068-e7c9-408d-89d4-c1454776cbbb" providerId="ADAL" clId="{D4077E38-555F-4EA0-B20A-B00ED7D09D7E}" dt="2022-01-18T23:36:15.290" v="1267" actId="164"/>
-          <ac:grpSpMkLst>
-            <pc:docMk/>
-            <pc:sldMk cId="1961932492" sldId="260"/>
-            <ac:grpSpMk id="791" creationId="{57439470-2ADC-4A61-850B-BE2A6BDB57EF}"/>
-          </ac:grpSpMkLst>
-        </pc:grpChg>
-        <pc:cxnChg chg="add mod">
-          <ac:chgData name="Frank Refol" userId="a6401068-e7c9-408d-89d4-c1454776cbbb" providerId="ADAL" clId="{D4077E38-555F-4EA0-B20A-B00ED7D09D7E}" dt="2022-01-18T20:03:42.329" v="707" actId="165"/>
-          <ac:cxnSpMkLst>
-            <pc:docMk/>
-            <pc:sldMk cId="1961932492" sldId="260"/>
-            <ac:cxnSpMk id="66" creationId="{4C54D12D-E609-46BE-B5B3-3C5F92EFE924}"/>
-          </ac:cxnSpMkLst>
-        </pc:cxnChg>
-        <pc:cxnChg chg="add del mod">
-          <ac:chgData name="Frank Refol" userId="a6401068-e7c9-408d-89d4-c1454776cbbb" providerId="ADAL" clId="{D4077E38-555F-4EA0-B20A-B00ED7D09D7E}" dt="2022-01-18T22:51:19.287" v="838" actId="478"/>
-          <ac:cxnSpMkLst>
-            <pc:docMk/>
-            <pc:sldMk cId="1961932492" sldId="260"/>
-            <ac:cxnSpMk id="246" creationId="{C1B7E61A-0955-4A96-8EF4-324070492457}"/>
-          </ac:cxnSpMkLst>
-        </pc:cxnChg>
-        <pc:cxnChg chg="add del mod">
-          <ac:chgData name="Frank Refol" userId="a6401068-e7c9-408d-89d4-c1454776cbbb" providerId="ADAL" clId="{D4077E38-555F-4EA0-B20A-B00ED7D09D7E}" dt="2022-01-18T22:51:16.711" v="837" actId="478"/>
-          <ac:cxnSpMkLst>
-            <pc:docMk/>
-            <pc:sldMk cId="1961932492" sldId="260"/>
-            <ac:cxnSpMk id="251" creationId="{F06EC6E8-11E1-40BE-97E8-8536D57B81C6}"/>
-          </ac:cxnSpMkLst>
-        </pc:cxnChg>
-        <pc:cxnChg chg="add del mod">
-          <ac:chgData name="Frank Refol" userId="a6401068-e7c9-408d-89d4-c1454776cbbb" providerId="ADAL" clId="{D4077E38-555F-4EA0-B20A-B00ED7D09D7E}" dt="2022-01-18T22:51:14.187" v="836" actId="478"/>
-          <ac:cxnSpMkLst>
-            <pc:docMk/>
-            <pc:sldMk cId="1961932492" sldId="260"/>
-            <ac:cxnSpMk id="255" creationId="{89906B82-FADE-488D-A0F5-8952C14A1817}"/>
-          </ac:cxnSpMkLst>
-        </pc:cxnChg>
-        <pc:cxnChg chg="add del mod">
-          <ac:chgData name="Frank Refol" userId="a6401068-e7c9-408d-89d4-c1454776cbbb" providerId="ADAL" clId="{D4077E38-555F-4EA0-B20A-B00ED7D09D7E}" dt="2022-01-18T22:55:44.858" v="903" actId="478"/>
-          <ac:cxnSpMkLst>
-            <pc:docMk/>
-            <pc:sldMk cId="1961932492" sldId="260"/>
-            <ac:cxnSpMk id="260" creationId="{96A15FC1-1B4C-4391-A74E-A3538865F2C3}"/>
-          </ac:cxnSpMkLst>
-        </pc:cxnChg>
-        <pc:cxnChg chg="add del mod">
-          <ac:chgData name="Frank Refol" userId="a6401068-e7c9-408d-89d4-c1454776cbbb" providerId="ADAL" clId="{D4077E38-555F-4EA0-B20A-B00ED7D09D7E}" dt="2022-01-18T22:56:07.653" v="907" actId="478"/>
-          <ac:cxnSpMkLst>
-            <pc:docMk/>
-            <pc:sldMk cId="1961932492" sldId="260"/>
-            <ac:cxnSpMk id="263" creationId="{7A74E6B1-54D6-49E6-89AC-9207140BF19E}"/>
-          </ac:cxnSpMkLst>
-        </pc:cxnChg>
-        <pc:cxnChg chg="add del mod">
-          <ac:chgData name="Frank Refol" userId="a6401068-e7c9-408d-89d4-c1454776cbbb" providerId="ADAL" clId="{D4077E38-555F-4EA0-B20A-B00ED7D09D7E}" dt="2022-01-18T22:56:55.454" v="919" actId="478"/>
-          <ac:cxnSpMkLst>
-            <pc:docMk/>
-            <pc:sldMk cId="1961932492" sldId="260"/>
-            <ac:cxnSpMk id="265" creationId="{3424A239-A381-410D-873B-3E7B19B39396}"/>
-          </ac:cxnSpMkLst>
-        </pc:cxnChg>
-        <pc:cxnChg chg="add mod">
-          <ac:chgData name="Frank Refol" userId="a6401068-e7c9-408d-89d4-c1454776cbbb" providerId="ADAL" clId="{D4077E38-555F-4EA0-B20A-B00ED7D09D7E}" dt="2022-01-18T22:59:25.962" v="962" actId="164"/>
-          <ac:cxnSpMkLst>
-            <pc:docMk/>
-            <pc:sldMk cId="1961932492" sldId="260"/>
-            <ac:cxnSpMk id="268" creationId="{E104E6DA-F3F1-47B9-8619-E7E9CB49225A}"/>
-          </ac:cxnSpMkLst>
-        </pc:cxnChg>
-        <pc:cxnChg chg="mod topLvl">
-          <ac:chgData name="Frank Refol" userId="a6401068-e7c9-408d-89d4-c1454776cbbb" providerId="ADAL" clId="{D4077E38-555F-4EA0-B20A-B00ED7D09D7E}" dt="2022-01-18T20:00:18.232" v="666" actId="165"/>
-          <ac:cxnSpMkLst>
-            <pc:docMk/>
-            <pc:sldMk cId="1961932492" sldId="260"/>
-            <ac:cxnSpMk id="287" creationId="{7FDA1BAE-4331-4DC7-A0E7-41AF5171E302}"/>
-          </ac:cxnSpMkLst>
-        </pc:cxnChg>
-        <pc:cxnChg chg="mod topLvl">
-          <ac:chgData name="Frank Refol" userId="a6401068-e7c9-408d-89d4-c1454776cbbb" providerId="ADAL" clId="{D4077E38-555F-4EA0-B20A-B00ED7D09D7E}" dt="2022-01-18T20:00:18.232" v="666" actId="165"/>
-          <ac:cxnSpMkLst>
-            <pc:docMk/>
-            <pc:sldMk cId="1961932492" sldId="260"/>
-            <ac:cxnSpMk id="293" creationId="{436F0C47-EC72-4139-85B6-DFBA89E73637}"/>
-          </ac:cxnSpMkLst>
-        </pc:cxnChg>
-        <pc:cxnChg chg="add mod">
-          <ac:chgData name="Frank Refol" userId="a6401068-e7c9-408d-89d4-c1454776cbbb" providerId="ADAL" clId="{D4077E38-555F-4EA0-B20A-B00ED7D09D7E}" dt="2022-01-18T22:59:25.962" v="962" actId="164"/>
-          <ac:cxnSpMkLst>
-            <pc:docMk/>
-            <pc:sldMk cId="1961932492" sldId="260"/>
-            <ac:cxnSpMk id="298" creationId="{E39EA679-A475-4935-869E-67EFD8C58873}"/>
-          </ac:cxnSpMkLst>
-        </pc:cxnChg>
-        <pc:cxnChg chg="mod topLvl">
-          <ac:chgData name="Frank Refol" userId="a6401068-e7c9-408d-89d4-c1454776cbbb" providerId="ADAL" clId="{D4077E38-555F-4EA0-B20A-B00ED7D09D7E}" dt="2022-01-18T20:00:18.232" v="666" actId="165"/>
-          <ac:cxnSpMkLst>
-            <pc:docMk/>
-            <pc:sldMk cId="1961932492" sldId="260"/>
-            <ac:cxnSpMk id="316" creationId="{E6EA09CC-FEFF-44C9-A0A9-3452F06F870E}"/>
-          </ac:cxnSpMkLst>
-        </pc:cxnChg>
-        <pc:cxnChg chg="mod topLvl">
-          <ac:chgData name="Frank Refol" userId="a6401068-e7c9-408d-89d4-c1454776cbbb" providerId="ADAL" clId="{D4077E38-555F-4EA0-B20A-B00ED7D09D7E}" dt="2022-01-18T20:00:27.360" v="669" actId="14100"/>
-          <ac:cxnSpMkLst>
-            <pc:docMk/>
-            <pc:sldMk cId="1961932492" sldId="260"/>
-            <ac:cxnSpMk id="325" creationId="{E63A31B5-4C17-426D-A8F7-132C3EDE3E12}"/>
-          </ac:cxnSpMkLst>
-        </pc:cxnChg>
-        <pc:cxnChg chg="add mod">
-          <ac:chgData name="Frank Refol" userId="a6401068-e7c9-408d-89d4-c1454776cbbb" providerId="ADAL" clId="{D4077E38-555F-4EA0-B20A-B00ED7D09D7E}" dt="2022-01-18T20:03:42.329" v="707" actId="165"/>
-          <ac:cxnSpMkLst>
-            <pc:docMk/>
-            <pc:sldMk cId="1961932492" sldId="260"/>
-            <ac:cxnSpMk id="410" creationId="{48ABFC76-29CA-472C-A650-6F58F5AC0C49}"/>
-          </ac:cxnSpMkLst>
-        </pc:cxnChg>
-        <pc:cxnChg chg="add mod">
-          <ac:chgData name="Frank Refol" userId="a6401068-e7c9-408d-89d4-c1454776cbbb" providerId="ADAL" clId="{D4077E38-555F-4EA0-B20A-B00ED7D09D7E}" dt="2022-01-18T20:03:42.329" v="707" actId="165"/>
-          <ac:cxnSpMkLst>
-            <pc:docMk/>
-            <pc:sldMk cId="1961932492" sldId="260"/>
-            <ac:cxnSpMk id="411" creationId="{0E9A833F-D27B-44A2-88E7-33F223CFC0E0}"/>
-          </ac:cxnSpMkLst>
-        </pc:cxnChg>
-        <pc:cxnChg chg="add mod">
-          <ac:chgData name="Frank Refol" userId="a6401068-e7c9-408d-89d4-c1454776cbbb" providerId="ADAL" clId="{D4077E38-555F-4EA0-B20A-B00ED7D09D7E}" dt="2022-01-18T20:03:42.329" v="707" actId="165"/>
-          <ac:cxnSpMkLst>
-            <pc:docMk/>
-            <pc:sldMk cId="1961932492" sldId="260"/>
-            <ac:cxnSpMk id="412" creationId="{2315AF95-2E64-4924-B5D0-6DEC7EB507FD}"/>
-          </ac:cxnSpMkLst>
-        </pc:cxnChg>
-        <pc:cxnChg chg="add mod">
-          <ac:chgData name="Frank Refol" userId="a6401068-e7c9-408d-89d4-c1454776cbbb" providerId="ADAL" clId="{D4077E38-555F-4EA0-B20A-B00ED7D09D7E}" dt="2022-01-18T20:03:42.329" v="707" actId="165"/>
-          <ac:cxnSpMkLst>
-            <pc:docMk/>
-            <pc:sldMk cId="1961932492" sldId="260"/>
-            <ac:cxnSpMk id="413" creationId="{BE815005-333B-4E64-B80C-3F57422C01D9}"/>
-          </ac:cxnSpMkLst>
-        </pc:cxnChg>
-        <pc:cxnChg chg="add mod">
-          <ac:chgData name="Frank Refol" userId="a6401068-e7c9-408d-89d4-c1454776cbbb" providerId="ADAL" clId="{D4077E38-555F-4EA0-B20A-B00ED7D09D7E}" dt="2022-01-18T20:03:42.329" v="707" actId="165"/>
-          <ac:cxnSpMkLst>
-            <pc:docMk/>
-            <pc:sldMk cId="1961932492" sldId="260"/>
-            <ac:cxnSpMk id="414" creationId="{81284A73-4C91-455B-BF68-684A69FF7184}"/>
-          </ac:cxnSpMkLst>
-        </pc:cxnChg>
-        <pc:cxnChg chg="mod topLvl">
-          <ac:chgData name="Frank Refol" userId="a6401068-e7c9-408d-89d4-c1454776cbbb" providerId="ADAL" clId="{D4077E38-555F-4EA0-B20A-B00ED7D09D7E}" dt="2022-01-18T17:30:55.536" v="67" actId="164"/>
-          <ac:cxnSpMkLst>
-            <pc:docMk/>
-            <pc:sldMk cId="1961932492" sldId="260"/>
-            <ac:cxnSpMk id="417" creationId="{B8A4340F-1627-459B-A686-7EBF6D7D56D4}"/>
-          </ac:cxnSpMkLst>
-        </pc:cxnChg>
-        <pc:cxnChg chg="mod topLvl">
-          <ac:chgData name="Frank Refol" userId="a6401068-e7c9-408d-89d4-c1454776cbbb" providerId="ADAL" clId="{D4077E38-555F-4EA0-B20A-B00ED7D09D7E}" dt="2022-01-18T17:30:55.536" v="67" actId="164"/>
-          <ac:cxnSpMkLst>
-            <pc:docMk/>
-            <pc:sldMk cId="1961932492" sldId="260"/>
-            <ac:cxnSpMk id="418" creationId="{8E4FDF4E-0285-4AE6-BA4A-3F877DC087CD}"/>
-          </ac:cxnSpMkLst>
-        </pc:cxnChg>
-        <pc:cxnChg chg="mod topLvl">
-          <ac:chgData name="Frank Refol" userId="a6401068-e7c9-408d-89d4-c1454776cbbb" providerId="ADAL" clId="{D4077E38-555F-4EA0-B20A-B00ED7D09D7E}" dt="2022-01-18T17:30:55.536" v="67" actId="164"/>
-          <ac:cxnSpMkLst>
-            <pc:docMk/>
-            <pc:sldMk cId="1961932492" sldId="260"/>
-            <ac:cxnSpMk id="419" creationId="{ADA4AF63-2D48-4124-9F48-CE96AB315C3D}"/>
-          </ac:cxnSpMkLst>
-        </pc:cxnChg>
-        <pc:cxnChg chg="mod topLvl">
-          <ac:chgData name="Frank Refol" userId="a6401068-e7c9-408d-89d4-c1454776cbbb" providerId="ADAL" clId="{D4077E38-555F-4EA0-B20A-B00ED7D09D7E}" dt="2022-01-18T17:30:55.536" v="67" actId="164"/>
-          <ac:cxnSpMkLst>
-            <pc:docMk/>
-            <pc:sldMk cId="1961932492" sldId="260"/>
-            <ac:cxnSpMk id="420" creationId="{787F8160-627C-472F-9970-DC7CDABE3EB7}"/>
-          </ac:cxnSpMkLst>
-        </pc:cxnChg>
-        <pc:cxnChg chg="mod topLvl">
-          <ac:chgData name="Frank Refol" userId="a6401068-e7c9-408d-89d4-c1454776cbbb" providerId="ADAL" clId="{D4077E38-555F-4EA0-B20A-B00ED7D09D7E}" dt="2022-01-18T17:30:55.536" v="67" actId="164"/>
-          <ac:cxnSpMkLst>
-            <pc:docMk/>
-            <pc:sldMk cId="1961932492" sldId="260"/>
-            <ac:cxnSpMk id="421" creationId="{6779667A-8AB1-4A8A-8007-0B9BAB90F26E}"/>
-          </ac:cxnSpMkLst>
-        </pc:cxnChg>
-        <pc:cxnChg chg="mod topLvl">
-          <ac:chgData name="Frank Refol" userId="a6401068-e7c9-408d-89d4-c1454776cbbb" providerId="ADAL" clId="{D4077E38-555F-4EA0-B20A-B00ED7D09D7E}" dt="2022-01-18T17:30:55.536" v="67" actId="164"/>
-          <ac:cxnSpMkLst>
-            <pc:docMk/>
-            <pc:sldMk cId="1961932492" sldId="260"/>
-            <ac:cxnSpMk id="422" creationId="{C529C271-D536-4816-9373-F24F1C614451}"/>
-          </ac:cxnSpMkLst>
-        </pc:cxnChg>
-        <pc:cxnChg chg="mod">
-          <ac:chgData name="Frank Refol" userId="a6401068-e7c9-408d-89d4-c1454776cbbb" providerId="ADAL" clId="{D4077E38-555F-4EA0-B20A-B00ED7D09D7E}" dt="2022-01-18T17:29:36.954" v="48"/>
-          <ac:cxnSpMkLst>
-            <pc:docMk/>
-            <pc:sldMk cId="1961932492" sldId="260"/>
-            <ac:cxnSpMk id="425" creationId="{ED93578F-80C2-4CFA-A08D-6961AADD2744}"/>
-          </ac:cxnSpMkLst>
-        </pc:cxnChg>
-        <pc:cxnChg chg="mod">
-          <ac:chgData name="Frank Refol" userId="a6401068-e7c9-408d-89d4-c1454776cbbb" providerId="ADAL" clId="{D4077E38-555F-4EA0-B20A-B00ED7D09D7E}" dt="2022-01-18T17:29:36.954" v="48"/>
-          <ac:cxnSpMkLst>
-            <pc:docMk/>
-            <pc:sldMk cId="1961932492" sldId="260"/>
-            <ac:cxnSpMk id="426" creationId="{55FB8BB9-5220-4A6F-ADC2-7A42B55FC3B4}"/>
-          </ac:cxnSpMkLst>
-        </pc:cxnChg>
-        <pc:cxnChg chg="mod">
-          <ac:chgData name="Frank Refol" userId="a6401068-e7c9-408d-89d4-c1454776cbbb" providerId="ADAL" clId="{D4077E38-555F-4EA0-B20A-B00ED7D09D7E}" dt="2022-01-18T17:29:36.954" v="48"/>
-          <ac:cxnSpMkLst>
-            <pc:docMk/>
-            <pc:sldMk cId="1961932492" sldId="260"/>
-            <ac:cxnSpMk id="427" creationId="{00DA7386-7920-4AD5-8586-75C26B742DF2}"/>
-          </ac:cxnSpMkLst>
-        </pc:cxnChg>
-        <pc:cxnChg chg="mod">
-          <ac:chgData name="Frank Refol" userId="a6401068-e7c9-408d-89d4-c1454776cbbb" providerId="ADAL" clId="{D4077E38-555F-4EA0-B20A-B00ED7D09D7E}" dt="2022-01-18T17:29:36.954" v="48"/>
-          <ac:cxnSpMkLst>
-            <pc:docMk/>
-            <pc:sldMk cId="1961932492" sldId="260"/>
-            <ac:cxnSpMk id="428" creationId="{5F0EF187-451C-49A1-A8BA-699A0121A8F6}"/>
-          </ac:cxnSpMkLst>
-        </pc:cxnChg>
-        <pc:cxnChg chg="mod">
-          <ac:chgData name="Frank Refol" userId="a6401068-e7c9-408d-89d4-c1454776cbbb" providerId="ADAL" clId="{D4077E38-555F-4EA0-B20A-B00ED7D09D7E}" dt="2022-01-18T17:29:36.954" v="48"/>
-          <ac:cxnSpMkLst>
-            <pc:docMk/>
-            <pc:sldMk cId="1961932492" sldId="260"/>
-            <ac:cxnSpMk id="429" creationId="{118CFB42-B6E6-4575-9E93-D0A480361BFB}"/>
-          </ac:cxnSpMkLst>
-        </pc:cxnChg>
-        <pc:cxnChg chg="mod">
-          <ac:chgData name="Frank Refol" userId="a6401068-e7c9-408d-89d4-c1454776cbbb" providerId="ADAL" clId="{D4077E38-555F-4EA0-B20A-B00ED7D09D7E}" dt="2022-01-18T17:29:36.954" v="48"/>
-          <ac:cxnSpMkLst>
-            <pc:docMk/>
-            <pc:sldMk cId="1961932492" sldId="260"/>
-            <ac:cxnSpMk id="430" creationId="{E6BCA32F-B19C-4509-9AC1-1E55432FC55F}"/>
-          </ac:cxnSpMkLst>
-        </pc:cxnChg>
-        <pc:cxnChg chg="mod">
-          <ac:chgData name="Frank Refol" userId="a6401068-e7c9-408d-89d4-c1454776cbbb" providerId="ADAL" clId="{D4077E38-555F-4EA0-B20A-B00ED7D09D7E}" dt="2022-01-18T17:30:02.033" v="55"/>
-          <ac:cxnSpMkLst>
-            <pc:docMk/>
-            <pc:sldMk cId="1961932492" sldId="260"/>
-            <ac:cxnSpMk id="434" creationId="{E115A722-5439-469E-9A07-C5C77205F286}"/>
-          </ac:cxnSpMkLst>
-        </pc:cxnChg>
-        <pc:cxnChg chg="mod">
-          <ac:chgData name="Frank Refol" userId="a6401068-e7c9-408d-89d4-c1454776cbbb" providerId="ADAL" clId="{D4077E38-555F-4EA0-B20A-B00ED7D09D7E}" dt="2022-01-18T17:30:02.033" v="55"/>
-          <ac:cxnSpMkLst>
-            <pc:docMk/>
-            <pc:sldMk cId="1961932492" sldId="260"/>
-            <ac:cxnSpMk id="435" creationId="{9307CEC7-B3BD-4D06-AF7E-CADAA6CFAD59}"/>
-          </ac:cxnSpMkLst>
-        </pc:cxnChg>
-        <pc:cxnChg chg="mod">
-          <ac:chgData name="Frank Refol" userId="a6401068-e7c9-408d-89d4-c1454776cbbb" providerId="ADAL" clId="{D4077E38-555F-4EA0-B20A-B00ED7D09D7E}" dt="2022-01-18T17:30:02.033" v="55"/>
-          <ac:cxnSpMkLst>
-            <pc:docMk/>
-            <pc:sldMk cId="1961932492" sldId="260"/>
-            <ac:cxnSpMk id="436" creationId="{A85519AE-F121-4E67-A131-0DE8DE6BF03E}"/>
-          </ac:cxnSpMkLst>
-        </pc:cxnChg>
-        <pc:cxnChg chg="mod">
-          <ac:chgData name="Frank Refol" userId="a6401068-e7c9-408d-89d4-c1454776cbbb" providerId="ADAL" clId="{D4077E38-555F-4EA0-B20A-B00ED7D09D7E}" dt="2022-01-18T17:30:02.033" v="55"/>
-          <ac:cxnSpMkLst>
-            <pc:docMk/>
-            <pc:sldMk cId="1961932492" sldId="260"/>
-            <ac:cxnSpMk id="437" creationId="{A9DFFCC5-FBB9-477F-92F9-BC8D07C4CEEA}"/>
-          </ac:cxnSpMkLst>
-        </pc:cxnChg>
-        <pc:cxnChg chg="mod">
-          <ac:chgData name="Frank Refol" userId="a6401068-e7c9-408d-89d4-c1454776cbbb" providerId="ADAL" clId="{D4077E38-555F-4EA0-B20A-B00ED7D09D7E}" dt="2022-01-18T17:30:02.033" v="55"/>
-          <ac:cxnSpMkLst>
-            <pc:docMk/>
-            <pc:sldMk cId="1961932492" sldId="260"/>
-            <ac:cxnSpMk id="438" creationId="{C0E311DF-9822-4CF5-B9A0-53805ECEA5AD}"/>
-          </ac:cxnSpMkLst>
-        </pc:cxnChg>
-        <pc:cxnChg chg="mod">
-          <ac:chgData name="Frank Refol" userId="a6401068-e7c9-408d-89d4-c1454776cbbb" providerId="ADAL" clId="{D4077E38-555F-4EA0-B20A-B00ED7D09D7E}" dt="2022-01-18T17:30:02.033" v="55"/>
-          <ac:cxnSpMkLst>
-            <pc:docMk/>
-            <pc:sldMk cId="1961932492" sldId="260"/>
-            <ac:cxnSpMk id="439" creationId="{CCA6244E-0246-4743-8A75-2A0303C75A4C}"/>
-          </ac:cxnSpMkLst>
-        </pc:cxnChg>
-        <pc:cxnChg chg="del mod topLvl">
-          <ac:chgData name="Frank Refol" userId="a6401068-e7c9-408d-89d4-c1454776cbbb" providerId="ADAL" clId="{D4077E38-555F-4EA0-B20A-B00ED7D09D7E}" dt="2022-01-18T18:09:56.863" v="514" actId="478"/>
-          <ac:cxnSpMkLst>
-            <pc:docMk/>
-            <pc:sldMk cId="1961932492" sldId="260"/>
-            <ac:cxnSpMk id="442" creationId="{A96426DF-F3DA-47F5-8B23-00BCC4AA3725}"/>
-          </ac:cxnSpMkLst>
-        </pc:cxnChg>
-        <pc:cxnChg chg="del mod topLvl">
-          <ac:chgData name="Frank Refol" userId="a6401068-e7c9-408d-89d4-c1454776cbbb" providerId="ADAL" clId="{D4077E38-555F-4EA0-B20A-B00ED7D09D7E}" dt="2022-01-18T18:09:57.714" v="515" actId="478"/>
-          <ac:cxnSpMkLst>
-            <pc:docMk/>
-            <pc:sldMk cId="1961932492" sldId="260"/>
-            <ac:cxnSpMk id="443" creationId="{F7FCAE3A-2600-44C5-906C-F34435FAFF77}"/>
-          </ac:cxnSpMkLst>
-        </pc:cxnChg>
-        <pc:cxnChg chg="del mod topLvl">
-          <ac:chgData name="Frank Refol" userId="a6401068-e7c9-408d-89d4-c1454776cbbb" providerId="ADAL" clId="{D4077E38-555F-4EA0-B20A-B00ED7D09D7E}" dt="2022-01-18T18:09:58.436" v="516" actId="478"/>
-          <ac:cxnSpMkLst>
-            <pc:docMk/>
-            <pc:sldMk cId="1961932492" sldId="260"/>
-            <ac:cxnSpMk id="444" creationId="{855454EB-4E11-495C-8F3A-8CC015EFCADE}"/>
-          </ac:cxnSpMkLst>
-        </pc:cxnChg>
-        <pc:cxnChg chg="del mod topLvl">
-          <ac:chgData name="Frank Refol" userId="a6401068-e7c9-408d-89d4-c1454776cbbb" providerId="ADAL" clId="{D4077E38-555F-4EA0-B20A-B00ED7D09D7E}" dt="2022-01-18T18:09:59.393" v="517" actId="478"/>
-          <ac:cxnSpMkLst>
-            <pc:docMk/>
-            <pc:sldMk cId="1961932492" sldId="260"/>
-            <ac:cxnSpMk id="445" creationId="{4461B8FD-9079-42E6-8E9B-9E026F3604B9}"/>
-          </ac:cxnSpMkLst>
-        </pc:cxnChg>
-        <pc:cxnChg chg="del mod topLvl">
-          <ac:chgData name="Frank Refol" userId="a6401068-e7c9-408d-89d4-c1454776cbbb" providerId="ADAL" clId="{D4077E38-555F-4EA0-B20A-B00ED7D09D7E}" dt="2022-01-18T18:10:01.321" v="519" actId="478"/>
-          <ac:cxnSpMkLst>
-            <pc:docMk/>
-            <pc:sldMk cId="1961932492" sldId="260"/>
-            <ac:cxnSpMk id="446" creationId="{D36220AF-4DAB-4567-B03D-9E61A417A3CC}"/>
-          </ac:cxnSpMkLst>
-        </pc:cxnChg>
-        <pc:cxnChg chg="del mod topLvl">
-          <ac:chgData name="Frank Refol" userId="a6401068-e7c9-408d-89d4-c1454776cbbb" providerId="ADAL" clId="{D4077E38-555F-4EA0-B20A-B00ED7D09D7E}" dt="2022-01-18T18:10:00.704" v="518" actId="478"/>
-          <ac:cxnSpMkLst>
-            <pc:docMk/>
-            <pc:sldMk cId="1961932492" sldId="260"/>
-            <ac:cxnSpMk id="447" creationId="{387877E1-BFF7-4D8A-973B-68ABB97A188C}"/>
-          </ac:cxnSpMkLst>
-        </pc:cxnChg>
-        <pc:cxnChg chg="del mod topLvl">
-          <ac:chgData name="Frank Refol" userId="a6401068-e7c9-408d-89d4-c1454776cbbb" providerId="ADAL" clId="{D4077E38-555F-4EA0-B20A-B00ED7D09D7E}" dt="2022-01-18T20:01:35.978" v="680" actId="478"/>
-          <ac:cxnSpMkLst>
-            <pc:docMk/>
-            <pc:sldMk cId="1961932492" sldId="260"/>
-            <ac:cxnSpMk id="458" creationId="{3042F048-BACC-4D5F-B2F6-8215DD84B244}"/>
-          </ac:cxnSpMkLst>
-        </pc:cxnChg>
-        <pc:cxnChg chg="del mod topLvl">
-          <ac:chgData name="Frank Refol" userId="a6401068-e7c9-408d-89d4-c1454776cbbb" providerId="ADAL" clId="{D4077E38-555F-4EA0-B20A-B00ED7D09D7E}" dt="2022-01-18T20:01:35.978" v="680" actId="478"/>
-          <ac:cxnSpMkLst>
-            <pc:docMk/>
-            <pc:sldMk cId="1961932492" sldId="260"/>
-            <ac:cxnSpMk id="459" creationId="{00BD1E87-5A6A-4054-A622-C27CFA7C89EA}"/>
-          </ac:cxnSpMkLst>
-        </pc:cxnChg>
-        <pc:cxnChg chg="del mod topLvl">
-          <ac:chgData name="Frank Refol" userId="a6401068-e7c9-408d-89d4-c1454776cbbb" providerId="ADAL" clId="{D4077E38-555F-4EA0-B20A-B00ED7D09D7E}" dt="2022-01-18T20:01:35.978" v="680" actId="478"/>
-          <ac:cxnSpMkLst>
-            <pc:docMk/>
-            <pc:sldMk cId="1961932492" sldId="260"/>
-            <ac:cxnSpMk id="460" creationId="{581F6CAA-4AB2-4731-9FD6-6CD6BC102EAA}"/>
-          </ac:cxnSpMkLst>
-        </pc:cxnChg>
-        <pc:cxnChg chg="del mod topLvl">
-          <ac:chgData name="Frank Refol" userId="a6401068-e7c9-408d-89d4-c1454776cbbb" providerId="ADAL" clId="{D4077E38-555F-4EA0-B20A-B00ED7D09D7E}" dt="2022-01-18T20:01:35.978" v="680" actId="478"/>
-          <ac:cxnSpMkLst>
-            <pc:docMk/>
-            <pc:sldMk cId="1961932492" sldId="260"/>
-            <ac:cxnSpMk id="461" creationId="{B0FD990B-2587-480B-A4D7-712E8552DFAC}"/>
-          </ac:cxnSpMkLst>
-        </pc:cxnChg>
-        <pc:cxnChg chg="del mod topLvl">
-          <ac:chgData name="Frank Refol" userId="a6401068-e7c9-408d-89d4-c1454776cbbb" providerId="ADAL" clId="{D4077E38-555F-4EA0-B20A-B00ED7D09D7E}" dt="2022-01-18T20:01:35.978" v="680" actId="478"/>
-          <ac:cxnSpMkLst>
-            <pc:docMk/>
-            <pc:sldMk cId="1961932492" sldId="260"/>
-            <ac:cxnSpMk id="462" creationId="{44491842-AE0B-4C3B-94D2-80342B1A1558}"/>
-          </ac:cxnSpMkLst>
-        </pc:cxnChg>
-        <pc:cxnChg chg="del mod topLvl">
-          <ac:chgData name="Frank Refol" userId="a6401068-e7c9-408d-89d4-c1454776cbbb" providerId="ADAL" clId="{D4077E38-555F-4EA0-B20A-B00ED7D09D7E}" dt="2022-01-18T20:01:35.978" v="680" actId="478"/>
-          <ac:cxnSpMkLst>
-            <pc:docMk/>
-            <pc:sldMk cId="1961932492" sldId="260"/>
-            <ac:cxnSpMk id="463" creationId="{56D8E3F0-3C79-4A1F-A880-6FA8A920F617}"/>
-          </ac:cxnSpMkLst>
-        </pc:cxnChg>
-        <pc:cxnChg chg="add del mod">
-          <ac:chgData name="Frank Refol" userId="a6401068-e7c9-408d-89d4-c1454776cbbb" providerId="ADAL" clId="{D4077E38-555F-4EA0-B20A-B00ED7D09D7E}" dt="2022-01-18T18:01:50.957" v="400" actId="478"/>
-          <ac:cxnSpMkLst>
-            <pc:docMk/>
-            <pc:sldMk cId="1961932492" sldId="260"/>
-            <ac:cxnSpMk id="487" creationId="{3589D1ED-CC79-4132-B940-43DD3AF1E84E}"/>
-          </ac:cxnSpMkLst>
-        </pc:cxnChg>
-        <pc:cxnChg chg="add mod topLvl">
-          <ac:chgData name="Frank Refol" userId="a6401068-e7c9-408d-89d4-c1454776cbbb" providerId="ADAL" clId="{D4077E38-555F-4EA0-B20A-B00ED7D09D7E}" dt="2022-01-18T20:04:33.169" v="722" actId="165"/>
-          <ac:cxnSpMkLst>
-            <pc:docMk/>
-            <pc:sldMk cId="1961932492" sldId="260"/>
-            <ac:cxnSpMk id="488" creationId="{B6ADD686-F76B-4423-8ACC-6A642C6A0311}"/>
-          </ac:cxnSpMkLst>
-        </pc:cxnChg>
-        <pc:cxnChg chg="add del mod">
-          <ac:chgData name="Frank Refol" userId="a6401068-e7c9-408d-89d4-c1454776cbbb" providerId="ADAL" clId="{D4077E38-555F-4EA0-B20A-B00ED7D09D7E}" dt="2022-01-18T18:01:53.892" v="403" actId="478"/>
-          <ac:cxnSpMkLst>
-            <pc:docMk/>
-            <pc:sldMk cId="1961932492" sldId="260"/>
-            <ac:cxnSpMk id="489" creationId="{9EDE4A01-91EA-4A2D-8901-95D221B4DE33}"/>
-          </ac:cxnSpMkLst>
-        </pc:cxnChg>
-        <pc:cxnChg chg="add del mod">
-          <ac:chgData name="Frank Refol" userId="a6401068-e7c9-408d-89d4-c1454776cbbb" providerId="ADAL" clId="{D4077E38-555F-4EA0-B20A-B00ED7D09D7E}" dt="2022-01-18T18:01:51.777" v="401" actId="478"/>
-          <ac:cxnSpMkLst>
-            <pc:docMk/>
-            <pc:sldMk cId="1961932492" sldId="260"/>
-            <ac:cxnSpMk id="490" creationId="{91CAE730-195D-4C9A-8D77-D70ABF6C3138}"/>
-          </ac:cxnSpMkLst>
-        </pc:cxnChg>
-        <pc:cxnChg chg="add del mod">
-          <ac:chgData name="Frank Refol" userId="a6401068-e7c9-408d-89d4-c1454776cbbb" providerId="ADAL" clId="{D4077E38-555F-4EA0-B20A-B00ED7D09D7E}" dt="2022-01-18T18:01:52.891" v="402" actId="478"/>
-          <ac:cxnSpMkLst>
-            <pc:docMk/>
-            <pc:sldMk cId="1961932492" sldId="260"/>
-            <ac:cxnSpMk id="491" creationId="{0F463946-457A-4D09-953F-A8C200A667BA}"/>
-          </ac:cxnSpMkLst>
-        </pc:cxnChg>
-        <pc:cxnChg chg="add mod topLvl">
-          <ac:chgData name="Frank Refol" userId="a6401068-e7c9-408d-89d4-c1454776cbbb" providerId="ADAL" clId="{D4077E38-555F-4EA0-B20A-B00ED7D09D7E}" dt="2022-01-18T20:04:33.169" v="722" actId="165"/>
-          <ac:cxnSpMkLst>
-            <pc:docMk/>
-            <pc:sldMk cId="1961932492" sldId="260"/>
-            <ac:cxnSpMk id="492" creationId="{5788CC63-FBDB-4263-BC20-60C18DF306D9}"/>
-          </ac:cxnSpMkLst>
-        </pc:cxnChg>
-        <pc:cxnChg chg="add mod topLvl">
-          <ac:chgData name="Frank Refol" userId="a6401068-e7c9-408d-89d4-c1454776cbbb" providerId="ADAL" clId="{D4077E38-555F-4EA0-B20A-B00ED7D09D7E}" dt="2022-01-18T20:04:33.169" v="722" actId="165"/>
-          <ac:cxnSpMkLst>
-            <pc:docMk/>
-            <pc:sldMk cId="1961932492" sldId="260"/>
-            <ac:cxnSpMk id="493" creationId="{5A4C520A-201B-4979-8F48-A8E20A8D5363}"/>
-          </ac:cxnSpMkLst>
-        </pc:cxnChg>
-        <pc:cxnChg chg="add del mod">
-          <ac:chgData name="Frank Refol" userId="a6401068-e7c9-408d-89d4-c1454776cbbb" providerId="ADAL" clId="{D4077E38-555F-4EA0-B20A-B00ED7D09D7E}" dt="2022-01-18T18:02:21.991" v="412" actId="478"/>
-          <ac:cxnSpMkLst>
-            <pc:docMk/>
-            <pc:sldMk cId="1961932492" sldId="260"/>
-            <ac:cxnSpMk id="494" creationId="{04264794-A657-4FDC-B87A-1FE06CF391F5}"/>
-          </ac:cxnSpMkLst>
-        </pc:cxnChg>
-        <pc:cxnChg chg="add del mod">
-          <ac:chgData name="Frank Refol" userId="a6401068-e7c9-408d-89d4-c1454776cbbb" providerId="ADAL" clId="{D4077E38-555F-4EA0-B20A-B00ED7D09D7E}" dt="2022-01-18T18:02:21.991" v="412" actId="478"/>
-          <ac:cxnSpMkLst>
-            <pc:docMk/>
-            <pc:sldMk cId="1961932492" sldId="260"/>
-            <ac:cxnSpMk id="495" creationId="{EB43582C-0F5C-42D9-93A9-ED8922EF08DF}"/>
-          </ac:cxnSpMkLst>
-        </pc:cxnChg>
-        <pc:cxnChg chg="add del mod">
-          <ac:chgData name="Frank Refol" userId="a6401068-e7c9-408d-89d4-c1454776cbbb" providerId="ADAL" clId="{D4077E38-555F-4EA0-B20A-B00ED7D09D7E}" dt="2022-01-18T18:02:21.991" v="412" actId="478"/>
-          <ac:cxnSpMkLst>
-            <pc:docMk/>
-            <pc:sldMk cId="1961932492" sldId="260"/>
-            <ac:cxnSpMk id="496" creationId="{AF8CFBD0-10BA-4963-A6D0-A1849BA10822}"/>
-          </ac:cxnSpMkLst>
-        </pc:cxnChg>
-        <pc:cxnChg chg="add mod topLvl">
-          <ac:chgData name="Frank Refol" userId="a6401068-e7c9-408d-89d4-c1454776cbbb" providerId="ADAL" clId="{D4077E38-555F-4EA0-B20A-B00ED7D09D7E}" dt="2022-01-18T20:04:33.169" v="722" actId="165"/>
-          <ac:cxnSpMkLst>
-            <pc:docMk/>
-            <pc:sldMk cId="1961932492" sldId="260"/>
-            <ac:cxnSpMk id="497" creationId="{65AA9632-2647-4271-A775-5C8FC78D4F45}"/>
-          </ac:cxnSpMkLst>
-        </pc:cxnChg>
-        <pc:cxnChg chg="add mod topLvl">
-          <ac:chgData name="Frank Refol" userId="a6401068-e7c9-408d-89d4-c1454776cbbb" providerId="ADAL" clId="{D4077E38-555F-4EA0-B20A-B00ED7D09D7E}" dt="2022-01-18T20:04:33.169" v="722" actId="165"/>
-          <ac:cxnSpMkLst>
-            <pc:docMk/>
-            <pc:sldMk cId="1961932492" sldId="260"/>
-            <ac:cxnSpMk id="498" creationId="{4BFFE921-A166-4F0B-8050-73372985A06A}"/>
-          </ac:cxnSpMkLst>
-        </pc:cxnChg>
-        <pc:cxnChg chg="add mod topLvl">
-          <ac:chgData name="Frank Refol" userId="a6401068-e7c9-408d-89d4-c1454776cbbb" providerId="ADAL" clId="{D4077E38-555F-4EA0-B20A-B00ED7D09D7E}" dt="2022-01-18T20:04:33.169" v="722" actId="165"/>
-          <ac:cxnSpMkLst>
-            <pc:docMk/>
-            <pc:sldMk cId="1961932492" sldId="260"/>
-            <ac:cxnSpMk id="499" creationId="{D1F8E440-E959-47BA-AE61-E77058C5CE9D}"/>
-          </ac:cxnSpMkLst>
-        </pc:cxnChg>
-        <pc:cxnChg chg="add mod topLvl">
-          <ac:chgData name="Frank Refol" userId="a6401068-e7c9-408d-89d4-c1454776cbbb" providerId="ADAL" clId="{D4077E38-555F-4EA0-B20A-B00ED7D09D7E}" dt="2022-01-18T20:04:33.169" v="722" actId="165"/>
-          <ac:cxnSpMkLst>
-            <pc:docMk/>
-            <pc:sldMk cId="1961932492" sldId="260"/>
-            <ac:cxnSpMk id="500" creationId="{47551F2B-0470-4267-9B6C-64A98FB65563}"/>
-          </ac:cxnSpMkLst>
-        </pc:cxnChg>
-        <pc:cxnChg chg="add mod topLvl">
-          <ac:chgData name="Frank Refol" userId="a6401068-e7c9-408d-89d4-c1454776cbbb" providerId="ADAL" clId="{D4077E38-555F-4EA0-B20A-B00ED7D09D7E}" dt="2022-01-18T20:04:33.169" v="722" actId="165"/>
-          <ac:cxnSpMkLst>
-            <pc:docMk/>
-            <pc:sldMk cId="1961932492" sldId="260"/>
-            <ac:cxnSpMk id="501" creationId="{60B211DA-943D-4420-A935-6DA4165E14ED}"/>
-          </ac:cxnSpMkLst>
-        </pc:cxnChg>
-        <pc:cxnChg chg="add mod topLvl">
-          <ac:chgData name="Frank Refol" userId="a6401068-e7c9-408d-89d4-c1454776cbbb" providerId="ADAL" clId="{D4077E38-555F-4EA0-B20A-B00ED7D09D7E}" dt="2022-01-18T20:04:33.169" v="722" actId="165"/>
-          <ac:cxnSpMkLst>
-            <pc:docMk/>
-            <pc:sldMk cId="1961932492" sldId="260"/>
-            <ac:cxnSpMk id="502" creationId="{51B34805-7D1F-4922-ABBF-B4F9FD2BCADF}"/>
-          </ac:cxnSpMkLst>
-        </pc:cxnChg>
-        <pc:cxnChg chg="mod">
-          <ac:chgData name="Frank Refol" userId="a6401068-e7c9-408d-89d4-c1454776cbbb" providerId="ADAL" clId="{D4077E38-555F-4EA0-B20A-B00ED7D09D7E}" dt="2022-01-18T18:16:09.676" v="592" actId="165"/>
-          <ac:cxnSpMkLst>
-            <pc:docMk/>
-            <pc:sldMk cId="1961932492" sldId="260"/>
-            <ac:cxnSpMk id="514" creationId="{C36EAC42-7EE5-4B71-B51B-2AFA2A3F5AAF}"/>
-          </ac:cxnSpMkLst>
-        </pc:cxnChg>
-        <pc:cxnChg chg="mod">
-          <ac:chgData name="Frank Refol" userId="a6401068-e7c9-408d-89d4-c1454776cbbb" providerId="ADAL" clId="{D4077E38-555F-4EA0-B20A-B00ED7D09D7E}" dt="2022-01-18T18:16:09.676" v="592" actId="165"/>
-          <ac:cxnSpMkLst>
-            <pc:docMk/>
-            <pc:sldMk cId="1961932492" sldId="260"/>
-            <ac:cxnSpMk id="515" creationId="{82090491-C9A6-4950-8804-0B00FCDFEED0}"/>
-          </ac:cxnSpMkLst>
-        </pc:cxnChg>
-        <pc:cxnChg chg="mod">
-          <ac:chgData name="Frank Refol" userId="a6401068-e7c9-408d-89d4-c1454776cbbb" providerId="ADAL" clId="{D4077E38-555F-4EA0-B20A-B00ED7D09D7E}" dt="2022-01-18T18:16:09.676" v="592" actId="165"/>
-          <ac:cxnSpMkLst>
-            <pc:docMk/>
-            <pc:sldMk cId="1961932492" sldId="260"/>
-            <ac:cxnSpMk id="516" creationId="{4BD19851-7FA3-4357-B315-21413AE7B1D6}"/>
-          </ac:cxnSpMkLst>
-        </pc:cxnChg>
-        <pc:cxnChg chg="mod">
-          <ac:chgData name="Frank Refol" userId="a6401068-e7c9-408d-89d4-c1454776cbbb" providerId="ADAL" clId="{D4077E38-555F-4EA0-B20A-B00ED7D09D7E}" dt="2022-01-18T18:16:09.676" v="592" actId="165"/>
-          <ac:cxnSpMkLst>
-            <pc:docMk/>
-            <pc:sldMk cId="1961932492" sldId="260"/>
-            <ac:cxnSpMk id="517" creationId="{2FCF5A57-2F42-4F27-BA54-FBC32C753FEB}"/>
-          </ac:cxnSpMkLst>
-        </pc:cxnChg>
-        <pc:cxnChg chg="mod">
-          <ac:chgData name="Frank Refol" userId="a6401068-e7c9-408d-89d4-c1454776cbbb" providerId="ADAL" clId="{D4077E38-555F-4EA0-B20A-B00ED7D09D7E}" dt="2022-01-18T18:16:09.676" v="592" actId="165"/>
-          <ac:cxnSpMkLst>
-            <pc:docMk/>
-            <pc:sldMk cId="1961932492" sldId="260"/>
-            <ac:cxnSpMk id="518" creationId="{3E3AC50D-81A6-484C-AD73-1FCA6958F010}"/>
-          </ac:cxnSpMkLst>
-        </pc:cxnChg>
-        <pc:cxnChg chg="mod">
-          <ac:chgData name="Frank Refol" userId="a6401068-e7c9-408d-89d4-c1454776cbbb" providerId="ADAL" clId="{D4077E38-555F-4EA0-B20A-B00ED7D09D7E}" dt="2022-01-18T18:16:09.676" v="592" actId="165"/>
-          <ac:cxnSpMkLst>
-            <pc:docMk/>
-            <pc:sldMk cId="1961932492" sldId="260"/>
-            <ac:cxnSpMk id="519" creationId="{01284089-9196-4ADB-8C19-109EC3CA9030}"/>
-          </ac:cxnSpMkLst>
-        </pc:cxnChg>
-        <pc:cxnChg chg="mod">
-          <ac:chgData name="Frank Refol" userId="a6401068-e7c9-408d-89d4-c1454776cbbb" providerId="ADAL" clId="{D4077E38-555F-4EA0-B20A-B00ED7D09D7E}" dt="2022-01-18T18:16:39.444" v="599" actId="165"/>
-          <ac:cxnSpMkLst>
-            <pc:docMk/>
-            <pc:sldMk cId="1961932492" sldId="260"/>
-            <ac:cxnSpMk id="528" creationId="{208F3DDA-CAE9-4AA8-A6E3-F55134C0C363}"/>
-          </ac:cxnSpMkLst>
-        </pc:cxnChg>
-        <pc:cxnChg chg="mod">
-          <ac:chgData name="Frank Refol" userId="a6401068-e7c9-408d-89d4-c1454776cbbb" providerId="ADAL" clId="{D4077E38-555F-4EA0-B20A-B00ED7D09D7E}" dt="2022-01-18T18:16:39.444" v="599" actId="165"/>
-          <ac:cxnSpMkLst>
-            <pc:docMk/>
-            <pc:sldMk cId="1961932492" sldId="260"/>
-            <ac:cxnSpMk id="529" creationId="{93B4D4D1-F861-4973-8536-84A615D00B91}"/>
-          </ac:cxnSpMkLst>
-        </pc:cxnChg>
-        <pc:cxnChg chg="mod">
-          <ac:chgData name="Frank Refol" userId="a6401068-e7c9-408d-89d4-c1454776cbbb" providerId="ADAL" clId="{D4077E38-555F-4EA0-B20A-B00ED7D09D7E}" dt="2022-01-18T18:16:39.444" v="599" actId="165"/>
-          <ac:cxnSpMkLst>
-            <pc:docMk/>
-            <pc:sldMk cId="1961932492" sldId="260"/>
-            <ac:cxnSpMk id="530" creationId="{8EEFCA0E-6115-4315-B20B-753207C19953}"/>
-          </ac:cxnSpMkLst>
-        </pc:cxnChg>
-        <pc:cxnChg chg="mod">
-          <ac:chgData name="Frank Refol" userId="a6401068-e7c9-408d-89d4-c1454776cbbb" providerId="ADAL" clId="{D4077E38-555F-4EA0-B20A-B00ED7D09D7E}" dt="2022-01-18T18:16:39.444" v="599" actId="165"/>
-          <ac:cxnSpMkLst>
-            <pc:docMk/>
-            <pc:sldMk cId="1961932492" sldId="260"/>
-            <ac:cxnSpMk id="531" creationId="{FB749CDC-9C1C-4B87-9F0D-911F51214710}"/>
-          </ac:cxnSpMkLst>
-        </pc:cxnChg>
-        <pc:cxnChg chg="mod">
-          <ac:chgData name="Frank Refol" userId="a6401068-e7c9-408d-89d4-c1454776cbbb" providerId="ADAL" clId="{D4077E38-555F-4EA0-B20A-B00ED7D09D7E}" dt="2022-01-18T18:16:39.444" v="599" actId="165"/>
-          <ac:cxnSpMkLst>
-            <pc:docMk/>
-            <pc:sldMk cId="1961932492" sldId="260"/>
-            <ac:cxnSpMk id="532" creationId="{72EDCB18-496C-4741-89AF-B28FC4D69CDC}"/>
-          </ac:cxnSpMkLst>
-        </pc:cxnChg>
-        <pc:cxnChg chg="mod">
-          <ac:chgData name="Frank Refol" userId="a6401068-e7c9-408d-89d4-c1454776cbbb" providerId="ADAL" clId="{D4077E38-555F-4EA0-B20A-B00ED7D09D7E}" dt="2022-01-18T18:16:39.444" v="599" actId="165"/>
-          <ac:cxnSpMkLst>
-            <pc:docMk/>
-            <pc:sldMk cId="1961932492" sldId="260"/>
-            <ac:cxnSpMk id="533" creationId="{C18C6CE7-2568-49C8-A72B-F09CCD045E5E}"/>
-          </ac:cxnSpMkLst>
-        </pc:cxnChg>
-        <pc:cxnChg chg="mod">
-          <ac:chgData name="Frank Refol" userId="a6401068-e7c9-408d-89d4-c1454776cbbb" providerId="ADAL" clId="{D4077E38-555F-4EA0-B20A-B00ED7D09D7E}" dt="2022-01-18T18:16:39.444" v="599" actId="165"/>
-          <ac:cxnSpMkLst>
-            <pc:docMk/>
-            <pc:sldMk cId="1961932492" sldId="260"/>
-            <ac:cxnSpMk id="534" creationId="{92718013-2391-4F35-95E6-33FF0E786427}"/>
-          </ac:cxnSpMkLst>
-        </pc:cxnChg>
-        <pc:cxnChg chg="mod">
-          <ac:chgData name="Frank Refol" userId="a6401068-e7c9-408d-89d4-c1454776cbbb" providerId="ADAL" clId="{D4077E38-555F-4EA0-B20A-B00ED7D09D7E}" dt="2022-01-18T18:16:39.444" v="599" actId="165"/>
-          <ac:cxnSpMkLst>
-            <pc:docMk/>
-            <pc:sldMk cId="1961932492" sldId="260"/>
-            <ac:cxnSpMk id="535" creationId="{1E529EA1-A19D-41DD-8BFF-5CD84B7CB63D}"/>
-          </ac:cxnSpMkLst>
-        </pc:cxnChg>
-        <pc:cxnChg chg="mod">
-          <ac:chgData name="Frank Refol" userId="a6401068-e7c9-408d-89d4-c1454776cbbb" providerId="ADAL" clId="{D4077E38-555F-4EA0-B20A-B00ED7D09D7E}" dt="2022-01-18T18:16:39.444" v="599" actId="165"/>
-          <ac:cxnSpMkLst>
-            <pc:docMk/>
-            <pc:sldMk cId="1961932492" sldId="260"/>
-            <ac:cxnSpMk id="536" creationId="{47726BB7-7647-49A2-ACE2-7095BCBD31FE}"/>
-          </ac:cxnSpMkLst>
-        </pc:cxnChg>
-        <pc:cxnChg chg="add mod topLvl">
-          <ac:chgData name="Frank Refol" userId="a6401068-e7c9-408d-89d4-c1454776cbbb" providerId="ADAL" clId="{D4077E38-555F-4EA0-B20A-B00ED7D09D7E}" dt="2022-01-18T20:03:16.316" v="703" actId="164"/>
-          <ac:cxnSpMkLst>
-            <pc:docMk/>
-            <pc:sldMk cId="1961932492" sldId="260"/>
-            <ac:cxnSpMk id="543" creationId="{860D8A4B-FCFF-48CF-B9A7-7DFE941FE3C2}"/>
-          </ac:cxnSpMkLst>
-        </pc:cxnChg>
-        <pc:cxnChg chg="add mod topLvl">
-          <ac:chgData name="Frank Refol" userId="a6401068-e7c9-408d-89d4-c1454776cbbb" providerId="ADAL" clId="{D4077E38-555F-4EA0-B20A-B00ED7D09D7E}" dt="2022-01-18T20:03:16.316" v="703" actId="164"/>
-          <ac:cxnSpMkLst>
-            <pc:docMk/>
-            <pc:sldMk cId="1961932492" sldId="260"/>
-            <ac:cxnSpMk id="544" creationId="{E21AEC31-D198-43BC-B64F-EA604B67872B}"/>
-          </ac:cxnSpMkLst>
-        </pc:cxnChg>
-        <pc:cxnChg chg="add mod topLvl">
-          <ac:chgData name="Frank Refol" userId="a6401068-e7c9-408d-89d4-c1454776cbbb" providerId="ADAL" clId="{D4077E38-555F-4EA0-B20A-B00ED7D09D7E}" dt="2022-01-18T20:03:16.316" v="703" actId="164"/>
-          <ac:cxnSpMkLst>
-            <pc:docMk/>
-            <pc:sldMk cId="1961932492" sldId="260"/>
-            <ac:cxnSpMk id="545" creationId="{552DF897-4D6E-49C1-9F4E-E3DA704E6E82}"/>
-          </ac:cxnSpMkLst>
-        </pc:cxnChg>
-        <pc:cxnChg chg="add mod topLvl">
-          <ac:chgData name="Frank Refol" userId="a6401068-e7c9-408d-89d4-c1454776cbbb" providerId="ADAL" clId="{D4077E38-555F-4EA0-B20A-B00ED7D09D7E}" dt="2022-01-18T20:03:16.316" v="703" actId="164"/>
-          <ac:cxnSpMkLst>
-            <pc:docMk/>
-            <pc:sldMk cId="1961932492" sldId="260"/>
-            <ac:cxnSpMk id="546" creationId="{06E8A7F3-4F07-41FE-8F4B-A9D25492ED04}"/>
-          </ac:cxnSpMkLst>
-        </pc:cxnChg>
-        <pc:cxnChg chg="add mod topLvl">
-          <ac:chgData name="Frank Refol" userId="a6401068-e7c9-408d-89d4-c1454776cbbb" providerId="ADAL" clId="{D4077E38-555F-4EA0-B20A-B00ED7D09D7E}" dt="2022-01-18T20:03:16.316" v="703" actId="164"/>
-          <ac:cxnSpMkLst>
-            <pc:docMk/>
-            <pc:sldMk cId="1961932492" sldId="260"/>
-            <ac:cxnSpMk id="547" creationId="{E773A786-4F25-4B85-815A-28F18CDBB4E1}"/>
-          </ac:cxnSpMkLst>
-        </pc:cxnChg>
-        <pc:cxnChg chg="add mod topLvl">
-          <ac:chgData name="Frank Refol" userId="a6401068-e7c9-408d-89d4-c1454776cbbb" providerId="ADAL" clId="{D4077E38-555F-4EA0-B20A-B00ED7D09D7E}" dt="2022-01-18T20:03:16.316" v="703" actId="164"/>
-          <ac:cxnSpMkLst>
-            <pc:docMk/>
-            <pc:sldMk cId="1961932492" sldId="260"/>
-            <ac:cxnSpMk id="548" creationId="{F34FF228-3DD0-4EE2-9135-EFD89827F4C2}"/>
-          </ac:cxnSpMkLst>
-        </pc:cxnChg>
-        <pc:cxnChg chg="add mod topLvl">
-          <ac:chgData name="Frank Refol" userId="a6401068-e7c9-408d-89d4-c1454776cbbb" providerId="ADAL" clId="{D4077E38-555F-4EA0-B20A-B00ED7D09D7E}" dt="2022-01-18T20:03:16.316" v="703" actId="164"/>
-          <ac:cxnSpMkLst>
-            <pc:docMk/>
-            <pc:sldMk cId="1961932492" sldId="260"/>
-            <ac:cxnSpMk id="549" creationId="{49EA7E82-D20F-49E3-9DC4-9CEEFA33446A}"/>
-          </ac:cxnSpMkLst>
-        </pc:cxnChg>
-        <pc:cxnChg chg="add mod topLvl">
-          <ac:chgData name="Frank Refol" userId="a6401068-e7c9-408d-89d4-c1454776cbbb" providerId="ADAL" clId="{D4077E38-555F-4EA0-B20A-B00ED7D09D7E}" dt="2022-01-18T20:03:16.316" v="703" actId="164"/>
-          <ac:cxnSpMkLst>
-            <pc:docMk/>
-            <pc:sldMk cId="1961932492" sldId="260"/>
-            <ac:cxnSpMk id="550" creationId="{56C2A39E-FCE9-41AB-8E54-182ADC7A72BF}"/>
-          </ac:cxnSpMkLst>
-        </pc:cxnChg>
-        <pc:cxnChg chg="add mod topLvl">
-          <ac:chgData name="Frank Refol" userId="a6401068-e7c9-408d-89d4-c1454776cbbb" providerId="ADAL" clId="{D4077E38-555F-4EA0-B20A-B00ED7D09D7E}" dt="2022-01-18T20:03:16.316" v="703" actId="164"/>
-          <ac:cxnSpMkLst>
-            <pc:docMk/>
-            <pc:sldMk cId="1961932492" sldId="260"/>
-            <ac:cxnSpMk id="551" creationId="{DAF99FE6-6C49-431F-9B45-A9EAE80FCF97}"/>
-          </ac:cxnSpMkLst>
-        </pc:cxnChg>
-        <pc:cxnChg chg="add mod topLvl">
-          <ac:chgData name="Frank Refol" userId="a6401068-e7c9-408d-89d4-c1454776cbbb" providerId="ADAL" clId="{D4077E38-555F-4EA0-B20A-B00ED7D09D7E}" dt="2022-01-18T20:03:16.316" v="703" actId="164"/>
-          <ac:cxnSpMkLst>
-            <pc:docMk/>
-            <pc:sldMk cId="1961932492" sldId="260"/>
-            <ac:cxnSpMk id="552" creationId="{35BDEA82-E89D-4492-BC8E-6831CC88EE4D}"/>
-          </ac:cxnSpMkLst>
-        </pc:cxnChg>
-        <pc:cxnChg chg="add mod topLvl">
-          <ac:chgData name="Frank Refol" userId="a6401068-e7c9-408d-89d4-c1454776cbbb" providerId="ADAL" clId="{D4077E38-555F-4EA0-B20A-B00ED7D09D7E}" dt="2022-01-18T20:03:16.316" v="703" actId="164"/>
-          <ac:cxnSpMkLst>
-            <pc:docMk/>
-            <pc:sldMk cId="1961932492" sldId="260"/>
-            <ac:cxnSpMk id="553" creationId="{65551472-4A58-40F9-842E-F7FBC233B9AD}"/>
-          </ac:cxnSpMkLst>
-        </pc:cxnChg>
-        <pc:cxnChg chg="add mod topLvl">
-          <ac:chgData name="Frank Refol" userId="a6401068-e7c9-408d-89d4-c1454776cbbb" providerId="ADAL" clId="{D4077E38-555F-4EA0-B20A-B00ED7D09D7E}" dt="2022-01-18T20:03:16.316" v="703" actId="164"/>
-          <ac:cxnSpMkLst>
-            <pc:docMk/>
-            <pc:sldMk cId="1961932492" sldId="260"/>
-            <ac:cxnSpMk id="554" creationId="{04E1017D-18B1-40F8-B53F-847B3C6304F9}"/>
-          </ac:cxnSpMkLst>
-        </pc:cxnChg>
-        <pc:cxnChg chg="mod topLvl">
-          <ac:chgData name="Frank Refol" userId="a6401068-e7c9-408d-89d4-c1454776cbbb" providerId="ADAL" clId="{D4077E38-555F-4EA0-B20A-B00ED7D09D7E}" dt="2022-01-18T20:04:04.505" v="717" actId="164"/>
-          <ac:cxnSpMkLst>
-            <pc:docMk/>
-            <pc:sldMk cId="1961932492" sldId="260"/>
-            <ac:cxnSpMk id="558" creationId="{09FD813A-8BEA-471A-8BAA-CBA747180022}"/>
-          </ac:cxnSpMkLst>
-        </pc:cxnChg>
-        <pc:cxnChg chg="mod topLvl">
-          <ac:chgData name="Frank Refol" userId="a6401068-e7c9-408d-89d4-c1454776cbbb" providerId="ADAL" clId="{D4077E38-555F-4EA0-B20A-B00ED7D09D7E}" dt="2022-01-18T20:04:04.505" v="717" actId="164"/>
-          <ac:cxnSpMkLst>
-            <pc:docMk/>
-            <pc:sldMk cId="1961932492" sldId="260"/>
-            <ac:cxnSpMk id="559" creationId="{AD1CAC45-E33D-4E91-B30D-D51F0F0907A2}"/>
-          </ac:cxnSpMkLst>
-        </pc:cxnChg>
-        <pc:cxnChg chg="mod topLvl">
-          <ac:chgData name="Frank Refol" userId="a6401068-e7c9-408d-89d4-c1454776cbbb" providerId="ADAL" clId="{D4077E38-555F-4EA0-B20A-B00ED7D09D7E}" dt="2022-01-18T20:04:04.505" v="717" actId="164"/>
-          <ac:cxnSpMkLst>
-            <pc:docMk/>
-            <pc:sldMk cId="1961932492" sldId="260"/>
-            <ac:cxnSpMk id="560" creationId="{9CBDBC51-23A5-4A75-BC20-71A1208BDA19}"/>
-          </ac:cxnSpMkLst>
-        </pc:cxnChg>
-        <pc:cxnChg chg="mod topLvl">
-          <ac:chgData name="Frank Refol" userId="a6401068-e7c9-408d-89d4-c1454776cbbb" providerId="ADAL" clId="{D4077E38-555F-4EA0-B20A-B00ED7D09D7E}" dt="2022-01-18T20:04:04.505" v="717" actId="164"/>
-          <ac:cxnSpMkLst>
-            <pc:docMk/>
-            <pc:sldMk cId="1961932492" sldId="260"/>
-            <ac:cxnSpMk id="561" creationId="{B92A4D96-F2F2-4BD2-A193-7752E305A42A}"/>
-          </ac:cxnSpMkLst>
-        </pc:cxnChg>
-        <pc:cxnChg chg="mod topLvl">
-          <ac:chgData name="Frank Refol" userId="a6401068-e7c9-408d-89d4-c1454776cbbb" providerId="ADAL" clId="{D4077E38-555F-4EA0-B20A-B00ED7D09D7E}" dt="2022-01-18T20:04:04.505" v="717" actId="164"/>
-          <ac:cxnSpMkLst>
-            <pc:docMk/>
-            <pc:sldMk cId="1961932492" sldId="260"/>
-            <ac:cxnSpMk id="562" creationId="{2B4ED057-084D-4B0E-B402-7A32D1537300}"/>
-          </ac:cxnSpMkLst>
-        </pc:cxnChg>
-        <pc:cxnChg chg="mod topLvl">
-          <ac:chgData name="Frank Refol" userId="a6401068-e7c9-408d-89d4-c1454776cbbb" providerId="ADAL" clId="{D4077E38-555F-4EA0-B20A-B00ED7D09D7E}" dt="2022-01-18T20:04:04.505" v="717" actId="164"/>
-          <ac:cxnSpMkLst>
-            <pc:docMk/>
-            <pc:sldMk cId="1961932492" sldId="260"/>
-            <ac:cxnSpMk id="563" creationId="{FFCBDE1E-7FAF-4427-8AE3-6E6E8A3FCD3E}"/>
-          </ac:cxnSpMkLst>
-        </pc:cxnChg>
-        <pc:cxnChg chg="mod topLvl">
-          <ac:chgData name="Frank Refol" userId="a6401068-e7c9-408d-89d4-c1454776cbbb" providerId="ADAL" clId="{D4077E38-555F-4EA0-B20A-B00ED7D09D7E}" dt="2022-01-18T20:04:04.505" v="717" actId="164"/>
-          <ac:cxnSpMkLst>
-            <pc:docMk/>
-            <pc:sldMk cId="1961932492" sldId="260"/>
-            <ac:cxnSpMk id="564" creationId="{71708C8F-7CF4-4595-B27C-8628431F8F6E}"/>
-          </ac:cxnSpMkLst>
-        </pc:cxnChg>
-        <pc:cxnChg chg="mod topLvl">
-          <ac:chgData name="Frank Refol" userId="a6401068-e7c9-408d-89d4-c1454776cbbb" providerId="ADAL" clId="{D4077E38-555F-4EA0-B20A-B00ED7D09D7E}" dt="2022-01-18T20:04:04.505" v="717" actId="164"/>
-          <ac:cxnSpMkLst>
-            <pc:docMk/>
-            <pc:sldMk cId="1961932492" sldId="260"/>
-            <ac:cxnSpMk id="565" creationId="{8125AE4F-8C78-4124-86FE-4B2199045CB9}"/>
-          </ac:cxnSpMkLst>
-        </pc:cxnChg>
-        <pc:cxnChg chg="mod topLvl">
-          <ac:chgData name="Frank Refol" userId="a6401068-e7c9-408d-89d4-c1454776cbbb" providerId="ADAL" clId="{D4077E38-555F-4EA0-B20A-B00ED7D09D7E}" dt="2022-01-18T20:04:04.505" v="717" actId="164"/>
-          <ac:cxnSpMkLst>
-            <pc:docMk/>
-            <pc:sldMk cId="1961932492" sldId="260"/>
-            <ac:cxnSpMk id="566" creationId="{DA1912B5-F9C4-41E5-AEFA-C074F2D68F33}"/>
-          </ac:cxnSpMkLst>
-        </pc:cxnChg>
-        <pc:cxnChg chg="mod topLvl">
-          <ac:chgData name="Frank Refol" userId="a6401068-e7c9-408d-89d4-c1454776cbbb" providerId="ADAL" clId="{D4077E38-555F-4EA0-B20A-B00ED7D09D7E}" dt="2022-01-18T20:04:04.505" v="717" actId="164"/>
-          <ac:cxnSpMkLst>
-            <pc:docMk/>
-            <pc:sldMk cId="1961932492" sldId="260"/>
-            <ac:cxnSpMk id="567" creationId="{A3D45D20-B64F-4E9F-A677-345D64A80F61}"/>
-          </ac:cxnSpMkLst>
-        </pc:cxnChg>
-        <pc:cxnChg chg="mod topLvl">
-          <ac:chgData name="Frank Refol" userId="a6401068-e7c9-408d-89d4-c1454776cbbb" providerId="ADAL" clId="{D4077E38-555F-4EA0-B20A-B00ED7D09D7E}" dt="2022-01-18T20:04:04.505" v="717" actId="164"/>
-          <ac:cxnSpMkLst>
-            <pc:docMk/>
-            <pc:sldMk cId="1961932492" sldId="260"/>
-            <ac:cxnSpMk id="568" creationId="{4BCD9DCE-C8E4-4283-B196-4B9AAC4B5354}"/>
-          </ac:cxnSpMkLst>
-        </pc:cxnChg>
-        <pc:cxnChg chg="mod topLvl">
-          <ac:chgData name="Frank Refol" userId="a6401068-e7c9-408d-89d4-c1454776cbbb" providerId="ADAL" clId="{D4077E38-555F-4EA0-B20A-B00ED7D09D7E}" dt="2022-01-18T20:04:04.505" v="717" actId="164"/>
-          <ac:cxnSpMkLst>
-            <pc:docMk/>
-            <pc:sldMk cId="1961932492" sldId="260"/>
-            <ac:cxnSpMk id="569" creationId="{B48EA32B-9232-471B-BB85-68266DBED4D2}"/>
-          </ac:cxnSpMkLst>
-        </pc:cxnChg>
-        <pc:cxnChg chg="del mod topLvl">
-          <ac:chgData name="Frank Refol" userId="a6401068-e7c9-408d-89d4-c1454776cbbb" providerId="ADAL" clId="{D4077E38-555F-4EA0-B20A-B00ED7D09D7E}" dt="2022-01-18T20:06:49.901" v="773" actId="478"/>
-          <ac:cxnSpMkLst>
-            <pc:docMk/>
-            <pc:sldMk cId="1961932492" sldId="260"/>
-            <ac:cxnSpMk id="579" creationId="{DC9C58C6-C20F-4981-9957-F478ABA64A60}"/>
-          </ac:cxnSpMkLst>
-        </pc:cxnChg>
-        <pc:cxnChg chg="del mod topLvl">
-          <ac:chgData name="Frank Refol" userId="a6401068-e7c9-408d-89d4-c1454776cbbb" providerId="ADAL" clId="{D4077E38-555F-4EA0-B20A-B00ED7D09D7E}" dt="2022-01-18T20:06:48.811" v="772" actId="478"/>
-          <ac:cxnSpMkLst>
-            <pc:docMk/>
-            <pc:sldMk cId="1961932492" sldId="260"/>
-            <ac:cxnSpMk id="580" creationId="{C8B4FEEB-498D-4D6B-B1E4-9FC600143F08}"/>
-          </ac:cxnSpMkLst>
-        </pc:cxnChg>
-        <pc:cxnChg chg="del mod topLvl">
-          <ac:chgData name="Frank Refol" userId="a6401068-e7c9-408d-89d4-c1454776cbbb" providerId="ADAL" clId="{D4077E38-555F-4EA0-B20A-B00ED7D09D7E}" dt="2022-01-18T20:06:47.380" v="771" actId="478"/>
-          <ac:cxnSpMkLst>
-            <pc:docMk/>
-            <pc:sldMk cId="1961932492" sldId="260"/>
-            <ac:cxnSpMk id="581" creationId="{CFD84FD1-1789-4134-B306-EC62E41D2E8E}"/>
-          </ac:cxnSpMkLst>
-        </pc:cxnChg>
-        <pc:cxnChg chg="del mod topLvl">
-          <ac:chgData name="Frank Refol" userId="a6401068-e7c9-408d-89d4-c1454776cbbb" providerId="ADAL" clId="{D4077E38-555F-4EA0-B20A-B00ED7D09D7E}" dt="2022-01-18T20:06:41.633" v="768" actId="478"/>
-          <ac:cxnSpMkLst>
-            <pc:docMk/>
-            <pc:sldMk cId="1961932492" sldId="260"/>
-            <ac:cxnSpMk id="582" creationId="{E962546D-C32E-4BD6-84CD-B6BC34E6DBFC}"/>
-          </ac:cxnSpMkLst>
-        </pc:cxnChg>
-        <pc:cxnChg chg="del mod topLvl">
-          <ac:chgData name="Frank Refol" userId="a6401068-e7c9-408d-89d4-c1454776cbbb" providerId="ADAL" clId="{D4077E38-555F-4EA0-B20A-B00ED7D09D7E}" dt="2022-01-18T20:06:34.023" v="764" actId="478"/>
-          <ac:cxnSpMkLst>
-            <pc:docMk/>
-            <pc:sldMk cId="1961932492" sldId="260"/>
-            <ac:cxnSpMk id="583" creationId="{409B743C-FDB2-488D-8E4F-850B4A656D5D}"/>
-          </ac:cxnSpMkLst>
-        </pc:cxnChg>
-        <pc:cxnChg chg="del mod topLvl">
-          <ac:chgData name="Frank Refol" userId="a6401068-e7c9-408d-89d4-c1454776cbbb" providerId="ADAL" clId="{D4077E38-555F-4EA0-B20A-B00ED7D09D7E}" dt="2022-01-18T20:06:32.827" v="763" actId="478"/>
-          <ac:cxnSpMkLst>
-            <pc:docMk/>
-            <pc:sldMk cId="1961932492" sldId="260"/>
-            <ac:cxnSpMk id="584" creationId="{8F5793EC-29A7-474E-AFBD-49B2B9BC7531}"/>
-          </ac:cxnSpMkLst>
-        </pc:cxnChg>
-        <pc:cxnChg chg="del mod topLvl">
-          <ac:chgData name="Frank Refol" userId="a6401068-e7c9-408d-89d4-c1454776cbbb" providerId="ADAL" clId="{D4077E38-555F-4EA0-B20A-B00ED7D09D7E}" dt="2022-01-18T20:06:34.992" v="765" actId="478"/>
-          <ac:cxnSpMkLst>
-            <pc:docMk/>
-            <pc:sldMk cId="1961932492" sldId="260"/>
-            <ac:cxnSpMk id="585" creationId="{17DF25CE-463A-4A48-91E9-819014FD4D14}"/>
-          </ac:cxnSpMkLst>
-        </pc:cxnChg>
-        <pc:cxnChg chg="del mod topLvl">
-          <ac:chgData name="Frank Refol" userId="a6401068-e7c9-408d-89d4-c1454776cbbb" providerId="ADAL" clId="{D4077E38-555F-4EA0-B20A-B00ED7D09D7E}" dt="2022-01-18T20:06:32.223" v="762" actId="478"/>
-          <ac:cxnSpMkLst>
-            <pc:docMk/>
-            <pc:sldMk cId="1961932492" sldId="260"/>
-            <ac:cxnSpMk id="586" creationId="{E8422353-A189-485C-9651-010BDBB2CC34}"/>
-          </ac:cxnSpMkLst>
-        </pc:cxnChg>
-        <pc:cxnChg chg="del mod topLvl">
-          <ac:chgData name="Frank Refol" userId="a6401068-e7c9-408d-89d4-c1454776cbbb" providerId="ADAL" clId="{D4077E38-555F-4EA0-B20A-B00ED7D09D7E}" dt="2022-01-18T20:06:31.527" v="761" actId="478"/>
-          <ac:cxnSpMkLst>
-            <pc:docMk/>
-            <pc:sldMk cId="1961932492" sldId="260"/>
-            <ac:cxnSpMk id="587" creationId="{36971614-7662-44AC-943C-6566F5813502}"/>
-          </ac:cxnSpMkLst>
-        </pc:cxnChg>
-        <pc:cxnChg chg="del mod topLvl">
-          <ac:chgData name="Frank Refol" userId="a6401068-e7c9-408d-89d4-c1454776cbbb" providerId="ADAL" clId="{D4077E38-555F-4EA0-B20A-B00ED7D09D7E}" dt="2022-01-18T20:06:30.970" v="760" actId="478"/>
-          <ac:cxnSpMkLst>
-            <pc:docMk/>
-            <pc:sldMk cId="1961932492" sldId="260"/>
-            <ac:cxnSpMk id="588" creationId="{44A7FD63-695A-448D-BF58-D96135696710}"/>
-          </ac:cxnSpMkLst>
-        </pc:cxnChg>
-        <pc:cxnChg chg="del mod topLvl">
-          <ac:chgData name="Frank Refol" userId="a6401068-e7c9-408d-89d4-c1454776cbbb" providerId="ADAL" clId="{D4077E38-555F-4EA0-B20A-B00ED7D09D7E}" dt="2022-01-18T20:06:29.914" v="758" actId="478"/>
-          <ac:cxnSpMkLst>
-            <pc:docMk/>
-            <pc:sldMk cId="1961932492" sldId="260"/>
-            <ac:cxnSpMk id="589" creationId="{267D81BE-9D17-4BB6-A633-30CB499418FA}"/>
-          </ac:cxnSpMkLst>
-        </pc:cxnChg>
-        <pc:cxnChg chg="del mod topLvl">
-          <ac:chgData name="Frank Refol" userId="a6401068-e7c9-408d-89d4-c1454776cbbb" providerId="ADAL" clId="{D4077E38-555F-4EA0-B20A-B00ED7D09D7E}" dt="2022-01-18T20:06:29.024" v="756" actId="478"/>
-          <ac:cxnSpMkLst>
-            <pc:docMk/>
-            <pc:sldMk cId="1961932492" sldId="260"/>
-            <ac:cxnSpMk id="590" creationId="{176F9A1D-3E2C-4249-B8C4-0D3224CA0C21}"/>
-          </ac:cxnSpMkLst>
-        </pc:cxnChg>
-        <pc:cxnChg chg="mod">
-          <ac:chgData name="Frank Refol" userId="a6401068-e7c9-408d-89d4-c1454776cbbb" providerId="ADAL" clId="{D4077E38-555F-4EA0-B20A-B00ED7D09D7E}" dt="2022-01-18T20:04:35.866" v="723"/>
-          <ac:cxnSpMkLst>
-            <pc:docMk/>
-            <pc:sldMk cId="1961932492" sldId="260"/>
-            <ac:cxnSpMk id="601" creationId="{1C8E1EA5-CF3F-4EDC-A7D0-591156FB64CD}"/>
-          </ac:cxnSpMkLst>
-        </pc:cxnChg>
-        <pc:cxnChg chg="mod">
-          <ac:chgData name="Frank Refol" userId="a6401068-e7c9-408d-89d4-c1454776cbbb" providerId="ADAL" clId="{D4077E38-555F-4EA0-B20A-B00ED7D09D7E}" dt="2022-01-18T20:04:35.866" v="723"/>
-          <ac:cxnSpMkLst>
-            <pc:docMk/>
-            <pc:sldMk cId="1961932492" sldId="260"/>
-            <ac:cxnSpMk id="602" creationId="{D79E2C49-CB24-4EC8-B0B9-E637FC6610FF}"/>
-          </ac:cxnSpMkLst>
-        </pc:cxnChg>
-        <pc:cxnChg chg="mod">
-          <ac:chgData name="Frank Refol" userId="a6401068-e7c9-408d-89d4-c1454776cbbb" providerId="ADAL" clId="{D4077E38-555F-4EA0-B20A-B00ED7D09D7E}" dt="2022-01-18T20:04:35.866" v="723"/>
-          <ac:cxnSpMkLst>
-            <pc:docMk/>
-            <pc:sldMk cId="1961932492" sldId="260"/>
-            <ac:cxnSpMk id="603" creationId="{177E3A85-B5F3-4DF0-B57A-6B214FE9F740}"/>
-          </ac:cxnSpMkLst>
-        </pc:cxnChg>
-        <pc:cxnChg chg="mod">
-          <ac:chgData name="Frank Refol" userId="a6401068-e7c9-408d-89d4-c1454776cbbb" providerId="ADAL" clId="{D4077E38-555F-4EA0-B20A-B00ED7D09D7E}" dt="2022-01-18T20:04:35.866" v="723"/>
-          <ac:cxnSpMkLst>
-            <pc:docMk/>
-            <pc:sldMk cId="1961932492" sldId="260"/>
-            <ac:cxnSpMk id="604" creationId="{E7304EFD-1336-4CAD-AB14-09926E6EF360}"/>
-          </ac:cxnSpMkLst>
-        </pc:cxnChg>
-        <pc:cxnChg chg="mod">
-          <ac:chgData name="Frank Refol" userId="a6401068-e7c9-408d-89d4-c1454776cbbb" providerId="ADAL" clId="{D4077E38-555F-4EA0-B20A-B00ED7D09D7E}" dt="2022-01-18T20:04:35.866" v="723"/>
-          <ac:cxnSpMkLst>
-            <pc:docMk/>
-            <pc:sldMk cId="1961932492" sldId="260"/>
-            <ac:cxnSpMk id="605" creationId="{D5A03344-8BE4-4AF1-B586-FAB016FACE3B}"/>
-          </ac:cxnSpMkLst>
-        </pc:cxnChg>
-        <pc:cxnChg chg="mod">
-          <ac:chgData name="Frank Refol" userId="a6401068-e7c9-408d-89d4-c1454776cbbb" providerId="ADAL" clId="{D4077E38-555F-4EA0-B20A-B00ED7D09D7E}" dt="2022-01-18T20:04:35.866" v="723"/>
-          <ac:cxnSpMkLst>
-            <pc:docMk/>
-            <pc:sldMk cId="1961932492" sldId="260"/>
-            <ac:cxnSpMk id="606" creationId="{811218BD-3CD4-47E0-A0D9-9F6B4045927C}"/>
-          </ac:cxnSpMkLst>
-        </pc:cxnChg>
-        <pc:cxnChg chg="mod">
-          <ac:chgData name="Frank Refol" userId="a6401068-e7c9-408d-89d4-c1454776cbbb" providerId="ADAL" clId="{D4077E38-555F-4EA0-B20A-B00ED7D09D7E}" dt="2022-01-18T20:04:35.866" v="723"/>
-          <ac:cxnSpMkLst>
-            <pc:docMk/>
-            <pc:sldMk cId="1961932492" sldId="260"/>
-            <ac:cxnSpMk id="607" creationId="{D083A1EB-AA3C-44F2-A1F7-2EDEDD663323}"/>
-          </ac:cxnSpMkLst>
-        </pc:cxnChg>
-        <pc:cxnChg chg="mod">
-          <ac:chgData name="Frank Refol" userId="a6401068-e7c9-408d-89d4-c1454776cbbb" providerId="ADAL" clId="{D4077E38-555F-4EA0-B20A-B00ED7D09D7E}" dt="2022-01-18T20:04:35.866" v="723"/>
-          <ac:cxnSpMkLst>
-            <pc:docMk/>
-            <pc:sldMk cId="1961932492" sldId="260"/>
-            <ac:cxnSpMk id="608" creationId="{CE5F5F78-B3A8-4955-A2D3-5C9438A5A58C}"/>
-          </ac:cxnSpMkLst>
-        </pc:cxnChg>
-        <pc:cxnChg chg="mod">
-          <ac:chgData name="Frank Refol" userId="a6401068-e7c9-408d-89d4-c1454776cbbb" providerId="ADAL" clId="{D4077E38-555F-4EA0-B20A-B00ED7D09D7E}" dt="2022-01-18T20:04:35.866" v="723"/>
-          <ac:cxnSpMkLst>
-            <pc:docMk/>
-            <pc:sldMk cId="1961932492" sldId="260"/>
-            <ac:cxnSpMk id="609" creationId="{8582BA2B-2CAE-4D85-8D51-72CBF03E6BE3}"/>
-          </ac:cxnSpMkLst>
-        </pc:cxnChg>
-        <pc:cxnChg chg="add mod">
-          <ac:chgData name="Frank Refol" userId="a6401068-e7c9-408d-89d4-c1454776cbbb" providerId="ADAL" clId="{D4077E38-555F-4EA0-B20A-B00ED7D09D7E}" dt="2022-01-18T22:59:25.962" v="962" actId="164"/>
-          <ac:cxnSpMkLst>
-            <pc:docMk/>
-            <pc:sldMk cId="1961932492" sldId="260"/>
-            <ac:cxnSpMk id="723" creationId="{192B84AD-0B63-45A9-A4A1-2ADE8CDF4D46}"/>
-          </ac:cxnSpMkLst>
-        </pc:cxnChg>
-        <pc:cxnChg chg="add del mod">
-          <ac:chgData name="Frank Refol" userId="a6401068-e7c9-408d-89d4-c1454776cbbb" providerId="ADAL" clId="{D4077E38-555F-4EA0-B20A-B00ED7D09D7E}" dt="2022-01-18T23:16:44.435" v="1052" actId="478"/>
-          <ac:cxnSpMkLst>
-            <pc:docMk/>
-            <pc:sldMk cId="1961932492" sldId="260"/>
-            <ac:cxnSpMk id="737" creationId="{E897ED99-365C-45FB-9664-5F03FA1E8734}"/>
-          </ac:cxnSpMkLst>
-        </pc:cxnChg>
-        <pc:cxnChg chg="add mod">
-          <ac:chgData name="Frank Refol" userId="a6401068-e7c9-408d-89d4-c1454776cbbb" providerId="ADAL" clId="{D4077E38-555F-4EA0-B20A-B00ED7D09D7E}" dt="2022-01-18T23:23:29.684" v="1159" actId="165"/>
-          <ac:cxnSpMkLst>
-            <pc:docMk/>
-            <pc:sldMk cId="1961932492" sldId="260"/>
-            <ac:cxnSpMk id="739" creationId="{13214CCC-A66D-48B0-9A8B-D55A1AF587C2}"/>
-          </ac:cxnSpMkLst>
-        </pc:cxnChg>
-        <pc:cxnChg chg="add mod">
-          <ac:chgData name="Frank Refol" userId="a6401068-e7c9-408d-89d4-c1454776cbbb" providerId="ADAL" clId="{D4077E38-555F-4EA0-B20A-B00ED7D09D7E}" dt="2022-01-18T23:23:29.684" v="1159" actId="165"/>
-          <ac:cxnSpMkLst>
-            <pc:docMk/>
-            <pc:sldMk cId="1961932492" sldId="260"/>
-            <ac:cxnSpMk id="742" creationId="{978EED61-EB07-48DD-8F99-E77BC7F8965A}"/>
-          </ac:cxnSpMkLst>
-        </pc:cxnChg>
-        <pc:cxnChg chg="add mod">
-          <ac:chgData name="Frank Refol" userId="a6401068-e7c9-408d-89d4-c1454776cbbb" providerId="ADAL" clId="{D4077E38-555F-4EA0-B20A-B00ED7D09D7E}" dt="2022-01-18T23:23:29.684" v="1159" actId="165"/>
-          <ac:cxnSpMkLst>
-            <pc:docMk/>
-            <pc:sldMk cId="1961932492" sldId="260"/>
-            <ac:cxnSpMk id="744" creationId="{3AB77E53-961F-4145-BC80-047A153DA311}"/>
-          </ac:cxnSpMkLst>
-        </pc:cxnChg>
-        <pc:cxnChg chg="mod topLvl">
-          <ac:chgData name="Frank Refol" userId="a6401068-e7c9-408d-89d4-c1454776cbbb" providerId="ADAL" clId="{D4077E38-555F-4EA0-B20A-B00ED7D09D7E}" dt="2022-01-18T23:23:29.684" v="1159" actId="165"/>
-          <ac:cxnSpMkLst>
-            <pc:docMk/>
-            <pc:sldMk cId="1961932492" sldId="260"/>
-            <ac:cxnSpMk id="752" creationId="{9CBEC788-143A-4234-84F4-D0AB5B98F2B7}"/>
-          </ac:cxnSpMkLst>
-        </pc:cxnChg>
-        <pc:cxnChg chg="mod topLvl">
-          <ac:chgData name="Frank Refol" userId="a6401068-e7c9-408d-89d4-c1454776cbbb" providerId="ADAL" clId="{D4077E38-555F-4EA0-B20A-B00ED7D09D7E}" dt="2022-01-18T23:23:29.684" v="1159" actId="165"/>
-          <ac:cxnSpMkLst>
-            <pc:docMk/>
-            <pc:sldMk cId="1961932492" sldId="260"/>
-            <ac:cxnSpMk id="753" creationId="{77B2610F-0CE0-46F3-8711-2D2FC067BB8C}"/>
-          </ac:cxnSpMkLst>
-        </pc:cxnChg>
-        <pc:cxnChg chg="mod topLvl">
-          <ac:chgData name="Frank Refol" userId="a6401068-e7c9-408d-89d4-c1454776cbbb" providerId="ADAL" clId="{D4077E38-555F-4EA0-B20A-B00ED7D09D7E}" dt="2022-01-18T23:31:40.262" v="1190" actId="164"/>
-          <ac:cxnSpMkLst>
-            <pc:docMk/>
-            <pc:sldMk cId="1961932492" sldId="260"/>
-            <ac:cxnSpMk id="764" creationId="{3FF72617-A107-4E1D-B31B-CC634C674330}"/>
-          </ac:cxnSpMkLst>
-        </pc:cxnChg>
-        <pc:cxnChg chg="mod topLvl">
-          <ac:chgData name="Frank Refol" userId="a6401068-e7c9-408d-89d4-c1454776cbbb" providerId="ADAL" clId="{D4077E38-555F-4EA0-B20A-B00ED7D09D7E}" dt="2022-01-18T23:31:40.262" v="1190" actId="164"/>
-          <ac:cxnSpMkLst>
-            <pc:docMk/>
-            <pc:sldMk cId="1961932492" sldId="260"/>
-            <ac:cxnSpMk id="767" creationId="{E9AE956B-F293-49F0-9F8F-EBF7140046B3}"/>
-          </ac:cxnSpMkLst>
-        </pc:cxnChg>
-        <pc:cxnChg chg="mod topLvl">
-          <ac:chgData name="Frank Refol" userId="a6401068-e7c9-408d-89d4-c1454776cbbb" providerId="ADAL" clId="{D4077E38-555F-4EA0-B20A-B00ED7D09D7E}" dt="2022-01-18T23:31:40.262" v="1190" actId="164"/>
-          <ac:cxnSpMkLst>
-            <pc:docMk/>
-            <pc:sldMk cId="1961932492" sldId="260"/>
-            <ac:cxnSpMk id="768" creationId="{FB369B85-6A84-497D-A216-5ED74BF7BF06}"/>
-          </ac:cxnSpMkLst>
-        </pc:cxnChg>
-        <pc:cxnChg chg="mod topLvl">
-          <ac:chgData name="Frank Refol" userId="a6401068-e7c9-408d-89d4-c1454776cbbb" providerId="ADAL" clId="{D4077E38-555F-4EA0-B20A-B00ED7D09D7E}" dt="2022-01-18T23:31:40.262" v="1190" actId="164"/>
-          <ac:cxnSpMkLst>
-            <pc:docMk/>
-            <pc:sldMk cId="1961932492" sldId="260"/>
-            <ac:cxnSpMk id="770" creationId="{9F3616D6-1B16-495D-A008-81347F967E3E}"/>
-          </ac:cxnSpMkLst>
-        </pc:cxnChg>
-        <pc:cxnChg chg="mod topLvl">
-          <ac:chgData name="Frank Refol" userId="a6401068-e7c9-408d-89d4-c1454776cbbb" providerId="ADAL" clId="{D4077E38-555F-4EA0-B20A-B00ED7D09D7E}" dt="2022-01-18T23:31:40.262" v="1190" actId="164"/>
-          <ac:cxnSpMkLst>
-            <pc:docMk/>
-            <pc:sldMk cId="1961932492" sldId="260"/>
-            <ac:cxnSpMk id="771" creationId="{2BD536DC-D91C-4BEA-BF8F-2785271D6055}"/>
-          </ac:cxnSpMkLst>
-        </pc:cxnChg>
-        <pc:cxnChg chg="mod">
-          <ac:chgData name="Frank Refol" userId="a6401068-e7c9-408d-89d4-c1454776cbbb" providerId="ADAL" clId="{D4077E38-555F-4EA0-B20A-B00ED7D09D7E}" dt="2022-01-18T23:35:48.916" v="1232" actId="165"/>
-          <ac:cxnSpMkLst>
-            <pc:docMk/>
-            <pc:sldMk cId="1961932492" sldId="260"/>
-            <ac:cxnSpMk id="777" creationId="{B68C4837-0918-402D-BE12-BEFA6409DAE4}"/>
-          </ac:cxnSpMkLst>
-        </pc:cxnChg>
-        <pc:cxnChg chg="mod">
-          <ac:chgData name="Frank Refol" userId="a6401068-e7c9-408d-89d4-c1454776cbbb" providerId="ADAL" clId="{D4077E38-555F-4EA0-B20A-B00ED7D09D7E}" dt="2022-01-18T23:35:48.916" v="1232" actId="165"/>
-          <ac:cxnSpMkLst>
-            <pc:docMk/>
-            <pc:sldMk cId="1961932492" sldId="260"/>
-            <ac:cxnSpMk id="778" creationId="{9C50E6DD-331D-4D72-B606-7FFA50769A2D}"/>
-          </ac:cxnSpMkLst>
-        </pc:cxnChg>
-        <pc:cxnChg chg="mod">
-          <ac:chgData name="Frank Refol" userId="a6401068-e7c9-408d-89d4-c1454776cbbb" providerId="ADAL" clId="{D4077E38-555F-4EA0-B20A-B00ED7D09D7E}" dt="2022-01-18T23:35:48.916" v="1232" actId="165"/>
-          <ac:cxnSpMkLst>
-            <pc:docMk/>
-            <pc:sldMk cId="1961932492" sldId="260"/>
-            <ac:cxnSpMk id="779" creationId="{28C8EDF4-FC93-4411-8099-A3C90F6FEB99}"/>
-          </ac:cxnSpMkLst>
-        </pc:cxnChg>
-        <pc:cxnChg chg="mod">
-          <ac:chgData name="Frank Refol" userId="a6401068-e7c9-408d-89d4-c1454776cbbb" providerId="ADAL" clId="{D4077E38-555F-4EA0-B20A-B00ED7D09D7E}" dt="2022-01-18T23:35:48.916" v="1232" actId="165"/>
-          <ac:cxnSpMkLst>
-            <pc:docMk/>
-            <pc:sldMk cId="1961932492" sldId="260"/>
-            <ac:cxnSpMk id="781" creationId="{2FB8DCB5-D093-4C98-9457-72821405F79A}"/>
-          </ac:cxnSpMkLst>
-        </pc:cxnChg>
-        <pc:cxnChg chg="mod">
-          <ac:chgData name="Frank Refol" userId="a6401068-e7c9-408d-89d4-c1454776cbbb" providerId="ADAL" clId="{D4077E38-555F-4EA0-B20A-B00ED7D09D7E}" dt="2022-01-18T23:35:48.916" v="1232" actId="165"/>
-          <ac:cxnSpMkLst>
-            <pc:docMk/>
-            <pc:sldMk cId="1961932492" sldId="260"/>
-            <ac:cxnSpMk id="782" creationId="{84CF900F-5F74-47D4-8061-5A2CE50E21B4}"/>
-          </ac:cxnSpMkLst>
-        </pc:cxnChg>
-        <pc:cxnChg chg="add mod topLvl">
-          <ac:chgData name="Frank Refol" userId="a6401068-e7c9-408d-89d4-c1454776cbbb" providerId="ADAL" clId="{D4077E38-555F-4EA0-B20A-B00ED7D09D7E}" dt="2022-01-18T23:36:15.290" v="1267" actId="164"/>
-          <ac:cxnSpMkLst>
-            <pc:docMk/>
-            <pc:sldMk cId="1961932492" sldId="260"/>
-            <ac:cxnSpMk id="786" creationId="{2E4E43F0-33B3-47CD-ACCF-AF4070311EDA}"/>
-          </ac:cxnSpMkLst>
-        </pc:cxnChg>
-      </pc:sldChg>
-    </pc:docChg>
-  </pc:docChgLst>
-</pc:chgInfo>
 </file>
 
 <file path=ppt/slideLayouts/slideLayout1.xml><?xml version="1.0" encoding="utf-8"?>
@@ -17437,7 +13537,7 @@
         </p:nvGrpSpPr>
         <p:grpSpPr>
           <a:xfrm>
-            <a:off x="2670412" y="5039219"/>
+            <a:off x="2665075" y="4804045"/>
             <a:ext cx="1121258" cy="1041351"/>
             <a:chOff x="4193120" y="4034293"/>
             <a:chExt cx="1121258" cy="1041351"/>
@@ -25611,7 +21711,7 @@
         </p:nvGrpSpPr>
         <p:grpSpPr>
           <a:xfrm>
-            <a:off x="7941852" y="254843"/>
+            <a:off x="7809540" y="424574"/>
             <a:ext cx="1240792" cy="1128989"/>
             <a:chOff x="7941852" y="254843"/>
             <a:chExt cx="1240792" cy="1128989"/>
@@ -29270,6 +25370,335 @@
 </p:sld>
 </file>
 
+<file path=ppt/slides/slide2.xml><?xml version="1.0" encoding="utf-8"?>
+<p:sld xmlns:a="http://schemas.openxmlformats.org/drawingml/2006/main" xmlns:r="http://schemas.openxmlformats.org/officeDocument/2006/relationships" xmlns:p="http://schemas.openxmlformats.org/presentationml/2006/main">
+  <p:cSld>
+    <p:spTree>
+      <p:nvGrpSpPr>
+        <p:cNvPr id="1" name=""/>
+        <p:cNvGrpSpPr/>
+        <p:nvPr/>
+      </p:nvGrpSpPr>
+      <p:grpSpPr>
+        <a:xfrm>
+          <a:off x="0" y="0"/>
+          <a:ext cx="0" cy="0"/>
+          <a:chOff x="0" y="0"/>
+          <a:chExt cx="0" cy="0"/>
+        </a:xfrm>
+      </p:grpSpPr>
+      <p:grpSp>
+        <p:nvGrpSpPr>
+          <p:cNvPr id="10" name="Group 9">
+            <a:extLst>
+              <a:ext uri="{FF2B5EF4-FFF2-40B4-BE49-F238E27FC236}">
+                <a16:creationId xmlns:a16="http://schemas.microsoft.com/office/drawing/2014/main" id="{EB88DD9B-67E7-41B7-AD3B-5BAF12F8ACAE}"/>
+              </a:ext>
+            </a:extLst>
+          </p:cNvPr>
+          <p:cNvGrpSpPr/>
+          <p:nvPr/>
+        </p:nvGrpSpPr>
+        <p:grpSpPr>
+          <a:xfrm>
+            <a:off x="817742" y="647203"/>
+            <a:ext cx="2079838" cy="1407228"/>
+            <a:chOff x="2682167" y="955962"/>
+            <a:chExt cx="3968015" cy="2107872"/>
+          </a:xfrm>
+        </p:grpSpPr>
+        <p:sp>
+          <p:nvSpPr>
+            <p:cNvPr id="7" name="Freeform: Shape 6">
+              <a:extLst>
+                <a:ext uri="{FF2B5EF4-FFF2-40B4-BE49-F238E27FC236}">
+                  <a16:creationId xmlns:a16="http://schemas.microsoft.com/office/drawing/2014/main" id="{06FE6D21-6230-46FA-BFED-73D25082AB15}"/>
+                </a:ext>
+              </a:extLst>
+            </p:cNvPr>
+            <p:cNvSpPr/>
+            <p:nvPr/>
+          </p:nvSpPr>
+          <p:spPr>
+            <a:xfrm>
+              <a:off x="2682167" y="955962"/>
+              <a:ext cx="3968015" cy="2107872"/>
+            </a:xfrm>
+            <a:custGeom>
+              <a:avLst/>
+              <a:gdLst>
+                <a:gd name="connsiteX0" fmla="*/ 3717695 w 6547101"/>
+                <a:gd name="connsiteY0" fmla="*/ 0 h 3460002"/>
+                <a:gd name="connsiteX1" fmla="*/ 5462805 w 6547101"/>
+                <a:gd name="connsiteY1" fmla="*/ 1370154 h 3460002"/>
+                <a:gd name="connsiteX2" fmla="*/ 5481368 w 6547101"/>
+                <a:gd name="connsiteY2" fmla="*/ 1487328 h 3460002"/>
+                <a:gd name="connsiteX3" fmla="*/ 5498994 w 6547101"/>
+                <a:gd name="connsiteY3" fmla="*/ 1486072 h 3460002"/>
+                <a:gd name="connsiteX4" fmla="*/ 6547101 w 6547101"/>
+                <a:gd name="connsiteY4" fmla="*/ 2473037 h 3460002"/>
+                <a:gd name="connsiteX5" fmla="*/ 5498994 w 6547101"/>
+                <a:gd name="connsiteY5" fmla="*/ 3460002 h 3460002"/>
+                <a:gd name="connsiteX6" fmla="*/ 5391831 w 6547101"/>
+                <a:gd name="connsiteY6" fmla="*/ 3454907 h 3460002"/>
+                <a:gd name="connsiteX7" fmla="*/ 5374447 w 6547101"/>
+                <a:gd name="connsiteY7" fmla="*/ 3452408 h 3460002"/>
+                <a:gd name="connsiteX8" fmla="*/ 811825 w 6547101"/>
+                <a:gd name="connsiteY8" fmla="*/ 3452408 h 3460002"/>
+                <a:gd name="connsiteX9" fmla="*/ 811804 w 6547101"/>
+                <a:gd name="connsiteY9" fmla="*/ 3452409 h 3460002"/>
+                <a:gd name="connsiteX10" fmla="*/ 0 w 6547101"/>
+                <a:gd name="connsiteY10" fmla="*/ 2655449 h 3460002"/>
+                <a:gd name="connsiteX11" fmla="*/ 811804 w 6547101"/>
+                <a:gd name="connsiteY11" fmla="*/ 1858489 h 3460002"/>
+                <a:gd name="connsiteX12" fmla="*/ 830438 w 6547101"/>
+                <a:gd name="connsiteY12" fmla="*/ 1859413 h 3460002"/>
+                <a:gd name="connsiteX13" fmla="*/ 836750 w 6547101"/>
+                <a:gd name="connsiteY13" fmla="*/ 1797940 h 3460002"/>
+                <a:gd name="connsiteX14" fmla="*/ 1632061 w 6547101"/>
+                <a:gd name="connsiteY14" fmla="*/ 1161595 h 3460002"/>
+                <a:gd name="connsiteX15" fmla="*/ 1911187 w 6547101"/>
+                <a:gd name="connsiteY15" fmla="*/ 1209955 h 3460002"/>
+                <a:gd name="connsiteX16" fmla="*/ 2004000 w 6547101"/>
+                <a:gd name="connsiteY16" fmla="*/ 1252462 h 3460002"/>
+                <a:gd name="connsiteX17" fmla="*/ 2016480 w 6547101"/>
+                <a:gd name="connsiteY17" fmla="*/ 1205704 h 3460002"/>
+                <a:gd name="connsiteX18" fmla="*/ 3717695 w 6547101"/>
+                <a:gd name="connsiteY18" fmla="*/ 0 h 3460002"/>
+              </a:gdLst>
+              <a:ahLst/>
+              <a:cxnLst>
+                <a:cxn ang="0">
+                  <a:pos x="connsiteX0" y="connsiteY0"/>
+                </a:cxn>
+                <a:cxn ang="0">
+                  <a:pos x="connsiteX1" y="connsiteY1"/>
+                </a:cxn>
+                <a:cxn ang="0">
+                  <a:pos x="connsiteX2" y="connsiteY2"/>
+                </a:cxn>
+                <a:cxn ang="0">
+                  <a:pos x="connsiteX3" y="connsiteY3"/>
+                </a:cxn>
+                <a:cxn ang="0">
+                  <a:pos x="connsiteX4" y="connsiteY4"/>
+                </a:cxn>
+                <a:cxn ang="0">
+                  <a:pos x="connsiteX5" y="connsiteY5"/>
+                </a:cxn>
+                <a:cxn ang="0">
+                  <a:pos x="connsiteX6" y="connsiteY6"/>
+                </a:cxn>
+                <a:cxn ang="0">
+                  <a:pos x="connsiteX7" y="connsiteY7"/>
+                </a:cxn>
+                <a:cxn ang="0">
+                  <a:pos x="connsiteX8" y="connsiteY8"/>
+                </a:cxn>
+                <a:cxn ang="0">
+                  <a:pos x="connsiteX9" y="connsiteY9"/>
+                </a:cxn>
+                <a:cxn ang="0">
+                  <a:pos x="connsiteX10" y="connsiteY10"/>
+                </a:cxn>
+                <a:cxn ang="0">
+                  <a:pos x="connsiteX11" y="connsiteY11"/>
+                </a:cxn>
+                <a:cxn ang="0">
+                  <a:pos x="connsiteX12" y="connsiteY12"/>
+                </a:cxn>
+                <a:cxn ang="0">
+                  <a:pos x="connsiteX13" y="connsiteY13"/>
+                </a:cxn>
+                <a:cxn ang="0">
+                  <a:pos x="connsiteX14" y="connsiteY14"/>
+                </a:cxn>
+                <a:cxn ang="0">
+                  <a:pos x="connsiteX15" y="connsiteY15"/>
+                </a:cxn>
+                <a:cxn ang="0">
+                  <a:pos x="connsiteX16" y="connsiteY16"/>
+                </a:cxn>
+                <a:cxn ang="0">
+                  <a:pos x="connsiteX17" y="connsiteY17"/>
+                </a:cxn>
+                <a:cxn ang="0">
+                  <a:pos x="connsiteX18" y="connsiteY18"/>
+                </a:cxn>
+              </a:cxnLst>
+              <a:rect l="l" t="t" r="r" b="b"/>
+              <a:pathLst>
+                <a:path w="6547101" h="3460002">
+                  <a:moveTo>
+                    <a:pt x="3717695" y="0"/>
+                  </a:moveTo>
+                  <a:cubicBezTo>
+                    <a:pt x="4578506" y="0"/>
+                    <a:pt x="5296705" y="588209"/>
+                    <a:pt x="5462805" y="1370154"/>
+                  </a:cubicBezTo>
+                  <a:lnTo>
+                    <a:pt x="5481368" y="1487328"/>
+                  </a:lnTo>
+                  <a:lnTo>
+                    <a:pt x="5498994" y="1486072"/>
+                  </a:lnTo>
+                  <a:cubicBezTo>
+                    <a:pt x="6077848" y="1486072"/>
+                    <a:pt x="6547101" y="1927951"/>
+                    <a:pt x="6547101" y="2473037"/>
+                  </a:cubicBezTo>
+                  <a:cubicBezTo>
+                    <a:pt x="6547101" y="3018123"/>
+                    <a:pt x="6077848" y="3460002"/>
+                    <a:pt x="5498994" y="3460002"/>
+                  </a:cubicBezTo>
+                  <a:cubicBezTo>
+                    <a:pt x="5462816" y="3460002"/>
+                    <a:pt x="5427066" y="3458276"/>
+                    <a:pt x="5391831" y="3454907"/>
+                  </a:cubicBezTo>
+                  <a:lnTo>
+                    <a:pt x="5374447" y="3452408"/>
+                  </a:lnTo>
+                  <a:lnTo>
+                    <a:pt x="811825" y="3452408"/>
+                  </a:lnTo>
+                  <a:lnTo>
+                    <a:pt x="811804" y="3452409"/>
+                  </a:lnTo>
+                  <a:cubicBezTo>
+                    <a:pt x="363457" y="3452409"/>
+                    <a:pt x="0" y="3095598"/>
+                    <a:pt x="0" y="2655449"/>
+                  </a:cubicBezTo>
+                  <a:cubicBezTo>
+                    <a:pt x="0" y="2215300"/>
+                    <a:pt x="363457" y="1858489"/>
+                    <a:pt x="811804" y="1858489"/>
+                  </a:cubicBezTo>
+                  <a:lnTo>
+                    <a:pt x="830438" y="1859413"/>
+                  </a:lnTo>
+                  <a:lnTo>
+                    <a:pt x="836750" y="1797940"/>
+                  </a:lnTo>
+                  <a:cubicBezTo>
+                    <a:pt x="912448" y="1434779"/>
+                    <a:pt x="1239758" y="1161595"/>
+                    <a:pt x="1632061" y="1161595"/>
+                  </a:cubicBezTo>
+                  <a:cubicBezTo>
+                    <a:pt x="1730137" y="1161595"/>
+                    <a:pt x="1824151" y="1178669"/>
+                    <a:pt x="1911187" y="1209955"/>
+                  </a:cubicBezTo>
+                  <a:lnTo>
+                    <a:pt x="2004000" y="1252462"/>
+                  </a:lnTo>
+                  <a:lnTo>
+                    <a:pt x="2016480" y="1205704"/>
+                  </a:lnTo>
+                  <a:cubicBezTo>
+                    <a:pt x="2242013" y="507180"/>
+                    <a:pt x="2918371" y="0"/>
+                    <a:pt x="3717695" y="0"/>
+                  </a:cubicBezTo>
+                  <a:close/>
+                </a:path>
+              </a:pathLst>
+            </a:custGeom>
+            <a:noFill/>
+            <a:ln w="47625"/>
+          </p:spPr>
+          <p:style>
+            <a:lnRef idx="2">
+              <a:schemeClr val="accent1">
+                <a:shade val="50000"/>
+              </a:schemeClr>
+            </a:lnRef>
+            <a:fillRef idx="1">
+              <a:schemeClr val="accent1"/>
+            </a:fillRef>
+            <a:effectRef idx="0">
+              <a:schemeClr val="accent1"/>
+            </a:effectRef>
+            <a:fontRef idx="minor">
+              <a:schemeClr val="lt1"/>
+            </a:fontRef>
+          </p:style>
+          <p:txBody>
+            <a:bodyPr wrap="square" rtlCol="0" anchor="ctr">
+              <a:noAutofit/>
+            </a:bodyPr>
+            <a:lstStyle/>
+            <a:p>
+              <a:pPr algn="ctr"/>
+              <a:endParaRPr lang="en-US"/>
+            </a:p>
+          </p:txBody>
+        </p:sp>
+        <p:pic>
+          <p:nvPicPr>
+            <p:cNvPr id="1026" name="Picture 2" descr="Swiss FTS Announces New RelativityOne Offering, expanding eDiscovery  Capabilities - Swiss FTS - Forensic Technology Solutions">
+              <a:extLst>
+                <a:ext uri="{FF2B5EF4-FFF2-40B4-BE49-F238E27FC236}">
+                  <a16:creationId xmlns:a16="http://schemas.microsoft.com/office/drawing/2014/main" id="{3B0A2AE8-BF8B-436F-A67C-F33EFCE77D41}"/>
+                </a:ext>
+              </a:extLst>
+            </p:cNvPr>
+            <p:cNvPicPr>
+              <a:picLocks noChangeAspect="1" noChangeArrowheads="1"/>
+            </p:cNvPicPr>
+            <p:nvPr/>
+          </p:nvPicPr>
+          <p:blipFill>
+            <a:blip r:embed="rId2">
+              <a:extLst>
+                <a:ext uri="{28A0092B-C50C-407E-A947-70E740481C1C}">
+                  <a14:useLocalDpi xmlns:a14="http://schemas.microsoft.com/office/drawing/2010/main" val="0"/>
+                </a:ext>
+              </a:extLst>
+            </a:blip>
+            <a:srcRect/>
+            <a:stretch>
+              <a:fillRect/>
+            </a:stretch>
+          </p:blipFill>
+          <p:spPr bwMode="auto">
+            <a:xfrm>
+              <a:off x="3164774" y="1774909"/>
+              <a:ext cx="3212275" cy="1288925"/>
+            </a:xfrm>
+            <a:prstGeom prst="rect">
+              <a:avLst/>
+            </a:prstGeom>
+            <a:noFill/>
+            <a:extLst>
+              <a:ext uri="{909E8E84-426E-40DD-AFC4-6F175D3DCCD1}">
+                <a14:hiddenFill xmlns:a14="http://schemas.microsoft.com/office/drawing/2010/main">
+                  <a:solidFill>
+                    <a:srgbClr val="FFFFFF"/>
+                  </a:solidFill>
+                </a14:hiddenFill>
+              </a:ext>
+            </a:extLst>
+          </p:spPr>
+        </p:pic>
+      </p:grpSp>
+    </p:spTree>
+    <p:extLst>
+      <p:ext uri="{BB962C8B-B14F-4D97-AF65-F5344CB8AC3E}">
+        <p14:creationId xmlns:p14="http://schemas.microsoft.com/office/powerpoint/2010/main" val="4125351976"/>
+      </p:ext>
+    </p:extLst>
+  </p:cSld>
+  <p:clrMapOvr>
+    <a:masterClrMapping/>
+  </p:clrMapOvr>
+</p:sld>
+</file>
+
 <file path=ppt/theme/theme1.xml><?xml version="1.0" encoding="utf-8"?>
 <a:theme xmlns:a="http://schemas.openxmlformats.org/drawingml/2006/main" name="Office Theme">
   <a:themeElements>

--- a/Network Shapes.pptx
+++ b/Network Shapes.pptx
@@ -268,7 +268,7 @@
           <a:p>
             <a:fld id="{E83FFE37-C1F0-467D-A491-4333803291AA}" type="datetimeFigureOut">
               <a:rPr lang="en-US" smtClean="0"/>
-              <a:t>2/21/2022</a:t>
+              <a:t>9/29/2022</a:t>
             </a:fld>
             <a:endParaRPr lang="en-US"/>
           </a:p>
@@ -466,7 +466,7 @@
           <a:p>
             <a:fld id="{E83FFE37-C1F0-467D-A491-4333803291AA}" type="datetimeFigureOut">
               <a:rPr lang="en-US" smtClean="0"/>
-              <a:t>2/21/2022</a:t>
+              <a:t>9/29/2022</a:t>
             </a:fld>
             <a:endParaRPr lang="en-US"/>
           </a:p>
@@ -674,7 +674,7 @@
           <a:p>
             <a:fld id="{E83FFE37-C1F0-467D-A491-4333803291AA}" type="datetimeFigureOut">
               <a:rPr lang="en-US" smtClean="0"/>
-              <a:t>2/21/2022</a:t>
+              <a:t>9/29/2022</a:t>
             </a:fld>
             <a:endParaRPr lang="en-US"/>
           </a:p>
@@ -872,7 +872,7 @@
           <a:p>
             <a:fld id="{E83FFE37-C1F0-467D-A491-4333803291AA}" type="datetimeFigureOut">
               <a:rPr lang="en-US" smtClean="0"/>
-              <a:t>2/21/2022</a:t>
+              <a:t>9/29/2022</a:t>
             </a:fld>
             <a:endParaRPr lang="en-US"/>
           </a:p>
@@ -1147,7 +1147,7 @@
           <a:p>
             <a:fld id="{E83FFE37-C1F0-467D-A491-4333803291AA}" type="datetimeFigureOut">
               <a:rPr lang="en-US" smtClean="0"/>
-              <a:t>2/21/2022</a:t>
+              <a:t>9/29/2022</a:t>
             </a:fld>
             <a:endParaRPr lang="en-US"/>
           </a:p>
@@ -1412,7 +1412,7 @@
           <a:p>
             <a:fld id="{E83FFE37-C1F0-467D-A491-4333803291AA}" type="datetimeFigureOut">
               <a:rPr lang="en-US" smtClean="0"/>
-              <a:t>2/21/2022</a:t>
+              <a:t>9/29/2022</a:t>
             </a:fld>
             <a:endParaRPr lang="en-US"/>
           </a:p>
@@ -1824,7 +1824,7 @@
           <a:p>
             <a:fld id="{E83FFE37-C1F0-467D-A491-4333803291AA}" type="datetimeFigureOut">
               <a:rPr lang="en-US" smtClean="0"/>
-              <a:t>2/21/2022</a:t>
+              <a:t>9/29/2022</a:t>
             </a:fld>
             <a:endParaRPr lang="en-US"/>
           </a:p>
@@ -1965,7 +1965,7 @@
           <a:p>
             <a:fld id="{E83FFE37-C1F0-467D-A491-4333803291AA}" type="datetimeFigureOut">
               <a:rPr lang="en-US" smtClean="0"/>
-              <a:t>2/21/2022</a:t>
+              <a:t>9/29/2022</a:t>
             </a:fld>
             <a:endParaRPr lang="en-US"/>
           </a:p>
@@ -2078,7 +2078,7 @@
           <a:p>
             <a:fld id="{E83FFE37-C1F0-467D-A491-4333803291AA}" type="datetimeFigureOut">
               <a:rPr lang="en-US" smtClean="0"/>
-              <a:t>2/21/2022</a:t>
+              <a:t>9/29/2022</a:t>
             </a:fld>
             <a:endParaRPr lang="en-US"/>
           </a:p>
@@ -2389,7 +2389,7 @@
           <a:p>
             <a:fld id="{E83FFE37-C1F0-467D-A491-4333803291AA}" type="datetimeFigureOut">
               <a:rPr lang="en-US" smtClean="0"/>
-              <a:t>2/21/2022</a:t>
+              <a:t>9/29/2022</a:t>
             </a:fld>
             <a:endParaRPr lang="en-US"/>
           </a:p>
@@ -2677,7 +2677,7 @@
           <a:p>
             <a:fld id="{E83FFE37-C1F0-467D-A491-4333803291AA}" type="datetimeFigureOut">
               <a:rPr lang="en-US" smtClean="0"/>
-              <a:t>2/21/2022</a:t>
+              <a:t>9/29/2022</a:t>
             </a:fld>
             <a:endParaRPr lang="en-US"/>
           </a:p>
@@ -2918,7 +2918,7 @@
           <a:p>
             <a:fld id="{E83FFE37-C1F0-467D-A491-4333803291AA}" type="datetimeFigureOut">
               <a:rPr lang="en-US" smtClean="0"/>
-              <a:t>2/21/2022</a:t>
+              <a:t>9/29/2022</a:t>
             </a:fld>
             <a:endParaRPr lang="en-US"/>
           </a:p>
@@ -6825,7 +6825,7 @@
         </p:nvGrpSpPr>
         <p:grpSpPr>
           <a:xfrm>
-            <a:off x="2699470" y="2066709"/>
+            <a:off x="2638345" y="2047977"/>
             <a:ext cx="1228725" cy="869565"/>
             <a:chOff x="2740094" y="2954132"/>
             <a:chExt cx="1228725" cy="869565"/>
@@ -9879,7 +9879,7 @@
         </p:nvGrpSpPr>
         <p:grpSpPr>
           <a:xfrm>
-            <a:off x="4496421" y="3396460"/>
+            <a:off x="4485572" y="3054722"/>
             <a:ext cx="916433" cy="645746"/>
             <a:chOff x="6007026" y="3011801"/>
             <a:chExt cx="916433" cy="645746"/>
@@ -11176,7 +11176,7 @@
         </p:nvGrpSpPr>
         <p:grpSpPr>
           <a:xfrm>
-            <a:off x="4361349" y="4595934"/>
+            <a:off x="4344252" y="4806989"/>
             <a:ext cx="1121258" cy="603509"/>
             <a:chOff x="5629012" y="4288115"/>
             <a:chExt cx="1121258" cy="603509"/>
@@ -11580,7 +11580,7 @@
         </p:nvGrpSpPr>
         <p:grpSpPr>
           <a:xfrm>
-            <a:off x="950813" y="4490605"/>
+            <a:off x="999254" y="4370231"/>
             <a:ext cx="1121258" cy="500416"/>
             <a:chOff x="6708775" y="993254"/>
             <a:chExt cx="1121258" cy="500416"/>
@@ -14466,7 +14466,7 @@
         </p:nvGrpSpPr>
         <p:grpSpPr>
           <a:xfrm>
-            <a:off x="4297259" y="5401770"/>
+            <a:off x="4358083" y="5626983"/>
             <a:ext cx="1121258" cy="793535"/>
             <a:chOff x="4297259" y="5401770"/>
             <a:chExt cx="1121258" cy="793535"/>
@@ -25357,6 +25357,335 @@
           </p:txBody>
         </p:sp>
       </p:grpSp>
+      <p:grpSp>
+        <p:nvGrpSpPr>
+          <p:cNvPr id="67" name="Group 66">
+            <a:extLst>
+              <a:ext uri="{FF2B5EF4-FFF2-40B4-BE49-F238E27FC236}">
+                <a16:creationId xmlns:a16="http://schemas.microsoft.com/office/drawing/2014/main" id="{722BAFF2-60E6-4E28-85BE-30A49E41911B}"/>
+              </a:ext>
+            </a:extLst>
+          </p:cNvPr>
+          <p:cNvGrpSpPr/>
+          <p:nvPr/>
+        </p:nvGrpSpPr>
+        <p:grpSpPr>
+          <a:xfrm>
+            <a:off x="4429843" y="3802584"/>
+            <a:ext cx="1121258" cy="810265"/>
+            <a:chOff x="10251337" y="4236777"/>
+            <a:chExt cx="1121258" cy="810265"/>
+          </a:xfrm>
+        </p:grpSpPr>
+        <p:grpSp>
+          <p:nvGrpSpPr>
+            <p:cNvPr id="513" name="Group 512">
+              <a:extLst>
+                <a:ext uri="{FF2B5EF4-FFF2-40B4-BE49-F238E27FC236}">
+                  <a16:creationId xmlns:a16="http://schemas.microsoft.com/office/drawing/2014/main" id="{170CE751-1DD2-4D1B-84C5-DB292A30B10E}"/>
+                </a:ext>
+              </a:extLst>
+            </p:cNvPr>
+            <p:cNvGrpSpPr/>
+            <p:nvPr/>
+          </p:nvGrpSpPr>
+          <p:grpSpPr>
+            <a:xfrm>
+              <a:off x="10251337" y="4236777"/>
+              <a:ext cx="1121258" cy="810265"/>
+              <a:chOff x="5672336" y="4288115"/>
+              <a:chExt cx="1121258" cy="810265"/>
+            </a:xfrm>
+          </p:grpSpPr>
+          <p:grpSp>
+            <p:nvGrpSpPr>
+              <p:cNvPr id="515" name="Group 514">
+                <a:extLst>
+                  <a:ext uri="{FF2B5EF4-FFF2-40B4-BE49-F238E27FC236}">
+                    <a16:creationId xmlns:a16="http://schemas.microsoft.com/office/drawing/2014/main" id="{8C259BAD-1896-4BBB-B4AD-65AD69D45472}"/>
+                  </a:ext>
+                </a:extLst>
+              </p:cNvPr>
+              <p:cNvGrpSpPr/>
+              <p:nvPr/>
+            </p:nvGrpSpPr>
+            <p:grpSpPr>
+              <a:xfrm>
+                <a:off x="6024611" y="4288115"/>
+                <a:ext cx="410614" cy="259710"/>
+                <a:chOff x="6024611" y="4288115"/>
+                <a:chExt cx="410614" cy="259710"/>
+              </a:xfrm>
+            </p:grpSpPr>
+            <p:sp>
+              <p:nvSpPr>
+                <p:cNvPr id="517" name="Rectangle 516">
+                  <a:extLst>
+                    <a:ext uri="{FF2B5EF4-FFF2-40B4-BE49-F238E27FC236}">
+                      <a16:creationId xmlns:a16="http://schemas.microsoft.com/office/drawing/2014/main" id="{166B897E-2D85-4F7F-AA03-E4FF771AB278}"/>
+                    </a:ext>
+                  </a:extLst>
+                </p:cNvPr>
+                <p:cNvSpPr/>
+                <p:nvPr/>
+              </p:nvSpPr>
+              <p:spPr>
+                <a:xfrm>
+                  <a:off x="6024611" y="4288115"/>
+                  <a:ext cx="338471" cy="252108"/>
+                </a:xfrm>
+                <a:prstGeom prst="rect">
+                  <a:avLst/>
+                </a:prstGeom>
+              </p:spPr>
+              <p:style>
+                <a:lnRef idx="2">
+                  <a:schemeClr val="accent1">
+                    <a:shade val="50000"/>
+                  </a:schemeClr>
+                </a:lnRef>
+                <a:fillRef idx="1">
+                  <a:schemeClr val="accent1"/>
+                </a:fillRef>
+                <a:effectRef idx="0">
+                  <a:schemeClr val="accent1"/>
+                </a:effectRef>
+                <a:fontRef idx="minor">
+                  <a:schemeClr val="lt1"/>
+                </a:fontRef>
+              </p:style>
+              <p:txBody>
+                <a:bodyPr rtlCol="0" anchor="ctr"/>
+                <a:lstStyle/>
+                <a:p>
+                  <a:pPr algn="ctr"/>
+                  <a:endParaRPr lang="en-US"/>
+                </a:p>
+              </p:txBody>
+            </p:sp>
+            <p:sp>
+              <p:nvSpPr>
+                <p:cNvPr id="518" name="Parallelogram 517">
+                  <a:extLst>
+                    <a:ext uri="{FF2B5EF4-FFF2-40B4-BE49-F238E27FC236}">
+                      <a16:creationId xmlns:a16="http://schemas.microsoft.com/office/drawing/2014/main" id="{9EAB8543-15B7-4EB3-B5D0-961C8B6713D5}"/>
+                    </a:ext>
+                  </a:extLst>
+                </p:cNvPr>
+                <p:cNvSpPr/>
+                <p:nvPr/>
+              </p:nvSpPr>
+              <p:spPr>
+                <a:xfrm>
+                  <a:off x="6035964" y="4324263"/>
+                  <a:ext cx="399261" cy="223562"/>
+                </a:xfrm>
+                <a:prstGeom prst="parallelogram">
+                  <a:avLst/>
+                </a:prstGeom>
+              </p:spPr>
+              <p:style>
+                <a:lnRef idx="2">
+                  <a:schemeClr val="accent1">
+                    <a:shade val="50000"/>
+                  </a:schemeClr>
+                </a:lnRef>
+                <a:fillRef idx="1">
+                  <a:schemeClr val="accent1"/>
+                </a:fillRef>
+                <a:effectRef idx="0">
+                  <a:schemeClr val="accent1"/>
+                </a:effectRef>
+                <a:fontRef idx="minor">
+                  <a:schemeClr val="lt1"/>
+                </a:fontRef>
+              </p:style>
+              <p:txBody>
+                <a:bodyPr rtlCol="0" anchor="ctr"/>
+                <a:lstStyle/>
+                <a:p>
+                  <a:pPr algn="ctr"/>
+                  <a:endParaRPr lang="en-US"/>
+                </a:p>
+              </p:txBody>
+            </p:sp>
+          </p:grpSp>
+          <p:sp>
+            <p:nvSpPr>
+              <p:cNvPr id="516" name="TextBox 515">
+                <a:extLst>
+                  <a:ext uri="{FF2B5EF4-FFF2-40B4-BE49-F238E27FC236}">
+                    <a16:creationId xmlns:a16="http://schemas.microsoft.com/office/drawing/2014/main" id="{8A6B9456-4E54-4CCD-87BD-CCFFD3D16D08}"/>
+                  </a:ext>
+                </a:extLst>
+              </p:cNvPr>
+              <p:cNvSpPr txBox="1"/>
+              <p:nvPr/>
+            </p:nvSpPr>
+            <p:spPr>
+              <a:xfrm>
+                <a:off x="5672336" y="4698270"/>
+                <a:ext cx="1121258" cy="400110"/>
+              </a:xfrm>
+              <a:prstGeom prst="rect">
+                <a:avLst/>
+              </a:prstGeom>
+              <a:noFill/>
+            </p:spPr>
+            <p:txBody>
+              <a:bodyPr wrap="square" rtlCol="0">
+                <a:spAutoFit/>
+              </a:bodyPr>
+              <a:lstStyle/>
+              <a:p>
+                <a:pPr algn="ctr"/>
+                <a:r>
+                  <a:rPr lang="en-US" sz="1000" dirty="0"/>
+                  <a:t>Mounted Network Folder</a:t>
+                </a:r>
+              </a:p>
+            </p:txBody>
+          </p:sp>
+        </p:grpSp>
+        <p:sp>
+          <p:nvSpPr>
+            <p:cNvPr id="65" name="Rectangle 64">
+              <a:extLst>
+                <a:ext uri="{FF2B5EF4-FFF2-40B4-BE49-F238E27FC236}">
+                  <a16:creationId xmlns:a16="http://schemas.microsoft.com/office/drawing/2014/main" id="{5CB731D4-8FD7-454A-B802-137E8DFB4B1A}"/>
+                </a:ext>
+              </a:extLst>
+            </p:cNvPr>
+            <p:cNvSpPr/>
+            <p:nvPr/>
+          </p:nvSpPr>
+          <p:spPr>
+            <a:xfrm>
+              <a:off x="10462260" y="4577235"/>
+              <a:ext cx="657657" cy="45719"/>
+            </a:xfrm>
+            <a:prstGeom prst="rect">
+              <a:avLst/>
+            </a:prstGeom>
+          </p:spPr>
+          <p:style>
+            <a:lnRef idx="2">
+              <a:schemeClr val="accent1">
+                <a:shade val="50000"/>
+              </a:schemeClr>
+            </a:lnRef>
+            <a:fillRef idx="1">
+              <a:schemeClr val="accent1"/>
+            </a:fillRef>
+            <a:effectRef idx="0">
+              <a:schemeClr val="accent1"/>
+            </a:effectRef>
+            <a:fontRef idx="minor">
+              <a:schemeClr val="lt1"/>
+            </a:fontRef>
+          </p:style>
+          <p:txBody>
+            <a:bodyPr rtlCol="0" anchor="ctr"/>
+            <a:lstStyle/>
+            <a:p>
+              <a:pPr algn="ctr"/>
+              <a:endParaRPr lang="en-US"/>
+            </a:p>
+          </p:txBody>
+        </p:sp>
+        <p:sp>
+          <p:nvSpPr>
+            <p:cNvPr id="577" name="Rectangle 576">
+              <a:extLst>
+                <a:ext uri="{FF2B5EF4-FFF2-40B4-BE49-F238E27FC236}">
+                  <a16:creationId xmlns:a16="http://schemas.microsoft.com/office/drawing/2014/main" id="{F6F49F53-7CA9-4274-B6F9-D8093C28A3A0}"/>
+                </a:ext>
+              </a:extLst>
+            </p:cNvPr>
+            <p:cNvSpPr/>
+            <p:nvPr/>
+          </p:nvSpPr>
+          <p:spPr>
+            <a:xfrm rot="5400000" flipV="1">
+              <a:off x="10748183" y="4514363"/>
+              <a:ext cx="81846" cy="45719"/>
+            </a:xfrm>
+            <a:prstGeom prst="rect">
+              <a:avLst/>
+            </a:prstGeom>
+          </p:spPr>
+          <p:style>
+            <a:lnRef idx="2">
+              <a:schemeClr val="accent1">
+                <a:shade val="50000"/>
+              </a:schemeClr>
+            </a:lnRef>
+            <a:fillRef idx="1">
+              <a:schemeClr val="accent1"/>
+            </a:fillRef>
+            <a:effectRef idx="0">
+              <a:schemeClr val="accent1"/>
+            </a:effectRef>
+            <a:fontRef idx="minor">
+              <a:schemeClr val="lt1"/>
+            </a:fontRef>
+          </p:style>
+          <p:txBody>
+            <a:bodyPr rtlCol="0" anchor="ctr"/>
+            <a:lstStyle/>
+            <a:p>
+              <a:pPr algn="ctr"/>
+              <a:endParaRPr lang="en-US"/>
+            </a:p>
+          </p:txBody>
+        </p:sp>
+        <p:sp>
+          <p:nvSpPr>
+            <p:cNvPr id="579" name="Rectangle 578">
+              <a:extLst>
+                <a:ext uri="{FF2B5EF4-FFF2-40B4-BE49-F238E27FC236}">
+                  <a16:creationId xmlns:a16="http://schemas.microsoft.com/office/drawing/2014/main" id="{8B81F7F6-B978-4C2E-B626-E889C41337AF}"/>
+                </a:ext>
+              </a:extLst>
+            </p:cNvPr>
+            <p:cNvSpPr/>
+            <p:nvPr/>
+          </p:nvSpPr>
+          <p:spPr>
+            <a:xfrm>
+              <a:off x="10754080" y="4558628"/>
+              <a:ext cx="75537" cy="73954"/>
+            </a:xfrm>
+            <a:prstGeom prst="rect">
+              <a:avLst/>
+            </a:prstGeom>
+          </p:spPr>
+          <p:style>
+            <a:lnRef idx="2">
+              <a:schemeClr val="accent1">
+                <a:shade val="50000"/>
+              </a:schemeClr>
+            </a:lnRef>
+            <a:fillRef idx="1">
+              <a:schemeClr val="accent1"/>
+            </a:fillRef>
+            <a:effectRef idx="0">
+              <a:schemeClr val="accent1"/>
+            </a:effectRef>
+            <a:fontRef idx="minor">
+              <a:schemeClr val="lt1"/>
+            </a:fontRef>
+          </p:style>
+          <p:txBody>
+            <a:bodyPr rtlCol="0" anchor="ctr"/>
+            <a:lstStyle/>
+            <a:p>
+              <a:pPr algn="ctr"/>
+              <a:endParaRPr lang="en-US"/>
+            </a:p>
+          </p:txBody>
+        </p:sp>
+      </p:grpSp>
     </p:spTree>
     <p:extLst>
       <p:ext uri="{BB962C8B-B14F-4D97-AF65-F5344CB8AC3E}">

--- a/Network Shapes.pptx
+++ b/Network Shapes.pptx
@@ -25686,6 +25686,898 @@
           </p:txBody>
         </p:sp>
       </p:grpSp>
+      <p:grpSp>
+        <p:nvGrpSpPr>
+          <p:cNvPr id="580" name="Group 579">
+            <a:extLst>
+              <a:ext uri="{FF2B5EF4-FFF2-40B4-BE49-F238E27FC236}">
+                <a16:creationId xmlns:a16="http://schemas.microsoft.com/office/drawing/2014/main" id="{860E90B2-AD63-46EC-852C-8AA70D597F4E}"/>
+              </a:ext>
+            </a:extLst>
+          </p:cNvPr>
+          <p:cNvGrpSpPr/>
+          <p:nvPr/>
+        </p:nvGrpSpPr>
+        <p:grpSpPr>
+          <a:xfrm>
+            <a:off x="10445743" y="3924568"/>
+            <a:ext cx="511061" cy="742802"/>
+            <a:chOff x="6679513" y="730608"/>
+            <a:chExt cx="511061" cy="742802"/>
+          </a:xfrm>
+        </p:grpSpPr>
+        <p:grpSp>
+          <p:nvGrpSpPr>
+            <p:cNvPr id="581" name="Group 580">
+              <a:extLst>
+                <a:ext uri="{FF2B5EF4-FFF2-40B4-BE49-F238E27FC236}">
+                  <a16:creationId xmlns:a16="http://schemas.microsoft.com/office/drawing/2014/main" id="{D4E6BFA1-C246-4D16-BAA8-BFC1FDF4A6EA}"/>
+                </a:ext>
+              </a:extLst>
+            </p:cNvPr>
+            <p:cNvGrpSpPr/>
+            <p:nvPr/>
+          </p:nvGrpSpPr>
+          <p:grpSpPr>
+            <a:xfrm>
+              <a:off x="6691471" y="854719"/>
+              <a:ext cx="378196" cy="618691"/>
+              <a:chOff x="6691471" y="854719"/>
+              <a:chExt cx="378196" cy="618691"/>
+            </a:xfrm>
+          </p:grpSpPr>
+          <p:sp>
+            <p:nvSpPr>
+              <p:cNvPr id="583" name="Rectangle 582">
+                <a:extLst>
+                  <a:ext uri="{FF2B5EF4-FFF2-40B4-BE49-F238E27FC236}">
+                    <a16:creationId xmlns:a16="http://schemas.microsoft.com/office/drawing/2014/main" id="{A87DD160-8B9B-4866-B083-9CF2E10A1131}"/>
+                  </a:ext>
+                </a:extLst>
+              </p:cNvPr>
+              <p:cNvSpPr/>
+              <p:nvPr/>
+            </p:nvSpPr>
+            <p:spPr>
+              <a:xfrm>
+                <a:off x="6796617" y="1264430"/>
+                <a:ext cx="273050" cy="104293"/>
+              </a:xfrm>
+              <a:prstGeom prst="rect">
+                <a:avLst/>
+              </a:prstGeom>
+            </p:spPr>
+            <p:style>
+              <a:lnRef idx="2">
+                <a:schemeClr val="accent1">
+                  <a:shade val="50000"/>
+                </a:schemeClr>
+              </a:lnRef>
+              <a:fillRef idx="1">
+                <a:schemeClr val="accent1"/>
+              </a:fillRef>
+              <a:effectRef idx="0">
+                <a:schemeClr val="accent1"/>
+              </a:effectRef>
+              <a:fontRef idx="minor">
+                <a:schemeClr val="lt1"/>
+              </a:fontRef>
+            </p:style>
+            <p:txBody>
+              <a:bodyPr rtlCol="0" anchor="ctr"/>
+              <a:lstStyle/>
+              <a:p>
+                <a:pPr algn="ctr"/>
+                <a:endParaRPr lang="en-US"/>
+              </a:p>
+            </p:txBody>
+          </p:sp>
+          <p:sp>
+            <p:nvSpPr>
+              <p:cNvPr id="584" name="Rectangle 583">
+                <a:extLst>
+                  <a:ext uri="{FF2B5EF4-FFF2-40B4-BE49-F238E27FC236}">
+                    <a16:creationId xmlns:a16="http://schemas.microsoft.com/office/drawing/2014/main" id="{D5BF1074-DA43-4909-9176-5537D6E9F92E}"/>
+                  </a:ext>
+                </a:extLst>
+              </p:cNvPr>
+              <p:cNvSpPr/>
+              <p:nvPr/>
+            </p:nvSpPr>
+            <p:spPr>
+              <a:xfrm>
+                <a:off x="6691471" y="1162002"/>
+                <a:ext cx="273050" cy="102428"/>
+              </a:xfrm>
+              <a:prstGeom prst="rect">
+                <a:avLst/>
+              </a:prstGeom>
+            </p:spPr>
+            <p:style>
+              <a:lnRef idx="2">
+                <a:schemeClr val="accent1">
+                  <a:shade val="50000"/>
+                </a:schemeClr>
+              </a:lnRef>
+              <a:fillRef idx="1">
+                <a:schemeClr val="accent1"/>
+              </a:fillRef>
+              <a:effectRef idx="0">
+                <a:schemeClr val="accent1"/>
+              </a:effectRef>
+              <a:fontRef idx="minor">
+                <a:schemeClr val="lt1"/>
+              </a:fontRef>
+            </p:style>
+            <p:txBody>
+              <a:bodyPr rtlCol="0" anchor="ctr"/>
+              <a:lstStyle/>
+              <a:p>
+                <a:pPr algn="ctr"/>
+                <a:endParaRPr lang="en-US"/>
+              </a:p>
+            </p:txBody>
+          </p:sp>
+          <p:sp>
+            <p:nvSpPr>
+              <p:cNvPr id="585" name="Rectangle 584">
+                <a:extLst>
+                  <a:ext uri="{FF2B5EF4-FFF2-40B4-BE49-F238E27FC236}">
+                    <a16:creationId xmlns:a16="http://schemas.microsoft.com/office/drawing/2014/main" id="{EDAD1C0C-B0A7-4B40-AAFD-24A660BA32C0}"/>
+                  </a:ext>
+                </a:extLst>
+              </p:cNvPr>
+              <p:cNvSpPr/>
+              <p:nvPr/>
+            </p:nvSpPr>
+            <p:spPr>
+              <a:xfrm>
+                <a:off x="6796617" y="1059575"/>
+                <a:ext cx="273050" cy="102428"/>
+              </a:xfrm>
+              <a:prstGeom prst="rect">
+                <a:avLst/>
+              </a:prstGeom>
+            </p:spPr>
+            <p:style>
+              <a:lnRef idx="2">
+                <a:schemeClr val="accent1">
+                  <a:shade val="50000"/>
+                </a:schemeClr>
+              </a:lnRef>
+              <a:fillRef idx="1">
+                <a:schemeClr val="accent1"/>
+              </a:fillRef>
+              <a:effectRef idx="0">
+                <a:schemeClr val="accent1"/>
+              </a:effectRef>
+              <a:fontRef idx="minor">
+                <a:schemeClr val="lt1"/>
+              </a:fontRef>
+            </p:style>
+            <p:txBody>
+              <a:bodyPr rtlCol="0" anchor="ctr"/>
+              <a:lstStyle/>
+              <a:p>
+                <a:pPr algn="ctr"/>
+                <a:endParaRPr lang="en-US"/>
+              </a:p>
+            </p:txBody>
+          </p:sp>
+          <p:sp>
+            <p:nvSpPr>
+              <p:cNvPr id="586" name="Rectangle 585">
+                <a:extLst>
+                  <a:ext uri="{FF2B5EF4-FFF2-40B4-BE49-F238E27FC236}">
+                    <a16:creationId xmlns:a16="http://schemas.microsoft.com/office/drawing/2014/main" id="{F136D014-E970-4182-8232-5D7065F95B33}"/>
+                  </a:ext>
+                </a:extLst>
+              </p:cNvPr>
+              <p:cNvSpPr/>
+              <p:nvPr/>
+            </p:nvSpPr>
+            <p:spPr>
+              <a:xfrm>
+                <a:off x="6691471" y="957146"/>
+                <a:ext cx="273050" cy="102428"/>
+              </a:xfrm>
+              <a:prstGeom prst="rect">
+                <a:avLst/>
+              </a:prstGeom>
+            </p:spPr>
+            <p:style>
+              <a:lnRef idx="2">
+                <a:schemeClr val="accent1">
+                  <a:shade val="50000"/>
+                </a:schemeClr>
+              </a:lnRef>
+              <a:fillRef idx="1">
+                <a:schemeClr val="accent1"/>
+              </a:fillRef>
+              <a:effectRef idx="0">
+                <a:schemeClr val="accent1"/>
+              </a:effectRef>
+              <a:fontRef idx="minor">
+                <a:schemeClr val="lt1"/>
+              </a:fontRef>
+            </p:style>
+            <p:txBody>
+              <a:bodyPr rtlCol="0" anchor="ctr"/>
+              <a:lstStyle/>
+              <a:p>
+                <a:pPr algn="ctr"/>
+                <a:endParaRPr lang="en-US"/>
+              </a:p>
+            </p:txBody>
+          </p:sp>
+          <p:sp>
+            <p:nvSpPr>
+              <p:cNvPr id="587" name="Rectangle 586">
+                <a:extLst>
+                  <a:ext uri="{FF2B5EF4-FFF2-40B4-BE49-F238E27FC236}">
+                    <a16:creationId xmlns:a16="http://schemas.microsoft.com/office/drawing/2014/main" id="{B10A71BD-373C-483F-85C2-D2EB37118085}"/>
+                  </a:ext>
+                </a:extLst>
+              </p:cNvPr>
+              <p:cNvSpPr/>
+              <p:nvPr/>
+            </p:nvSpPr>
+            <p:spPr>
+              <a:xfrm>
+                <a:off x="6796617" y="854719"/>
+                <a:ext cx="273050" cy="98899"/>
+              </a:xfrm>
+              <a:prstGeom prst="rect">
+                <a:avLst/>
+              </a:prstGeom>
+            </p:spPr>
+            <p:style>
+              <a:lnRef idx="2">
+                <a:schemeClr val="accent1">
+                  <a:shade val="50000"/>
+                </a:schemeClr>
+              </a:lnRef>
+              <a:fillRef idx="1">
+                <a:schemeClr val="accent1"/>
+              </a:fillRef>
+              <a:effectRef idx="0">
+                <a:schemeClr val="accent1"/>
+              </a:effectRef>
+              <a:fontRef idx="minor">
+                <a:schemeClr val="lt1"/>
+              </a:fontRef>
+            </p:style>
+            <p:txBody>
+              <a:bodyPr rtlCol="0" anchor="ctr"/>
+              <a:lstStyle/>
+              <a:p>
+                <a:pPr algn="ctr"/>
+                <a:endParaRPr lang="en-US"/>
+              </a:p>
+            </p:txBody>
+          </p:sp>
+          <p:sp>
+            <p:nvSpPr>
+              <p:cNvPr id="588" name="Rectangle 587">
+                <a:extLst>
+                  <a:ext uri="{FF2B5EF4-FFF2-40B4-BE49-F238E27FC236}">
+                    <a16:creationId xmlns:a16="http://schemas.microsoft.com/office/drawing/2014/main" id="{CF7216CD-ECEF-45B5-96F8-2D95FEEEDDD4}"/>
+                  </a:ext>
+                </a:extLst>
+              </p:cNvPr>
+              <p:cNvSpPr/>
+              <p:nvPr/>
+            </p:nvSpPr>
+            <p:spPr>
+              <a:xfrm>
+                <a:off x="6935922" y="954888"/>
+                <a:ext cx="133232" cy="104687"/>
+              </a:xfrm>
+              <a:prstGeom prst="rect">
+                <a:avLst/>
+              </a:prstGeom>
+            </p:spPr>
+            <p:style>
+              <a:lnRef idx="2">
+                <a:schemeClr val="accent1">
+                  <a:shade val="50000"/>
+                </a:schemeClr>
+              </a:lnRef>
+              <a:fillRef idx="1">
+                <a:schemeClr val="accent1"/>
+              </a:fillRef>
+              <a:effectRef idx="0">
+                <a:schemeClr val="accent1"/>
+              </a:effectRef>
+              <a:fontRef idx="minor">
+                <a:schemeClr val="lt1"/>
+              </a:fontRef>
+            </p:style>
+            <p:txBody>
+              <a:bodyPr rtlCol="0" anchor="ctr"/>
+              <a:lstStyle/>
+              <a:p>
+                <a:pPr algn="ctr"/>
+                <a:endParaRPr lang="en-US"/>
+              </a:p>
+            </p:txBody>
+          </p:sp>
+          <p:sp>
+            <p:nvSpPr>
+              <p:cNvPr id="589" name="Rectangle 588">
+                <a:extLst>
+                  <a:ext uri="{FF2B5EF4-FFF2-40B4-BE49-F238E27FC236}">
+                    <a16:creationId xmlns:a16="http://schemas.microsoft.com/office/drawing/2014/main" id="{C04B282E-43D2-4F76-B60C-09EDCBC3A8F1}"/>
+                  </a:ext>
+                </a:extLst>
+              </p:cNvPr>
+              <p:cNvSpPr/>
+              <p:nvPr/>
+            </p:nvSpPr>
+            <p:spPr>
+              <a:xfrm>
+                <a:off x="6935922" y="1162805"/>
+                <a:ext cx="133232" cy="100355"/>
+              </a:xfrm>
+              <a:prstGeom prst="rect">
+                <a:avLst/>
+              </a:prstGeom>
+            </p:spPr>
+            <p:style>
+              <a:lnRef idx="2">
+                <a:schemeClr val="accent1">
+                  <a:shade val="50000"/>
+                </a:schemeClr>
+              </a:lnRef>
+              <a:fillRef idx="1">
+                <a:schemeClr val="accent1"/>
+              </a:fillRef>
+              <a:effectRef idx="0">
+                <a:schemeClr val="accent1"/>
+              </a:effectRef>
+              <a:fontRef idx="minor">
+                <a:schemeClr val="lt1"/>
+              </a:fontRef>
+            </p:style>
+            <p:txBody>
+              <a:bodyPr rtlCol="0" anchor="ctr"/>
+              <a:lstStyle/>
+              <a:p>
+                <a:pPr algn="ctr"/>
+                <a:endParaRPr lang="en-US"/>
+              </a:p>
+            </p:txBody>
+          </p:sp>
+          <p:sp>
+            <p:nvSpPr>
+              <p:cNvPr id="590" name="Rectangle 589">
+                <a:extLst>
+                  <a:ext uri="{FF2B5EF4-FFF2-40B4-BE49-F238E27FC236}">
+                    <a16:creationId xmlns:a16="http://schemas.microsoft.com/office/drawing/2014/main" id="{5AF6F10F-A223-4D03-8C9C-15C9EDD52AF7}"/>
+                  </a:ext>
+                </a:extLst>
+              </p:cNvPr>
+              <p:cNvSpPr/>
+              <p:nvPr/>
+            </p:nvSpPr>
+            <p:spPr>
+              <a:xfrm>
+                <a:off x="6693117" y="855552"/>
+                <a:ext cx="131327" cy="98066"/>
+              </a:xfrm>
+              <a:prstGeom prst="rect">
+                <a:avLst/>
+              </a:prstGeom>
+            </p:spPr>
+            <p:style>
+              <a:lnRef idx="2">
+                <a:schemeClr val="accent1">
+                  <a:shade val="50000"/>
+                </a:schemeClr>
+              </a:lnRef>
+              <a:fillRef idx="1">
+                <a:schemeClr val="accent1"/>
+              </a:fillRef>
+              <a:effectRef idx="0">
+                <a:schemeClr val="accent1"/>
+              </a:effectRef>
+              <a:fontRef idx="minor">
+                <a:schemeClr val="lt1"/>
+              </a:fontRef>
+            </p:style>
+            <p:txBody>
+              <a:bodyPr rtlCol="0" anchor="ctr"/>
+              <a:lstStyle/>
+              <a:p>
+                <a:pPr algn="ctr"/>
+                <a:endParaRPr lang="en-US"/>
+              </a:p>
+            </p:txBody>
+          </p:sp>
+          <p:sp>
+            <p:nvSpPr>
+              <p:cNvPr id="592" name="Rectangle 591">
+                <a:extLst>
+                  <a:ext uri="{FF2B5EF4-FFF2-40B4-BE49-F238E27FC236}">
+                    <a16:creationId xmlns:a16="http://schemas.microsoft.com/office/drawing/2014/main" id="{9C465194-A973-4D73-B08B-715EAB8201C5}"/>
+                  </a:ext>
+                </a:extLst>
+              </p:cNvPr>
+              <p:cNvSpPr/>
+              <p:nvPr/>
+            </p:nvSpPr>
+            <p:spPr>
+              <a:xfrm>
+                <a:off x="6691628" y="1061211"/>
+                <a:ext cx="133232" cy="100355"/>
+              </a:xfrm>
+              <a:prstGeom prst="rect">
+                <a:avLst/>
+              </a:prstGeom>
+            </p:spPr>
+            <p:style>
+              <a:lnRef idx="2">
+                <a:schemeClr val="accent1">
+                  <a:shade val="50000"/>
+                </a:schemeClr>
+              </a:lnRef>
+              <a:fillRef idx="1">
+                <a:schemeClr val="accent1"/>
+              </a:fillRef>
+              <a:effectRef idx="0">
+                <a:schemeClr val="accent1"/>
+              </a:effectRef>
+              <a:fontRef idx="minor">
+                <a:schemeClr val="lt1"/>
+              </a:fontRef>
+            </p:style>
+            <p:txBody>
+              <a:bodyPr rtlCol="0" anchor="ctr"/>
+              <a:lstStyle/>
+              <a:p>
+                <a:pPr algn="ctr"/>
+                <a:endParaRPr lang="en-US"/>
+              </a:p>
+            </p:txBody>
+          </p:sp>
+          <p:sp>
+            <p:nvSpPr>
+              <p:cNvPr id="593" name="Rectangle 592">
+                <a:extLst>
+                  <a:ext uri="{FF2B5EF4-FFF2-40B4-BE49-F238E27FC236}">
+                    <a16:creationId xmlns:a16="http://schemas.microsoft.com/office/drawing/2014/main" id="{67DEBF9E-8945-459E-88A6-9141BD97510D}"/>
+                  </a:ext>
+                </a:extLst>
+              </p:cNvPr>
+              <p:cNvSpPr/>
+              <p:nvPr/>
+            </p:nvSpPr>
+            <p:spPr>
+              <a:xfrm>
+                <a:off x="6693118" y="1265064"/>
+                <a:ext cx="133232" cy="105564"/>
+              </a:xfrm>
+              <a:prstGeom prst="rect">
+                <a:avLst/>
+              </a:prstGeom>
+            </p:spPr>
+            <p:style>
+              <a:lnRef idx="2">
+                <a:schemeClr val="accent1">
+                  <a:shade val="50000"/>
+                </a:schemeClr>
+              </a:lnRef>
+              <a:fillRef idx="1">
+                <a:schemeClr val="accent1"/>
+              </a:fillRef>
+              <a:effectRef idx="0">
+                <a:schemeClr val="accent1"/>
+              </a:effectRef>
+              <a:fontRef idx="minor">
+                <a:schemeClr val="lt1"/>
+              </a:fontRef>
+            </p:style>
+            <p:txBody>
+              <a:bodyPr rtlCol="0" anchor="ctr"/>
+              <a:lstStyle/>
+              <a:p>
+                <a:pPr algn="ctr"/>
+                <a:endParaRPr lang="en-US" dirty="0"/>
+              </a:p>
+            </p:txBody>
+          </p:sp>
+          <p:sp>
+            <p:nvSpPr>
+              <p:cNvPr id="594" name="Rectangle 593">
+                <a:extLst>
+                  <a:ext uri="{FF2B5EF4-FFF2-40B4-BE49-F238E27FC236}">
+                    <a16:creationId xmlns:a16="http://schemas.microsoft.com/office/drawing/2014/main" id="{53E1C29C-B572-43CD-9765-DAE607C398E8}"/>
+                  </a:ext>
+                </a:extLst>
+              </p:cNvPr>
+              <p:cNvSpPr/>
+              <p:nvPr/>
+            </p:nvSpPr>
+            <p:spPr>
+              <a:xfrm>
+                <a:off x="6691471" y="1366831"/>
+                <a:ext cx="273050" cy="105917"/>
+              </a:xfrm>
+              <a:prstGeom prst="rect">
+                <a:avLst/>
+              </a:prstGeom>
+            </p:spPr>
+            <p:style>
+              <a:lnRef idx="2">
+                <a:schemeClr val="accent1">
+                  <a:shade val="50000"/>
+                </a:schemeClr>
+              </a:lnRef>
+              <a:fillRef idx="1">
+                <a:schemeClr val="accent1"/>
+              </a:fillRef>
+              <a:effectRef idx="0">
+                <a:schemeClr val="accent1"/>
+              </a:effectRef>
+              <a:fontRef idx="minor">
+                <a:schemeClr val="lt1"/>
+              </a:fontRef>
+            </p:style>
+            <p:txBody>
+              <a:bodyPr rtlCol="0" anchor="ctr"/>
+              <a:lstStyle/>
+              <a:p>
+                <a:pPr algn="ctr"/>
+                <a:endParaRPr lang="en-US"/>
+              </a:p>
+            </p:txBody>
+          </p:sp>
+          <p:sp>
+            <p:nvSpPr>
+              <p:cNvPr id="595" name="Rectangle 594">
+                <a:extLst>
+                  <a:ext uri="{FF2B5EF4-FFF2-40B4-BE49-F238E27FC236}">
+                    <a16:creationId xmlns:a16="http://schemas.microsoft.com/office/drawing/2014/main" id="{119AE921-EF14-43EF-9582-F49878C9D98E}"/>
+                  </a:ext>
+                </a:extLst>
+              </p:cNvPr>
+              <p:cNvSpPr/>
+              <p:nvPr/>
+            </p:nvSpPr>
+            <p:spPr>
+              <a:xfrm>
+                <a:off x="6935922" y="1365588"/>
+                <a:ext cx="133232" cy="107822"/>
+              </a:xfrm>
+              <a:prstGeom prst="rect">
+                <a:avLst/>
+              </a:prstGeom>
+            </p:spPr>
+            <p:style>
+              <a:lnRef idx="2">
+                <a:schemeClr val="accent1">
+                  <a:shade val="50000"/>
+                </a:schemeClr>
+              </a:lnRef>
+              <a:fillRef idx="1">
+                <a:schemeClr val="accent1"/>
+              </a:fillRef>
+              <a:effectRef idx="0">
+                <a:schemeClr val="accent1"/>
+              </a:effectRef>
+              <a:fontRef idx="minor">
+                <a:schemeClr val="lt1"/>
+              </a:fontRef>
+            </p:style>
+            <p:txBody>
+              <a:bodyPr rtlCol="0" anchor="ctr"/>
+              <a:lstStyle/>
+              <a:p>
+                <a:pPr algn="ctr"/>
+                <a:endParaRPr lang="en-US"/>
+              </a:p>
+            </p:txBody>
+          </p:sp>
+        </p:grpSp>
+        <p:sp>
+          <p:nvSpPr>
+            <p:cNvPr id="582" name="Freeform: Shape 581">
+              <a:extLst>
+                <a:ext uri="{FF2B5EF4-FFF2-40B4-BE49-F238E27FC236}">
+                  <a16:creationId xmlns:a16="http://schemas.microsoft.com/office/drawing/2014/main" id="{B08DEB0D-C859-4855-84FD-8B38D2329F2B}"/>
+                </a:ext>
+              </a:extLst>
+            </p:cNvPr>
+            <p:cNvSpPr/>
+            <p:nvPr/>
+          </p:nvSpPr>
+          <p:spPr>
+            <a:xfrm>
+              <a:off x="6679513" y="730608"/>
+              <a:ext cx="511061" cy="356234"/>
+            </a:xfrm>
+            <a:custGeom>
+              <a:avLst/>
+              <a:gdLst>
+                <a:gd name="connsiteX0" fmla="*/ 972 w 511061"/>
+                <a:gd name="connsiteY0" fmla="*/ 93558 h 356234"/>
+                <a:gd name="connsiteX1" fmla="*/ 233382 w 511061"/>
+                <a:gd name="connsiteY1" fmla="*/ 350733 h 356234"/>
+                <a:gd name="connsiteX2" fmla="*/ 505797 w 511061"/>
+                <a:gd name="connsiteY2" fmla="*/ 270723 h 356234"/>
+                <a:gd name="connsiteX3" fmla="*/ 416262 w 511061"/>
+                <a:gd name="connsiteY3" fmla="*/ 284058 h 356234"/>
+                <a:gd name="connsiteX4" fmla="*/ 454362 w 511061"/>
+                <a:gd name="connsiteY4" fmla="*/ 192618 h 356234"/>
+                <a:gd name="connsiteX5" fmla="*/ 349587 w 511061"/>
+                <a:gd name="connsiteY5" fmla="*/ 276438 h 356234"/>
+                <a:gd name="connsiteX6" fmla="*/ 324822 w 511061"/>
+                <a:gd name="connsiteY6" fmla="*/ 89748 h 356234"/>
+                <a:gd name="connsiteX7" fmla="*/ 290532 w 511061"/>
+                <a:gd name="connsiteY7" fmla="*/ 293583 h 356234"/>
+                <a:gd name="connsiteX8" fmla="*/ 265767 w 511061"/>
+                <a:gd name="connsiteY8" fmla="*/ 225003 h 356234"/>
+                <a:gd name="connsiteX9" fmla="*/ 241002 w 511061"/>
+                <a:gd name="connsiteY9" fmla="*/ 308823 h 356234"/>
+                <a:gd name="connsiteX10" fmla="*/ 210522 w 511061"/>
+                <a:gd name="connsiteY10" fmla="*/ 131658 h 356234"/>
+                <a:gd name="connsiteX11" fmla="*/ 220047 w 511061"/>
+                <a:gd name="connsiteY11" fmla="*/ 84033 h 356234"/>
+                <a:gd name="connsiteX12" fmla="*/ 218142 w 511061"/>
+                <a:gd name="connsiteY12" fmla="*/ 213 h 356234"/>
+                <a:gd name="connsiteX13" fmla="*/ 174327 w 511061"/>
+                <a:gd name="connsiteY13" fmla="*/ 110703 h 356234"/>
+                <a:gd name="connsiteX14" fmla="*/ 189567 w 511061"/>
+                <a:gd name="connsiteY14" fmla="*/ 223098 h 356234"/>
+                <a:gd name="connsiteX15" fmla="*/ 130512 w 511061"/>
+                <a:gd name="connsiteY15" fmla="*/ 129753 h 356234"/>
+                <a:gd name="connsiteX16" fmla="*/ 155277 w 511061"/>
+                <a:gd name="connsiteY16" fmla="*/ 32598 h 356234"/>
+                <a:gd name="connsiteX17" fmla="*/ 96222 w 511061"/>
+                <a:gd name="connsiteY17" fmla="*/ 116418 h 356234"/>
+                <a:gd name="connsiteX18" fmla="*/ 147657 w 511061"/>
+                <a:gd name="connsiteY18" fmla="*/ 230718 h 356234"/>
+                <a:gd name="connsiteX19" fmla="*/ 972 w 511061"/>
+                <a:gd name="connsiteY19" fmla="*/ 93558 h 356234"/>
+              </a:gdLst>
+              <a:ahLst/>
+              <a:cxnLst>
+                <a:cxn ang="0">
+                  <a:pos x="connsiteX0" y="connsiteY0"/>
+                </a:cxn>
+                <a:cxn ang="0">
+                  <a:pos x="connsiteX1" y="connsiteY1"/>
+                </a:cxn>
+                <a:cxn ang="0">
+                  <a:pos x="connsiteX2" y="connsiteY2"/>
+                </a:cxn>
+                <a:cxn ang="0">
+                  <a:pos x="connsiteX3" y="connsiteY3"/>
+                </a:cxn>
+                <a:cxn ang="0">
+                  <a:pos x="connsiteX4" y="connsiteY4"/>
+                </a:cxn>
+                <a:cxn ang="0">
+                  <a:pos x="connsiteX5" y="connsiteY5"/>
+                </a:cxn>
+                <a:cxn ang="0">
+                  <a:pos x="connsiteX6" y="connsiteY6"/>
+                </a:cxn>
+                <a:cxn ang="0">
+                  <a:pos x="connsiteX7" y="connsiteY7"/>
+                </a:cxn>
+                <a:cxn ang="0">
+                  <a:pos x="connsiteX8" y="connsiteY8"/>
+                </a:cxn>
+                <a:cxn ang="0">
+                  <a:pos x="connsiteX9" y="connsiteY9"/>
+                </a:cxn>
+                <a:cxn ang="0">
+                  <a:pos x="connsiteX10" y="connsiteY10"/>
+                </a:cxn>
+                <a:cxn ang="0">
+                  <a:pos x="connsiteX11" y="connsiteY11"/>
+                </a:cxn>
+                <a:cxn ang="0">
+                  <a:pos x="connsiteX12" y="connsiteY12"/>
+                </a:cxn>
+                <a:cxn ang="0">
+                  <a:pos x="connsiteX13" y="connsiteY13"/>
+                </a:cxn>
+                <a:cxn ang="0">
+                  <a:pos x="connsiteX14" y="connsiteY14"/>
+                </a:cxn>
+                <a:cxn ang="0">
+                  <a:pos x="connsiteX15" y="connsiteY15"/>
+                </a:cxn>
+                <a:cxn ang="0">
+                  <a:pos x="connsiteX16" y="connsiteY16"/>
+                </a:cxn>
+                <a:cxn ang="0">
+                  <a:pos x="connsiteX17" y="connsiteY17"/>
+                </a:cxn>
+                <a:cxn ang="0">
+                  <a:pos x="connsiteX18" y="connsiteY18"/>
+                </a:cxn>
+                <a:cxn ang="0">
+                  <a:pos x="connsiteX19" y="connsiteY19"/>
+                </a:cxn>
+              </a:cxnLst>
+              <a:rect l="l" t="t" r="r" b="b"/>
+              <a:pathLst>
+                <a:path w="511061" h="356234">
+                  <a:moveTo>
+                    <a:pt x="972" y="93558"/>
+                  </a:moveTo>
+                  <a:cubicBezTo>
+                    <a:pt x="15259" y="113560"/>
+                    <a:pt x="149245" y="321206"/>
+                    <a:pt x="233382" y="350733"/>
+                  </a:cubicBezTo>
+                  <a:cubicBezTo>
+                    <a:pt x="317519" y="380260"/>
+                    <a:pt x="475317" y="281836"/>
+                    <a:pt x="505797" y="270723"/>
+                  </a:cubicBezTo>
+                  <a:cubicBezTo>
+                    <a:pt x="536277" y="259611"/>
+                    <a:pt x="424835" y="297076"/>
+                    <a:pt x="416262" y="284058"/>
+                  </a:cubicBezTo>
+                  <a:cubicBezTo>
+                    <a:pt x="407690" y="271041"/>
+                    <a:pt x="465474" y="193888"/>
+                    <a:pt x="454362" y="192618"/>
+                  </a:cubicBezTo>
+                  <a:cubicBezTo>
+                    <a:pt x="443250" y="191348"/>
+                    <a:pt x="371177" y="293583"/>
+                    <a:pt x="349587" y="276438"/>
+                  </a:cubicBezTo>
+                  <a:cubicBezTo>
+                    <a:pt x="327997" y="259293"/>
+                    <a:pt x="334665" y="86890"/>
+                    <a:pt x="324822" y="89748"/>
+                  </a:cubicBezTo>
+                  <a:cubicBezTo>
+                    <a:pt x="314980" y="92605"/>
+                    <a:pt x="300374" y="271041"/>
+                    <a:pt x="290532" y="293583"/>
+                  </a:cubicBezTo>
+                  <a:cubicBezTo>
+                    <a:pt x="280690" y="316125"/>
+                    <a:pt x="274022" y="222463"/>
+                    <a:pt x="265767" y="225003"/>
+                  </a:cubicBezTo>
+                  <a:cubicBezTo>
+                    <a:pt x="257512" y="227543"/>
+                    <a:pt x="250209" y="324380"/>
+                    <a:pt x="241002" y="308823"/>
+                  </a:cubicBezTo>
+                  <a:cubicBezTo>
+                    <a:pt x="231795" y="293266"/>
+                    <a:pt x="214015" y="169123"/>
+                    <a:pt x="210522" y="131658"/>
+                  </a:cubicBezTo>
+                  <a:cubicBezTo>
+                    <a:pt x="207030" y="94193"/>
+                    <a:pt x="218777" y="105940"/>
+                    <a:pt x="220047" y="84033"/>
+                  </a:cubicBezTo>
+                  <a:cubicBezTo>
+                    <a:pt x="221317" y="62126"/>
+                    <a:pt x="225762" y="-4232"/>
+                    <a:pt x="218142" y="213"/>
+                  </a:cubicBezTo>
+                  <a:cubicBezTo>
+                    <a:pt x="210522" y="4658"/>
+                    <a:pt x="179090" y="73555"/>
+                    <a:pt x="174327" y="110703"/>
+                  </a:cubicBezTo>
+                  <a:cubicBezTo>
+                    <a:pt x="169564" y="147851"/>
+                    <a:pt x="196870" y="219923"/>
+                    <a:pt x="189567" y="223098"/>
+                  </a:cubicBezTo>
+                  <a:cubicBezTo>
+                    <a:pt x="182265" y="226273"/>
+                    <a:pt x="136227" y="161503"/>
+                    <a:pt x="130512" y="129753"/>
+                  </a:cubicBezTo>
+                  <a:cubicBezTo>
+                    <a:pt x="124797" y="98003"/>
+                    <a:pt x="160992" y="34820"/>
+                    <a:pt x="155277" y="32598"/>
+                  </a:cubicBezTo>
+                  <a:cubicBezTo>
+                    <a:pt x="149562" y="30376"/>
+                    <a:pt x="97492" y="83398"/>
+                    <a:pt x="96222" y="116418"/>
+                  </a:cubicBezTo>
+                  <a:cubicBezTo>
+                    <a:pt x="94952" y="149438"/>
+                    <a:pt x="160992" y="233575"/>
+                    <a:pt x="147657" y="230718"/>
+                  </a:cubicBezTo>
+                  <a:cubicBezTo>
+                    <a:pt x="134322" y="227861"/>
+                    <a:pt x="-13315" y="73556"/>
+                    <a:pt x="972" y="93558"/>
+                  </a:cubicBezTo>
+                  <a:close/>
+                </a:path>
+              </a:pathLst>
+            </a:custGeom>
+            <a:solidFill>
+              <a:srgbClr val="FF0000"/>
+            </a:solidFill>
+            <a:ln>
+              <a:solidFill>
+                <a:srgbClr val="C00000"/>
+              </a:solidFill>
+            </a:ln>
+          </p:spPr>
+          <p:style>
+            <a:lnRef idx="2">
+              <a:schemeClr val="accent1">
+                <a:shade val="50000"/>
+              </a:schemeClr>
+            </a:lnRef>
+            <a:fillRef idx="1">
+              <a:schemeClr val="accent1"/>
+            </a:fillRef>
+            <a:effectRef idx="0">
+              <a:schemeClr val="accent1"/>
+            </a:effectRef>
+            <a:fontRef idx="minor">
+              <a:schemeClr val="lt1"/>
+            </a:fontRef>
+          </p:style>
+          <p:txBody>
+            <a:bodyPr rtlCol="0" anchor="ctr"/>
+            <a:lstStyle/>
+            <a:p>
+              <a:pPr algn="ctr"/>
+              <a:endParaRPr lang="en-US"/>
+            </a:p>
+          </p:txBody>
+        </p:sp>
+      </p:grpSp>
+      <p:sp>
+        <p:nvSpPr>
+          <p:cNvPr id="596" name="TextBox 595">
+            <a:extLst>
+              <a:ext uri="{FF2B5EF4-FFF2-40B4-BE49-F238E27FC236}">
+                <a16:creationId xmlns:a16="http://schemas.microsoft.com/office/drawing/2014/main" id="{B554ACFB-0086-42A6-ADC1-CEF0CC4A01DD}"/>
+              </a:ext>
+            </a:extLst>
+          </p:cNvPr>
+          <p:cNvSpPr txBox="1"/>
+          <p:nvPr/>
+        </p:nvSpPr>
+        <p:spPr>
+          <a:xfrm>
+            <a:off x="10360882" y="4679523"/>
+            <a:ext cx="591829" cy="246221"/>
+          </a:xfrm>
+          <a:prstGeom prst="rect">
+            <a:avLst/>
+          </a:prstGeom>
+          <a:noFill/>
+        </p:spPr>
+        <p:txBody>
+          <a:bodyPr wrap="none" rtlCol="0">
+            <a:spAutoFit/>
+          </a:bodyPr>
+          <a:lstStyle/>
+          <a:p>
+            <a:r>
+              <a:rPr lang="en-US" sz="1000" dirty="0"/>
+              <a:t>Firewall</a:t>
+            </a:r>
+          </a:p>
+        </p:txBody>
+      </p:sp>
     </p:spTree>
     <p:extLst>
       <p:ext uri="{BB962C8B-B14F-4D97-AF65-F5344CB8AC3E}">

--- a/Network Shapes.pptx
+++ b/Network Shapes.pptx
@@ -26557,7 +26557,7 @@
         </p:nvSpPr>
         <p:spPr>
           <a:xfrm>
-            <a:off x="10360882" y="4679523"/>
+            <a:off x="10352796" y="4679629"/>
             <a:ext cx="591829" cy="246221"/>
           </a:xfrm>
           <a:prstGeom prst="rect">
@@ -26578,6 +26578,504 @@
           </a:p>
         </p:txBody>
       </p:sp>
+      <p:sp>
+        <p:nvSpPr>
+          <p:cNvPr id="613" name="Rectangle 612">
+            <a:extLst>
+              <a:ext uri="{FF2B5EF4-FFF2-40B4-BE49-F238E27FC236}">
+                <a16:creationId xmlns:a16="http://schemas.microsoft.com/office/drawing/2014/main" id="{141E9BE9-9F6E-482F-B93B-76E43831E22C}"/>
+              </a:ext>
+            </a:extLst>
+          </p:cNvPr>
+          <p:cNvSpPr/>
+          <p:nvPr/>
+        </p:nvSpPr>
+        <p:spPr>
+          <a:xfrm>
+            <a:off x="10431660" y="5645265"/>
+            <a:ext cx="435617" cy="80976"/>
+          </a:xfrm>
+          <a:prstGeom prst="rect">
+            <a:avLst/>
+          </a:prstGeom>
+          <a:solidFill>
+            <a:srgbClr val="1F4E79"/>
+          </a:solidFill>
+        </p:spPr>
+        <p:style>
+          <a:lnRef idx="2">
+            <a:schemeClr val="accent1">
+              <a:shade val="50000"/>
+            </a:schemeClr>
+          </a:lnRef>
+          <a:fillRef idx="1">
+            <a:schemeClr val="accent1"/>
+          </a:fillRef>
+          <a:effectRef idx="0">
+            <a:schemeClr val="accent1"/>
+          </a:effectRef>
+          <a:fontRef idx="minor">
+            <a:schemeClr val="lt1"/>
+          </a:fontRef>
+        </p:style>
+        <p:txBody>
+          <a:bodyPr rtlCol="0" anchor="ctr"/>
+          <a:lstStyle/>
+          <a:p>
+            <a:pPr algn="ctr"/>
+            <a:endParaRPr lang="en-US"/>
+          </a:p>
+        </p:txBody>
+      </p:sp>
+      <p:sp>
+        <p:nvSpPr>
+          <p:cNvPr id="91" name="Arrow: Left 90">
+            <a:extLst>
+              <a:ext uri="{FF2B5EF4-FFF2-40B4-BE49-F238E27FC236}">
+                <a16:creationId xmlns:a16="http://schemas.microsoft.com/office/drawing/2014/main" id="{65863376-4A0A-4793-9F44-F51655ED94B3}"/>
+              </a:ext>
+            </a:extLst>
+          </p:cNvPr>
+          <p:cNvSpPr/>
+          <p:nvPr/>
+        </p:nvSpPr>
+        <p:spPr>
+          <a:xfrm>
+            <a:off x="10425167" y="5461965"/>
+            <a:ext cx="247579" cy="143577"/>
+          </a:xfrm>
+          <a:prstGeom prst="leftArrow">
+            <a:avLst/>
+          </a:prstGeom>
+          <a:solidFill>
+            <a:srgbClr val="1F4E79"/>
+          </a:solidFill>
+        </p:spPr>
+        <p:style>
+          <a:lnRef idx="2">
+            <a:schemeClr val="accent1">
+              <a:shade val="50000"/>
+            </a:schemeClr>
+          </a:lnRef>
+          <a:fillRef idx="1">
+            <a:schemeClr val="accent1"/>
+          </a:fillRef>
+          <a:effectRef idx="0">
+            <a:schemeClr val="accent1"/>
+          </a:effectRef>
+          <a:fontRef idx="minor">
+            <a:schemeClr val="lt1"/>
+          </a:fontRef>
+        </p:style>
+        <p:txBody>
+          <a:bodyPr rtlCol="0" anchor="ctr"/>
+          <a:lstStyle/>
+          <a:p>
+            <a:pPr algn="ctr"/>
+            <a:endParaRPr lang="en-US"/>
+          </a:p>
+        </p:txBody>
+      </p:sp>
+      <p:sp>
+        <p:nvSpPr>
+          <p:cNvPr id="87" name="Flowchart: Direct Access Storage 86">
+            <a:extLst>
+              <a:ext uri="{FF2B5EF4-FFF2-40B4-BE49-F238E27FC236}">
+                <a16:creationId xmlns:a16="http://schemas.microsoft.com/office/drawing/2014/main" id="{0E37E1B4-C8D5-4B6E-8252-C8E7622F348A}"/>
+              </a:ext>
+            </a:extLst>
+          </p:cNvPr>
+          <p:cNvSpPr/>
+          <p:nvPr/>
+        </p:nvSpPr>
+        <p:spPr>
+          <a:xfrm>
+            <a:off x="10562847" y="5457589"/>
+            <a:ext cx="792205" cy="287069"/>
+          </a:xfrm>
+          <a:prstGeom prst="flowChartMagneticDrum">
+            <a:avLst/>
+          </a:prstGeom>
+        </p:spPr>
+        <p:style>
+          <a:lnRef idx="2">
+            <a:schemeClr val="accent1">
+              <a:shade val="50000"/>
+            </a:schemeClr>
+          </a:lnRef>
+          <a:fillRef idx="1">
+            <a:schemeClr val="accent1"/>
+          </a:fillRef>
+          <a:effectRef idx="0">
+            <a:schemeClr val="accent1"/>
+          </a:effectRef>
+          <a:fontRef idx="minor">
+            <a:schemeClr val="lt1"/>
+          </a:fontRef>
+        </p:style>
+        <p:txBody>
+          <a:bodyPr rtlCol="0" anchor="ctr"/>
+          <a:lstStyle/>
+          <a:p>
+            <a:pPr algn="ctr"/>
+            <a:endParaRPr lang="en-US"/>
+          </a:p>
+        </p:txBody>
+      </p:sp>
+      <p:sp>
+        <p:nvSpPr>
+          <p:cNvPr id="597" name="Arrow: Left 596">
+            <a:extLst>
+              <a:ext uri="{FF2B5EF4-FFF2-40B4-BE49-F238E27FC236}">
+                <a16:creationId xmlns:a16="http://schemas.microsoft.com/office/drawing/2014/main" id="{77CC51F3-E802-4DBB-8823-8957592D1039}"/>
+              </a:ext>
+            </a:extLst>
+          </p:cNvPr>
+          <p:cNvSpPr/>
+          <p:nvPr/>
+        </p:nvSpPr>
+        <p:spPr>
+          <a:xfrm rot="10800000">
+            <a:off x="11214383" y="5603665"/>
+            <a:ext cx="247578" cy="153978"/>
+          </a:xfrm>
+          <a:prstGeom prst="leftArrow">
+            <a:avLst/>
+          </a:prstGeom>
+          <a:solidFill>
+            <a:srgbClr val="1F4E79"/>
+          </a:solidFill>
+        </p:spPr>
+        <p:style>
+          <a:lnRef idx="2">
+            <a:schemeClr val="accent1">
+              <a:shade val="50000"/>
+            </a:schemeClr>
+          </a:lnRef>
+          <a:fillRef idx="1">
+            <a:schemeClr val="accent1"/>
+          </a:fillRef>
+          <a:effectRef idx="0">
+            <a:schemeClr val="accent1"/>
+          </a:effectRef>
+          <a:fontRef idx="minor">
+            <a:schemeClr val="lt1"/>
+          </a:fontRef>
+        </p:style>
+        <p:txBody>
+          <a:bodyPr rtlCol="0" anchor="ctr"/>
+          <a:lstStyle/>
+          <a:p>
+            <a:pPr algn="ctr"/>
+            <a:endParaRPr lang="en-US"/>
+          </a:p>
+        </p:txBody>
+      </p:sp>
+      <p:sp>
+        <p:nvSpPr>
+          <p:cNvPr id="93" name="Rectangle 92">
+            <a:extLst>
+              <a:ext uri="{FF2B5EF4-FFF2-40B4-BE49-F238E27FC236}">
+                <a16:creationId xmlns:a16="http://schemas.microsoft.com/office/drawing/2014/main" id="{A4847CC0-9273-4009-92AA-752CD1C215CE}"/>
+              </a:ext>
+            </a:extLst>
+          </p:cNvPr>
+          <p:cNvSpPr/>
+          <p:nvPr/>
+        </p:nvSpPr>
+        <p:spPr>
+          <a:xfrm>
+            <a:off x="11215994" y="5503767"/>
+            <a:ext cx="245968" cy="82553"/>
+          </a:xfrm>
+          <a:prstGeom prst="rect">
+            <a:avLst/>
+          </a:prstGeom>
+          <a:solidFill>
+            <a:schemeClr val="accent1">
+              <a:lumMod val="75000"/>
+            </a:schemeClr>
+          </a:solidFill>
+        </p:spPr>
+        <p:style>
+          <a:lnRef idx="2">
+            <a:schemeClr val="accent1">
+              <a:shade val="50000"/>
+            </a:schemeClr>
+          </a:lnRef>
+          <a:fillRef idx="1">
+            <a:schemeClr val="accent1"/>
+          </a:fillRef>
+          <a:effectRef idx="0">
+            <a:schemeClr val="accent1"/>
+          </a:effectRef>
+          <a:fontRef idx="minor">
+            <a:schemeClr val="lt1"/>
+          </a:fontRef>
+        </p:style>
+        <p:txBody>
+          <a:bodyPr rtlCol="0" anchor="ctr"/>
+          <a:lstStyle/>
+          <a:p>
+            <a:pPr algn="ctr"/>
+            <a:endParaRPr lang="en-US"/>
+          </a:p>
+        </p:txBody>
+      </p:sp>
+      <p:sp>
+        <p:nvSpPr>
+          <p:cNvPr id="614" name="TextBox 613">
+            <a:extLst>
+              <a:ext uri="{FF2B5EF4-FFF2-40B4-BE49-F238E27FC236}">
+                <a16:creationId xmlns:a16="http://schemas.microsoft.com/office/drawing/2014/main" id="{BD53835B-C4F3-408E-B574-865032F09BC2}"/>
+              </a:ext>
+            </a:extLst>
+          </p:cNvPr>
+          <p:cNvSpPr txBox="1"/>
+          <p:nvPr/>
+        </p:nvSpPr>
+        <p:spPr>
+          <a:xfrm>
+            <a:off x="10588153" y="5749487"/>
+            <a:ext cx="792205" cy="246221"/>
+          </a:xfrm>
+          <a:prstGeom prst="rect">
+            <a:avLst/>
+          </a:prstGeom>
+          <a:noFill/>
+        </p:spPr>
+        <p:txBody>
+          <a:bodyPr wrap="none" rtlCol="0">
+            <a:spAutoFit/>
+          </a:bodyPr>
+          <a:lstStyle/>
+          <a:p>
+            <a:r>
+              <a:rPr lang="en-US" sz="1000" dirty="0"/>
+              <a:t>VPN Tunnel</a:t>
+            </a:r>
+          </a:p>
+        </p:txBody>
+      </p:sp>
+      <p:grpSp>
+        <p:nvGrpSpPr>
+          <p:cNvPr id="116" name="Group 115">
+            <a:extLst>
+              <a:ext uri="{FF2B5EF4-FFF2-40B4-BE49-F238E27FC236}">
+                <a16:creationId xmlns:a16="http://schemas.microsoft.com/office/drawing/2014/main" id="{44B7AC96-B6F9-4CBC-A9AD-80EB06BFA3B3}"/>
+              </a:ext>
+            </a:extLst>
+          </p:cNvPr>
+          <p:cNvGrpSpPr/>
+          <p:nvPr/>
+        </p:nvGrpSpPr>
+        <p:grpSpPr>
+          <a:xfrm>
+            <a:off x="10783303" y="5468117"/>
+            <a:ext cx="188230" cy="259971"/>
+            <a:chOff x="10622467" y="5254452"/>
+            <a:chExt cx="236152" cy="337483"/>
+          </a:xfrm>
+        </p:grpSpPr>
+        <p:sp>
+          <p:nvSpPr>
+            <p:cNvPr id="617" name="Arrow: Circular 616">
+              <a:extLst>
+                <a:ext uri="{FF2B5EF4-FFF2-40B4-BE49-F238E27FC236}">
+                  <a16:creationId xmlns:a16="http://schemas.microsoft.com/office/drawing/2014/main" id="{ED24BF34-9F22-4A7E-A6B1-96ADDFC4918A}"/>
+                </a:ext>
+              </a:extLst>
+            </p:cNvPr>
+            <p:cNvSpPr/>
+            <p:nvPr/>
+          </p:nvSpPr>
+          <p:spPr>
+            <a:xfrm>
+              <a:off x="10647010" y="5254452"/>
+              <a:ext cx="187066" cy="337483"/>
+            </a:xfrm>
+            <a:prstGeom prst="circularArrow">
+              <a:avLst/>
+            </a:prstGeom>
+          </p:spPr>
+          <p:style>
+            <a:lnRef idx="2">
+              <a:schemeClr val="accent1">
+                <a:shade val="50000"/>
+              </a:schemeClr>
+            </a:lnRef>
+            <a:fillRef idx="1">
+              <a:schemeClr val="accent1"/>
+            </a:fillRef>
+            <a:effectRef idx="0">
+              <a:schemeClr val="accent1"/>
+            </a:effectRef>
+            <a:fontRef idx="minor">
+              <a:schemeClr val="lt1"/>
+            </a:fontRef>
+          </p:style>
+          <p:txBody>
+            <a:bodyPr rtlCol="0" anchor="ctr"/>
+            <a:lstStyle/>
+            <a:p>
+              <a:pPr algn="ctr"/>
+              <a:endParaRPr lang="en-US">
+                <a:solidFill>
+                  <a:schemeClr val="tx1"/>
+                </a:solidFill>
+              </a:endParaRPr>
+            </a:p>
+          </p:txBody>
+        </p:sp>
+        <p:sp>
+          <p:nvSpPr>
+            <p:cNvPr id="618" name="Chord 617">
+              <a:extLst>
+                <a:ext uri="{FF2B5EF4-FFF2-40B4-BE49-F238E27FC236}">
+                  <a16:creationId xmlns:a16="http://schemas.microsoft.com/office/drawing/2014/main" id="{F6F86B43-4E9B-49D3-B551-F0856F9B58A4}"/>
+                </a:ext>
+              </a:extLst>
+            </p:cNvPr>
+            <p:cNvSpPr/>
+            <p:nvPr/>
+          </p:nvSpPr>
+          <p:spPr>
+            <a:xfrm rot="17485741">
+              <a:off x="10622732" y="5326967"/>
+              <a:ext cx="235622" cy="236152"/>
+            </a:xfrm>
+            <a:prstGeom prst="chord">
+              <a:avLst/>
+            </a:prstGeom>
+          </p:spPr>
+          <p:style>
+            <a:lnRef idx="2">
+              <a:schemeClr val="accent1">
+                <a:shade val="50000"/>
+              </a:schemeClr>
+            </a:lnRef>
+            <a:fillRef idx="1">
+              <a:schemeClr val="accent1"/>
+            </a:fillRef>
+            <a:effectRef idx="0">
+              <a:schemeClr val="accent1"/>
+            </a:effectRef>
+            <a:fontRef idx="minor">
+              <a:schemeClr val="lt1"/>
+            </a:fontRef>
+          </p:style>
+          <p:txBody>
+            <a:bodyPr rtlCol="0" anchor="ctr"/>
+            <a:lstStyle/>
+            <a:p>
+              <a:pPr algn="ctr"/>
+              <a:endParaRPr lang="en-US"/>
+            </a:p>
+          </p:txBody>
+        </p:sp>
+        <p:sp>
+          <p:nvSpPr>
+            <p:cNvPr id="619" name="Trapezoid 618">
+              <a:extLst>
+                <a:ext uri="{FF2B5EF4-FFF2-40B4-BE49-F238E27FC236}">
+                  <a16:creationId xmlns:a16="http://schemas.microsoft.com/office/drawing/2014/main" id="{06AAF2C2-D792-4B5F-BB6B-B6221E202B81}"/>
+                </a:ext>
+              </a:extLst>
+            </p:cNvPr>
+            <p:cNvSpPr/>
+            <p:nvPr/>
+          </p:nvSpPr>
+          <p:spPr>
+            <a:xfrm>
+              <a:off x="10713406" y="5455035"/>
+              <a:ext cx="54273" cy="56677"/>
+            </a:xfrm>
+            <a:prstGeom prst="trapezoid">
+              <a:avLst/>
+            </a:prstGeom>
+            <a:solidFill>
+              <a:schemeClr val="accent1">
+                <a:lumMod val="75000"/>
+              </a:schemeClr>
+            </a:solidFill>
+          </p:spPr>
+          <p:style>
+            <a:lnRef idx="2">
+              <a:schemeClr val="accent1">
+                <a:shade val="50000"/>
+              </a:schemeClr>
+            </a:lnRef>
+            <a:fillRef idx="1">
+              <a:schemeClr val="accent1"/>
+            </a:fillRef>
+            <a:effectRef idx="0">
+              <a:schemeClr val="accent1"/>
+            </a:effectRef>
+            <a:fontRef idx="minor">
+              <a:schemeClr val="lt1"/>
+            </a:fontRef>
+          </p:style>
+          <p:txBody>
+            <a:bodyPr rtlCol="0" anchor="ctr"/>
+            <a:lstStyle/>
+            <a:p>
+              <a:pPr algn="ctr"/>
+              <a:endParaRPr lang="en-US"/>
+            </a:p>
+          </p:txBody>
+        </p:sp>
+        <p:sp>
+          <p:nvSpPr>
+            <p:cNvPr id="620" name="Oval 619">
+              <a:extLst>
+                <a:ext uri="{FF2B5EF4-FFF2-40B4-BE49-F238E27FC236}">
+                  <a16:creationId xmlns:a16="http://schemas.microsoft.com/office/drawing/2014/main" id="{6F9168A1-6BF9-436A-B44D-356797523AFD}"/>
+                </a:ext>
+              </a:extLst>
+            </p:cNvPr>
+            <p:cNvSpPr/>
+            <p:nvPr/>
+          </p:nvSpPr>
+          <p:spPr>
+            <a:xfrm>
+              <a:off x="10720346" y="5416698"/>
+              <a:ext cx="40394" cy="44741"/>
+            </a:xfrm>
+            <a:prstGeom prst="ellipse">
+              <a:avLst/>
+            </a:prstGeom>
+            <a:solidFill>
+              <a:schemeClr val="accent1">
+                <a:lumMod val="75000"/>
+              </a:schemeClr>
+            </a:solidFill>
+          </p:spPr>
+          <p:style>
+            <a:lnRef idx="2">
+              <a:schemeClr val="accent1">
+                <a:shade val="50000"/>
+              </a:schemeClr>
+            </a:lnRef>
+            <a:fillRef idx="1">
+              <a:schemeClr val="accent1"/>
+            </a:fillRef>
+            <a:effectRef idx="0">
+              <a:schemeClr val="accent1"/>
+            </a:effectRef>
+            <a:fontRef idx="minor">
+              <a:schemeClr val="lt1"/>
+            </a:fontRef>
+          </p:style>
+          <p:txBody>
+            <a:bodyPr rtlCol="0" anchor="ctr"/>
+            <a:lstStyle/>
+            <a:p>
+              <a:pPr algn="ctr"/>
+              <a:endParaRPr lang="en-US"/>
+            </a:p>
+          </p:txBody>
+        </p:sp>
+      </p:grpSp>
     </p:spTree>
     <p:extLst>
       <p:ext uri="{BB962C8B-B14F-4D97-AF65-F5344CB8AC3E}">

--- a/Network Shapes.pptx
+++ b/Network Shapes.pptx
@@ -27405,6 +27405,272 @@
           </p:spPr>
         </p:pic>
       </p:grpSp>
+      <p:sp>
+        <p:nvSpPr>
+          <p:cNvPr id="9" name="Freeform: Shape 8">
+            <a:extLst>
+              <a:ext uri="{FF2B5EF4-FFF2-40B4-BE49-F238E27FC236}">
+                <a16:creationId xmlns:a16="http://schemas.microsoft.com/office/drawing/2014/main" id="{318BB62B-D960-4B7F-AA72-A69877D51BAE}"/>
+              </a:ext>
+            </a:extLst>
+          </p:cNvPr>
+          <p:cNvSpPr/>
+          <p:nvPr/>
+        </p:nvSpPr>
+        <p:spPr>
+          <a:xfrm>
+            <a:off x="4132442" y="1454923"/>
+            <a:ext cx="2079838" cy="1407228"/>
+          </a:xfrm>
+          <a:custGeom>
+            <a:avLst/>
+            <a:gdLst>
+              <a:gd name="connsiteX0" fmla="*/ 3717695 w 6547101"/>
+              <a:gd name="connsiteY0" fmla="*/ 0 h 3460002"/>
+              <a:gd name="connsiteX1" fmla="*/ 5462805 w 6547101"/>
+              <a:gd name="connsiteY1" fmla="*/ 1370154 h 3460002"/>
+              <a:gd name="connsiteX2" fmla="*/ 5481368 w 6547101"/>
+              <a:gd name="connsiteY2" fmla="*/ 1487328 h 3460002"/>
+              <a:gd name="connsiteX3" fmla="*/ 5498994 w 6547101"/>
+              <a:gd name="connsiteY3" fmla="*/ 1486072 h 3460002"/>
+              <a:gd name="connsiteX4" fmla="*/ 6547101 w 6547101"/>
+              <a:gd name="connsiteY4" fmla="*/ 2473037 h 3460002"/>
+              <a:gd name="connsiteX5" fmla="*/ 5498994 w 6547101"/>
+              <a:gd name="connsiteY5" fmla="*/ 3460002 h 3460002"/>
+              <a:gd name="connsiteX6" fmla="*/ 5391831 w 6547101"/>
+              <a:gd name="connsiteY6" fmla="*/ 3454907 h 3460002"/>
+              <a:gd name="connsiteX7" fmla="*/ 5374447 w 6547101"/>
+              <a:gd name="connsiteY7" fmla="*/ 3452408 h 3460002"/>
+              <a:gd name="connsiteX8" fmla="*/ 811825 w 6547101"/>
+              <a:gd name="connsiteY8" fmla="*/ 3452408 h 3460002"/>
+              <a:gd name="connsiteX9" fmla="*/ 811804 w 6547101"/>
+              <a:gd name="connsiteY9" fmla="*/ 3452409 h 3460002"/>
+              <a:gd name="connsiteX10" fmla="*/ 0 w 6547101"/>
+              <a:gd name="connsiteY10" fmla="*/ 2655449 h 3460002"/>
+              <a:gd name="connsiteX11" fmla="*/ 811804 w 6547101"/>
+              <a:gd name="connsiteY11" fmla="*/ 1858489 h 3460002"/>
+              <a:gd name="connsiteX12" fmla="*/ 830438 w 6547101"/>
+              <a:gd name="connsiteY12" fmla="*/ 1859413 h 3460002"/>
+              <a:gd name="connsiteX13" fmla="*/ 836750 w 6547101"/>
+              <a:gd name="connsiteY13" fmla="*/ 1797940 h 3460002"/>
+              <a:gd name="connsiteX14" fmla="*/ 1632061 w 6547101"/>
+              <a:gd name="connsiteY14" fmla="*/ 1161595 h 3460002"/>
+              <a:gd name="connsiteX15" fmla="*/ 1911187 w 6547101"/>
+              <a:gd name="connsiteY15" fmla="*/ 1209955 h 3460002"/>
+              <a:gd name="connsiteX16" fmla="*/ 2004000 w 6547101"/>
+              <a:gd name="connsiteY16" fmla="*/ 1252462 h 3460002"/>
+              <a:gd name="connsiteX17" fmla="*/ 2016480 w 6547101"/>
+              <a:gd name="connsiteY17" fmla="*/ 1205704 h 3460002"/>
+              <a:gd name="connsiteX18" fmla="*/ 3717695 w 6547101"/>
+              <a:gd name="connsiteY18" fmla="*/ 0 h 3460002"/>
+            </a:gdLst>
+            <a:ahLst/>
+            <a:cxnLst>
+              <a:cxn ang="0">
+                <a:pos x="connsiteX0" y="connsiteY0"/>
+              </a:cxn>
+              <a:cxn ang="0">
+                <a:pos x="connsiteX1" y="connsiteY1"/>
+              </a:cxn>
+              <a:cxn ang="0">
+                <a:pos x="connsiteX2" y="connsiteY2"/>
+              </a:cxn>
+              <a:cxn ang="0">
+                <a:pos x="connsiteX3" y="connsiteY3"/>
+              </a:cxn>
+              <a:cxn ang="0">
+                <a:pos x="connsiteX4" y="connsiteY4"/>
+              </a:cxn>
+              <a:cxn ang="0">
+                <a:pos x="connsiteX5" y="connsiteY5"/>
+              </a:cxn>
+              <a:cxn ang="0">
+                <a:pos x="connsiteX6" y="connsiteY6"/>
+              </a:cxn>
+              <a:cxn ang="0">
+                <a:pos x="connsiteX7" y="connsiteY7"/>
+              </a:cxn>
+              <a:cxn ang="0">
+                <a:pos x="connsiteX8" y="connsiteY8"/>
+              </a:cxn>
+              <a:cxn ang="0">
+                <a:pos x="connsiteX9" y="connsiteY9"/>
+              </a:cxn>
+              <a:cxn ang="0">
+                <a:pos x="connsiteX10" y="connsiteY10"/>
+              </a:cxn>
+              <a:cxn ang="0">
+                <a:pos x="connsiteX11" y="connsiteY11"/>
+              </a:cxn>
+              <a:cxn ang="0">
+                <a:pos x="connsiteX12" y="connsiteY12"/>
+              </a:cxn>
+              <a:cxn ang="0">
+                <a:pos x="connsiteX13" y="connsiteY13"/>
+              </a:cxn>
+              <a:cxn ang="0">
+                <a:pos x="connsiteX14" y="connsiteY14"/>
+              </a:cxn>
+              <a:cxn ang="0">
+                <a:pos x="connsiteX15" y="connsiteY15"/>
+              </a:cxn>
+              <a:cxn ang="0">
+                <a:pos x="connsiteX16" y="connsiteY16"/>
+              </a:cxn>
+              <a:cxn ang="0">
+                <a:pos x="connsiteX17" y="connsiteY17"/>
+              </a:cxn>
+              <a:cxn ang="0">
+                <a:pos x="connsiteX18" y="connsiteY18"/>
+              </a:cxn>
+            </a:cxnLst>
+            <a:rect l="l" t="t" r="r" b="b"/>
+            <a:pathLst>
+              <a:path w="6547101" h="3460002">
+                <a:moveTo>
+                  <a:pt x="3717695" y="0"/>
+                </a:moveTo>
+                <a:cubicBezTo>
+                  <a:pt x="4578506" y="0"/>
+                  <a:pt x="5296705" y="588209"/>
+                  <a:pt x="5462805" y="1370154"/>
+                </a:cubicBezTo>
+                <a:lnTo>
+                  <a:pt x="5481368" y="1487328"/>
+                </a:lnTo>
+                <a:lnTo>
+                  <a:pt x="5498994" y="1486072"/>
+                </a:lnTo>
+                <a:cubicBezTo>
+                  <a:pt x="6077848" y="1486072"/>
+                  <a:pt x="6547101" y="1927951"/>
+                  <a:pt x="6547101" y="2473037"/>
+                </a:cubicBezTo>
+                <a:cubicBezTo>
+                  <a:pt x="6547101" y="3018123"/>
+                  <a:pt x="6077848" y="3460002"/>
+                  <a:pt x="5498994" y="3460002"/>
+                </a:cubicBezTo>
+                <a:cubicBezTo>
+                  <a:pt x="5462816" y="3460002"/>
+                  <a:pt x="5427066" y="3458276"/>
+                  <a:pt x="5391831" y="3454907"/>
+                </a:cubicBezTo>
+                <a:lnTo>
+                  <a:pt x="5374447" y="3452408"/>
+                </a:lnTo>
+                <a:lnTo>
+                  <a:pt x="811825" y="3452408"/>
+                </a:lnTo>
+                <a:lnTo>
+                  <a:pt x="811804" y="3452409"/>
+                </a:lnTo>
+                <a:cubicBezTo>
+                  <a:pt x="363457" y="3452409"/>
+                  <a:pt x="0" y="3095598"/>
+                  <a:pt x="0" y="2655449"/>
+                </a:cubicBezTo>
+                <a:cubicBezTo>
+                  <a:pt x="0" y="2215300"/>
+                  <a:pt x="363457" y="1858489"/>
+                  <a:pt x="811804" y="1858489"/>
+                </a:cubicBezTo>
+                <a:lnTo>
+                  <a:pt x="830438" y="1859413"/>
+                </a:lnTo>
+                <a:lnTo>
+                  <a:pt x="836750" y="1797940"/>
+                </a:lnTo>
+                <a:cubicBezTo>
+                  <a:pt x="912448" y="1434779"/>
+                  <a:pt x="1239758" y="1161595"/>
+                  <a:pt x="1632061" y="1161595"/>
+                </a:cubicBezTo>
+                <a:cubicBezTo>
+                  <a:pt x="1730137" y="1161595"/>
+                  <a:pt x="1824151" y="1178669"/>
+                  <a:pt x="1911187" y="1209955"/>
+                </a:cubicBezTo>
+                <a:lnTo>
+                  <a:pt x="2004000" y="1252462"/>
+                </a:lnTo>
+                <a:lnTo>
+                  <a:pt x="2016480" y="1205704"/>
+                </a:lnTo>
+                <a:cubicBezTo>
+                  <a:pt x="2242013" y="507180"/>
+                  <a:pt x="2918371" y="0"/>
+                  <a:pt x="3717695" y="0"/>
+                </a:cubicBezTo>
+                <a:close/>
+              </a:path>
+            </a:pathLst>
+          </a:custGeom>
+          <a:noFill/>
+          <a:ln w="47625"/>
+        </p:spPr>
+        <p:style>
+          <a:lnRef idx="2">
+            <a:schemeClr val="accent1">
+              <a:shade val="50000"/>
+            </a:schemeClr>
+          </a:lnRef>
+          <a:fillRef idx="1">
+            <a:schemeClr val="accent1"/>
+          </a:fillRef>
+          <a:effectRef idx="0">
+            <a:schemeClr val="accent1"/>
+          </a:effectRef>
+          <a:fontRef idx="minor">
+            <a:schemeClr val="lt1"/>
+          </a:fontRef>
+        </p:style>
+        <p:txBody>
+          <a:bodyPr wrap="square" rtlCol="0" anchor="ctr">
+            <a:noAutofit/>
+          </a:bodyPr>
+          <a:lstStyle/>
+          <a:p>
+            <a:pPr algn="ctr"/>
+            <a:endParaRPr lang="en-US"/>
+          </a:p>
+        </p:txBody>
+      </p:sp>
+      <p:sp>
+        <p:nvSpPr>
+          <p:cNvPr id="2" name="TextBox 1">
+            <a:extLst>
+              <a:ext uri="{FF2B5EF4-FFF2-40B4-BE49-F238E27FC236}">
+                <a16:creationId xmlns:a16="http://schemas.microsoft.com/office/drawing/2014/main" id="{F60C6C6D-055B-4267-A84A-70022CC2810F}"/>
+              </a:ext>
+            </a:extLst>
+          </p:cNvPr>
+          <p:cNvSpPr txBox="1"/>
+          <p:nvPr/>
+        </p:nvSpPr>
+        <p:spPr>
+          <a:xfrm>
+            <a:off x="4699827" y="2862151"/>
+            <a:ext cx="945067" cy="369332"/>
+          </a:xfrm>
+          <a:prstGeom prst="rect">
+            <a:avLst/>
+          </a:prstGeom>
+          <a:noFill/>
+        </p:spPr>
+        <p:txBody>
+          <a:bodyPr wrap="none" rtlCol="0">
+            <a:spAutoFit/>
+          </a:bodyPr>
+          <a:lstStyle/>
+          <a:p>
+            <a:r>
+              <a:rPr lang="en-US" dirty="0"/>
+              <a:t>Internet</a:t>
+            </a:r>
+          </a:p>
+        </p:txBody>
+      </p:sp>
     </p:spTree>
     <p:extLst>
       <p:ext uri="{BB962C8B-B14F-4D97-AF65-F5344CB8AC3E}">

--- a/Network Shapes.pptx
+++ b/Network Shapes.pptx
@@ -268,7 +268,7 @@
           <a:p>
             <a:fld id="{E83FFE37-C1F0-467D-A491-4333803291AA}" type="datetimeFigureOut">
               <a:rPr lang="en-US" smtClean="0"/>
-              <a:t>9/29/2022</a:t>
+              <a:t>11/15/2022</a:t>
             </a:fld>
             <a:endParaRPr lang="en-US"/>
           </a:p>
@@ -466,7 +466,7 @@
           <a:p>
             <a:fld id="{E83FFE37-C1F0-467D-A491-4333803291AA}" type="datetimeFigureOut">
               <a:rPr lang="en-US" smtClean="0"/>
-              <a:t>9/29/2022</a:t>
+              <a:t>11/15/2022</a:t>
             </a:fld>
             <a:endParaRPr lang="en-US"/>
           </a:p>
@@ -674,7 +674,7 @@
           <a:p>
             <a:fld id="{E83FFE37-C1F0-467D-A491-4333803291AA}" type="datetimeFigureOut">
               <a:rPr lang="en-US" smtClean="0"/>
-              <a:t>9/29/2022</a:t>
+              <a:t>11/15/2022</a:t>
             </a:fld>
             <a:endParaRPr lang="en-US"/>
           </a:p>
@@ -872,7 +872,7 @@
           <a:p>
             <a:fld id="{E83FFE37-C1F0-467D-A491-4333803291AA}" type="datetimeFigureOut">
               <a:rPr lang="en-US" smtClean="0"/>
-              <a:t>9/29/2022</a:t>
+              <a:t>11/15/2022</a:t>
             </a:fld>
             <a:endParaRPr lang="en-US"/>
           </a:p>
@@ -1147,7 +1147,7 @@
           <a:p>
             <a:fld id="{E83FFE37-C1F0-467D-A491-4333803291AA}" type="datetimeFigureOut">
               <a:rPr lang="en-US" smtClean="0"/>
-              <a:t>9/29/2022</a:t>
+              <a:t>11/15/2022</a:t>
             </a:fld>
             <a:endParaRPr lang="en-US"/>
           </a:p>
@@ -1412,7 +1412,7 @@
           <a:p>
             <a:fld id="{E83FFE37-C1F0-467D-A491-4333803291AA}" type="datetimeFigureOut">
               <a:rPr lang="en-US" smtClean="0"/>
-              <a:t>9/29/2022</a:t>
+              <a:t>11/15/2022</a:t>
             </a:fld>
             <a:endParaRPr lang="en-US"/>
           </a:p>
@@ -1824,7 +1824,7 @@
           <a:p>
             <a:fld id="{E83FFE37-C1F0-467D-A491-4333803291AA}" type="datetimeFigureOut">
               <a:rPr lang="en-US" smtClean="0"/>
-              <a:t>9/29/2022</a:t>
+              <a:t>11/15/2022</a:t>
             </a:fld>
             <a:endParaRPr lang="en-US"/>
           </a:p>
@@ -1965,7 +1965,7 @@
           <a:p>
             <a:fld id="{E83FFE37-C1F0-467D-A491-4333803291AA}" type="datetimeFigureOut">
               <a:rPr lang="en-US" smtClean="0"/>
-              <a:t>9/29/2022</a:t>
+              <a:t>11/15/2022</a:t>
             </a:fld>
             <a:endParaRPr lang="en-US"/>
           </a:p>
@@ -2078,7 +2078,7 @@
           <a:p>
             <a:fld id="{E83FFE37-C1F0-467D-A491-4333803291AA}" type="datetimeFigureOut">
               <a:rPr lang="en-US" smtClean="0"/>
-              <a:t>9/29/2022</a:t>
+              <a:t>11/15/2022</a:t>
             </a:fld>
             <a:endParaRPr lang="en-US"/>
           </a:p>
@@ -2389,7 +2389,7 @@
           <a:p>
             <a:fld id="{E83FFE37-C1F0-467D-A491-4333803291AA}" type="datetimeFigureOut">
               <a:rPr lang="en-US" smtClean="0"/>
-              <a:t>9/29/2022</a:t>
+              <a:t>11/15/2022</a:t>
             </a:fld>
             <a:endParaRPr lang="en-US"/>
           </a:p>
@@ -2677,7 +2677,7 @@
           <a:p>
             <a:fld id="{E83FFE37-C1F0-467D-A491-4333803291AA}" type="datetimeFigureOut">
               <a:rPr lang="en-US" smtClean="0"/>
-              <a:t>9/29/2022</a:t>
+              <a:t>11/15/2022</a:t>
             </a:fld>
             <a:endParaRPr lang="en-US"/>
           </a:p>
@@ -2918,7 +2918,7 @@
           <a:p>
             <a:fld id="{E83FFE37-C1F0-467D-A491-4333803291AA}" type="datetimeFigureOut">
               <a:rPr lang="en-US" smtClean="0"/>
-              <a:t>9/29/2022</a:t>
+              <a:t>11/15/2022</a:t>
             </a:fld>
             <a:endParaRPr lang="en-US"/>
           </a:p>
@@ -4813,7 +4813,7 @@
               <a:pPr algn="ctr"/>
               <a:r>
                 <a:rPr lang="en-US" sz="1000" dirty="0"/>
-                <a:t>Agent Server</a:t>
+                <a:t> gent Server</a:t>
               </a:r>
             </a:p>
           </p:txBody>
@@ -11580,7 +11580,7 @@
         </p:nvGrpSpPr>
         <p:grpSpPr>
           <a:xfrm>
-            <a:off x="999254" y="4370231"/>
+            <a:off x="997588" y="4259098"/>
             <a:ext cx="1121258" cy="500416"/>
             <a:chOff x="6708775" y="993254"/>
             <a:chExt cx="1121258" cy="500416"/>
@@ -14757,7 +14757,7 @@
         </p:nvGrpSpPr>
         <p:grpSpPr>
           <a:xfrm>
-            <a:off x="950813" y="5253062"/>
+            <a:off x="1002313" y="4976970"/>
             <a:ext cx="1169675" cy="672965"/>
             <a:chOff x="882552" y="5687963"/>
             <a:chExt cx="1169675" cy="672965"/>
@@ -27076,6 +27076,866 @@
           </p:txBody>
         </p:sp>
       </p:grpSp>
+      <p:grpSp>
+        <p:nvGrpSpPr>
+          <p:cNvPr id="556" name="Group 555">
+            <a:extLst>
+              <a:ext uri="{FF2B5EF4-FFF2-40B4-BE49-F238E27FC236}">
+                <a16:creationId xmlns:a16="http://schemas.microsoft.com/office/drawing/2014/main" id="{BEE16E4E-A5A8-44FE-8C7C-4BFEC061260F}"/>
+              </a:ext>
+            </a:extLst>
+          </p:cNvPr>
+          <p:cNvGrpSpPr/>
+          <p:nvPr/>
+        </p:nvGrpSpPr>
+        <p:grpSpPr>
+          <a:xfrm>
+            <a:off x="1016917" y="5751797"/>
+            <a:ext cx="1122478" cy="918621"/>
+            <a:chOff x="1036500" y="683479"/>
+            <a:chExt cx="1122478" cy="918621"/>
+          </a:xfrm>
+        </p:grpSpPr>
+        <p:grpSp>
+          <p:nvGrpSpPr>
+            <p:cNvPr id="615" name="Group 614" descr="Agent server">
+              <a:extLst>
+                <a:ext uri="{FF2B5EF4-FFF2-40B4-BE49-F238E27FC236}">
+                  <a16:creationId xmlns:a16="http://schemas.microsoft.com/office/drawing/2014/main" id="{1AE89240-741D-4E7B-8A1B-8B1C58C5CD7B}"/>
+                </a:ext>
+              </a:extLst>
+            </p:cNvPr>
+            <p:cNvGrpSpPr/>
+            <p:nvPr/>
+          </p:nvGrpSpPr>
+          <p:grpSpPr>
+            <a:xfrm>
+              <a:off x="1036500" y="683479"/>
+              <a:ext cx="1121258" cy="666408"/>
+              <a:chOff x="811465" y="4284090"/>
+              <a:chExt cx="1121258" cy="666408"/>
+            </a:xfrm>
+          </p:grpSpPr>
+          <p:grpSp>
+            <p:nvGrpSpPr>
+              <p:cNvPr id="621" name="Group 620">
+                <a:extLst>
+                  <a:ext uri="{FF2B5EF4-FFF2-40B4-BE49-F238E27FC236}">
+                    <a16:creationId xmlns:a16="http://schemas.microsoft.com/office/drawing/2014/main" id="{F9562055-75B5-4156-885B-EB7874571F3D}"/>
+                  </a:ext>
+                </a:extLst>
+              </p:cNvPr>
+              <p:cNvGrpSpPr/>
+              <p:nvPr/>
+            </p:nvGrpSpPr>
+            <p:grpSpPr>
+              <a:xfrm>
+                <a:off x="811465" y="4684124"/>
+                <a:ext cx="1121258" cy="252108"/>
+                <a:chOff x="6708775" y="993254"/>
+                <a:chExt cx="1121258" cy="252108"/>
+              </a:xfrm>
+            </p:grpSpPr>
+            <p:sp>
+              <p:nvSpPr>
+                <p:cNvPr id="635" name="Rectangle 634" descr="Server">
+                  <a:extLst>
+                    <a:ext uri="{FF2B5EF4-FFF2-40B4-BE49-F238E27FC236}">
+                      <a16:creationId xmlns:a16="http://schemas.microsoft.com/office/drawing/2014/main" id="{79744A93-004F-4D44-9277-AEB7D1DF13E5}"/>
+                    </a:ext>
+                  </a:extLst>
+                </p:cNvPr>
+                <p:cNvSpPr/>
+                <p:nvPr/>
+              </p:nvSpPr>
+              <p:spPr>
+                <a:xfrm>
+                  <a:off x="6708775" y="993254"/>
+                  <a:ext cx="1121258" cy="252108"/>
+                </a:xfrm>
+                <a:prstGeom prst="rect">
+                  <a:avLst/>
+                </a:prstGeom>
+              </p:spPr>
+              <p:style>
+                <a:lnRef idx="2">
+                  <a:schemeClr val="accent1">
+                    <a:shade val="50000"/>
+                  </a:schemeClr>
+                </a:lnRef>
+                <a:fillRef idx="1">
+                  <a:schemeClr val="accent1"/>
+                </a:fillRef>
+                <a:effectRef idx="0">
+                  <a:schemeClr val="accent1"/>
+                </a:effectRef>
+                <a:fontRef idx="minor">
+                  <a:schemeClr val="lt1"/>
+                </a:fontRef>
+              </p:style>
+              <p:txBody>
+                <a:bodyPr rtlCol="0" anchor="ctr"/>
+                <a:lstStyle/>
+                <a:p>
+                  <a:pPr algn="ctr"/>
+                  <a:endParaRPr lang="en-US"/>
+                </a:p>
+              </p:txBody>
+            </p:sp>
+            <p:grpSp>
+              <p:nvGrpSpPr>
+                <p:cNvPr id="636" name="Group 635">
+                  <a:extLst>
+                    <a:ext uri="{FF2B5EF4-FFF2-40B4-BE49-F238E27FC236}">
+                      <a16:creationId xmlns:a16="http://schemas.microsoft.com/office/drawing/2014/main" id="{FB0F6ECF-2634-40E9-A4F2-5EBB62578C2E}"/>
+                    </a:ext>
+                  </a:extLst>
+                </p:cNvPr>
+                <p:cNvGrpSpPr/>
+                <p:nvPr/>
+              </p:nvGrpSpPr>
+              <p:grpSpPr>
+                <a:xfrm>
+                  <a:off x="6785414" y="1020232"/>
+                  <a:ext cx="415728" cy="198151"/>
+                  <a:chOff x="2865703" y="2280647"/>
+                  <a:chExt cx="415728" cy="198151"/>
+                </a:xfrm>
+              </p:grpSpPr>
+              <p:grpSp>
+                <p:nvGrpSpPr>
+                  <p:cNvPr id="638" name="Group 637">
+                    <a:extLst>
+                      <a:ext uri="{FF2B5EF4-FFF2-40B4-BE49-F238E27FC236}">
+                        <a16:creationId xmlns:a16="http://schemas.microsoft.com/office/drawing/2014/main" id="{821B6FB2-D9D4-48A2-99A9-371C8E1CB274}"/>
+                      </a:ext>
+                    </a:extLst>
+                  </p:cNvPr>
+                  <p:cNvGrpSpPr/>
+                  <p:nvPr/>
+                </p:nvGrpSpPr>
+                <p:grpSpPr>
+                  <a:xfrm rot="16200000">
+                    <a:off x="2871888" y="2274463"/>
+                    <a:ext cx="198150" cy="210519"/>
+                    <a:chOff x="2957513" y="1708812"/>
+                    <a:chExt cx="384312" cy="303146"/>
+                  </a:xfrm>
+                </p:grpSpPr>
+                <p:sp>
+                  <p:nvSpPr>
+                    <p:cNvPr id="653" name="Rectangle 652">
+                      <a:extLst>
+                        <a:ext uri="{FF2B5EF4-FFF2-40B4-BE49-F238E27FC236}">
+                          <a16:creationId xmlns:a16="http://schemas.microsoft.com/office/drawing/2014/main" id="{7E8E559D-6FE7-441D-8FD2-242CD721AA29}"/>
+                        </a:ext>
+                      </a:extLst>
+                    </p:cNvPr>
+                    <p:cNvSpPr/>
+                    <p:nvPr/>
+                  </p:nvSpPr>
+                  <p:spPr>
+                    <a:xfrm>
+                      <a:off x="2957513" y="1803235"/>
+                      <a:ext cx="384312" cy="208723"/>
+                    </a:xfrm>
+                    <a:prstGeom prst="rect">
+                      <a:avLst/>
+                    </a:prstGeom>
+                    <a:solidFill>
+                      <a:schemeClr val="accent1">
+                        <a:lumMod val="60000"/>
+                        <a:lumOff val="40000"/>
+                      </a:schemeClr>
+                    </a:solidFill>
+                  </p:spPr>
+                  <p:style>
+                    <a:lnRef idx="2">
+                      <a:schemeClr val="accent1">
+                        <a:shade val="50000"/>
+                      </a:schemeClr>
+                    </a:lnRef>
+                    <a:fillRef idx="1">
+                      <a:schemeClr val="accent1"/>
+                    </a:fillRef>
+                    <a:effectRef idx="0">
+                      <a:schemeClr val="accent1"/>
+                    </a:effectRef>
+                    <a:fontRef idx="minor">
+                      <a:schemeClr val="lt1"/>
+                    </a:fontRef>
+                  </p:style>
+                  <p:txBody>
+                    <a:bodyPr rtlCol="0" anchor="ctr"/>
+                    <a:lstStyle/>
+                    <a:p>
+                      <a:pPr algn="ctr"/>
+                      <a:endParaRPr lang="en-US"/>
+                    </a:p>
+                  </p:txBody>
+                </p:sp>
+                <p:sp>
+                  <p:nvSpPr>
+                    <p:cNvPr id="654" name="Rectangle 653">
+                      <a:extLst>
+                        <a:ext uri="{FF2B5EF4-FFF2-40B4-BE49-F238E27FC236}">
+                          <a16:creationId xmlns:a16="http://schemas.microsoft.com/office/drawing/2014/main" id="{9F4F956E-0F08-4CD5-ADB5-4432DDBD9693}"/>
+                        </a:ext>
+                      </a:extLst>
+                    </p:cNvPr>
+                    <p:cNvSpPr/>
+                    <p:nvPr/>
+                  </p:nvSpPr>
+                  <p:spPr>
+                    <a:xfrm>
+                      <a:off x="2957513" y="1748875"/>
+                      <a:ext cx="384312" cy="158722"/>
+                    </a:xfrm>
+                    <a:prstGeom prst="rect">
+                      <a:avLst/>
+                    </a:prstGeom>
+                    <a:solidFill>
+                      <a:schemeClr val="accent1">
+                        <a:lumMod val="60000"/>
+                        <a:lumOff val="40000"/>
+                      </a:schemeClr>
+                    </a:solidFill>
+                  </p:spPr>
+                  <p:style>
+                    <a:lnRef idx="2">
+                      <a:schemeClr val="accent1">
+                        <a:shade val="50000"/>
+                      </a:schemeClr>
+                    </a:lnRef>
+                    <a:fillRef idx="1">
+                      <a:schemeClr val="accent1"/>
+                    </a:fillRef>
+                    <a:effectRef idx="0">
+                      <a:schemeClr val="accent1"/>
+                    </a:effectRef>
+                    <a:fontRef idx="minor">
+                      <a:schemeClr val="lt1"/>
+                    </a:fontRef>
+                  </p:style>
+                  <p:txBody>
+                    <a:bodyPr rtlCol="0" anchor="ctr"/>
+                    <a:lstStyle/>
+                    <a:p>
+                      <a:pPr algn="ctr"/>
+                      <a:endParaRPr lang="en-US"/>
+                    </a:p>
+                  </p:txBody>
+                </p:sp>
+                <p:sp>
+                  <p:nvSpPr>
+                    <p:cNvPr id="655" name="Rectangle 654">
+                      <a:extLst>
+                        <a:ext uri="{FF2B5EF4-FFF2-40B4-BE49-F238E27FC236}">
+                          <a16:creationId xmlns:a16="http://schemas.microsoft.com/office/drawing/2014/main" id="{82597AD8-3DB0-4CE8-8FF9-7AA6FD009601}"/>
+                        </a:ext>
+                      </a:extLst>
+                    </p:cNvPr>
+                    <p:cNvSpPr/>
+                    <p:nvPr/>
+                  </p:nvSpPr>
+                  <p:spPr>
+                    <a:xfrm>
+                      <a:off x="2957513" y="1708812"/>
+                      <a:ext cx="384312" cy="94423"/>
+                    </a:xfrm>
+                    <a:prstGeom prst="rect">
+                      <a:avLst/>
+                    </a:prstGeom>
+                    <a:solidFill>
+                      <a:schemeClr val="accent1">
+                        <a:lumMod val="60000"/>
+                        <a:lumOff val="40000"/>
+                      </a:schemeClr>
+                    </a:solidFill>
+                  </p:spPr>
+                  <p:style>
+                    <a:lnRef idx="2">
+                      <a:schemeClr val="accent1">
+                        <a:shade val="50000"/>
+                      </a:schemeClr>
+                    </a:lnRef>
+                    <a:fillRef idx="1">
+                      <a:schemeClr val="accent1"/>
+                    </a:fillRef>
+                    <a:effectRef idx="0">
+                      <a:schemeClr val="accent1"/>
+                    </a:effectRef>
+                    <a:fontRef idx="minor">
+                      <a:schemeClr val="lt1"/>
+                    </a:fontRef>
+                  </p:style>
+                  <p:txBody>
+                    <a:bodyPr rtlCol="0" anchor="ctr"/>
+                    <a:lstStyle/>
+                    <a:p>
+                      <a:pPr algn="ctr"/>
+                      <a:endParaRPr lang="en-US"/>
+                    </a:p>
+                  </p:txBody>
+                </p:sp>
+              </p:grpSp>
+              <p:grpSp>
+                <p:nvGrpSpPr>
+                  <p:cNvPr id="639" name="Group 638">
+                    <a:extLst>
+                      <a:ext uri="{FF2B5EF4-FFF2-40B4-BE49-F238E27FC236}">
+                        <a16:creationId xmlns:a16="http://schemas.microsoft.com/office/drawing/2014/main" id="{162A07B9-69C4-48F7-9119-A1EF083F321B}"/>
+                      </a:ext>
+                    </a:extLst>
+                  </p:cNvPr>
+                  <p:cNvGrpSpPr/>
+                  <p:nvPr/>
+                </p:nvGrpSpPr>
+                <p:grpSpPr>
+                  <a:xfrm rot="16200000">
+                    <a:off x="3077097" y="2274462"/>
+                    <a:ext cx="198150" cy="210519"/>
+                    <a:chOff x="2957513" y="1708812"/>
+                    <a:chExt cx="384312" cy="303146"/>
+                  </a:xfrm>
+                </p:grpSpPr>
+                <p:sp>
+                  <p:nvSpPr>
+                    <p:cNvPr id="640" name="Rectangle 639">
+                      <a:extLst>
+                        <a:ext uri="{FF2B5EF4-FFF2-40B4-BE49-F238E27FC236}">
+                          <a16:creationId xmlns:a16="http://schemas.microsoft.com/office/drawing/2014/main" id="{70B579CC-E2C6-4C40-BE30-B88FF4AB7AA3}"/>
+                        </a:ext>
+                      </a:extLst>
+                    </p:cNvPr>
+                    <p:cNvSpPr/>
+                    <p:nvPr/>
+                  </p:nvSpPr>
+                  <p:spPr>
+                    <a:xfrm>
+                      <a:off x="2957513" y="1803235"/>
+                      <a:ext cx="384312" cy="208723"/>
+                    </a:xfrm>
+                    <a:prstGeom prst="rect">
+                      <a:avLst/>
+                    </a:prstGeom>
+                    <a:solidFill>
+                      <a:schemeClr val="accent1">
+                        <a:lumMod val="60000"/>
+                        <a:lumOff val="40000"/>
+                      </a:schemeClr>
+                    </a:solidFill>
+                  </p:spPr>
+                  <p:style>
+                    <a:lnRef idx="2">
+                      <a:schemeClr val="accent1">
+                        <a:shade val="50000"/>
+                      </a:schemeClr>
+                    </a:lnRef>
+                    <a:fillRef idx="1">
+                      <a:schemeClr val="accent1"/>
+                    </a:fillRef>
+                    <a:effectRef idx="0">
+                      <a:schemeClr val="accent1"/>
+                    </a:effectRef>
+                    <a:fontRef idx="minor">
+                      <a:schemeClr val="lt1"/>
+                    </a:fontRef>
+                  </p:style>
+                  <p:txBody>
+                    <a:bodyPr rtlCol="0" anchor="ctr"/>
+                    <a:lstStyle/>
+                    <a:p>
+                      <a:pPr algn="ctr"/>
+                      <a:endParaRPr lang="en-US"/>
+                    </a:p>
+                  </p:txBody>
+                </p:sp>
+                <p:sp>
+                  <p:nvSpPr>
+                    <p:cNvPr id="651" name="Rectangle 650">
+                      <a:extLst>
+                        <a:ext uri="{FF2B5EF4-FFF2-40B4-BE49-F238E27FC236}">
+                          <a16:creationId xmlns:a16="http://schemas.microsoft.com/office/drawing/2014/main" id="{8FB3B0CF-6C4D-426A-9E58-FC6B0C23389D}"/>
+                        </a:ext>
+                      </a:extLst>
+                    </p:cNvPr>
+                    <p:cNvSpPr/>
+                    <p:nvPr/>
+                  </p:nvSpPr>
+                  <p:spPr>
+                    <a:xfrm>
+                      <a:off x="2957513" y="1748875"/>
+                      <a:ext cx="384312" cy="158722"/>
+                    </a:xfrm>
+                    <a:prstGeom prst="rect">
+                      <a:avLst/>
+                    </a:prstGeom>
+                    <a:solidFill>
+                      <a:schemeClr val="accent1">
+                        <a:lumMod val="60000"/>
+                        <a:lumOff val="40000"/>
+                      </a:schemeClr>
+                    </a:solidFill>
+                  </p:spPr>
+                  <p:style>
+                    <a:lnRef idx="2">
+                      <a:schemeClr val="accent1">
+                        <a:shade val="50000"/>
+                      </a:schemeClr>
+                    </a:lnRef>
+                    <a:fillRef idx="1">
+                      <a:schemeClr val="accent1"/>
+                    </a:fillRef>
+                    <a:effectRef idx="0">
+                      <a:schemeClr val="accent1"/>
+                    </a:effectRef>
+                    <a:fontRef idx="minor">
+                      <a:schemeClr val="lt1"/>
+                    </a:fontRef>
+                  </p:style>
+                  <p:txBody>
+                    <a:bodyPr rtlCol="0" anchor="ctr"/>
+                    <a:lstStyle/>
+                    <a:p>
+                      <a:pPr algn="ctr"/>
+                      <a:endParaRPr lang="en-US"/>
+                    </a:p>
+                  </p:txBody>
+                </p:sp>
+                <p:sp>
+                  <p:nvSpPr>
+                    <p:cNvPr id="652" name="Rectangle 651" descr="Agent">
+                      <a:extLst>
+                        <a:ext uri="{FF2B5EF4-FFF2-40B4-BE49-F238E27FC236}">
+                          <a16:creationId xmlns:a16="http://schemas.microsoft.com/office/drawing/2014/main" id="{8A6959E9-A22D-4A1F-9DB2-383821D8CC92}"/>
+                        </a:ext>
+                      </a:extLst>
+                    </p:cNvPr>
+                    <p:cNvSpPr/>
+                    <p:nvPr/>
+                  </p:nvSpPr>
+                  <p:spPr>
+                    <a:xfrm>
+                      <a:off x="2957513" y="1708812"/>
+                      <a:ext cx="384312" cy="94423"/>
+                    </a:xfrm>
+                    <a:prstGeom prst="rect">
+                      <a:avLst/>
+                    </a:prstGeom>
+                    <a:solidFill>
+                      <a:schemeClr val="accent1">
+                        <a:lumMod val="60000"/>
+                        <a:lumOff val="40000"/>
+                      </a:schemeClr>
+                    </a:solidFill>
+                  </p:spPr>
+                  <p:style>
+                    <a:lnRef idx="2">
+                      <a:schemeClr val="accent1">
+                        <a:shade val="50000"/>
+                      </a:schemeClr>
+                    </a:lnRef>
+                    <a:fillRef idx="1">
+                      <a:schemeClr val="accent1"/>
+                    </a:fillRef>
+                    <a:effectRef idx="0">
+                      <a:schemeClr val="accent1"/>
+                    </a:effectRef>
+                    <a:fontRef idx="minor">
+                      <a:schemeClr val="lt1"/>
+                    </a:fontRef>
+                  </p:style>
+                  <p:txBody>
+                    <a:bodyPr rtlCol="0" anchor="ctr"/>
+                    <a:lstStyle/>
+                    <a:p>
+                      <a:pPr algn="ctr"/>
+                      <a:endParaRPr lang="en-US"/>
+                    </a:p>
+                  </p:txBody>
+                </p:sp>
+              </p:grpSp>
+            </p:grpSp>
+            <p:sp>
+              <p:nvSpPr>
+                <p:cNvPr id="637" name="Oval 636">
+                  <a:extLst>
+                    <a:ext uri="{FF2B5EF4-FFF2-40B4-BE49-F238E27FC236}">
+                      <a16:creationId xmlns:a16="http://schemas.microsoft.com/office/drawing/2014/main" id="{C48F8FA3-467E-4CE4-A05A-F49CF66FACE2}"/>
+                    </a:ext>
+                  </a:extLst>
+                </p:cNvPr>
+                <p:cNvSpPr/>
+                <p:nvPr/>
+              </p:nvSpPr>
+              <p:spPr>
+                <a:xfrm>
+                  <a:off x="7693508" y="1155449"/>
+                  <a:ext cx="45719" cy="45719"/>
+                </a:xfrm>
+                <a:prstGeom prst="ellipse">
+                  <a:avLst/>
+                </a:prstGeom>
+                <a:solidFill>
+                  <a:srgbClr val="FF0000"/>
+                </a:solidFill>
+                <a:ln>
+                  <a:solidFill>
+                    <a:schemeClr val="accent1"/>
+                  </a:solidFill>
+                </a:ln>
+              </p:spPr>
+              <p:style>
+                <a:lnRef idx="2">
+                  <a:schemeClr val="accent1">
+                    <a:shade val="50000"/>
+                  </a:schemeClr>
+                </a:lnRef>
+                <a:fillRef idx="1">
+                  <a:schemeClr val="accent1"/>
+                </a:fillRef>
+                <a:effectRef idx="0">
+                  <a:schemeClr val="accent1"/>
+                </a:effectRef>
+                <a:fontRef idx="minor">
+                  <a:schemeClr val="lt1"/>
+                </a:fontRef>
+              </p:style>
+              <p:txBody>
+                <a:bodyPr rtlCol="0" anchor="ctr"/>
+                <a:lstStyle/>
+                <a:p>
+                  <a:pPr algn="ctr"/>
+                  <a:endParaRPr lang="en-US"/>
+                </a:p>
+              </p:txBody>
+            </p:sp>
+          </p:grpSp>
+          <p:grpSp>
+            <p:nvGrpSpPr>
+              <p:cNvPr id="622" name="Group 621">
+                <a:extLst>
+                  <a:ext uri="{FF2B5EF4-FFF2-40B4-BE49-F238E27FC236}">
+                    <a16:creationId xmlns:a16="http://schemas.microsoft.com/office/drawing/2014/main" id="{556181AE-8411-498A-8446-20B43D69BA62}"/>
+                  </a:ext>
+                </a:extLst>
+              </p:cNvPr>
+              <p:cNvGrpSpPr/>
+              <p:nvPr/>
+            </p:nvGrpSpPr>
+            <p:grpSpPr>
+              <a:xfrm>
+                <a:off x="1480165" y="4284090"/>
+                <a:ext cx="443789" cy="666408"/>
+                <a:chOff x="2415679" y="4946050"/>
+                <a:chExt cx="443789" cy="666408"/>
+              </a:xfrm>
+            </p:grpSpPr>
+            <p:grpSp>
+              <p:nvGrpSpPr>
+                <p:cNvPr id="625" name="Group 624">
+                  <a:extLst>
+                    <a:ext uri="{FF2B5EF4-FFF2-40B4-BE49-F238E27FC236}">
+                      <a16:creationId xmlns:a16="http://schemas.microsoft.com/office/drawing/2014/main" id="{6C6E04CE-4E6D-4353-9B83-A96F7DB711E3}"/>
+                    </a:ext>
+                  </a:extLst>
+                </p:cNvPr>
+                <p:cNvGrpSpPr/>
+                <p:nvPr/>
+              </p:nvGrpSpPr>
+              <p:grpSpPr>
+                <a:xfrm>
+                  <a:off x="2415679" y="4946050"/>
+                  <a:ext cx="443789" cy="666408"/>
+                  <a:chOff x="7875556" y="3956050"/>
+                  <a:chExt cx="153327" cy="236788"/>
+                </a:xfrm>
+                <a:solidFill>
+                  <a:schemeClr val="accent1">
+                    <a:lumMod val="40000"/>
+                    <a:lumOff val="60000"/>
+                  </a:schemeClr>
+                </a:solidFill>
+              </p:grpSpPr>
+              <p:sp>
+                <p:nvSpPr>
+                  <p:cNvPr id="629" name="Oval 628">
+                    <a:extLst>
+                      <a:ext uri="{FF2B5EF4-FFF2-40B4-BE49-F238E27FC236}">
+                        <a16:creationId xmlns:a16="http://schemas.microsoft.com/office/drawing/2014/main" id="{D43705C8-8514-4E7A-8176-756A7CCE5508}"/>
+                      </a:ext>
+                    </a:extLst>
+                  </p:cNvPr>
+                  <p:cNvSpPr/>
+                  <p:nvPr/>
+                </p:nvSpPr>
+                <p:spPr>
+                  <a:xfrm>
+                    <a:off x="7902131" y="3956050"/>
+                    <a:ext cx="100177" cy="88900"/>
+                  </a:xfrm>
+                  <a:prstGeom prst="ellipse">
+                    <a:avLst/>
+                  </a:prstGeom>
+                  <a:grpFill/>
+                </p:spPr>
+                <p:style>
+                  <a:lnRef idx="2">
+                    <a:schemeClr val="accent1">
+                      <a:shade val="50000"/>
+                    </a:schemeClr>
+                  </a:lnRef>
+                  <a:fillRef idx="1">
+                    <a:schemeClr val="accent1"/>
+                  </a:fillRef>
+                  <a:effectRef idx="0">
+                    <a:schemeClr val="accent1"/>
+                  </a:effectRef>
+                  <a:fontRef idx="minor">
+                    <a:schemeClr val="lt1"/>
+                  </a:fontRef>
+                </p:style>
+                <p:txBody>
+                  <a:bodyPr rtlCol="0" anchor="ctr"/>
+                  <a:lstStyle/>
+                  <a:p>
+                    <a:pPr algn="ctr"/>
+                    <a:endParaRPr lang="en-US"/>
+                  </a:p>
+                </p:txBody>
+              </p:sp>
+              <p:sp>
+                <p:nvSpPr>
+                  <p:cNvPr id="634" name="Chord 633">
+                    <a:extLst>
+                      <a:ext uri="{FF2B5EF4-FFF2-40B4-BE49-F238E27FC236}">
+                        <a16:creationId xmlns:a16="http://schemas.microsoft.com/office/drawing/2014/main" id="{2DAE67BC-82EB-48B4-AA10-EEFBDBD3386F}"/>
+                      </a:ext>
+                    </a:extLst>
+                  </p:cNvPr>
+                  <p:cNvSpPr/>
+                  <p:nvPr/>
+                </p:nvSpPr>
+                <p:spPr>
+                  <a:xfrm rot="6756901">
+                    <a:off x="7876091" y="4040045"/>
+                    <a:ext cx="152258" cy="153327"/>
+                  </a:xfrm>
+                  <a:prstGeom prst="chord">
+                    <a:avLst/>
+                  </a:prstGeom>
+                  <a:grpFill/>
+                </p:spPr>
+                <p:style>
+                  <a:lnRef idx="2">
+                    <a:schemeClr val="accent1">
+                      <a:shade val="50000"/>
+                    </a:schemeClr>
+                  </a:lnRef>
+                  <a:fillRef idx="1">
+                    <a:schemeClr val="accent1"/>
+                  </a:fillRef>
+                  <a:effectRef idx="0">
+                    <a:schemeClr val="accent1"/>
+                  </a:effectRef>
+                  <a:fontRef idx="minor">
+                    <a:schemeClr val="lt1"/>
+                  </a:fontRef>
+                </p:style>
+                <p:txBody>
+                  <a:bodyPr rtlCol="0" anchor="ctr"/>
+                  <a:lstStyle/>
+                  <a:p>
+                    <a:pPr algn="ctr"/>
+                    <a:endParaRPr lang="en-US"/>
+                  </a:p>
+                </p:txBody>
+              </p:sp>
+            </p:grpSp>
+            <p:sp>
+              <p:nvSpPr>
+                <p:cNvPr id="624" name="Trapezoid 623">
+                  <a:extLst>
+                    <a:ext uri="{FF2B5EF4-FFF2-40B4-BE49-F238E27FC236}">
+                      <a16:creationId xmlns:a16="http://schemas.microsoft.com/office/drawing/2014/main" id="{B1241D63-9CA8-4D95-94B5-4DED5529CE61}"/>
+                    </a:ext>
+                  </a:extLst>
+                </p:cNvPr>
+                <p:cNvSpPr/>
+                <p:nvPr/>
+              </p:nvSpPr>
+              <p:spPr>
+                <a:xfrm>
+                  <a:off x="2605506" y="5191098"/>
+                  <a:ext cx="64136" cy="176218"/>
+                </a:xfrm>
+                <a:prstGeom prst="trapezoid">
+                  <a:avLst/>
+                </a:prstGeom>
+              </p:spPr>
+              <p:style>
+                <a:lnRef idx="2">
+                  <a:schemeClr val="accent1">
+                    <a:shade val="50000"/>
+                  </a:schemeClr>
+                </a:lnRef>
+                <a:fillRef idx="1">
+                  <a:schemeClr val="accent1"/>
+                </a:fillRef>
+                <a:effectRef idx="0">
+                  <a:schemeClr val="accent1"/>
+                </a:effectRef>
+                <a:fontRef idx="minor">
+                  <a:schemeClr val="lt1"/>
+                </a:fontRef>
+              </p:style>
+              <p:txBody>
+                <a:bodyPr rtlCol="0" anchor="ctr"/>
+                <a:lstStyle/>
+                <a:p>
+                  <a:pPr algn="ctr"/>
+                  <a:endParaRPr lang="en-US"/>
+                </a:p>
+              </p:txBody>
+            </p:sp>
+          </p:grpSp>
+        </p:grpSp>
+        <p:sp>
+          <p:nvSpPr>
+            <p:cNvPr id="616" name="TextBox 615">
+              <a:extLst>
+                <a:ext uri="{FF2B5EF4-FFF2-40B4-BE49-F238E27FC236}">
+                  <a16:creationId xmlns:a16="http://schemas.microsoft.com/office/drawing/2014/main" id="{24044987-B42F-47A4-822C-25CB6C5D87CC}"/>
+                </a:ext>
+              </a:extLst>
+            </p:cNvPr>
+            <p:cNvSpPr txBox="1"/>
+            <p:nvPr/>
+          </p:nvSpPr>
+          <p:spPr>
+            <a:xfrm>
+              <a:off x="1037720" y="1355879"/>
+              <a:ext cx="1121258" cy="246221"/>
+            </a:xfrm>
+            <a:prstGeom prst="rect">
+              <a:avLst/>
+            </a:prstGeom>
+            <a:noFill/>
+          </p:spPr>
+          <p:txBody>
+            <a:bodyPr wrap="square" rtlCol="0">
+              <a:spAutoFit/>
+            </a:bodyPr>
+            <a:lstStyle/>
+            <a:p>
+              <a:pPr algn="ctr"/>
+              <a:r>
+                <a:rPr lang="en-US" sz="1000" dirty="0"/>
+                <a:t>Agent Server</a:t>
+              </a:r>
+            </a:p>
+          </p:txBody>
+        </p:sp>
+      </p:grpSp>
+      <p:sp>
+        <p:nvSpPr>
+          <p:cNvPr id="658" name="Oval 657">
+            <a:extLst>
+              <a:ext uri="{FF2B5EF4-FFF2-40B4-BE49-F238E27FC236}">
+                <a16:creationId xmlns:a16="http://schemas.microsoft.com/office/drawing/2014/main" id="{F90E6D49-5F95-48F6-B5CB-1CFFF01802B0}"/>
+              </a:ext>
+            </a:extLst>
+          </p:cNvPr>
+          <p:cNvSpPr/>
+          <p:nvPr/>
+        </p:nvSpPr>
+        <p:spPr>
+          <a:xfrm>
+            <a:off x="3215802" y="6033701"/>
+            <a:ext cx="289952" cy="250197"/>
+          </a:xfrm>
+          <a:prstGeom prst="ellipse">
+            <a:avLst/>
+          </a:prstGeom>
+          <a:solidFill>
+            <a:schemeClr val="accent1">
+              <a:lumMod val="40000"/>
+              <a:lumOff val="60000"/>
+            </a:schemeClr>
+          </a:solidFill>
+        </p:spPr>
+        <p:style>
+          <a:lnRef idx="2">
+            <a:schemeClr val="accent1">
+              <a:shade val="50000"/>
+            </a:schemeClr>
+          </a:lnRef>
+          <a:fillRef idx="1">
+            <a:schemeClr val="accent1"/>
+          </a:fillRef>
+          <a:effectRef idx="0">
+            <a:schemeClr val="accent1"/>
+          </a:effectRef>
+          <a:fontRef idx="minor">
+            <a:schemeClr val="lt1"/>
+          </a:fontRef>
+        </p:style>
+        <p:txBody>
+          <a:bodyPr rtlCol="0" anchor="ctr"/>
+          <a:lstStyle/>
+          <a:p>
+            <a:pPr algn="ctr"/>
+            <a:endParaRPr lang="en-US"/>
+          </a:p>
+        </p:txBody>
+      </p:sp>
+      <p:sp>
+        <p:nvSpPr>
+          <p:cNvPr id="90" name="Rectangle 89">
+            <a:extLst>
+              <a:ext uri="{FF2B5EF4-FFF2-40B4-BE49-F238E27FC236}">
+                <a16:creationId xmlns:a16="http://schemas.microsoft.com/office/drawing/2014/main" id="{32F54E92-0E5B-4FEB-931B-7AD33BFDA14E}"/>
+              </a:ext>
+            </a:extLst>
+          </p:cNvPr>
+          <p:cNvSpPr/>
+          <p:nvPr/>
+        </p:nvSpPr>
+        <p:spPr>
+          <a:xfrm>
+            <a:off x="3151378" y="5946659"/>
+            <a:ext cx="415864" cy="205172"/>
+          </a:xfrm>
+          <a:prstGeom prst="rect">
+            <a:avLst/>
+          </a:prstGeom>
+        </p:spPr>
+        <p:style>
+          <a:lnRef idx="2">
+            <a:schemeClr val="accent1">
+              <a:shade val="50000"/>
+            </a:schemeClr>
+          </a:lnRef>
+          <a:fillRef idx="1">
+            <a:schemeClr val="accent1"/>
+          </a:fillRef>
+          <a:effectRef idx="0">
+            <a:schemeClr val="accent1"/>
+          </a:effectRef>
+          <a:fontRef idx="minor">
+            <a:schemeClr val="lt1"/>
+          </a:fontRef>
+        </p:style>
+        <p:txBody>
+          <a:bodyPr rtlCol="0" anchor="ctr"/>
+          <a:lstStyle/>
+          <a:p>
+            <a:pPr algn="ctr"/>
+            <a:endParaRPr lang="en-US"/>
+          </a:p>
+        </p:txBody>
+      </p:sp>
     </p:spTree>
     <p:extLst>
       <p:ext uri="{BB962C8B-B14F-4D97-AF65-F5344CB8AC3E}">
@@ -27671,6 +28531,165 @@
           </a:p>
         </p:txBody>
       </p:sp>
+      <p:grpSp>
+        <p:nvGrpSpPr>
+          <p:cNvPr id="11" name="Group 10">
+            <a:extLst>
+              <a:ext uri="{FF2B5EF4-FFF2-40B4-BE49-F238E27FC236}">
+                <a16:creationId xmlns:a16="http://schemas.microsoft.com/office/drawing/2014/main" id="{BB1FAE93-9EE7-4687-8C6B-C9EF7D1F0EB5}"/>
+              </a:ext>
+            </a:extLst>
+          </p:cNvPr>
+          <p:cNvGrpSpPr/>
+          <p:nvPr/>
+        </p:nvGrpSpPr>
+        <p:grpSpPr>
+          <a:xfrm>
+            <a:off x="4325668" y="4754085"/>
+            <a:ext cx="657657" cy="136282"/>
+            <a:chOff x="10462260" y="4496300"/>
+            <a:chExt cx="657657" cy="136282"/>
+          </a:xfrm>
+        </p:grpSpPr>
+        <p:sp>
+          <p:nvSpPr>
+            <p:cNvPr id="13" name="Rectangle 12">
+              <a:extLst>
+                <a:ext uri="{FF2B5EF4-FFF2-40B4-BE49-F238E27FC236}">
+                  <a16:creationId xmlns:a16="http://schemas.microsoft.com/office/drawing/2014/main" id="{485F25A3-555E-4AC0-A651-8076DF5B1DE9}"/>
+                </a:ext>
+              </a:extLst>
+            </p:cNvPr>
+            <p:cNvSpPr/>
+            <p:nvPr/>
+          </p:nvSpPr>
+          <p:spPr>
+            <a:xfrm>
+              <a:off x="10462260" y="4577235"/>
+              <a:ext cx="657657" cy="45719"/>
+            </a:xfrm>
+            <a:prstGeom prst="rect">
+              <a:avLst/>
+            </a:prstGeom>
+          </p:spPr>
+          <p:style>
+            <a:lnRef idx="2">
+              <a:schemeClr val="accent1">
+                <a:shade val="50000"/>
+              </a:schemeClr>
+            </a:lnRef>
+            <a:fillRef idx="1">
+              <a:schemeClr val="accent1"/>
+            </a:fillRef>
+            <a:effectRef idx="0">
+              <a:schemeClr val="accent1"/>
+            </a:effectRef>
+            <a:fontRef idx="minor">
+              <a:schemeClr val="lt1"/>
+            </a:fontRef>
+          </p:style>
+          <p:txBody>
+            <a:bodyPr rtlCol="0" anchor="ctr"/>
+            <a:lstStyle/>
+            <a:p>
+              <a:pPr algn="ctr"/>
+              <a:endParaRPr lang="en-US"/>
+            </a:p>
+          </p:txBody>
+        </p:sp>
+        <p:sp>
+          <p:nvSpPr>
+            <p:cNvPr id="14" name="Rectangle 13">
+              <a:extLst>
+                <a:ext uri="{FF2B5EF4-FFF2-40B4-BE49-F238E27FC236}">
+                  <a16:creationId xmlns:a16="http://schemas.microsoft.com/office/drawing/2014/main" id="{01B7E7D6-A82D-4FD5-8307-85853447AF18}"/>
+                </a:ext>
+              </a:extLst>
+            </p:cNvPr>
+            <p:cNvSpPr/>
+            <p:nvPr/>
+          </p:nvSpPr>
+          <p:spPr>
+            <a:xfrm rot="5400000" flipV="1">
+              <a:off x="10748183" y="4514363"/>
+              <a:ext cx="81846" cy="45719"/>
+            </a:xfrm>
+            <a:prstGeom prst="rect">
+              <a:avLst/>
+            </a:prstGeom>
+          </p:spPr>
+          <p:style>
+            <a:lnRef idx="2">
+              <a:schemeClr val="accent1">
+                <a:shade val="50000"/>
+              </a:schemeClr>
+            </a:lnRef>
+            <a:fillRef idx="1">
+              <a:schemeClr val="accent1"/>
+            </a:fillRef>
+            <a:effectRef idx="0">
+              <a:schemeClr val="accent1"/>
+            </a:effectRef>
+            <a:fontRef idx="minor">
+              <a:schemeClr val="lt1"/>
+            </a:fontRef>
+          </p:style>
+          <p:txBody>
+            <a:bodyPr rtlCol="0" anchor="ctr"/>
+            <a:lstStyle/>
+            <a:p>
+              <a:pPr algn="ctr"/>
+              <a:endParaRPr lang="en-US"/>
+            </a:p>
+          </p:txBody>
+        </p:sp>
+        <p:sp>
+          <p:nvSpPr>
+            <p:cNvPr id="15" name="Rectangle 14">
+              <a:extLst>
+                <a:ext uri="{FF2B5EF4-FFF2-40B4-BE49-F238E27FC236}">
+                  <a16:creationId xmlns:a16="http://schemas.microsoft.com/office/drawing/2014/main" id="{089B008E-EAB7-4F08-BBAC-8F63CF7A086A}"/>
+                </a:ext>
+              </a:extLst>
+            </p:cNvPr>
+            <p:cNvSpPr/>
+            <p:nvPr/>
+          </p:nvSpPr>
+          <p:spPr>
+            <a:xfrm>
+              <a:off x="10754080" y="4558628"/>
+              <a:ext cx="75537" cy="73954"/>
+            </a:xfrm>
+            <a:prstGeom prst="rect">
+              <a:avLst/>
+            </a:prstGeom>
+          </p:spPr>
+          <p:style>
+            <a:lnRef idx="2">
+              <a:schemeClr val="accent1">
+                <a:shade val="50000"/>
+              </a:schemeClr>
+            </a:lnRef>
+            <a:fillRef idx="1">
+              <a:schemeClr val="accent1"/>
+            </a:fillRef>
+            <a:effectRef idx="0">
+              <a:schemeClr val="accent1"/>
+            </a:effectRef>
+            <a:fontRef idx="minor">
+              <a:schemeClr val="lt1"/>
+            </a:fontRef>
+          </p:style>
+          <p:txBody>
+            <a:bodyPr rtlCol="0" anchor="ctr"/>
+            <a:lstStyle/>
+            <a:p>
+              <a:pPr algn="ctr"/>
+              <a:endParaRPr lang="en-US"/>
+            </a:p>
+          </p:txBody>
+        </p:sp>
+      </p:grpSp>
     </p:spTree>
     <p:extLst>
       <p:ext uri="{BB962C8B-B14F-4D97-AF65-F5344CB8AC3E}">

--- a/Network Shapes.pptx
+++ b/Network Shapes.pptx
@@ -268,7 +268,7 @@
           <a:p>
             <a:fld id="{E83FFE37-C1F0-467D-A491-4333803291AA}" type="datetimeFigureOut">
               <a:rPr lang="en-US" smtClean="0"/>
-              <a:t>11/15/2022</a:t>
+              <a:t>3/30/2023</a:t>
             </a:fld>
             <a:endParaRPr lang="en-US"/>
           </a:p>
@@ -466,7 +466,7 @@
           <a:p>
             <a:fld id="{E83FFE37-C1F0-467D-A491-4333803291AA}" type="datetimeFigureOut">
               <a:rPr lang="en-US" smtClean="0"/>
-              <a:t>11/15/2022</a:t>
+              <a:t>3/30/2023</a:t>
             </a:fld>
             <a:endParaRPr lang="en-US"/>
           </a:p>
@@ -674,7 +674,7 @@
           <a:p>
             <a:fld id="{E83FFE37-C1F0-467D-A491-4333803291AA}" type="datetimeFigureOut">
               <a:rPr lang="en-US" smtClean="0"/>
-              <a:t>11/15/2022</a:t>
+              <a:t>3/30/2023</a:t>
             </a:fld>
             <a:endParaRPr lang="en-US"/>
           </a:p>
@@ -872,7 +872,7 @@
           <a:p>
             <a:fld id="{E83FFE37-C1F0-467D-A491-4333803291AA}" type="datetimeFigureOut">
               <a:rPr lang="en-US" smtClean="0"/>
-              <a:t>11/15/2022</a:t>
+              <a:t>3/30/2023</a:t>
             </a:fld>
             <a:endParaRPr lang="en-US"/>
           </a:p>
@@ -1147,7 +1147,7 @@
           <a:p>
             <a:fld id="{E83FFE37-C1F0-467D-A491-4333803291AA}" type="datetimeFigureOut">
               <a:rPr lang="en-US" smtClean="0"/>
-              <a:t>11/15/2022</a:t>
+              <a:t>3/30/2023</a:t>
             </a:fld>
             <a:endParaRPr lang="en-US"/>
           </a:p>
@@ -1412,7 +1412,7 @@
           <a:p>
             <a:fld id="{E83FFE37-C1F0-467D-A491-4333803291AA}" type="datetimeFigureOut">
               <a:rPr lang="en-US" smtClean="0"/>
-              <a:t>11/15/2022</a:t>
+              <a:t>3/30/2023</a:t>
             </a:fld>
             <a:endParaRPr lang="en-US"/>
           </a:p>
@@ -1824,7 +1824,7 @@
           <a:p>
             <a:fld id="{E83FFE37-C1F0-467D-A491-4333803291AA}" type="datetimeFigureOut">
               <a:rPr lang="en-US" smtClean="0"/>
-              <a:t>11/15/2022</a:t>
+              <a:t>3/30/2023</a:t>
             </a:fld>
             <a:endParaRPr lang="en-US"/>
           </a:p>
@@ -1965,7 +1965,7 @@
           <a:p>
             <a:fld id="{E83FFE37-C1F0-467D-A491-4333803291AA}" type="datetimeFigureOut">
               <a:rPr lang="en-US" smtClean="0"/>
-              <a:t>11/15/2022</a:t>
+              <a:t>3/30/2023</a:t>
             </a:fld>
             <a:endParaRPr lang="en-US"/>
           </a:p>
@@ -2078,7 +2078,7 @@
           <a:p>
             <a:fld id="{E83FFE37-C1F0-467D-A491-4333803291AA}" type="datetimeFigureOut">
               <a:rPr lang="en-US" smtClean="0"/>
-              <a:t>11/15/2022</a:t>
+              <a:t>3/30/2023</a:t>
             </a:fld>
             <a:endParaRPr lang="en-US"/>
           </a:p>
@@ -2389,7 +2389,7 @@
           <a:p>
             <a:fld id="{E83FFE37-C1F0-467D-A491-4333803291AA}" type="datetimeFigureOut">
               <a:rPr lang="en-US" smtClean="0"/>
-              <a:t>11/15/2022</a:t>
+              <a:t>3/30/2023</a:t>
             </a:fld>
             <a:endParaRPr lang="en-US"/>
           </a:p>
@@ -2677,7 +2677,7 @@
           <a:p>
             <a:fld id="{E83FFE37-C1F0-467D-A491-4333803291AA}" type="datetimeFigureOut">
               <a:rPr lang="en-US" smtClean="0"/>
-              <a:t>11/15/2022</a:t>
+              <a:t>3/30/2023</a:t>
             </a:fld>
             <a:endParaRPr lang="en-US"/>
           </a:p>
@@ -2918,7 +2918,7 @@
           <a:p>
             <a:fld id="{E83FFE37-C1F0-467D-A491-4333803291AA}" type="datetimeFigureOut">
               <a:rPr lang="en-US" smtClean="0"/>
-              <a:t>11/15/2022</a:t>
+              <a:t>3/30/2023</a:t>
             </a:fld>
             <a:endParaRPr lang="en-US"/>
           </a:p>
@@ -4813,7 +4813,7 @@
               <a:pPr algn="ctr"/>
               <a:r>
                 <a:rPr lang="en-US" sz="1000" dirty="0"/>
-                <a:t> gent Server</a:t>
+                <a:t> Agent Server</a:t>
               </a:r>
             </a:p>
           </p:txBody>
@@ -28690,6 +28690,607 @@
           </p:txBody>
         </p:sp>
       </p:grpSp>
+      <p:grpSp>
+        <p:nvGrpSpPr>
+          <p:cNvPr id="18" name="Group 17">
+            <a:extLst>
+              <a:ext uri="{FF2B5EF4-FFF2-40B4-BE49-F238E27FC236}">
+                <a16:creationId xmlns:a16="http://schemas.microsoft.com/office/drawing/2014/main" id="{3635CC2F-A259-4DB0-834D-7EF54567DBC5}"/>
+              </a:ext>
+            </a:extLst>
+          </p:cNvPr>
+          <p:cNvGrpSpPr/>
+          <p:nvPr/>
+        </p:nvGrpSpPr>
+        <p:grpSpPr>
+          <a:xfrm>
+            <a:off x="962360" y="3300765"/>
+            <a:ext cx="1121258" cy="252108"/>
+            <a:chOff x="6708775" y="993254"/>
+            <a:chExt cx="1121258" cy="252108"/>
+          </a:xfrm>
+        </p:grpSpPr>
+        <p:sp>
+          <p:nvSpPr>
+            <p:cNvPr id="27" name="Rectangle 26" descr="Server">
+              <a:extLst>
+                <a:ext uri="{FF2B5EF4-FFF2-40B4-BE49-F238E27FC236}">
+                  <a16:creationId xmlns:a16="http://schemas.microsoft.com/office/drawing/2014/main" id="{BFA04EFA-DD18-4B78-8B21-77980EA0767A}"/>
+                </a:ext>
+              </a:extLst>
+            </p:cNvPr>
+            <p:cNvSpPr/>
+            <p:nvPr/>
+          </p:nvSpPr>
+          <p:spPr>
+            <a:xfrm>
+              <a:off x="6708775" y="993254"/>
+              <a:ext cx="1121258" cy="252108"/>
+            </a:xfrm>
+            <a:prstGeom prst="rect">
+              <a:avLst/>
+            </a:prstGeom>
+          </p:spPr>
+          <p:style>
+            <a:lnRef idx="2">
+              <a:schemeClr val="accent1">
+                <a:shade val="50000"/>
+              </a:schemeClr>
+            </a:lnRef>
+            <a:fillRef idx="1">
+              <a:schemeClr val="accent1"/>
+            </a:fillRef>
+            <a:effectRef idx="0">
+              <a:schemeClr val="accent1"/>
+            </a:effectRef>
+            <a:fontRef idx="minor">
+              <a:schemeClr val="lt1"/>
+            </a:fontRef>
+          </p:style>
+          <p:txBody>
+            <a:bodyPr rtlCol="0" anchor="ctr"/>
+            <a:lstStyle/>
+            <a:p>
+              <a:pPr algn="ctr"/>
+              <a:endParaRPr lang="en-US"/>
+            </a:p>
+          </p:txBody>
+        </p:sp>
+        <p:grpSp>
+          <p:nvGrpSpPr>
+            <p:cNvPr id="28" name="Group 27">
+              <a:extLst>
+                <a:ext uri="{FF2B5EF4-FFF2-40B4-BE49-F238E27FC236}">
+                  <a16:creationId xmlns:a16="http://schemas.microsoft.com/office/drawing/2014/main" id="{468B1F4E-E94A-4624-A99C-E79C779B17CB}"/>
+                </a:ext>
+              </a:extLst>
+            </p:cNvPr>
+            <p:cNvGrpSpPr/>
+            <p:nvPr/>
+          </p:nvGrpSpPr>
+          <p:grpSpPr>
+            <a:xfrm>
+              <a:off x="6785414" y="1020232"/>
+              <a:ext cx="415728" cy="198151"/>
+              <a:chOff x="2865703" y="2280647"/>
+              <a:chExt cx="415728" cy="198151"/>
+            </a:xfrm>
+          </p:grpSpPr>
+          <p:grpSp>
+            <p:nvGrpSpPr>
+              <p:cNvPr id="30" name="Group 29">
+                <a:extLst>
+                  <a:ext uri="{FF2B5EF4-FFF2-40B4-BE49-F238E27FC236}">
+                    <a16:creationId xmlns:a16="http://schemas.microsoft.com/office/drawing/2014/main" id="{D49F4AD6-3C3D-4751-9E20-266A2441E41A}"/>
+                  </a:ext>
+                </a:extLst>
+              </p:cNvPr>
+              <p:cNvGrpSpPr/>
+              <p:nvPr/>
+            </p:nvGrpSpPr>
+            <p:grpSpPr>
+              <a:xfrm rot="16200000">
+                <a:off x="2871888" y="2274463"/>
+                <a:ext cx="198150" cy="210519"/>
+                <a:chOff x="2957513" y="1708812"/>
+                <a:chExt cx="384312" cy="303146"/>
+              </a:xfrm>
+            </p:grpSpPr>
+            <p:sp>
+              <p:nvSpPr>
+                <p:cNvPr id="35" name="Rectangle 34">
+                  <a:extLst>
+                    <a:ext uri="{FF2B5EF4-FFF2-40B4-BE49-F238E27FC236}">
+                      <a16:creationId xmlns:a16="http://schemas.microsoft.com/office/drawing/2014/main" id="{555EBA6F-5167-4E26-9559-FF5431FDF1B1}"/>
+                    </a:ext>
+                  </a:extLst>
+                </p:cNvPr>
+                <p:cNvSpPr/>
+                <p:nvPr/>
+              </p:nvSpPr>
+              <p:spPr>
+                <a:xfrm>
+                  <a:off x="2957513" y="1803235"/>
+                  <a:ext cx="384312" cy="208723"/>
+                </a:xfrm>
+                <a:prstGeom prst="rect">
+                  <a:avLst/>
+                </a:prstGeom>
+                <a:solidFill>
+                  <a:schemeClr val="accent1">
+                    <a:lumMod val="60000"/>
+                    <a:lumOff val="40000"/>
+                  </a:schemeClr>
+                </a:solidFill>
+              </p:spPr>
+              <p:style>
+                <a:lnRef idx="2">
+                  <a:schemeClr val="accent1">
+                    <a:shade val="50000"/>
+                  </a:schemeClr>
+                </a:lnRef>
+                <a:fillRef idx="1">
+                  <a:schemeClr val="accent1"/>
+                </a:fillRef>
+                <a:effectRef idx="0">
+                  <a:schemeClr val="accent1"/>
+                </a:effectRef>
+                <a:fontRef idx="minor">
+                  <a:schemeClr val="lt1"/>
+                </a:fontRef>
+              </p:style>
+              <p:txBody>
+                <a:bodyPr rtlCol="0" anchor="ctr"/>
+                <a:lstStyle/>
+                <a:p>
+                  <a:pPr algn="ctr"/>
+                  <a:endParaRPr lang="en-US"/>
+                </a:p>
+              </p:txBody>
+            </p:sp>
+            <p:sp>
+              <p:nvSpPr>
+                <p:cNvPr id="36" name="Rectangle 35">
+                  <a:extLst>
+                    <a:ext uri="{FF2B5EF4-FFF2-40B4-BE49-F238E27FC236}">
+                      <a16:creationId xmlns:a16="http://schemas.microsoft.com/office/drawing/2014/main" id="{FB86C35D-71AD-49A8-89A3-A4A16FD8C8D8}"/>
+                    </a:ext>
+                  </a:extLst>
+                </p:cNvPr>
+                <p:cNvSpPr/>
+                <p:nvPr/>
+              </p:nvSpPr>
+              <p:spPr>
+                <a:xfrm>
+                  <a:off x="2957513" y="1748875"/>
+                  <a:ext cx="384312" cy="158722"/>
+                </a:xfrm>
+                <a:prstGeom prst="rect">
+                  <a:avLst/>
+                </a:prstGeom>
+                <a:solidFill>
+                  <a:schemeClr val="accent1">
+                    <a:lumMod val="60000"/>
+                    <a:lumOff val="40000"/>
+                  </a:schemeClr>
+                </a:solidFill>
+              </p:spPr>
+              <p:style>
+                <a:lnRef idx="2">
+                  <a:schemeClr val="accent1">
+                    <a:shade val="50000"/>
+                  </a:schemeClr>
+                </a:lnRef>
+                <a:fillRef idx="1">
+                  <a:schemeClr val="accent1"/>
+                </a:fillRef>
+                <a:effectRef idx="0">
+                  <a:schemeClr val="accent1"/>
+                </a:effectRef>
+                <a:fontRef idx="minor">
+                  <a:schemeClr val="lt1"/>
+                </a:fontRef>
+              </p:style>
+              <p:txBody>
+                <a:bodyPr rtlCol="0" anchor="ctr"/>
+                <a:lstStyle/>
+                <a:p>
+                  <a:pPr algn="ctr"/>
+                  <a:endParaRPr lang="en-US"/>
+                </a:p>
+              </p:txBody>
+            </p:sp>
+            <p:sp>
+              <p:nvSpPr>
+                <p:cNvPr id="37" name="Rectangle 36">
+                  <a:extLst>
+                    <a:ext uri="{FF2B5EF4-FFF2-40B4-BE49-F238E27FC236}">
+                      <a16:creationId xmlns:a16="http://schemas.microsoft.com/office/drawing/2014/main" id="{AD3CB81F-027B-45E8-B69E-A6E3B939F8FD}"/>
+                    </a:ext>
+                  </a:extLst>
+                </p:cNvPr>
+                <p:cNvSpPr/>
+                <p:nvPr/>
+              </p:nvSpPr>
+              <p:spPr>
+                <a:xfrm>
+                  <a:off x="2957513" y="1708812"/>
+                  <a:ext cx="384312" cy="94423"/>
+                </a:xfrm>
+                <a:prstGeom prst="rect">
+                  <a:avLst/>
+                </a:prstGeom>
+                <a:solidFill>
+                  <a:schemeClr val="accent1">
+                    <a:lumMod val="60000"/>
+                    <a:lumOff val="40000"/>
+                  </a:schemeClr>
+                </a:solidFill>
+              </p:spPr>
+              <p:style>
+                <a:lnRef idx="2">
+                  <a:schemeClr val="accent1">
+                    <a:shade val="50000"/>
+                  </a:schemeClr>
+                </a:lnRef>
+                <a:fillRef idx="1">
+                  <a:schemeClr val="accent1"/>
+                </a:fillRef>
+                <a:effectRef idx="0">
+                  <a:schemeClr val="accent1"/>
+                </a:effectRef>
+                <a:fontRef idx="minor">
+                  <a:schemeClr val="lt1"/>
+                </a:fontRef>
+              </p:style>
+              <p:txBody>
+                <a:bodyPr rtlCol="0" anchor="ctr"/>
+                <a:lstStyle/>
+                <a:p>
+                  <a:pPr algn="ctr"/>
+                  <a:endParaRPr lang="en-US"/>
+                </a:p>
+              </p:txBody>
+            </p:sp>
+          </p:grpSp>
+          <p:grpSp>
+            <p:nvGrpSpPr>
+              <p:cNvPr id="31" name="Group 30">
+                <a:extLst>
+                  <a:ext uri="{FF2B5EF4-FFF2-40B4-BE49-F238E27FC236}">
+                    <a16:creationId xmlns:a16="http://schemas.microsoft.com/office/drawing/2014/main" id="{50DB15A3-9320-4FF2-A8EC-406B35C72FE8}"/>
+                  </a:ext>
+                </a:extLst>
+              </p:cNvPr>
+              <p:cNvGrpSpPr/>
+              <p:nvPr/>
+            </p:nvGrpSpPr>
+            <p:grpSpPr>
+              <a:xfrm rot="16200000">
+                <a:off x="3077097" y="2274462"/>
+                <a:ext cx="198150" cy="210519"/>
+                <a:chOff x="2957513" y="1708812"/>
+                <a:chExt cx="384312" cy="303146"/>
+              </a:xfrm>
+            </p:grpSpPr>
+            <p:sp>
+              <p:nvSpPr>
+                <p:cNvPr id="32" name="Rectangle 31">
+                  <a:extLst>
+                    <a:ext uri="{FF2B5EF4-FFF2-40B4-BE49-F238E27FC236}">
+                      <a16:creationId xmlns:a16="http://schemas.microsoft.com/office/drawing/2014/main" id="{1D81E9F0-7E16-4664-855C-9545730E374A}"/>
+                    </a:ext>
+                  </a:extLst>
+                </p:cNvPr>
+                <p:cNvSpPr/>
+                <p:nvPr/>
+              </p:nvSpPr>
+              <p:spPr>
+                <a:xfrm>
+                  <a:off x="2957513" y="1803235"/>
+                  <a:ext cx="384312" cy="208723"/>
+                </a:xfrm>
+                <a:prstGeom prst="rect">
+                  <a:avLst/>
+                </a:prstGeom>
+                <a:solidFill>
+                  <a:schemeClr val="accent1">
+                    <a:lumMod val="60000"/>
+                    <a:lumOff val="40000"/>
+                  </a:schemeClr>
+                </a:solidFill>
+              </p:spPr>
+              <p:style>
+                <a:lnRef idx="2">
+                  <a:schemeClr val="accent1">
+                    <a:shade val="50000"/>
+                  </a:schemeClr>
+                </a:lnRef>
+                <a:fillRef idx="1">
+                  <a:schemeClr val="accent1"/>
+                </a:fillRef>
+                <a:effectRef idx="0">
+                  <a:schemeClr val="accent1"/>
+                </a:effectRef>
+                <a:fontRef idx="minor">
+                  <a:schemeClr val="lt1"/>
+                </a:fontRef>
+              </p:style>
+              <p:txBody>
+                <a:bodyPr rtlCol="0" anchor="ctr"/>
+                <a:lstStyle/>
+                <a:p>
+                  <a:pPr algn="ctr"/>
+                  <a:endParaRPr lang="en-US"/>
+                </a:p>
+              </p:txBody>
+            </p:sp>
+            <p:sp>
+              <p:nvSpPr>
+                <p:cNvPr id="33" name="Rectangle 32">
+                  <a:extLst>
+                    <a:ext uri="{FF2B5EF4-FFF2-40B4-BE49-F238E27FC236}">
+                      <a16:creationId xmlns:a16="http://schemas.microsoft.com/office/drawing/2014/main" id="{677406F1-8D5A-4B20-97A0-663E25691911}"/>
+                    </a:ext>
+                  </a:extLst>
+                </p:cNvPr>
+                <p:cNvSpPr/>
+                <p:nvPr/>
+              </p:nvSpPr>
+              <p:spPr>
+                <a:xfrm>
+                  <a:off x="2957513" y="1748875"/>
+                  <a:ext cx="384312" cy="158722"/>
+                </a:xfrm>
+                <a:prstGeom prst="rect">
+                  <a:avLst/>
+                </a:prstGeom>
+                <a:solidFill>
+                  <a:schemeClr val="accent1">
+                    <a:lumMod val="60000"/>
+                    <a:lumOff val="40000"/>
+                  </a:schemeClr>
+                </a:solidFill>
+              </p:spPr>
+              <p:style>
+                <a:lnRef idx="2">
+                  <a:schemeClr val="accent1">
+                    <a:shade val="50000"/>
+                  </a:schemeClr>
+                </a:lnRef>
+                <a:fillRef idx="1">
+                  <a:schemeClr val="accent1"/>
+                </a:fillRef>
+                <a:effectRef idx="0">
+                  <a:schemeClr val="accent1"/>
+                </a:effectRef>
+                <a:fontRef idx="minor">
+                  <a:schemeClr val="lt1"/>
+                </a:fontRef>
+              </p:style>
+              <p:txBody>
+                <a:bodyPr rtlCol="0" anchor="ctr"/>
+                <a:lstStyle/>
+                <a:p>
+                  <a:pPr algn="ctr"/>
+                  <a:endParaRPr lang="en-US"/>
+                </a:p>
+              </p:txBody>
+            </p:sp>
+            <p:sp>
+              <p:nvSpPr>
+                <p:cNvPr id="34" name="Rectangle 33" descr="Agent">
+                  <a:extLst>
+                    <a:ext uri="{FF2B5EF4-FFF2-40B4-BE49-F238E27FC236}">
+                      <a16:creationId xmlns:a16="http://schemas.microsoft.com/office/drawing/2014/main" id="{E0FD59C6-7256-416C-8375-91D593F6C374}"/>
+                    </a:ext>
+                  </a:extLst>
+                </p:cNvPr>
+                <p:cNvSpPr/>
+                <p:nvPr/>
+              </p:nvSpPr>
+              <p:spPr>
+                <a:xfrm>
+                  <a:off x="2957513" y="1708812"/>
+                  <a:ext cx="384312" cy="94423"/>
+                </a:xfrm>
+                <a:prstGeom prst="rect">
+                  <a:avLst/>
+                </a:prstGeom>
+                <a:solidFill>
+                  <a:schemeClr val="accent1">
+                    <a:lumMod val="60000"/>
+                    <a:lumOff val="40000"/>
+                  </a:schemeClr>
+                </a:solidFill>
+              </p:spPr>
+              <p:style>
+                <a:lnRef idx="2">
+                  <a:schemeClr val="accent1">
+                    <a:shade val="50000"/>
+                  </a:schemeClr>
+                </a:lnRef>
+                <a:fillRef idx="1">
+                  <a:schemeClr val="accent1"/>
+                </a:fillRef>
+                <a:effectRef idx="0">
+                  <a:schemeClr val="accent1"/>
+                </a:effectRef>
+                <a:fontRef idx="minor">
+                  <a:schemeClr val="lt1"/>
+                </a:fontRef>
+              </p:style>
+              <p:txBody>
+                <a:bodyPr rtlCol="0" anchor="ctr"/>
+                <a:lstStyle/>
+                <a:p>
+                  <a:pPr algn="ctr"/>
+                  <a:endParaRPr lang="en-US"/>
+                </a:p>
+              </p:txBody>
+            </p:sp>
+          </p:grpSp>
+        </p:grpSp>
+        <p:sp>
+          <p:nvSpPr>
+            <p:cNvPr id="29" name="Oval 28">
+              <a:extLst>
+                <a:ext uri="{FF2B5EF4-FFF2-40B4-BE49-F238E27FC236}">
+                  <a16:creationId xmlns:a16="http://schemas.microsoft.com/office/drawing/2014/main" id="{35E36287-AB96-47F7-A130-CF5F7F9620A8}"/>
+                </a:ext>
+              </a:extLst>
+            </p:cNvPr>
+            <p:cNvSpPr/>
+            <p:nvPr/>
+          </p:nvSpPr>
+          <p:spPr>
+            <a:xfrm>
+              <a:off x="7693508" y="1155449"/>
+              <a:ext cx="45719" cy="45719"/>
+            </a:xfrm>
+            <a:prstGeom prst="ellipse">
+              <a:avLst/>
+            </a:prstGeom>
+            <a:solidFill>
+              <a:srgbClr val="FF0000"/>
+            </a:solidFill>
+            <a:ln>
+              <a:solidFill>
+                <a:schemeClr val="accent1"/>
+              </a:solidFill>
+            </a:ln>
+          </p:spPr>
+          <p:style>
+            <a:lnRef idx="2">
+              <a:schemeClr val="accent1">
+                <a:shade val="50000"/>
+              </a:schemeClr>
+            </a:lnRef>
+            <a:fillRef idx="1">
+              <a:schemeClr val="accent1"/>
+            </a:fillRef>
+            <a:effectRef idx="0">
+              <a:schemeClr val="accent1"/>
+            </a:effectRef>
+            <a:fontRef idx="minor">
+              <a:schemeClr val="lt1"/>
+            </a:fontRef>
+          </p:style>
+          <p:txBody>
+            <a:bodyPr rtlCol="0" anchor="ctr"/>
+            <a:lstStyle/>
+            <a:p>
+              <a:pPr algn="ctr"/>
+              <a:endParaRPr lang="en-US"/>
+            </a:p>
+          </p:txBody>
+        </p:sp>
+      </p:grpSp>
+      <p:sp>
+        <p:nvSpPr>
+          <p:cNvPr id="17" name="TextBox 16">
+            <a:extLst>
+              <a:ext uri="{FF2B5EF4-FFF2-40B4-BE49-F238E27FC236}">
+                <a16:creationId xmlns:a16="http://schemas.microsoft.com/office/drawing/2014/main" id="{3E70B5F1-04EB-4BE3-8D43-C09950BFC4E5}"/>
+              </a:ext>
+            </a:extLst>
+          </p:cNvPr>
+          <p:cNvSpPr txBox="1"/>
+          <p:nvPr/>
+        </p:nvSpPr>
+        <p:spPr>
+          <a:xfrm>
+            <a:off x="963580" y="3573131"/>
+            <a:ext cx="1121258" cy="246221"/>
+          </a:xfrm>
+          <a:prstGeom prst="rect">
+            <a:avLst/>
+          </a:prstGeom>
+          <a:noFill/>
+        </p:spPr>
+        <p:txBody>
+          <a:bodyPr wrap="square" rtlCol="0">
+            <a:spAutoFit/>
+          </a:bodyPr>
+          <a:lstStyle/>
+          <a:p>
+            <a:pPr algn="ctr"/>
+            <a:r>
+              <a:rPr lang="en-US" sz="1000" dirty="0"/>
+              <a:t> TeamCity Server</a:t>
+            </a:r>
+          </a:p>
+        </p:txBody>
+      </p:sp>
+      <p:pic>
+        <p:nvPicPr>
+          <p:cNvPr id="3" name="Picture 2" descr="Teamcity Logo - LogoDix">
+            <a:extLst>
+              <a:ext uri="{FF2B5EF4-FFF2-40B4-BE49-F238E27FC236}">
+                <a16:creationId xmlns:a16="http://schemas.microsoft.com/office/drawing/2014/main" id="{31C19685-81CD-4D81-A016-451856B9C39D}"/>
+              </a:ext>
+            </a:extLst>
+          </p:cNvPr>
+          <p:cNvPicPr>
+            <a:picLocks noChangeAspect="1" noChangeArrowheads="1"/>
+          </p:cNvPicPr>
+          <p:nvPr/>
+        </p:nvPicPr>
+        <p:blipFill>
+          <a:blip r:embed="rId3">
+            <a:extLst>
+              <a:ext uri="{BEBA8EAE-BF5A-486C-A8C5-ECC9F3942E4B}">
+                <a14:imgProps xmlns:a14="http://schemas.microsoft.com/office/drawing/2010/main">
+                  <a14:imgLayer r:embed="rId4">
+                    <a14:imgEffect>
+                      <a14:backgroundRemoval t="10000" b="90000" l="6250" r="93750">
+                        <a14:foregroundMark x1="6250" y1="18250" x2="41500" y2="16250"/>
+                        <a14:foregroundMark x1="24250" y1="24250" x2="27500" y2="75250"/>
+                        <a14:foregroundMark x1="85750" y1="45000" x2="87750" y2="47000"/>
+                        <a14:foregroundMark x1="91000" y1="15750" x2="59750" y2="32500"/>
+                        <a14:foregroundMark x1="93750" y1="77250" x2="81000" y2="77750"/>
+                        <a14:foregroundMark x1="81000" y1="13750" x2="89000" y2="10250"/>
+                        <a14:foregroundMark x1="83000" y1="22250" x2="90500" y2="20250"/>
+                        <a14:foregroundMark x1="90500" y1="19000" x2="93000" y2="17750"/>
+                        <a14:foregroundMark x1="78500" y1="49750" x2="90500" y2="49750"/>
+                      </a14:backgroundRemoval>
+                    </a14:imgEffect>
+                    <a14:imgEffect>
+                      <a14:sharpenSoften amount="-50000"/>
+                    </a14:imgEffect>
+                  </a14:imgLayer>
+                </a14:imgProps>
+              </a:ext>
+              <a:ext uri="{28A0092B-C50C-407E-A947-70E740481C1C}">
+                <a14:useLocalDpi xmlns:a14="http://schemas.microsoft.com/office/drawing/2010/main" val="0"/>
+              </a:ext>
+            </a:extLst>
+          </a:blip>
+          <a:srcRect/>
+          <a:stretch>
+            <a:fillRect/>
+          </a:stretch>
+        </p:blipFill>
+        <p:spPr bwMode="auto">
+          <a:xfrm>
+            <a:off x="1543133" y="3306003"/>
+            <a:ext cx="246870" cy="246870"/>
+          </a:xfrm>
+          <a:prstGeom prst="rect">
+            <a:avLst/>
+          </a:prstGeom>
+          <a:noFill/>
+          <a:extLst>
+            <a:ext uri="{909E8E84-426E-40DD-AFC4-6F175D3DCCD1}">
+              <a14:hiddenFill xmlns:a14="http://schemas.microsoft.com/office/drawing/2010/main">
+                <a:solidFill>
+                  <a:srgbClr val="FFFFFF"/>
+                </a:solidFill>
+              </a14:hiddenFill>
+            </a:ext>
+          </a:extLst>
+        </p:spPr>
+      </p:pic>
     </p:spTree>
     <p:extLst>
       <p:ext uri="{BB962C8B-B14F-4D97-AF65-F5344CB8AC3E}">

--- a/Network Shapes.pptx
+++ b/Network Shapes.pptx
@@ -7,6 +7,7 @@
   <p:sldIdLst>
     <p:sldId id="260" r:id="rId2"/>
     <p:sldId id="261" r:id="rId3"/>
+    <p:sldId id="262" r:id="rId4"/>
   </p:sldIdLst>
   <p:sldSz cx="12192000" cy="6858000"/>
   <p:notesSz cx="6858000" cy="9144000"/>
@@ -29291,10 +29292,944 @@
           </a:extLst>
         </p:spPr>
       </p:pic>
+      <p:grpSp>
+        <p:nvGrpSpPr>
+          <p:cNvPr id="25" name="Group 24">
+            <a:extLst>
+              <a:ext uri="{FF2B5EF4-FFF2-40B4-BE49-F238E27FC236}">
+                <a16:creationId xmlns:a16="http://schemas.microsoft.com/office/drawing/2014/main" id="{133AF719-D92A-4E84-919F-8222D40423F2}"/>
+              </a:ext>
+            </a:extLst>
+          </p:cNvPr>
+          <p:cNvGrpSpPr/>
+          <p:nvPr/>
+        </p:nvGrpSpPr>
+        <p:grpSpPr>
+          <a:xfrm>
+            <a:off x="982504" y="4145143"/>
+            <a:ext cx="1121258" cy="252108"/>
+            <a:chOff x="6708775" y="993254"/>
+            <a:chExt cx="1121258" cy="252108"/>
+          </a:xfrm>
+        </p:grpSpPr>
+        <p:sp>
+          <p:nvSpPr>
+            <p:cNvPr id="26" name="Rectangle 25" descr="Server">
+              <a:extLst>
+                <a:ext uri="{FF2B5EF4-FFF2-40B4-BE49-F238E27FC236}">
+                  <a16:creationId xmlns:a16="http://schemas.microsoft.com/office/drawing/2014/main" id="{BBA66ED8-B4E8-48EE-80BF-E1A3BC50265C}"/>
+                </a:ext>
+              </a:extLst>
+            </p:cNvPr>
+            <p:cNvSpPr/>
+            <p:nvPr/>
+          </p:nvSpPr>
+          <p:spPr>
+            <a:xfrm>
+              <a:off x="6708775" y="993254"/>
+              <a:ext cx="1121258" cy="252108"/>
+            </a:xfrm>
+            <a:prstGeom prst="rect">
+              <a:avLst/>
+            </a:prstGeom>
+          </p:spPr>
+          <p:style>
+            <a:lnRef idx="2">
+              <a:schemeClr val="accent1">
+                <a:shade val="50000"/>
+              </a:schemeClr>
+            </a:lnRef>
+            <a:fillRef idx="1">
+              <a:schemeClr val="accent1"/>
+            </a:fillRef>
+            <a:effectRef idx="0">
+              <a:schemeClr val="accent1"/>
+            </a:effectRef>
+            <a:fontRef idx="minor">
+              <a:schemeClr val="lt1"/>
+            </a:fontRef>
+          </p:style>
+          <p:txBody>
+            <a:bodyPr rtlCol="0" anchor="ctr"/>
+            <a:lstStyle/>
+            <a:p>
+              <a:pPr algn="ctr"/>
+              <a:endParaRPr lang="en-US"/>
+            </a:p>
+          </p:txBody>
+        </p:sp>
+        <p:grpSp>
+          <p:nvGrpSpPr>
+            <p:cNvPr id="38" name="Group 37">
+              <a:extLst>
+                <a:ext uri="{FF2B5EF4-FFF2-40B4-BE49-F238E27FC236}">
+                  <a16:creationId xmlns:a16="http://schemas.microsoft.com/office/drawing/2014/main" id="{519649B8-C579-417A-8FE2-E618FD443A4C}"/>
+                </a:ext>
+              </a:extLst>
+            </p:cNvPr>
+            <p:cNvGrpSpPr/>
+            <p:nvPr/>
+          </p:nvGrpSpPr>
+          <p:grpSpPr>
+            <a:xfrm>
+              <a:off x="6785414" y="1020232"/>
+              <a:ext cx="415728" cy="198151"/>
+              <a:chOff x="2865703" y="2280647"/>
+              <a:chExt cx="415728" cy="198151"/>
+            </a:xfrm>
+          </p:grpSpPr>
+          <p:grpSp>
+            <p:nvGrpSpPr>
+              <p:cNvPr id="40" name="Group 39">
+                <a:extLst>
+                  <a:ext uri="{FF2B5EF4-FFF2-40B4-BE49-F238E27FC236}">
+                    <a16:creationId xmlns:a16="http://schemas.microsoft.com/office/drawing/2014/main" id="{0E6ED370-6C15-451C-AACF-C8CEF8BE7513}"/>
+                  </a:ext>
+                </a:extLst>
+              </p:cNvPr>
+              <p:cNvGrpSpPr/>
+              <p:nvPr/>
+            </p:nvGrpSpPr>
+            <p:grpSpPr>
+              <a:xfrm rot="16200000">
+                <a:off x="2871888" y="2274463"/>
+                <a:ext cx="198150" cy="210519"/>
+                <a:chOff x="2957513" y="1708812"/>
+                <a:chExt cx="384312" cy="303146"/>
+              </a:xfrm>
+            </p:grpSpPr>
+            <p:sp>
+              <p:nvSpPr>
+                <p:cNvPr id="45" name="Rectangle 44">
+                  <a:extLst>
+                    <a:ext uri="{FF2B5EF4-FFF2-40B4-BE49-F238E27FC236}">
+                      <a16:creationId xmlns:a16="http://schemas.microsoft.com/office/drawing/2014/main" id="{38BE09D2-4004-40D7-9EBE-672D19C58E7F}"/>
+                    </a:ext>
+                  </a:extLst>
+                </p:cNvPr>
+                <p:cNvSpPr/>
+                <p:nvPr/>
+              </p:nvSpPr>
+              <p:spPr>
+                <a:xfrm>
+                  <a:off x="2957513" y="1803235"/>
+                  <a:ext cx="384312" cy="208723"/>
+                </a:xfrm>
+                <a:prstGeom prst="rect">
+                  <a:avLst/>
+                </a:prstGeom>
+                <a:solidFill>
+                  <a:schemeClr val="accent1">
+                    <a:lumMod val="60000"/>
+                    <a:lumOff val="40000"/>
+                  </a:schemeClr>
+                </a:solidFill>
+              </p:spPr>
+              <p:style>
+                <a:lnRef idx="2">
+                  <a:schemeClr val="accent1">
+                    <a:shade val="50000"/>
+                  </a:schemeClr>
+                </a:lnRef>
+                <a:fillRef idx="1">
+                  <a:schemeClr val="accent1"/>
+                </a:fillRef>
+                <a:effectRef idx="0">
+                  <a:schemeClr val="accent1"/>
+                </a:effectRef>
+                <a:fontRef idx="minor">
+                  <a:schemeClr val="lt1"/>
+                </a:fontRef>
+              </p:style>
+              <p:txBody>
+                <a:bodyPr rtlCol="0" anchor="ctr"/>
+                <a:lstStyle/>
+                <a:p>
+                  <a:pPr algn="ctr"/>
+                  <a:endParaRPr lang="en-US"/>
+                </a:p>
+              </p:txBody>
+            </p:sp>
+            <p:sp>
+              <p:nvSpPr>
+                <p:cNvPr id="46" name="Rectangle 45">
+                  <a:extLst>
+                    <a:ext uri="{FF2B5EF4-FFF2-40B4-BE49-F238E27FC236}">
+                      <a16:creationId xmlns:a16="http://schemas.microsoft.com/office/drawing/2014/main" id="{316B1F0E-D5D3-4AA0-94EA-8293381DAAEA}"/>
+                    </a:ext>
+                  </a:extLst>
+                </p:cNvPr>
+                <p:cNvSpPr/>
+                <p:nvPr/>
+              </p:nvSpPr>
+              <p:spPr>
+                <a:xfrm>
+                  <a:off x="2957513" y="1748875"/>
+                  <a:ext cx="384312" cy="158722"/>
+                </a:xfrm>
+                <a:prstGeom prst="rect">
+                  <a:avLst/>
+                </a:prstGeom>
+                <a:solidFill>
+                  <a:schemeClr val="accent1">
+                    <a:lumMod val="60000"/>
+                    <a:lumOff val="40000"/>
+                  </a:schemeClr>
+                </a:solidFill>
+              </p:spPr>
+              <p:style>
+                <a:lnRef idx="2">
+                  <a:schemeClr val="accent1">
+                    <a:shade val="50000"/>
+                  </a:schemeClr>
+                </a:lnRef>
+                <a:fillRef idx="1">
+                  <a:schemeClr val="accent1"/>
+                </a:fillRef>
+                <a:effectRef idx="0">
+                  <a:schemeClr val="accent1"/>
+                </a:effectRef>
+                <a:fontRef idx="minor">
+                  <a:schemeClr val="lt1"/>
+                </a:fontRef>
+              </p:style>
+              <p:txBody>
+                <a:bodyPr rtlCol="0" anchor="ctr"/>
+                <a:lstStyle/>
+                <a:p>
+                  <a:pPr algn="ctr"/>
+                  <a:endParaRPr lang="en-US"/>
+                </a:p>
+              </p:txBody>
+            </p:sp>
+            <p:sp>
+              <p:nvSpPr>
+                <p:cNvPr id="47" name="Rectangle 46">
+                  <a:extLst>
+                    <a:ext uri="{FF2B5EF4-FFF2-40B4-BE49-F238E27FC236}">
+                      <a16:creationId xmlns:a16="http://schemas.microsoft.com/office/drawing/2014/main" id="{F443107B-EF3E-48F6-B38A-5BEB5DE474B4}"/>
+                    </a:ext>
+                  </a:extLst>
+                </p:cNvPr>
+                <p:cNvSpPr/>
+                <p:nvPr/>
+              </p:nvSpPr>
+              <p:spPr>
+                <a:xfrm>
+                  <a:off x="2957513" y="1708812"/>
+                  <a:ext cx="384312" cy="94423"/>
+                </a:xfrm>
+                <a:prstGeom prst="rect">
+                  <a:avLst/>
+                </a:prstGeom>
+                <a:solidFill>
+                  <a:schemeClr val="accent1">
+                    <a:lumMod val="60000"/>
+                    <a:lumOff val="40000"/>
+                  </a:schemeClr>
+                </a:solidFill>
+              </p:spPr>
+              <p:style>
+                <a:lnRef idx="2">
+                  <a:schemeClr val="accent1">
+                    <a:shade val="50000"/>
+                  </a:schemeClr>
+                </a:lnRef>
+                <a:fillRef idx="1">
+                  <a:schemeClr val="accent1"/>
+                </a:fillRef>
+                <a:effectRef idx="0">
+                  <a:schemeClr val="accent1"/>
+                </a:effectRef>
+                <a:fontRef idx="minor">
+                  <a:schemeClr val="lt1"/>
+                </a:fontRef>
+              </p:style>
+              <p:txBody>
+                <a:bodyPr rtlCol="0" anchor="ctr"/>
+                <a:lstStyle/>
+                <a:p>
+                  <a:pPr algn="ctr"/>
+                  <a:endParaRPr lang="en-US"/>
+                </a:p>
+              </p:txBody>
+            </p:sp>
+          </p:grpSp>
+          <p:grpSp>
+            <p:nvGrpSpPr>
+              <p:cNvPr id="41" name="Group 40">
+                <a:extLst>
+                  <a:ext uri="{FF2B5EF4-FFF2-40B4-BE49-F238E27FC236}">
+                    <a16:creationId xmlns:a16="http://schemas.microsoft.com/office/drawing/2014/main" id="{56FEFA9D-3DE0-4199-8AB9-3A957AEE4373}"/>
+                  </a:ext>
+                </a:extLst>
+              </p:cNvPr>
+              <p:cNvGrpSpPr/>
+              <p:nvPr/>
+            </p:nvGrpSpPr>
+            <p:grpSpPr>
+              <a:xfrm rot="16200000">
+                <a:off x="3077097" y="2274462"/>
+                <a:ext cx="198150" cy="210519"/>
+                <a:chOff x="2957513" y="1708812"/>
+                <a:chExt cx="384312" cy="303146"/>
+              </a:xfrm>
+            </p:grpSpPr>
+            <p:sp>
+              <p:nvSpPr>
+                <p:cNvPr id="42" name="Rectangle 41">
+                  <a:extLst>
+                    <a:ext uri="{FF2B5EF4-FFF2-40B4-BE49-F238E27FC236}">
+                      <a16:creationId xmlns:a16="http://schemas.microsoft.com/office/drawing/2014/main" id="{61A079EE-C28C-4368-9B60-1801EA5357BC}"/>
+                    </a:ext>
+                  </a:extLst>
+                </p:cNvPr>
+                <p:cNvSpPr/>
+                <p:nvPr/>
+              </p:nvSpPr>
+              <p:spPr>
+                <a:xfrm>
+                  <a:off x="2957513" y="1803235"/>
+                  <a:ext cx="384312" cy="208723"/>
+                </a:xfrm>
+                <a:prstGeom prst="rect">
+                  <a:avLst/>
+                </a:prstGeom>
+                <a:solidFill>
+                  <a:schemeClr val="accent1">
+                    <a:lumMod val="60000"/>
+                    <a:lumOff val="40000"/>
+                  </a:schemeClr>
+                </a:solidFill>
+              </p:spPr>
+              <p:style>
+                <a:lnRef idx="2">
+                  <a:schemeClr val="accent1">
+                    <a:shade val="50000"/>
+                  </a:schemeClr>
+                </a:lnRef>
+                <a:fillRef idx="1">
+                  <a:schemeClr val="accent1"/>
+                </a:fillRef>
+                <a:effectRef idx="0">
+                  <a:schemeClr val="accent1"/>
+                </a:effectRef>
+                <a:fontRef idx="minor">
+                  <a:schemeClr val="lt1"/>
+                </a:fontRef>
+              </p:style>
+              <p:txBody>
+                <a:bodyPr rtlCol="0" anchor="ctr"/>
+                <a:lstStyle/>
+                <a:p>
+                  <a:pPr algn="ctr"/>
+                  <a:endParaRPr lang="en-US"/>
+                </a:p>
+              </p:txBody>
+            </p:sp>
+            <p:sp>
+              <p:nvSpPr>
+                <p:cNvPr id="43" name="Rectangle 42">
+                  <a:extLst>
+                    <a:ext uri="{FF2B5EF4-FFF2-40B4-BE49-F238E27FC236}">
+                      <a16:creationId xmlns:a16="http://schemas.microsoft.com/office/drawing/2014/main" id="{9D52004E-5EEA-4F04-9F97-367C3BBADA11}"/>
+                    </a:ext>
+                  </a:extLst>
+                </p:cNvPr>
+                <p:cNvSpPr/>
+                <p:nvPr/>
+              </p:nvSpPr>
+              <p:spPr>
+                <a:xfrm>
+                  <a:off x="2957513" y="1748875"/>
+                  <a:ext cx="384312" cy="158722"/>
+                </a:xfrm>
+                <a:prstGeom prst="rect">
+                  <a:avLst/>
+                </a:prstGeom>
+                <a:solidFill>
+                  <a:schemeClr val="accent1">
+                    <a:lumMod val="60000"/>
+                    <a:lumOff val="40000"/>
+                  </a:schemeClr>
+                </a:solidFill>
+              </p:spPr>
+              <p:style>
+                <a:lnRef idx="2">
+                  <a:schemeClr val="accent1">
+                    <a:shade val="50000"/>
+                  </a:schemeClr>
+                </a:lnRef>
+                <a:fillRef idx="1">
+                  <a:schemeClr val="accent1"/>
+                </a:fillRef>
+                <a:effectRef idx="0">
+                  <a:schemeClr val="accent1"/>
+                </a:effectRef>
+                <a:fontRef idx="minor">
+                  <a:schemeClr val="lt1"/>
+                </a:fontRef>
+              </p:style>
+              <p:txBody>
+                <a:bodyPr rtlCol="0" anchor="ctr"/>
+                <a:lstStyle/>
+                <a:p>
+                  <a:pPr algn="ctr"/>
+                  <a:endParaRPr lang="en-US"/>
+                </a:p>
+              </p:txBody>
+            </p:sp>
+            <p:sp>
+              <p:nvSpPr>
+                <p:cNvPr id="44" name="Rectangle 43" descr="Agent">
+                  <a:extLst>
+                    <a:ext uri="{FF2B5EF4-FFF2-40B4-BE49-F238E27FC236}">
+                      <a16:creationId xmlns:a16="http://schemas.microsoft.com/office/drawing/2014/main" id="{64410AA9-F4B0-495E-9B31-3F93F8B26061}"/>
+                    </a:ext>
+                  </a:extLst>
+                </p:cNvPr>
+                <p:cNvSpPr/>
+                <p:nvPr/>
+              </p:nvSpPr>
+              <p:spPr>
+                <a:xfrm>
+                  <a:off x="2957513" y="1708812"/>
+                  <a:ext cx="384312" cy="94423"/>
+                </a:xfrm>
+                <a:prstGeom prst="rect">
+                  <a:avLst/>
+                </a:prstGeom>
+                <a:solidFill>
+                  <a:schemeClr val="accent1">
+                    <a:lumMod val="60000"/>
+                    <a:lumOff val="40000"/>
+                  </a:schemeClr>
+                </a:solidFill>
+              </p:spPr>
+              <p:style>
+                <a:lnRef idx="2">
+                  <a:schemeClr val="accent1">
+                    <a:shade val="50000"/>
+                  </a:schemeClr>
+                </a:lnRef>
+                <a:fillRef idx="1">
+                  <a:schemeClr val="accent1"/>
+                </a:fillRef>
+                <a:effectRef idx="0">
+                  <a:schemeClr val="accent1"/>
+                </a:effectRef>
+                <a:fontRef idx="minor">
+                  <a:schemeClr val="lt1"/>
+                </a:fontRef>
+              </p:style>
+              <p:txBody>
+                <a:bodyPr rtlCol="0" anchor="ctr"/>
+                <a:lstStyle/>
+                <a:p>
+                  <a:pPr algn="ctr"/>
+                  <a:endParaRPr lang="en-US"/>
+                </a:p>
+              </p:txBody>
+            </p:sp>
+          </p:grpSp>
+        </p:grpSp>
+        <p:sp>
+          <p:nvSpPr>
+            <p:cNvPr id="39" name="Oval 38">
+              <a:extLst>
+                <a:ext uri="{FF2B5EF4-FFF2-40B4-BE49-F238E27FC236}">
+                  <a16:creationId xmlns:a16="http://schemas.microsoft.com/office/drawing/2014/main" id="{13600496-E25C-480A-9BF5-907321405D64}"/>
+                </a:ext>
+              </a:extLst>
+            </p:cNvPr>
+            <p:cNvSpPr/>
+            <p:nvPr/>
+          </p:nvSpPr>
+          <p:spPr>
+            <a:xfrm>
+              <a:off x="7693508" y="1155449"/>
+              <a:ext cx="45719" cy="45719"/>
+            </a:xfrm>
+            <a:prstGeom prst="ellipse">
+              <a:avLst/>
+            </a:prstGeom>
+            <a:solidFill>
+              <a:srgbClr val="FF0000"/>
+            </a:solidFill>
+            <a:ln>
+              <a:solidFill>
+                <a:schemeClr val="accent1"/>
+              </a:solidFill>
+            </a:ln>
+          </p:spPr>
+          <p:style>
+            <a:lnRef idx="2">
+              <a:schemeClr val="accent1">
+                <a:shade val="50000"/>
+              </a:schemeClr>
+            </a:lnRef>
+            <a:fillRef idx="1">
+              <a:schemeClr val="accent1"/>
+            </a:fillRef>
+            <a:effectRef idx="0">
+              <a:schemeClr val="accent1"/>
+            </a:effectRef>
+            <a:fontRef idx="minor">
+              <a:schemeClr val="lt1"/>
+            </a:fontRef>
+          </p:style>
+          <p:txBody>
+            <a:bodyPr rtlCol="0" anchor="ctr"/>
+            <a:lstStyle/>
+            <a:p>
+              <a:pPr algn="ctr"/>
+              <a:endParaRPr lang="en-US"/>
+            </a:p>
+          </p:txBody>
+        </p:sp>
+      </p:grpSp>
+      <p:sp>
+        <p:nvSpPr>
+          <p:cNvPr id="48" name="TextBox 47">
+            <a:extLst>
+              <a:ext uri="{FF2B5EF4-FFF2-40B4-BE49-F238E27FC236}">
+                <a16:creationId xmlns:a16="http://schemas.microsoft.com/office/drawing/2014/main" id="{CEE4D24B-9CF1-48FD-844D-DFEC0192FFE6}"/>
+              </a:ext>
+            </a:extLst>
+          </p:cNvPr>
+          <p:cNvSpPr txBox="1"/>
+          <p:nvPr/>
+        </p:nvSpPr>
+        <p:spPr>
+          <a:xfrm>
+            <a:off x="983724" y="4417509"/>
+            <a:ext cx="1121258" cy="246221"/>
+          </a:xfrm>
+          <a:prstGeom prst="rect">
+            <a:avLst/>
+          </a:prstGeom>
+          <a:noFill/>
+        </p:spPr>
+        <p:txBody>
+          <a:bodyPr wrap="square" rtlCol="0">
+            <a:spAutoFit/>
+          </a:bodyPr>
+          <a:lstStyle/>
+          <a:p>
+            <a:pPr algn="ctr"/>
+            <a:r>
+              <a:rPr lang="en-US" sz="1000" dirty="0"/>
+              <a:t> GitHub Server</a:t>
+            </a:r>
+          </a:p>
+        </p:txBody>
+      </p:sp>
+      <p:pic>
+        <p:nvPicPr>
+          <p:cNvPr id="4" name="Picture 2" descr="GitHub Pricing, Packages &amp; Plans 2023 | G2">
+            <a:extLst>
+              <a:ext uri="{FF2B5EF4-FFF2-40B4-BE49-F238E27FC236}">
+                <a16:creationId xmlns:a16="http://schemas.microsoft.com/office/drawing/2014/main" id="{204FD432-14AF-444F-AB8A-10381D3DA036}"/>
+              </a:ext>
+            </a:extLst>
+          </p:cNvPr>
+          <p:cNvPicPr>
+            <a:picLocks noChangeAspect="1" noChangeArrowheads="1"/>
+          </p:cNvPicPr>
+          <p:nvPr/>
+        </p:nvPicPr>
+        <p:blipFill>
+          <a:blip r:embed="rId5">
+            <a:extLst>
+              <a:ext uri="{28A0092B-C50C-407E-A947-70E740481C1C}">
+                <a14:useLocalDpi xmlns:a14="http://schemas.microsoft.com/office/drawing/2010/main" val="0"/>
+              </a:ext>
+            </a:extLst>
+          </a:blip>
+          <a:srcRect/>
+          <a:stretch>
+            <a:fillRect/>
+          </a:stretch>
+        </p:blipFill>
+        <p:spPr bwMode="auto">
+          <a:xfrm>
+            <a:off x="1515951" y="4164348"/>
+            <a:ext cx="392233" cy="205922"/>
+          </a:xfrm>
+          <a:prstGeom prst="rect">
+            <a:avLst/>
+          </a:prstGeom>
+          <a:noFill/>
+          <a:extLst>
+            <a:ext uri="{909E8E84-426E-40DD-AFC4-6F175D3DCCD1}">
+              <a14:hiddenFill xmlns:a14="http://schemas.microsoft.com/office/drawing/2010/main">
+                <a:solidFill>
+                  <a:srgbClr val="FFFFFF"/>
+                </a:solidFill>
+              </a14:hiddenFill>
+            </a:ext>
+          </a:extLst>
+        </p:spPr>
+      </p:pic>
     </p:spTree>
     <p:extLst>
       <p:ext uri="{BB962C8B-B14F-4D97-AF65-F5344CB8AC3E}">
         <p14:creationId xmlns:p14="http://schemas.microsoft.com/office/powerpoint/2010/main" val="4125351976"/>
+      </p:ext>
+    </p:extLst>
+  </p:cSld>
+  <p:clrMapOvr>
+    <a:masterClrMapping/>
+  </p:clrMapOvr>
+</p:sld>
+</file>
+
+<file path=ppt/slides/slide3.xml><?xml version="1.0" encoding="utf-8"?>
+<p:sld xmlns:a="http://schemas.openxmlformats.org/drawingml/2006/main" xmlns:r="http://schemas.openxmlformats.org/officeDocument/2006/relationships" xmlns:p="http://schemas.openxmlformats.org/presentationml/2006/main">
+  <p:cSld>
+    <p:spTree>
+      <p:nvGrpSpPr>
+        <p:cNvPr id="1" name=""/>
+        <p:cNvGrpSpPr/>
+        <p:nvPr/>
+      </p:nvGrpSpPr>
+      <p:grpSpPr>
+        <a:xfrm>
+          <a:off x="0" y="0"/>
+          <a:ext cx="0" cy="0"/>
+          <a:chOff x="0" y="0"/>
+          <a:chExt cx="0" cy="0"/>
+        </a:xfrm>
+      </p:grpSpPr>
+      <p:grpSp>
+        <p:nvGrpSpPr>
+          <p:cNvPr id="25" name="Group 24">
+            <a:extLst>
+              <a:ext uri="{FF2B5EF4-FFF2-40B4-BE49-F238E27FC236}">
+                <a16:creationId xmlns:a16="http://schemas.microsoft.com/office/drawing/2014/main" id="{381B7712-B201-4D3F-9F95-2B89DC7EC8A9}"/>
+              </a:ext>
+            </a:extLst>
+          </p:cNvPr>
+          <p:cNvGrpSpPr/>
+          <p:nvPr/>
+        </p:nvGrpSpPr>
+        <p:grpSpPr>
+          <a:xfrm>
+            <a:off x="1285295" y="1364473"/>
+            <a:ext cx="914400" cy="914400"/>
+            <a:chOff x="2855015" y="3650473"/>
+            <a:chExt cx="914400" cy="914400"/>
+          </a:xfrm>
+        </p:grpSpPr>
+        <p:sp>
+          <p:nvSpPr>
+            <p:cNvPr id="4" name="Rectangle: Rounded Corners 3">
+              <a:extLst>
+                <a:ext uri="{FF2B5EF4-FFF2-40B4-BE49-F238E27FC236}">
+                  <a16:creationId xmlns:a16="http://schemas.microsoft.com/office/drawing/2014/main" id="{C833E8C7-05EB-4CD2-9132-BD8155636AF5}"/>
+                </a:ext>
+              </a:extLst>
+            </p:cNvPr>
+            <p:cNvSpPr/>
+            <p:nvPr/>
+          </p:nvSpPr>
+          <p:spPr>
+            <a:xfrm rot="2458214">
+              <a:off x="2855015" y="3650473"/>
+              <a:ext cx="914400" cy="914400"/>
+            </a:xfrm>
+            <a:prstGeom prst="roundRect">
+              <a:avLst/>
+            </a:prstGeom>
+            <a:solidFill>
+              <a:srgbClr val="FF0000"/>
+            </a:solidFill>
+            <a:ln>
+              <a:solidFill>
+                <a:srgbClr val="FF0000"/>
+              </a:solidFill>
+            </a:ln>
+          </p:spPr>
+          <p:style>
+            <a:lnRef idx="2">
+              <a:schemeClr val="accent1">
+                <a:shade val="50000"/>
+              </a:schemeClr>
+            </a:lnRef>
+            <a:fillRef idx="1">
+              <a:schemeClr val="accent1"/>
+            </a:fillRef>
+            <a:effectRef idx="0">
+              <a:schemeClr val="accent1"/>
+            </a:effectRef>
+            <a:fontRef idx="minor">
+              <a:schemeClr val="lt1"/>
+            </a:fontRef>
+          </p:style>
+          <p:txBody>
+            <a:bodyPr rtlCol="0" anchor="ctr"/>
+            <a:lstStyle/>
+            <a:p>
+              <a:pPr algn="ctr"/>
+              <a:endParaRPr lang="en-US"/>
+            </a:p>
+          </p:txBody>
+        </p:sp>
+        <p:sp>
+          <p:nvSpPr>
+            <p:cNvPr id="2" name="Oval 1">
+              <a:extLst>
+                <a:ext uri="{FF2B5EF4-FFF2-40B4-BE49-F238E27FC236}">
+                  <a16:creationId xmlns:a16="http://schemas.microsoft.com/office/drawing/2014/main" id="{57ABAD10-D5B5-402E-83A0-D73717CAB5DF}"/>
+                </a:ext>
+              </a:extLst>
+            </p:cNvPr>
+            <p:cNvSpPr/>
+            <p:nvPr/>
+          </p:nvSpPr>
+          <p:spPr>
+            <a:xfrm>
+              <a:off x="3217137" y="3759691"/>
+              <a:ext cx="203886" cy="210065"/>
+            </a:xfrm>
+            <a:prstGeom prst="ellipse">
+              <a:avLst/>
+            </a:prstGeom>
+            <a:solidFill>
+              <a:schemeClr val="bg1"/>
+            </a:solidFill>
+            <a:ln>
+              <a:solidFill>
+                <a:schemeClr val="bg1"/>
+              </a:solidFill>
+            </a:ln>
+          </p:spPr>
+          <p:style>
+            <a:lnRef idx="2">
+              <a:schemeClr val="accent1">
+                <a:shade val="50000"/>
+              </a:schemeClr>
+            </a:lnRef>
+            <a:fillRef idx="1">
+              <a:schemeClr val="accent1"/>
+            </a:fillRef>
+            <a:effectRef idx="0">
+              <a:schemeClr val="accent1"/>
+            </a:effectRef>
+            <a:fontRef idx="minor">
+              <a:schemeClr val="lt1"/>
+            </a:fontRef>
+          </p:style>
+          <p:txBody>
+            <a:bodyPr rtlCol="0" anchor="ctr"/>
+            <a:lstStyle/>
+            <a:p>
+              <a:pPr algn="ctr"/>
+              <a:endParaRPr lang="en-US"/>
+            </a:p>
+          </p:txBody>
+        </p:sp>
+        <p:cxnSp>
+          <p:nvCxnSpPr>
+            <p:cNvPr id="6" name="Straight Connector 5">
+              <a:extLst>
+                <a:ext uri="{FF2B5EF4-FFF2-40B4-BE49-F238E27FC236}">
+                  <a16:creationId xmlns:a16="http://schemas.microsoft.com/office/drawing/2014/main" id="{5C4EB626-9D79-4B80-ABA5-4B73B952092B}"/>
+                </a:ext>
+              </a:extLst>
+            </p:cNvPr>
+            <p:cNvCxnSpPr>
+              <a:cxnSpLocks/>
+            </p:cNvCxnSpPr>
+            <p:nvPr/>
+          </p:nvCxnSpPr>
+          <p:spPr>
+            <a:xfrm>
+              <a:off x="3068949" y="3663122"/>
+              <a:ext cx="446754" cy="367600"/>
+            </a:xfrm>
+            <a:prstGeom prst="line">
+              <a:avLst/>
+            </a:prstGeom>
+            <a:ln w="88900">
+              <a:solidFill>
+                <a:schemeClr val="bg1"/>
+              </a:solidFill>
+            </a:ln>
+          </p:spPr>
+          <p:style>
+            <a:lnRef idx="1">
+              <a:schemeClr val="accent1"/>
+            </a:lnRef>
+            <a:fillRef idx="0">
+              <a:schemeClr val="accent1"/>
+            </a:fillRef>
+            <a:effectRef idx="0">
+              <a:schemeClr val="accent1"/>
+            </a:effectRef>
+            <a:fontRef idx="minor">
+              <a:schemeClr val="tx1"/>
+            </a:fontRef>
+          </p:style>
+        </p:cxnSp>
+        <p:sp>
+          <p:nvSpPr>
+            <p:cNvPr id="8" name="Oval 7">
+              <a:extLst>
+                <a:ext uri="{FF2B5EF4-FFF2-40B4-BE49-F238E27FC236}">
+                  <a16:creationId xmlns:a16="http://schemas.microsoft.com/office/drawing/2014/main" id="{F0DDF4A2-2AAD-424B-82E3-31E94738CD42}"/>
+                </a:ext>
+              </a:extLst>
+            </p:cNvPr>
+            <p:cNvSpPr/>
+            <p:nvPr/>
+          </p:nvSpPr>
+          <p:spPr>
+            <a:xfrm>
+              <a:off x="3467268" y="3975875"/>
+              <a:ext cx="203886" cy="210065"/>
+            </a:xfrm>
+            <a:prstGeom prst="ellipse">
+              <a:avLst/>
+            </a:prstGeom>
+            <a:solidFill>
+              <a:schemeClr val="bg1"/>
+            </a:solidFill>
+            <a:ln>
+              <a:solidFill>
+                <a:schemeClr val="bg1"/>
+              </a:solidFill>
+            </a:ln>
+          </p:spPr>
+          <p:style>
+            <a:lnRef idx="2">
+              <a:schemeClr val="accent1">
+                <a:shade val="50000"/>
+              </a:schemeClr>
+            </a:lnRef>
+            <a:fillRef idx="1">
+              <a:schemeClr val="accent1"/>
+            </a:fillRef>
+            <a:effectRef idx="0">
+              <a:schemeClr val="accent1"/>
+            </a:effectRef>
+            <a:fontRef idx="minor">
+              <a:schemeClr val="lt1"/>
+            </a:fontRef>
+          </p:style>
+          <p:txBody>
+            <a:bodyPr rtlCol="0" anchor="ctr"/>
+            <a:lstStyle/>
+            <a:p>
+              <a:pPr algn="ctr"/>
+              <a:endParaRPr lang="en-US"/>
+            </a:p>
+          </p:txBody>
+        </p:sp>
+        <p:sp>
+          <p:nvSpPr>
+            <p:cNvPr id="9" name="Oval 8">
+              <a:extLst>
+                <a:ext uri="{FF2B5EF4-FFF2-40B4-BE49-F238E27FC236}">
+                  <a16:creationId xmlns:a16="http://schemas.microsoft.com/office/drawing/2014/main" id="{98E372CD-CD6A-406C-BA72-579C9131D3AD}"/>
+                </a:ext>
+              </a:extLst>
+            </p:cNvPr>
+            <p:cNvSpPr/>
+            <p:nvPr/>
+          </p:nvSpPr>
+          <p:spPr>
+            <a:xfrm>
+              <a:off x="3209874" y="4231151"/>
+              <a:ext cx="203886" cy="210065"/>
+            </a:xfrm>
+            <a:prstGeom prst="ellipse">
+              <a:avLst/>
+            </a:prstGeom>
+            <a:solidFill>
+              <a:schemeClr val="bg1"/>
+            </a:solidFill>
+            <a:ln>
+              <a:solidFill>
+                <a:schemeClr val="bg1"/>
+              </a:solidFill>
+            </a:ln>
+          </p:spPr>
+          <p:style>
+            <a:lnRef idx="2">
+              <a:schemeClr val="accent1">
+                <a:shade val="50000"/>
+              </a:schemeClr>
+            </a:lnRef>
+            <a:fillRef idx="1">
+              <a:schemeClr val="accent1"/>
+            </a:fillRef>
+            <a:effectRef idx="0">
+              <a:schemeClr val="accent1"/>
+            </a:effectRef>
+            <a:fontRef idx="minor">
+              <a:schemeClr val="lt1"/>
+            </a:fontRef>
+          </p:style>
+          <p:txBody>
+            <a:bodyPr rtlCol="0" anchor="ctr"/>
+            <a:lstStyle/>
+            <a:p>
+              <a:pPr algn="ctr"/>
+              <a:endParaRPr lang="en-US"/>
+            </a:p>
+          </p:txBody>
+        </p:sp>
+        <p:cxnSp>
+          <p:nvCxnSpPr>
+            <p:cNvPr id="10" name="Straight Connector 9">
+              <a:extLst>
+                <a:ext uri="{FF2B5EF4-FFF2-40B4-BE49-F238E27FC236}">
+                  <a16:creationId xmlns:a16="http://schemas.microsoft.com/office/drawing/2014/main" id="{DC45B270-CF53-4128-8822-E29CCF135665}"/>
+                </a:ext>
+              </a:extLst>
+            </p:cNvPr>
+            <p:cNvCxnSpPr>
+              <a:cxnSpLocks/>
+              <a:stCxn id="2" idx="0"/>
+              <a:endCxn id="9" idx="4"/>
+            </p:cNvCxnSpPr>
+            <p:nvPr/>
+          </p:nvCxnSpPr>
+          <p:spPr>
+            <a:xfrm flipH="1">
+              <a:off x="3311817" y="3759691"/>
+              <a:ext cx="7263" cy="681525"/>
+            </a:xfrm>
+            <a:prstGeom prst="line">
+              <a:avLst/>
+            </a:prstGeom>
+            <a:ln w="88900">
+              <a:solidFill>
+                <a:schemeClr val="bg1"/>
+              </a:solidFill>
+            </a:ln>
+          </p:spPr>
+          <p:style>
+            <a:lnRef idx="1">
+              <a:schemeClr val="accent1"/>
+            </a:lnRef>
+            <a:fillRef idx="0">
+              <a:schemeClr val="accent1"/>
+            </a:fillRef>
+            <a:effectRef idx="0">
+              <a:schemeClr val="accent1"/>
+            </a:effectRef>
+            <a:fontRef idx="minor">
+              <a:schemeClr val="tx1"/>
+            </a:fontRef>
+          </p:style>
+        </p:cxnSp>
+      </p:grpSp>
+    </p:spTree>
+    <p:extLst>
+      <p:ext uri="{BB962C8B-B14F-4D97-AF65-F5344CB8AC3E}">
+        <p14:creationId xmlns:p14="http://schemas.microsoft.com/office/powerpoint/2010/main" val="1118573614"/>
       </p:ext>
     </p:extLst>
   </p:cSld>
